--- a/slides/06-simple-linear-reg-pt2.pptx
+++ b/slides/06-simple-linear-reg-pt2.pptx
@@ -5,7 +5,7 @@
     <p:sldMasterId id="2147483852" r:id="rId1"/>
   </p:sldMasterIdLst>
   <p:notesMasterIdLst>
-    <p:notesMasterId r:id="rId38"/>
+    <p:notesMasterId r:id="rId44"/>
   </p:notesMasterIdLst>
   <p:sldIdLst>
     <p:sldId id="256" r:id="rId2"/>
@@ -21,15 +21,15 @@
     <p:sldId id="517" r:id="rId12"/>
     <p:sldId id="518" r:id="rId13"/>
     <p:sldId id="519" r:id="rId14"/>
-    <p:sldId id="520" r:id="rId15"/>
-    <p:sldId id="521" r:id="rId16"/>
-    <p:sldId id="522" r:id="rId17"/>
-    <p:sldId id="523" r:id="rId18"/>
-    <p:sldId id="524" r:id="rId19"/>
-    <p:sldId id="525" r:id="rId20"/>
+    <p:sldId id="521" r:id="rId15"/>
+    <p:sldId id="522" r:id="rId16"/>
+    <p:sldId id="523" r:id="rId17"/>
+    <p:sldId id="524" r:id="rId18"/>
+    <p:sldId id="525" r:id="rId19"/>
+    <p:sldId id="543" r:id="rId20"/>
     <p:sldId id="529" r:id="rId21"/>
-    <p:sldId id="526" r:id="rId22"/>
-    <p:sldId id="527" r:id="rId23"/>
+    <p:sldId id="544" r:id="rId22"/>
+    <p:sldId id="526" r:id="rId23"/>
     <p:sldId id="528" r:id="rId24"/>
     <p:sldId id="530" r:id="rId25"/>
     <p:sldId id="531" r:id="rId26"/>
@@ -40,10 +40,16 @@
     <p:sldId id="536" r:id="rId31"/>
     <p:sldId id="537" r:id="rId32"/>
     <p:sldId id="538" r:id="rId33"/>
-    <p:sldId id="539" r:id="rId34"/>
-    <p:sldId id="540" r:id="rId35"/>
-    <p:sldId id="541" r:id="rId36"/>
-    <p:sldId id="542" r:id="rId37"/>
+    <p:sldId id="545" r:id="rId34"/>
+    <p:sldId id="539" r:id="rId35"/>
+    <p:sldId id="540" r:id="rId36"/>
+    <p:sldId id="541" r:id="rId37"/>
+    <p:sldId id="542" r:id="rId38"/>
+    <p:sldId id="546" r:id="rId39"/>
+    <p:sldId id="547" r:id="rId40"/>
+    <p:sldId id="548" r:id="rId41"/>
+    <p:sldId id="549" r:id="rId42"/>
+    <p:sldId id="550" r:id="rId43"/>
   </p:sldIdLst>
   <p:sldSz cx="12192000" cy="6858000"/>
   <p:notesSz cx="6858000" cy="9144000"/>
@@ -232,7 +238,7 @@
           <a:p>
             <a:fld id="{3CBB8A52-8AC5-C74C-97FB-632C448F3674}" type="datetimeFigureOut">
               <a:rPr lang="en-US" smtClean="0"/>
-              <a:t>1/29/24</a:t>
+              <a:t>2/6/24</a:t>
             </a:fld>
             <a:endParaRPr lang="en-US"/>
           </a:p>
@@ -825,7 +831,7 @@
     </p:spTree>
     <p:extLst>
       <p:ext uri="{BB962C8B-B14F-4D97-AF65-F5344CB8AC3E}">
-        <p14:creationId xmlns:p14="http://schemas.microsoft.com/office/powerpoint/2010/main" val="2053669567"/>
+        <p14:creationId xmlns:p14="http://schemas.microsoft.com/office/powerpoint/2010/main" val="2873730604"/>
       </p:ext>
     </p:extLst>
   </p:cSld>
@@ -909,7 +915,7 @@
     </p:spTree>
     <p:extLst>
       <p:ext uri="{BB962C8B-B14F-4D97-AF65-F5344CB8AC3E}">
-        <p14:creationId xmlns:p14="http://schemas.microsoft.com/office/powerpoint/2010/main" val="2873730604"/>
+        <p14:creationId xmlns:p14="http://schemas.microsoft.com/office/powerpoint/2010/main" val="4168856579"/>
       </p:ext>
     </p:extLst>
   </p:cSld>
@@ -993,7 +999,7 @@
     </p:spTree>
     <p:extLst>
       <p:ext uri="{BB962C8B-B14F-4D97-AF65-F5344CB8AC3E}">
-        <p14:creationId xmlns:p14="http://schemas.microsoft.com/office/powerpoint/2010/main" val="4168856579"/>
+        <p14:creationId xmlns:p14="http://schemas.microsoft.com/office/powerpoint/2010/main" val="1383334219"/>
       </p:ext>
     </p:extLst>
   </p:cSld>
@@ -1077,7 +1083,7 @@
     </p:spTree>
     <p:extLst>
       <p:ext uri="{BB962C8B-B14F-4D97-AF65-F5344CB8AC3E}">
-        <p14:creationId xmlns:p14="http://schemas.microsoft.com/office/powerpoint/2010/main" val="1383334219"/>
+        <p14:creationId xmlns:p14="http://schemas.microsoft.com/office/powerpoint/2010/main" val="1586832590"/>
       </p:ext>
     </p:extLst>
   </p:cSld>
@@ -1161,7 +1167,7 @@
     </p:spTree>
     <p:extLst>
       <p:ext uri="{BB962C8B-B14F-4D97-AF65-F5344CB8AC3E}">
-        <p14:creationId xmlns:p14="http://schemas.microsoft.com/office/powerpoint/2010/main" val="1586832590"/>
+        <p14:creationId xmlns:p14="http://schemas.microsoft.com/office/powerpoint/2010/main" val="3312417578"/>
       </p:ext>
     </p:extLst>
   </p:cSld>
@@ -1176,7 +1182,13 @@
   <p:cSld>
     <p:spTree>
       <p:nvGrpSpPr>
-        <p:cNvPr id="1" name=""/>
+        <p:cNvPr id="1" name="">
+          <a:extLst>
+            <a:ext uri="{FF2B5EF4-FFF2-40B4-BE49-F238E27FC236}">
+              <a16:creationId xmlns:a16="http://schemas.microsoft.com/office/drawing/2014/main" id="{C04D8880-D6D4-E309-FD4E-C329D9A0D287}"/>
+            </a:ext>
+          </a:extLst>
+        </p:cNvPr>
         <p:cNvGrpSpPr/>
         <p:nvPr/>
       </p:nvGrpSpPr>
@@ -1190,7 +1202,13 @@
       </p:grpSpPr>
       <p:sp>
         <p:nvSpPr>
-          <p:cNvPr id="2" name="Slide Image Placeholder 1"/>
+          <p:cNvPr id="2" name="Slide Image Placeholder 1">
+            <a:extLst>
+              <a:ext uri="{FF2B5EF4-FFF2-40B4-BE49-F238E27FC236}">
+                <a16:creationId xmlns:a16="http://schemas.microsoft.com/office/drawing/2014/main" id="{3FED3991-EDA0-6AAD-4378-22A01D07B5C4}"/>
+              </a:ext>
+            </a:extLst>
+          </p:cNvPr>
           <p:cNvSpPr>
             <a:spLocks noGrp="1" noRot="1" noChangeAspect="1"/>
           </p:cNvSpPr>
@@ -1202,7 +1220,13 @@
       </p:sp>
       <p:sp>
         <p:nvSpPr>
-          <p:cNvPr id="3" name="Notes Placeholder 2"/>
+          <p:cNvPr id="3" name="Notes Placeholder 2">
+            <a:extLst>
+              <a:ext uri="{FF2B5EF4-FFF2-40B4-BE49-F238E27FC236}">
+                <a16:creationId xmlns:a16="http://schemas.microsoft.com/office/drawing/2014/main" id="{EB1AF8EA-FA41-E33B-4FDF-88C7623BA762}"/>
+              </a:ext>
+            </a:extLst>
+          </p:cNvPr>
           <p:cNvSpPr>
             <a:spLocks noGrp="1"/>
           </p:cNvSpPr>
@@ -1221,7 +1245,13 @@
       </p:sp>
       <p:sp>
         <p:nvSpPr>
-          <p:cNvPr id="4" name="Slide Number Placeholder 3"/>
+          <p:cNvPr id="4" name="Slide Number Placeholder 3">
+            <a:extLst>
+              <a:ext uri="{FF2B5EF4-FFF2-40B4-BE49-F238E27FC236}">
+                <a16:creationId xmlns:a16="http://schemas.microsoft.com/office/drawing/2014/main" id="{C7AD5ACB-5240-D492-13D5-A0F5A70E863C}"/>
+              </a:ext>
+            </a:extLst>
+          </p:cNvPr>
           <p:cNvSpPr>
             <a:spLocks noGrp="1"/>
           </p:cNvSpPr>
@@ -1245,7 +1275,7 @@
     </p:spTree>
     <p:extLst>
       <p:ext uri="{BB962C8B-B14F-4D97-AF65-F5344CB8AC3E}">
-        <p14:creationId xmlns:p14="http://schemas.microsoft.com/office/powerpoint/2010/main" val="3312417578"/>
+        <p14:creationId xmlns:p14="http://schemas.microsoft.com/office/powerpoint/2010/main" val="2207518655"/>
       </p:ext>
     </p:extLst>
   </p:cSld>
@@ -1344,7 +1374,13 @@
   <p:cSld>
     <p:spTree>
       <p:nvGrpSpPr>
-        <p:cNvPr id="1" name=""/>
+        <p:cNvPr id="1" name="">
+          <a:extLst>
+            <a:ext uri="{FF2B5EF4-FFF2-40B4-BE49-F238E27FC236}">
+              <a16:creationId xmlns:a16="http://schemas.microsoft.com/office/drawing/2014/main" id="{18A06D0B-1320-F283-B20B-04D16210169C}"/>
+            </a:ext>
+          </a:extLst>
+        </p:cNvPr>
         <p:cNvGrpSpPr/>
         <p:nvPr/>
       </p:nvGrpSpPr>
@@ -1358,7 +1394,13 @@
       </p:grpSpPr>
       <p:sp>
         <p:nvSpPr>
-          <p:cNvPr id="2" name="Slide Image Placeholder 1"/>
+          <p:cNvPr id="2" name="Slide Image Placeholder 1">
+            <a:extLst>
+              <a:ext uri="{FF2B5EF4-FFF2-40B4-BE49-F238E27FC236}">
+                <a16:creationId xmlns:a16="http://schemas.microsoft.com/office/drawing/2014/main" id="{21761EFB-8224-28FE-E406-36EA7B0F211A}"/>
+              </a:ext>
+            </a:extLst>
+          </p:cNvPr>
           <p:cNvSpPr>
             <a:spLocks noGrp="1" noRot="1" noChangeAspect="1"/>
           </p:cNvSpPr>
@@ -1370,7 +1412,13 @@
       </p:sp>
       <p:sp>
         <p:nvSpPr>
-          <p:cNvPr id="3" name="Notes Placeholder 2"/>
+          <p:cNvPr id="3" name="Notes Placeholder 2">
+            <a:extLst>
+              <a:ext uri="{FF2B5EF4-FFF2-40B4-BE49-F238E27FC236}">
+                <a16:creationId xmlns:a16="http://schemas.microsoft.com/office/drawing/2014/main" id="{71FFA88E-A6E1-4CC4-7474-31E0E190C536}"/>
+              </a:ext>
+            </a:extLst>
+          </p:cNvPr>
           <p:cNvSpPr>
             <a:spLocks noGrp="1"/>
           </p:cNvSpPr>
@@ -1389,7 +1437,13 @@
       </p:sp>
       <p:sp>
         <p:nvSpPr>
-          <p:cNvPr id="4" name="Slide Number Placeholder 3"/>
+          <p:cNvPr id="4" name="Slide Number Placeholder 3">
+            <a:extLst>
+              <a:ext uri="{FF2B5EF4-FFF2-40B4-BE49-F238E27FC236}">
+                <a16:creationId xmlns:a16="http://schemas.microsoft.com/office/drawing/2014/main" id="{A8C28435-0CFA-E9A9-2D7F-E94D7F959CCD}"/>
+              </a:ext>
+            </a:extLst>
+          </p:cNvPr>
           <p:cNvSpPr>
             <a:spLocks noGrp="1"/>
           </p:cNvSpPr>
@@ -1413,7 +1467,7 @@
     </p:spTree>
     <p:extLst>
       <p:ext uri="{BB962C8B-B14F-4D97-AF65-F5344CB8AC3E}">
-        <p14:creationId xmlns:p14="http://schemas.microsoft.com/office/powerpoint/2010/main" val="1514032885"/>
+        <p14:creationId xmlns:p14="http://schemas.microsoft.com/office/powerpoint/2010/main" val="3661774548"/>
       </p:ext>
     </p:extLst>
   </p:cSld>
@@ -1581,7 +1635,7 @@
     </p:spTree>
     <p:extLst>
       <p:ext uri="{BB962C8B-B14F-4D97-AF65-F5344CB8AC3E}">
-        <p14:creationId xmlns:p14="http://schemas.microsoft.com/office/powerpoint/2010/main" val="2012615026"/>
+        <p14:creationId xmlns:p14="http://schemas.microsoft.com/office/powerpoint/2010/main" val="1514032885"/>
       </p:ext>
     </p:extLst>
   </p:cSld>
@@ -2520,7 +2574,13 @@
   <p:cSld>
     <p:spTree>
       <p:nvGrpSpPr>
-        <p:cNvPr id="1" name=""/>
+        <p:cNvPr id="1" name="">
+          <a:extLst>
+            <a:ext uri="{FF2B5EF4-FFF2-40B4-BE49-F238E27FC236}">
+              <a16:creationId xmlns:a16="http://schemas.microsoft.com/office/drawing/2014/main" id="{18BA5833-6E95-B21F-4CFF-C96811235B78}"/>
+            </a:ext>
+          </a:extLst>
+        </p:cNvPr>
         <p:cNvGrpSpPr/>
         <p:nvPr/>
       </p:nvGrpSpPr>
@@ -2534,7 +2594,13 @@
       </p:grpSpPr>
       <p:sp>
         <p:nvSpPr>
-          <p:cNvPr id="2" name="Slide Image Placeholder 1"/>
+          <p:cNvPr id="2" name="Slide Image Placeholder 1">
+            <a:extLst>
+              <a:ext uri="{FF2B5EF4-FFF2-40B4-BE49-F238E27FC236}">
+                <a16:creationId xmlns:a16="http://schemas.microsoft.com/office/drawing/2014/main" id="{4FDFD4D2-3511-DE3A-AD38-01C7889C46D3}"/>
+              </a:ext>
+            </a:extLst>
+          </p:cNvPr>
           <p:cNvSpPr>
             <a:spLocks noGrp="1" noRot="1" noChangeAspect="1"/>
           </p:cNvSpPr>
@@ -2546,7 +2612,13 @@
       </p:sp>
       <p:sp>
         <p:nvSpPr>
-          <p:cNvPr id="3" name="Notes Placeholder 2"/>
+          <p:cNvPr id="3" name="Notes Placeholder 2">
+            <a:extLst>
+              <a:ext uri="{FF2B5EF4-FFF2-40B4-BE49-F238E27FC236}">
+                <a16:creationId xmlns:a16="http://schemas.microsoft.com/office/drawing/2014/main" id="{C4541893-3AF0-B557-8D34-8C5B28631560}"/>
+              </a:ext>
+            </a:extLst>
+          </p:cNvPr>
           <p:cNvSpPr>
             <a:spLocks noGrp="1"/>
           </p:cNvSpPr>
@@ -2565,7 +2637,13 @@
       </p:sp>
       <p:sp>
         <p:nvSpPr>
-          <p:cNvPr id="4" name="Slide Number Placeholder 3"/>
+          <p:cNvPr id="4" name="Slide Number Placeholder 3">
+            <a:extLst>
+              <a:ext uri="{FF2B5EF4-FFF2-40B4-BE49-F238E27FC236}">
+                <a16:creationId xmlns:a16="http://schemas.microsoft.com/office/drawing/2014/main" id="{EA0F0447-99DA-0EE2-9DCF-D3E9E2D4B6B5}"/>
+              </a:ext>
+            </a:extLst>
+          </p:cNvPr>
           <p:cNvSpPr>
             <a:spLocks noGrp="1"/>
           </p:cNvSpPr>
@@ -2589,7 +2667,7 @@
     </p:spTree>
     <p:extLst>
       <p:ext uri="{BB962C8B-B14F-4D97-AF65-F5344CB8AC3E}">
-        <p14:creationId xmlns:p14="http://schemas.microsoft.com/office/powerpoint/2010/main" val="2044454476"/>
+        <p14:creationId xmlns:p14="http://schemas.microsoft.com/office/powerpoint/2010/main" val="2308614308"/>
       </p:ext>
     </p:extLst>
   </p:cSld>
@@ -2673,7 +2751,7 @@
     </p:spTree>
     <p:extLst>
       <p:ext uri="{BB962C8B-B14F-4D97-AF65-F5344CB8AC3E}">
-        <p14:creationId xmlns:p14="http://schemas.microsoft.com/office/powerpoint/2010/main" val="3723694716"/>
+        <p14:creationId xmlns:p14="http://schemas.microsoft.com/office/powerpoint/2010/main" val="2044454476"/>
       </p:ext>
     </p:extLst>
   </p:cSld>
@@ -2757,7 +2835,7 @@
     </p:spTree>
     <p:extLst>
       <p:ext uri="{BB962C8B-B14F-4D97-AF65-F5344CB8AC3E}">
-        <p14:creationId xmlns:p14="http://schemas.microsoft.com/office/powerpoint/2010/main" val="35904682"/>
+        <p14:creationId xmlns:p14="http://schemas.microsoft.com/office/powerpoint/2010/main" val="3723694716"/>
       </p:ext>
     </p:extLst>
   </p:cSld>
@@ -2841,7 +2919,580 @@
     </p:spTree>
     <p:extLst>
       <p:ext uri="{BB962C8B-B14F-4D97-AF65-F5344CB8AC3E}">
+        <p14:creationId xmlns:p14="http://schemas.microsoft.com/office/powerpoint/2010/main" val="35904682"/>
+      </p:ext>
+    </p:extLst>
+  </p:cSld>
+  <p:clrMapOvr>
+    <a:masterClrMapping/>
+  </p:clrMapOvr>
+</p:notes>
+</file>
+
+<file path=ppt/notesSlides/notesSlide35.xml><?xml version="1.0" encoding="utf-8"?>
+<p:notes xmlns:a="http://schemas.openxmlformats.org/drawingml/2006/main" xmlns:r="http://schemas.openxmlformats.org/officeDocument/2006/relationships" xmlns:p="http://schemas.openxmlformats.org/presentationml/2006/main">
+  <p:cSld>
+    <p:spTree>
+      <p:nvGrpSpPr>
+        <p:cNvPr id="1" name=""/>
+        <p:cNvGrpSpPr/>
+        <p:nvPr/>
+      </p:nvGrpSpPr>
+      <p:grpSpPr>
+        <a:xfrm>
+          <a:off x="0" y="0"/>
+          <a:ext cx="0" cy="0"/>
+          <a:chOff x="0" y="0"/>
+          <a:chExt cx="0" cy="0"/>
+        </a:xfrm>
+      </p:grpSpPr>
+      <p:sp>
+        <p:nvSpPr>
+          <p:cNvPr id="2" name="Slide Image Placeholder 1"/>
+          <p:cNvSpPr>
+            <a:spLocks noGrp="1" noRot="1" noChangeAspect="1"/>
+          </p:cNvSpPr>
+          <p:nvPr>
+            <p:ph type="sldImg"/>
+          </p:nvPr>
+        </p:nvSpPr>
+        <p:spPr/>
+      </p:sp>
+      <p:sp>
+        <p:nvSpPr>
+          <p:cNvPr id="3" name="Notes Placeholder 2"/>
+          <p:cNvSpPr>
+            <a:spLocks noGrp="1"/>
+          </p:cNvSpPr>
+          <p:nvPr>
+            <p:ph type="body" idx="1"/>
+          </p:nvPr>
+        </p:nvSpPr>
+        <p:spPr/>
+        <p:txBody>
+          <a:bodyPr/>
+          <a:lstStyle/>
+          <a:p>
+            <a:endParaRPr lang="en-US" dirty="0"/>
+          </a:p>
+        </p:txBody>
+      </p:sp>
+      <p:sp>
+        <p:nvSpPr>
+          <p:cNvPr id="4" name="Slide Number Placeholder 3"/>
+          <p:cNvSpPr>
+            <a:spLocks noGrp="1"/>
+          </p:cNvSpPr>
+          <p:nvPr>
+            <p:ph type="sldNum" sz="quarter" idx="5"/>
+          </p:nvPr>
+        </p:nvSpPr>
+        <p:spPr/>
+        <p:txBody>
+          <a:bodyPr/>
+          <a:lstStyle/>
+          <a:p>
+            <a:fld id="{E666506D-5C9B-294C-B2AE-15ACE8B5B9F7}" type="slidenum">
+              <a:rPr lang="en-US" smtClean="0"/>
+              <a:t>37</a:t>
+            </a:fld>
+            <a:endParaRPr lang="en-US"/>
+          </a:p>
+        </p:txBody>
+      </p:sp>
+    </p:spTree>
+    <p:extLst>
+      <p:ext uri="{BB962C8B-B14F-4D97-AF65-F5344CB8AC3E}">
         <p14:creationId xmlns:p14="http://schemas.microsoft.com/office/powerpoint/2010/main" val="746171334"/>
+      </p:ext>
+    </p:extLst>
+  </p:cSld>
+  <p:clrMapOvr>
+    <a:masterClrMapping/>
+  </p:clrMapOvr>
+</p:notes>
+</file>
+
+<file path=ppt/notesSlides/notesSlide36.xml><?xml version="1.0" encoding="utf-8"?>
+<p:notes xmlns:a="http://schemas.openxmlformats.org/drawingml/2006/main" xmlns:r="http://schemas.openxmlformats.org/officeDocument/2006/relationships" xmlns:p="http://schemas.openxmlformats.org/presentationml/2006/main">
+  <p:cSld>
+    <p:spTree>
+      <p:nvGrpSpPr>
+        <p:cNvPr id="1" name="">
+          <a:extLst>
+            <a:ext uri="{FF2B5EF4-FFF2-40B4-BE49-F238E27FC236}">
+              <a16:creationId xmlns:a16="http://schemas.microsoft.com/office/drawing/2014/main" id="{940D5E26-BB5F-AF92-9FC4-8E70898C167F}"/>
+            </a:ext>
+          </a:extLst>
+        </p:cNvPr>
+        <p:cNvGrpSpPr/>
+        <p:nvPr/>
+      </p:nvGrpSpPr>
+      <p:grpSpPr>
+        <a:xfrm>
+          <a:off x="0" y="0"/>
+          <a:ext cx="0" cy="0"/>
+          <a:chOff x="0" y="0"/>
+          <a:chExt cx="0" cy="0"/>
+        </a:xfrm>
+      </p:grpSpPr>
+      <p:sp>
+        <p:nvSpPr>
+          <p:cNvPr id="2" name="Slide Image Placeholder 1">
+            <a:extLst>
+              <a:ext uri="{FF2B5EF4-FFF2-40B4-BE49-F238E27FC236}">
+                <a16:creationId xmlns:a16="http://schemas.microsoft.com/office/drawing/2014/main" id="{91B2D33B-BDA0-87CB-9DBF-8ABC991DDA5B}"/>
+              </a:ext>
+            </a:extLst>
+          </p:cNvPr>
+          <p:cNvSpPr>
+            <a:spLocks noGrp="1" noRot="1" noChangeAspect="1"/>
+          </p:cNvSpPr>
+          <p:nvPr>
+            <p:ph type="sldImg"/>
+          </p:nvPr>
+        </p:nvSpPr>
+        <p:spPr/>
+      </p:sp>
+      <p:sp>
+        <p:nvSpPr>
+          <p:cNvPr id="3" name="Notes Placeholder 2">
+            <a:extLst>
+              <a:ext uri="{FF2B5EF4-FFF2-40B4-BE49-F238E27FC236}">
+                <a16:creationId xmlns:a16="http://schemas.microsoft.com/office/drawing/2014/main" id="{5E45D425-9C8D-7827-7BD4-1CD98253F5BC}"/>
+              </a:ext>
+            </a:extLst>
+          </p:cNvPr>
+          <p:cNvSpPr>
+            <a:spLocks noGrp="1"/>
+          </p:cNvSpPr>
+          <p:nvPr>
+            <p:ph type="body" idx="1"/>
+          </p:nvPr>
+        </p:nvSpPr>
+        <p:spPr/>
+        <p:txBody>
+          <a:bodyPr/>
+          <a:lstStyle/>
+          <a:p>
+            <a:r>
+              <a:rPr lang="en-US" dirty="0"/>
+              <a:t>b_1 will factor in only for state with poverty line = 1 </a:t>
+            </a:r>
+            <a:r>
+              <a:rPr lang="en-US" dirty="0" err="1"/>
+              <a:t>ie</a:t>
+            </a:r>
+            <a:r>
+              <a:rPr lang="en-US" dirty="0"/>
+              <a:t> </a:t>
+            </a:r>
+            <a:r>
+              <a:rPr lang="en-US" dirty="0" err="1"/>
+              <a:t>percapita</a:t>
+            </a:r>
+            <a:r>
+              <a:rPr lang="en-US" dirty="0"/>
+              <a:t> income over poverty line </a:t>
+            </a:r>
+          </a:p>
+        </p:txBody>
+      </p:sp>
+      <p:sp>
+        <p:nvSpPr>
+          <p:cNvPr id="4" name="Slide Number Placeholder 3">
+            <a:extLst>
+              <a:ext uri="{FF2B5EF4-FFF2-40B4-BE49-F238E27FC236}">
+                <a16:creationId xmlns:a16="http://schemas.microsoft.com/office/drawing/2014/main" id="{47152D2E-7552-0AA2-0273-CE5B346FF1E7}"/>
+              </a:ext>
+            </a:extLst>
+          </p:cNvPr>
+          <p:cNvSpPr>
+            <a:spLocks noGrp="1"/>
+          </p:cNvSpPr>
+          <p:nvPr>
+            <p:ph type="sldNum" sz="quarter" idx="5"/>
+          </p:nvPr>
+        </p:nvSpPr>
+        <p:spPr/>
+        <p:txBody>
+          <a:bodyPr/>
+          <a:lstStyle/>
+          <a:p>
+            <a:fld id="{E666506D-5C9B-294C-B2AE-15ACE8B5B9F7}" type="slidenum">
+              <a:rPr lang="en-US" smtClean="0"/>
+              <a:t>38</a:t>
+            </a:fld>
+            <a:endParaRPr lang="en-US"/>
+          </a:p>
+        </p:txBody>
+      </p:sp>
+    </p:spTree>
+    <p:extLst>
+      <p:ext uri="{BB962C8B-B14F-4D97-AF65-F5344CB8AC3E}">
+        <p14:creationId xmlns:p14="http://schemas.microsoft.com/office/powerpoint/2010/main" val="3516139657"/>
+      </p:ext>
+    </p:extLst>
+  </p:cSld>
+  <p:clrMapOvr>
+    <a:masterClrMapping/>
+  </p:clrMapOvr>
+</p:notes>
+</file>
+
+<file path=ppt/notesSlides/notesSlide37.xml><?xml version="1.0" encoding="utf-8"?>
+<p:notes xmlns:a="http://schemas.openxmlformats.org/drawingml/2006/main" xmlns:r="http://schemas.openxmlformats.org/officeDocument/2006/relationships" xmlns:p="http://schemas.openxmlformats.org/presentationml/2006/main">
+  <p:cSld>
+    <p:spTree>
+      <p:nvGrpSpPr>
+        <p:cNvPr id="1" name="">
+          <a:extLst>
+            <a:ext uri="{FF2B5EF4-FFF2-40B4-BE49-F238E27FC236}">
+              <a16:creationId xmlns:a16="http://schemas.microsoft.com/office/drawing/2014/main" id="{3F44961D-7392-50AE-C309-151A47694C55}"/>
+            </a:ext>
+          </a:extLst>
+        </p:cNvPr>
+        <p:cNvGrpSpPr/>
+        <p:nvPr/>
+      </p:nvGrpSpPr>
+      <p:grpSpPr>
+        <a:xfrm>
+          <a:off x="0" y="0"/>
+          <a:ext cx="0" cy="0"/>
+          <a:chOff x="0" y="0"/>
+          <a:chExt cx="0" cy="0"/>
+        </a:xfrm>
+      </p:grpSpPr>
+      <p:sp>
+        <p:nvSpPr>
+          <p:cNvPr id="2" name="Slide Image Placeholder 1">
+            <a:extLst>
+              <a:ext uri="{FF2B5EF4-FFF2-40B4-BE49-F238E27FC236}">
+                <a16:creationId xmlns:a16="http://schemas.microsoft.com/office/drawing/2014/main" id="{7621AD20-FAC1-BAB9-AC87-418D64042954}"/>
+              </a:ext>
+            </a:extLst>
+          </p:cNvPr>
+          <p:cNvSpPr>
+            <a:spLocks noGrp="1" noRot="1" noChangeAspect="1"/>
+          </p:cNvSpPr>
+          <p:nvPr>
+            <p:ph type="sldImg"/>
+          </p:nvPr>
+        </p:nvSpPr>
+        <p:spPr/>
+      </p:sp>
+      <p:sp>
+        <p:nvSpPr>
+          <p:cNvPr id="3" name="Notes Placeholder 2">
+            <a:extLst>
+              <a:ext uri="{FF2B5EF4-FFF2-40B4-BE49-F238E27FC236}">
+                <a16:creationId xmlns:a16="http://schemas.microsoft.com/office/drawing/2014/main" id="{95034B14-07D7-5608-2AE2-ED160BD2D4A3}"/>
+              </a:ext>
+            </a:extLst>
+          </p:cNvPr>
+          <p:cNvSpPr>
+            <a:spLocks noGrp="1"/>
+          </p:cNvSpPr>
+          <p:nvPr>
+            <p:ph type="body" idx="1"/>
+          </p:nvPr>
+        </p:nvSpPr>
+        <p:spPr/>
+        <p:txBody>
+          <a:bodyPr/>
+          <a:lstStyle/>
+          <a:p>
+            <a:r>
+              <a:rPr lang="en-US" dirty="0"/>
+              <a:t>b_1 will factor in only for state with poverty line = 1 </a:t>
+            </a:r>
+            <a:r>
+              <a:rPr lang="en-US" dirty="0" err="1"/>
+              <a:t>ie</a:t>
+            </a:r>
+            <a:r>
+              <a:rPr lang="en-US" dirty="0"/>
+              <a:t> </a:t>
+            </a:r>
+            <a:r>
+              <a:rPr lang="en-US" dirty="0" err="1"/>
+              <a:t>percapita</a:t>
+            </a:r>
+            <a:r>
+              <a:rPr lang="en-US" dirty="0"/>
+              <a:t> income over poverty line </a:t>
+            </a:r>
+          </a:p>
+        </p:txBody>
+      </p:sp>
+      <p:sp>
+        <p:nvSpPr>
+          <p:cNvPr id="4" name="Slide Number Placeholder 3">
+            <a:extLst>
+              <a:ext uri="{FF2B5EF4-FFF2-40B4-BE49-F238E27FC236}">
+                <a16:creationId xmlns:a16="http://schemas.microsoft.com/office/drawing/2014/main" id="{4293788E-47F2-C3B5-E5F6-753044F2D06D}"/>
+              </a:ext>
+            </a:extLst>
+          </p:cNvPr>
+          <p:cNvSpPr>
+            <a:spLocks noGrp="1"/>
+          </p:cNvSpPr>
+          <p:nvPr>
+            <p:ph type="sldNum" sz="quarter" idx="5"/>
+          </p:nvPr>
+        </p:nvSpPr>
+        <p:spPr/>
+        <p:txBody>
+          <a:bodyPr/>
+          <a:lstStyle/>
+          <a:p>
+            <a:fld id="{E666506D-5C9B-294C-B2AE-15ACE8B5B9F7}" type="slidenum">
+              <a:rPr lang="en-US" smtClean="0"/>
+              <a:t>39</a:t>
+            </a:fld>
+            <a:endParaRPr lang="en-US"/>
+          </a:p>
+        </p:txBody>
+      </p:sp>
+    </p:spTree>
+    <p:extLst>
+      <p:ext uri="{BB962C8B-B14F-4D97-AF65-F5344CB8AC3E}">
+        <p14:creationId xmlns:p14="http://schemas.microsoft.com/office/powerpoint/2010/main" val="2640720043"/>
+      </p:ext>
+    </p:extLst>
+  </p:cSld>
+  <p:clrMapOvr>
+    <a:masterClrMapping/>
+  </p:clrMapOvr>
+</p:notes>
+</file>
+
+<file path=ppt/notesSlides/notesSlide38.xml><?xml version="1.0" encoding="utf-8"?>
+<p:notes xmlns:a="http://schemas.openxmlformats.org/drawingml/2006/main" xmlns:r="http://schemas.openxmlformats.org/officeDocument/2006/relationships" xmlns:p="http://schemas.openxmlformats.org/presentationml/2006/main">
+  <p:cSld>
+    <p:spTree>
+      <p:nvGrpSpPr>
+        <p:cNvPr id="1" name="">
+          <a:extLst>
+            <a:ext uri="{FF2B5EF4-FFF2-40B4-BE49-F238E27FC236}">
+              <a16:creationId xmlns:a16="http://schemas.microsoft.com/office/drawing/2014/main" id="{4FE0F2E3-CEFA-16D4-42AA-0BB36B1A5A90}"/>
+            </a:ext>
+          </a:extLst>
+        </p:cNvPr>
+        <p:cNvGrpSpPr/>
+        <p:nvPr/>
+      </p:nvGrpSpPr>
+      <p:grpSpPr>
+        <a:xfrm>
+          <a:off x="0" y="0"/>
+          <a:ext cx="0" cy="0"/>
+          <a:chOff x="0" y="0"/>
+          <a:chExt cx="0" cy="0"/>
+        </a:xfrm>
+      </p:grpSpPr>
+      <p:sp>
+        <p:nvSpPr>
+          <p:cNvPr id="2" name="Slide Image Placeholder 1">
+            <a:extLst>
+              <a:ext uri="{FF2B5EF4-FFF2-40B4-BE49-F238E27FC236}">
+                <a16:creationId xmlns:a16="http://schemas.microsoft.com/office/drawing/2014/main" id="{48AC573F-7082-18A3-D6AA-0514BC7355CE}"/>
+              </a:ext>
+            </a:extLst>
+          </p:cNvPr>
+          <p:cNvSpPr>
+            <a:spLocks noGrp="1" noRot="1" noChangeAspect="1"/>
+          </p:cNvSpPr>
+          <p:nvPr>
+            <p:ph type="sldImg"/>
+          </p:nvPr>
+        </p:nvSpPr>
+        <p:spPr/>
+      </p:sp>
+      <p:sp>
+        <p:nvSpPr>
+          <p:cNvPr id="3" name="Notes Placeholder 2">
+            <a:extLst>
+              <a:ext uri="{FF2B5EF4-FFF2-40B4-BE49-F238E27FC236}">
+                <a16:creationId xmlns:a16="http://schemas.microsoft.com/office/drawing/2014/main" id="{1010B821-2E87-9027-E605-A8EC31AF40DA}"/>
+              </a:ext>
+            </a:extLst>
+          </p:cNvPr>
+          <p:cNvSpPr>
+            <a:spLocks noGrp="1"/>
+          </p:cNvSpPr>
+          <p:nvPr>
+            <p:ph type="body" idx="1"/>
+          </p:nvPr>
+        </p:nvSpPr>
+        <p:spPr/>
+        <p:txBody>
+          <a:bodyPr/>
+          <a:lstStyle/>
+          <a:p>
+            <a:r>
+              <a:rPr lang="en-US" dirty="0"/>
+              <a:t>b_1 will factor in only for state with poverty line = 1 </a:t>
+            </a:r>
+            <a:r>
+              <a:rPr lang="en-US" dirty="0" err="1"/>
+              <a:t>ie</a:t>
+            </a:r>
+            <a:r>
+              <a:rPr lang="en-US" dirty="0"/>
+              <a:t> </a:t>
+            </a:r>
+            <a:r>
+              <a:rPr lang="en-US" dirty="0" err="1"/>
+              <a:t>percapita</a:t>
+            </a:r>
+            <a:r>
+              <a:rPr lang="en-US" dirty="0"/>
+              <a:t> income over poverty line </a:t>
+            </a:r>
+          </a:p>
+        </p:txBody>
+      </p:sp>
+      <p:sp>
+        <p:nvSpPr>
+          <p:cNvPr id="4" name="Slide Number Placeholder 3">
+            <a:extLst>
+              <a:ext uri="{FF2B5EF4-FFF2-40B4-BE49-F238E27FC236}">
+                <a16:creationId xmlns:a16="http://schemas.microsoft.com/office/drawing/2014/main" id="{82CAB60C-5B7C-D0F9-0940-B48408F5D54A}"/>
+              </a:ext>
+            </a:extLst>
+          </p:cNvPr>
+          <p:cNvSpPr>
+            <a:spLocks noGrp="1"/>
+          </p:cNvSpPr>
+          <p:nvPr>
+            <p:ph type="sldNum" sz="quarter" idx="5"/>
+          </p:nvPr>
+        </p:nvSpPr>
+        <p:spPr/>
+        <p:txBody>
+          <a:bodyPr/>
+          <a:lstStyle/>
+          <a:p>
+            <a:fld id="{E666506D-5C9B-294C-B2AE-15ACE8B5B9F7}" type="slidenum">
+              <a:rPr lang="en-US" smtClean="0"/>
+              <a:t>40</a:t>
+            </a:fld>
+            <a:endParaRPr lang="en-US"/>
+          </a:p>
+        </p:txBody>
+      </p:sp>
+    </p:spTree>
+    <p:extLst>
+      <p:ext uri="{BB962C8B-B14F-4D97-AF65-F5344CB8AC3E}">
+        <p14:creationId xmlns:p14="http://schemas.microsoft.com/office/powerpoint/2010/main" val="2871991066"/>
+      </p:ext>
+    </p:extLst>
+  </p:cSld>
+  <p:clrMapOvr>
+    <a:masterClrMapping/>
+  </p:clrMapOvr>
+</p:notes>
+</file>
+
+<file path=ppt/notesSlides/notesSlide39.xml><?xml version="1.0" encoding="utf-8"?>
+<p:notes xmlns:a="http://schemas.openxmlformats.org/drawingml/2006/main" xmlns:r="http://schemas.openxmlformats.org/officeDocument/2006/relationships" xmlns:p="http://schemas.openxmlformats.org/presentationml/2006/main">
+  <p:cSld>
+    <p:spTree>
+      <p:nvGrpSpPr>
+        <p:cNvPr id="1" name="">
+          <a:extLst>
+            <a:ext uri="{FF2B5EF4-FFF2-40B4-BE49-F238E27FC236}">
+              <a16:creationId xmlns:a16="http://schemas.microsoft.com/office/drawing/2014/main" id="{59BA5627-0588-1FB5-9493-455A914A6D65}"/>
+            </a:ext>
+          </a:extLst>
+        </p:cNvPr>
+        <p:cNvGrpSpPr/>
+        <p:nvPr/>
+      </p:nvGrpSpPr>
+      <p:grpSpPr>
+        <a:xfrm>
+          <a:off x="0" y="0"/>
+          <a:ext cx="0" cy="0"/>
+          <a:chOff x="0" y="0"/>
+          <a:chExt cx="0" cy="0"/>
+        </a:xfrm>
+      </p:grpSpPr>
+      <p:sp>
+        <p:nvSpPr>
+          <p:cNvPr id="2" name="Slide Image Placeholder 1">
+            <a:extLst>
+              <a:ext uri="{FF2B5EF4-FFF2-40B4-BE49-F238E27FC236}">
+                <a16:creationId xmlns:a16="http://schemas.microsoft.com/office/drawing/2014/main" id="{8B0B8710-19E7-E75E-2904-144CD2C5F52E}"/>
+              </a:ext>
+            </a:extLst>
+          </p:cNvPr>
+          <p:cNvSpPr>
+            <a:spLocks noGrp="1" noRot="1" noChangeAspect="1"/>
+          </p:cNvSpPr>
+          <p:nvPr>
+            <p:ph type="sldImg"/>
+          </p:nvPr>
+        </p:nvSpPr>
+        <p:spPr/>
+      </p:sp>
+      <p:sp>
+        <p:nvSpPr>
+          <p:cNvPr id="3" name="Notes Placeholder 2">
+            <a:extLst>
+              <a:ext uri="{FF2B5EF4-FFF2-40B4-BE49-F238E27FC236}">
+                <a16:creationId xmlns:a16="http://schemas.microsoft.com/office/drawing/2014/main" id="{BAB7D73D-B306-A85D-9F6E-48732A6043D6}"/>
+              </a:ext>
+            </a:extLst>
+          </p:cNvPr>
+          <p:cNvSpPr>
+            <a:spLocks noGrp="1"/>
+          </p:cNvSpPr>
+          <p:nvPr>
+            <p:ph type="body" idx="1"/>
+          </p:nvPr>
+        </p:nvSpPr>
+        <p:spPr/>
+        <p:txBody>
+          <a:bodyPr/>
+          <a:lstStyle/>
+          <a:p>
+            <a:endParaRPr lang="en-US" dirty="0"/>
+          </a:p>
+        </p:txBody>
+      </p:sp>
+      <p:sp>
+        <p:nvSpPr>
+          <p:cNvPr id="4" name="Slide Number Placeholder 3">
+            <a:extLst>
+              <a:ext uri="{FF2B5EF4-FFF2-40B4-BE49-F238E27FC236}">
+                <a16:creationId xmlns:a16="http://schemas.microsoft.com/office/drawing/2014/main" id="{14FC3E89-90CC-FB2F-E9BA-2A64361E9E22}"/>
+              </a:ext>
+            </a:extLst>
+          </p:cNvPr>
+          <p:cNvSpPr>
+            <a:spLocks noGrp="1"/>
+          </p:cNvSpPr>
+          <p:nvPr>
+            <p:ph type="sldNum" sz="quarter" idx="5"/>
+          </p:nvPr>
+        </p:nvSpPr>
+        <p:spPr/>
+        <p:txBody>
+          <a:bodyPr/>
+          <a:lstStyle/>
+          <a:p>
+            <a:fld id="{E666506D-5C9B-294C-B2AE-15ACE8B5B9F7}" type="slidenum">
+              <a:rPr lang="en-US" smtClean="0"/>
+              <a:t>41</a:t>
+            </a:fld>
+            <a:endParaRPr lang="en-US"/>
+          </a:p>
+        </p:txBody>
+      </p:sp>
+    </p:spTree>
+    <p:extLst>
+      <p:ext uri="{BB962C8B-B14F-4D97-AF65-F5344CB8AC3E}">
+        <p14:creationId xmlns:p14="http://schemas.microsoft.com/office/powerpoint/2010/main" val="2269862973"/>
       </p:ext>
     </p:extLst>
   </p:cSld>
@@ -2926,6 +3577,114 @@
     <p:extLst>
       <p:ext uri="{BB962C8B-B14F-4D97-AF65-F5344CB8AC3E}">
         <p14:creationId xmlns:p14="http://schemas.microsoft.com/office/powerpoint/2010/main" val="1436635905"/>
+      </p:ext>
+    </p:extLst>
+  </p:cSld>
+  <p:clrMapOvr>
+    <a:masterClrMapping/>
+  </p:clrMapOvr>
+</p:notes>
+</file>
+
+<file path=ppt/notesSlides/notesSlide40.xml><?xml version="1.0" encoding="utf-8"?>
+<p:notes xmlns:a="http://schemas.openxmlformats.org/drawingml/2006/main" xmlns:r="http://schemas.openxmlformats.org/officeDocument/2006/relationships" xmlns:p="http://schemas.openxmlformats.org/presentationml/2006/main">
+  <p:cSld>
+    <p:spTree>
+      <p:nvGrpSpPr>
+        <p:cNvPr id="1" name="">
+          <a:extLst>
+            <a:ext uri="{FF2B5EF4-FFF2-40B4-BE49-F238E27FC236}">
+              <a16:creationId xmlns:a16="http://schemas.microsoft.com/office/drawing/2014/main" id="{8A3CB23E-37D9-1050-BD80-EA1CE92A7DA8}"/>
+            </a:ext>
+          </a:extLst>
+        </p:cNvPr>
+        <p:cNvGrpSpPr/>
+        <p:nvPr/>
+      </p:nvGrpSpPr>
+      <p:grpSpPr>
+        <a:xfrm>
+          <a:off x="0" y="0"/>
+          <a:ext cx="0" cy="0"/>
+          <a:chOff x="0" y="0"/>
+          <a:chExt cx="0" cy="0"/>
+        </a:xfrm>
+      </p:grpSpPr>
+      <p:sp>
+        <p:nvSpPr>
+          <p:cNvPr id="2" name="Slide Image Placeholder 1">
+            <a:extLst>
+              <a:ext uri="{FF2B5EF4-FFF2-40B4-BE49-F238E27FC236}">
+                <a16:creationId xmlns:a16="http://schemas.microsoft.com/office/drawing/2014/main" id="{AC8EE7ED-1022-1355-7B87-8E263B24CAFB}"/>
+              </a:ext>
+            </a:extLst>
+          </p:cNvPr>
+          <p:cNvSpPr>
+            <a:spLocks noGrp="1" noRot="1" noChangeAspect="1"/>
+          </p:cNvSpPr>
+          <p:nvPr>
+            <p:ph type="sldImg"/>
+          </p:nvPr>
+        </p:nvSpPr>
+        <p:spPr/>
+      </p:sp>
+      <p:sp>
+        <p:nvSpPr>
+          <p:cNvPr id="3" name="Notes Placeholder 2">
+            <a:extLst>
+              <a:ext uri="{FF2B5EF4-FFF2-40B4-BE49-F238E27FC236}">
+                <a16:creationId xmlns:a16="http://schemas.microsoft.com/office/drawing/2014/main" id="{3CC239CC-9866-9A4E-59E7-FD57CA618D1B}"/>
+              </a:ext>
+            </a:extLst>
+          </p:cNvPr>
+          <p:cNvSpPr>
+            <a:spLocks noGrp="1"/>
+          </p:cNvSpPr>
+          <p:nvPr>
+            <p:ph type="body" idx="1"/>
+          </p:nvPr>
+        </p:nvSpPr>
+        <p:spPr/>
+        <p:txBody>
+          <a:bodyPr/>
+          <a:lstStyle/>
+          <a:p>
+            <a:endParaRPr lang="en-US" dirty="0"/>
+          </a:p>
+        </p:txBody>
+      </p:sp>
+      <p:sp>
+        <p:nvSpPr>
+          <p:cNvPr id="4" name="Slide Number Placeholder 3">
+            <a:extLst>
+              <a:ext uri="{FF2B5EF4-FFF2-40B4-BE49-F238E27FC236}">
+                <a16:creationId xmlns:a16="http://schemas.microsoft.com/office/drawing/2014/main" id="{22E0F2A6-AC97-C1B4-0A59-FC24E89DF2CA}"/>
+              </a:ext>
+            </a:extLst>
+          </p:cNvPr>
+          <p:cNvSpPr>
+            <a:spLocks noGrp="1"/>
+          </p:cNvSpPr>
+          <p:nvPr>
+            <p:ph type="sldNum" sz="quarter" idx="5"/>
+          </p:nvPr>
+        </p:nvSpPr>
+        <p:spPr/>
+        <p:txBody>
+          <a:bodyPr/>
+          <a:lstStyle/>
+          <a:p>
+            <a:fld id="{E666506D-5C9B-294C-B2AE-15ACE8B5B9F7}" type="slidenum">
+              <a:rPr lang="en-US" smtClean="0"/>
+              <a:t>42</a:t>
+            </a:fld>
+            <a:endParaRPr lang="en-US"/>
+          </a:p>
+        </p:txBody>
+      </p:sp>
+    </p:spTree>
+    <p:extLst>
+      <p:ext uri="{BB962C8B-B14F-4D97-AF65-F5344CB8AC3E}">
+        <p14:creationId xmlns:p14="http://schemas.microsoft.com/office/powerpoint/2010/main" val="3804262771"/>
       </p:ext>
     </p:extLst>
   </p:cSld>
@@ -3580,7 +4339,7 @@
             <a:fld id="{5586B75A-687E-405C-8A0B-8D00578BA2C3}" type="datetimeFigureOut">
               <a:rPr lang="en-US" smtClean="0"/>
               <a:pPr/>
-              <a:t>1/29/24</a:t>
+              <a:t>2/6/24</a:t>
             </a:fld>
             <a:endParaRPr lang="en-US" dirty="0"/>
           </a:p>
@@ -3752,7 +4511,7 @@
             <a:fld id="{5586B75A-687E-405C-8A0B-8D00578BA2C3}" type="datetimeFigureOut">
               <a:rPr lang="en-US" smtClean="0"/>
               <a:pPr/>
-              <a:t>1/29/24</a:t>
+              <a:t>2/6/24</a:t>
             </a:fld>
             <a:endParaRPr lang="en-US" dirty="0"/>
           </a:p>
@@ -3934,7 +4693,7 @@
             <a:fld id="{5586B75A-687E-405C-8A0B-8D00578BA2C3}" type="datetimeFigureOut">
               <a:rPr lang="en-US" smtClean="0"/>
               <a:pPr/>
-              <a:t>1/29/24</a:t>
+              <a:t>2/6/24</a:t>
             </a:fld>
             <a:endParaRPr lang="en-US" dirty="0"/>
           </a:p>
@@ -4106,7 +4865,7 @@
             <a:fld id="{5586B75A-687E-405C-8A0B-8D00578BA2C3}" type="datetimeFigureOut">
               <a:rPr lang="en-US" smtClean="0"/>
               <a:pPr/>
-              <a:t>1/29/24</a:t>
+              <a:t>2/6/24</a:t>
             </a:fld>
             <a:endParaRPr lang="en-US" dirty="0"/>
           </a:p>
@@ -4362,7 +5121,7 @@
             <a:fld id="{5586B75A-687E-405C-8A0B-8D00578BA2C3}" type="datetimeFigureOut">
               <a:rPr lang="en-US" smtClean="0"/>
               <a:pPr/>
-              <a:t>1/29/24</a:t>
+              <a:t>2/6/24</a:t>
             </a:fld>
             <a:endParaRPr lang="en-US" dirty="0"/>
           </a:p>
@@ -4652,7 +5411,7 @@
             <a:fld id="{5586B75A-687E-405C-8A0B-8D00578BA2C3}" type="datetimeFigureOut">
               <a:rPr lang="en-US" smtClean="0"/>
               <a:pPr/>
-              <a:t>1/29/24</a:t>
+              <a:t>2/6/24</a:t>
             </a:fld>
             <a:endParaRPr lang="en-US" dirty="0"/>
           </a:p>
@@ -5096,7 +5855,7 @@
             <a:fld id="{5586B75A-687E-405C-8A0B-8D00578BA2C3}" type="datetimeFigureOut">
               <a:rPr lang="en-US" smtClean="0"/>
               <a:pPr/>
-              <a:t>1/29/24</a:t>
+              <a:t>2/6/24</a:t>
             </a:fld>
             <a:endParaRPr lang="en-US" dirty="0"/>
           </a:p>
@@ -5216,7 +5975,7 @@
             <a:fld id="{5586B75A-687E-405C-8A0B-8D00578BA2C3}" type="datetimeFigureOut">
               <a:rPr lang="en-US" smtClean="0"/>
               <a:pPr/>
-              <a:t>1/29/24</a:t>
+              <a:t>2/6/24</a:t>
             </a:fld>
             <a:endParaRPr lang="en-US" dirty="0"/>
           </a:p>
@@ -5313,7 +6072,7 @@
             <a:fld id="{5586B75A-687E-405C-8A0B-8D00578BA2C3}" type="datetimeFigureOut">
               <a:rPr lang="en-US" smtClean="0"/>
               <a:pPr/>
-              <a:t>1/29/24</a:t>
+              <a:t>2/6/24</a:t>
             </a:fld>
             <a:endParaRPr lang="en-US" dirty="0"/>
           </a:p>
@@ -5603,7 +6362,7 @@
             <a:fld id="{5586B75A-687E-405C-8A0B-8D00578BA2C3}" type="datetimeFigureOut">
               <a:rPr lang="en-US" smtClean="0"/>
               <a:pPr/>
-              <a:t>1/29/24</a:t>
+              <a:t>2/6/24</a:t>
             </a:fld>
             <a:endParaRPr lang="en-US" dirty="0"/>
           </a:p>
@@ -5878,7 +6637,7 @@
             <a:fld id="{5586B75A-687E-405C-8A0B-8D00578BA2C3}" type="datetimeFigureOut">
               <a:rPr lang="en-US" smtClean="0"/>
               <a:pPr/>
-              <a:t>1/29/24</a:t>
+              <a:t>2/6/24</a:t>
             </a:fld>
             <a:endParaRPr lang="en-US" dirty="0"/>
           </a:p>
@@ -6177,7 +6936,7 @@
             <a:fld id="{5586B75A-687E-405C-8A0B-8D00578BA2C3}" type="datetimeFigureOut">
               <a:rPr lang="en-US" smtClean="0"/>
               <a:pPr/>
-              <a:t>1/29/24</a:t>
+              <a:t>2/6/24</a:t>
             </a:fld>
             <a:endParaRPr lang="en-US" dirty="0"/>
           </a:p>
@@ -14687,1921 +15446,6 @@
 </file>
 
 <file path=ppt/slides/slide14.xml><?xml version="1.0" encoding="utf-8"?>
-<p:sld xmlns:a="http://schemas.openxmlformats.org/drawingml/2006/main" xmlns:r="http://schemas.openxmlformats.org/officeDocument/2006/relationships" xmlns:p="http://schemas.openxmlformats.org/presentationml/2006/main">
-  <p:cSld>
-    <p:spTree>
-      <p:nvGrpSpPr>
-        <p:cNvPr id="1" name=""/>
-        <p:cNvGrpSpPr/>
-        <p:nvPr/>
-      </p:nvGrpSpPr>
-      <p:grpSpPr>
-        <a:xfrm>
-          <a:off x="0" y="0"/>
-          <a:ext cx="0" cy="0"/>
-          <a:chOff x="0" y="0"/>
-          <a:chExt cx="0" cy="0"/>
-        </a:xfrm>
-      </p:grpSpPr>
-      <p:sp>
-        <p:nvSpPr>
-          <p:cNvPr id="2" name="Title 1">
-            <a:extLst>
-              <a:ext uri="{FF2B5EF4-FFF2-40B4-BE49-F238E27FC236}">
-                <a16:creationId xmlns:a16="http://schemas.microsoft.com/office/drawing/2014/main" id="{10D330C2-52A4-1ABA-980B-56FBC97F350C}"/>
-              </a:ext>
-            </a:extLst>
-          </p:cNvPr>
-          <p:cNvSpPr>
-            <a:spLocks noGrp="1"/>
-          </p:cNvSpPr>
-          <p:nvPr>
-            <p:ph type="title"/>
-          </p:nvPr>
-        </p:nvSpPr>
-        <p:spPr/>
-        <p:txBody>
-          <a:bodyPr/>
-          <a:lstStyle/>
-          <a:p>
-            <a:r>
-              <a:rPr lang="en-US" dirty="0"/>
-              <a:t>Least Squares Line</a:t>
-            </a:r>
-          </a:p>
-        </p:txBody>
-      </p:sp>
-      <p:grpSp>
-        <p:nvGrpSpPr>
-          <p:cNvPr id="7" name="object 5">
-            <a:extLst>
-              <a:ext uri="{FF2B5EF4-FFF2-40B4-BE49-F238E27FC236}">
-                <a16:creationId xmlns:a16="http://schemas.microsoft.com/office/drawing/2014/main" id="{B786B51F-8DFF-E425-C021-B0E1678EA954}"/>
-              </a:ext>
-            </a:extLst>
-          </p:cNvPr>
-          <p:cNvGrpSpPr/>
-          <p:nvPr/>
-        </p:nvGrpSpPr>
-        <p:grpSpPr>
-          <a:xfrm>
-            <a:off x="3571558" y="188874"/>
-            <a:ext cx="8058969" cy="1500603"/>
-            <a:chOff x="138547" y="2205985"/>
-            <a:chExt cx="4331335" cy="661670"/>
-          </a:xfrm>
-        </p:grpSpPr>
-        <p:sp>
-          <p:nvSpPr>
-            <p:cNvPr id="8" name="object 6">
-              <a:extLst>
-                <a:ext uri="{FF2B5EF4-FFF2-40B4-BE49-F238E27FC236}">
-                  <a16:creationId xmlns:a16="http://schemas.microsoft.com/office/drawing/2014/main" id="{7D4A551F-A300-1680-AAB9-0573C9C28B2D}"/>
-                </a:ext>
-              </a:extLst>
-            </p:cNvPr>
-            <p:cNvSpPr/>
-            <p:nvPr/>
-          </p:nvSpPr>
-          <p:spPr>
-            <a:xfrm>
-              <a:off x="138547" y="2205985"/>
-              <a:ext cx="4331335" cy="661670"/>
-            </a:xfrm>
-            <a:custGeom>
-              <a:avLst/>
-              <a:gdLst/>
-              <a:ahLst/>
-              <a:cxnLst/>
-              <a:rect l="l" t="t" r="r" b="b"/>
-              <a:pathLst>
-                <a:path w="4331335" h="661669">
-                  <a:moveTo>
-                    <a:pt x="4276964" y="0"/>
-                  </a:moveTo>
-                  <a:lnTo>
-                    <a:pt x="54000" y="0"/>
-                  </a:lnTo>
-                  <a:lnTo>
-                    <a:pt x="32980" y="4243"/>
-                  </a:lnTo>
-                  <a:lnTo>
-                    <a:pt x="15816" y="15816"/>
-                  </a:lnTo>
-                  <a:lnTo>
-                    <a:pt x="4243" y="32980"/>
-                  </a:lnTo>
-                  <a:lnTo>
-                    <a:pt x="0" y="54000"/>
-                  </a:lnTo>
-                  <a:lnTo>
-                    <a:pt x="0" y="607445"/>
-                  </a:lnTo>
-                  <a:lnTo>
-                    <a:pt x="4243" y="628465"/>
-                  </a:lnTo>
-                  <a:lnTo>
-                    <a:pt x="15816" y="645629"/>
-                  </a:lnTo>
-                  <a:lnTo>
-                    <a:pt x="32980" y="657202"/>
-                  </a:lnTo>
-                  <a:lnTo>
-                    <a:pt x="54000" y="661446"/>
-                  </a:lnTo>
-                  <a:lnTo>
-                    <a:pt x="4276964" y="661446"/>
-                  </a:lnTo>
-                  <a:lnTo>
-                    <a:pt x="4297984" y="657202"/>
-                  </a:lnTo>
-                  <a:lnTo>
-                    <a:pt x="4315149" y="645629"/>
-                  </a:lnTo>
-                  <a:lnTo>
-                    <a:pt x="4326721" y="628465"/>
-                  </a:lnTo>
-                  <a:lnTo>
-                    <a:pt x="4330965" y="607445"/>
-                  </a:lnTo>
-                  <a:lnTo>
-                    <a:pt x="4330965" y="54000"/>
-                  </a:lnTo>
-                  <a:lnTo>
-                    <a:pt x="4326721" y="32980"/>
-                  </a:lnTo>
-                  <a:lnTo>
-                    <a:pt x="4315149" y="15816"/>
-                  </a:lnTo>
-                  <a:lnTo>
-                    <a:pt x="4297984" y="4243"/>
-                  </a:lnTo>
-                  <a:lnTo>
-                    <a:pt x="4276964" y="0"/>
-                  </a:lnTo>
-                  <a:close/>
-                </a:path>
-              </a:pathLst>
-            </a:custGeom>
-            <a:solidFill>
-              <a:srgbClr val="A8E2A0"/>
-            </a:solidFill>
-          </p:spPr>
-          <p:txBody>
-            <a:bodyPr wrap="square" lIns="0" tIns="0" rIns="0" bIns="0" rtlCol="0"/>
-            <a:lstStyle/>
-            <a:p>
-              <a:endParaRPr sz="2400"/>
-            </a:p>
-          </p:txBody>
-        </p:sp>
-        <p:sp>
-          <p:nvSpPr>
-            <p:cNvPr id="9" name="object 7">
-              <a:extLst>
-                <a:ext uri="{FF2B5EF4-FFF2-40B4-BE49-F238E27FC236}">
-                  <a16:creationId xmlns:a16="http://schemas.microsoft.com/office/drawing/2014/main" id="{871C9135-618E-9340-6EFD-DBC624C0AD08}"/>
-                </a:ext>
-              </a:extLst>
-            </p:cNvPr>
-            <p:cNvSpPr/>
-            <p:nvPr/>
-          </p:nvSpPr>
-          <p:spPr>
-            <a:xfrm>
-              <a:off x="156547" y="2437139"/>
-              <a:ext cx="4295140" cy="412750"/>
-            </a:xfrm>
-            <a:custGeom>
-              <a:avLst/>
-              <a:gdLst/>
-              <a:ahLst/>
-              <a:cxnLst/>
-              <a:rect l="l" t="t" r="r" b="b"/>
-              <a:pathLst>
-                <a:path w="4295140" h="412750">
-                  <a:moveTo>
-                    <a:pt x="4294965" y="0"/>
-                  </a:moveTo>
-                  <a:lnTo>
-                    <a:pt x="0" y="0"/>
-                  </a:lnTo>
-                  <a:lnTo>
-                    <a:pt x="0" y="376291"/>
-                  </a:lnTo>
-                  <a:lnTo>
-                    <a:pt x="2829" y="390304"/>
-                  </a:lnTo>
-                  <a:lnTo>
-                    <a:pt x="10544" y="401748"/>
-                  </a:lnTo>
-                  <a:lnTo>
-                    <a:pt x="21987" y="409463"/>
-                  </a:lnTo>
-                  <a:lnTo>
-                    <a:pt x="36000" y="412292"/>
-                  </a:lnTo>
-                  <a:lnTo>
-                    <a:pt x="4258964" y="412292"/>
-                  </a:lnTo>
-                  <a:lnTo>
-                    <a:pt x="4272977" y="409463"/>
-                  </a:lnTo>
-                  <a:lnTo>
-                    <a:pt x="4284420" y="401748"/>
-                  </a:lnTo>
-                  <a:lnTo>
-                    <a:pt x="4292136" y="390304"/>
-                  </a:lnTo>
-                  <a:lnTo>
-                    <a:pt x="4294965" y="376291"/>
-                  </a:lnTo>
-                  <a:lnTo>
-                    <a:pt x="4294965" y="0"/>
-                  </a:lnTo>
-                  <a:close/>
-                </a:path>
-              </a:pathLst>
-            </a:custGeom>
-            <a:solidFill>
-              <a:srgbClr val="F1FAF0"/>
-            </a:solidFill>
-          </p:spPr>
-          <p:txBody>
-            <a:bodyPr wrap="square" lIns="0" tIns="0" rIns="0" bIns="0" rtlCol="0"/>
-            <a:lstStyle/>
-            <a:p>
-              <a:endParaRPr sz="2400"/>
-            </a:p>
-          </p:txBody>
-        </p:sp>
-      </p:grpSp>
-      <p:sp>
-        <p:nvSpPr>
-          <p:cNvPr id="11" name="object 8">
-            <a:extLst>
-              <a:ext uri="{FF2B5EF4-FFF2-40B4-BE49-F238E27FC236}">
-                <a16:creationId xmlns:a16="http://schemas.microsoft.com/office/drawing/2014/main" id="{582FCF7A-84A4-7010-8B11-539CFD703CDD}"/>
-              </a:ext>
-            </a:extLst>
-          </p:cNvPr>
-          <p:cNvSpPr txBox="1"/>
-          <p:nvPr/>
-        </p:nvSpPr>
-        <p:spPr>
-          <a:xfrm>
-            <a:off x="3659398" y="220958"/>
-            <a:ext cx="7937275" cy="1276953"/>
-          </a:xfrm>
-          <a:prstGeom prst="rect">
-            <a:avLst/>
-          </a:prstGeom>
-        </p:spPr>
-        <p:txBody>
-          <a:bodyPr vert="horz" wrap="square" lIns="0" tIns="93980" rIns="0" bIns="0" rtlCol="0">
-            <a:spAutoFit/>
-          </a:bodyPr>
-          <a:lstStyle/>
-          <a:p>
-            <a:pPr marL="40640">
-              <a:lnSpc>
-                <a:spcPct val="100000"/>
-              </a:lnSpc>
-              <a:spcBef>
-                <a:spcPts val="740"/>
-              </a:spcBef>
-            </a:pPr>
-            <a:r>
-              <a:rPr sz="2400" dirty="0">
-                <a:latin typeface="Arial"/>
-                <a:cs typeface="Arial"/>
-              </a:rPr>
-              <a:t>Motivating</a:t>
-            </a:r>
-            <a:r>
-              <a:rPr sz="2400" spc="-50" dirty="0">
-                <a:latin typeface="Arial"/>
-                <a:cs typeface="Arial"/>
-              </a:rPr>
-              <a:t> </a:t>
-            </a:r>
-            <a:r>
-              <a:rPr sz="2400" spc="-10" dirty="0">
-                <a:latin typeface="Arial"/>
-                <a:cs typeface="Arial"/>
-              </a:rPr>
-              <a:t>Question</a:t>
-            </a:r>
-            <a:endParaRPr sz="2400" dirty="0">
-              <a:latin typeface="Arial"/>
-              <a:cs typeface="Arial"/>
-            </a:endParaRPr>
-          </a:p>
-          <a:p>
-            <a:pPr marL="40640" marR="30480">
-              <a:lnSpc>
-                <a:spcPct val="102600"/>
-              </a:lnSpc>
-              <a:spcBef>
-                <a:spcPts val="610"/>
-              </a:spcBef>
-            </a:pPr>
-            <a:r>
-              <a:rPr sz="2400" spc="-20" dirty="0">
-                <a:latin typeface="Arial"/>
-                <a:cs typeface="Arial"/>
-              </a:rPr>
-              <a:t>Is</a:t>
-            </a:r>
-            <a:r>
-              <a:rPr sz="2400" spc="-15" dirty="0">
-                <a:latin typeface="Arial"/>
-                <a:cs typeface="Arial"/>
-              </a:rPr>
-              <a:t> </a:t>
-            </a:r>
-            <a:r>
-              <a:rPr sz="2400" spc="-30" dirty="0">
-                <a:latin typeface="Arial"/>
-                <a:cs typeface="Arial"/>
-              </a:rPr>
-              <a:t>there</a:t>
-            </a:r>
-            <a:r>
-              <a:rPr sz="2400" spc="-10" dirty="0">
-                <a:latin typeface="Arial"/>
-                <a:cs typeface="Arial"/>
-              </a:rPr>
-              <a:t> </a:t>
-            </a:r>
-            <a:r>
-              <a:rPr sz="2400" spc="-30" dirty="0">
-                <a:latin typeface="Arial"/>
-                <a:cs typeface="Arial"/>
-              </a:rPr>
-              <a:t>an</a:t>
-            </a:r>
-            <a:r>
-              <a:rPr sz="2400" spc="-10" dirty="0">
-                <a:latin typeface="Arial"/>
-                <a:cs typeface="Arial"/>
-              </a:rPr>
-              <a:t> </a:t>
-            </a:r>
-            <a:r>
-              <a:rPr sz="2400" spc="-50" dirty="0">
-                <a:latin typeface="Arial"/>
-                <a:cs typeface="Arial"/>
-              </a:rPr>
-              <a:t>association</a:t>
-            </a:r>
-            <a:r>
-              <a:rPr sz="2400" spc="-10" dirty="0">
-                <a:latin typeface="Arial"/>
-                <a:cs typeface="Arial"/>
-              </a:rPr>
-              <a:t> </a:t>
-            </a:r>
-            <a:r>
-              <a:rPr sz="2400" spc="-65" dirty="0">
-                <a:latin typeface="Arial"/>
-                <a:cs typeface="Arial"/>
-              </a:rPr>
-              <a:t>between</a:t>
-            </a:r>
-            <a:r>
-              <a:rPr sz="2400" spc="-10" dirty="0">
-                <a:latin typeface="Arial"/>
-                <a:cs typeface="Arial"/>
-              </a:rPr>
-              <a:t> </a:t>
-            </a:r>
-            <a:r>
-              <a:rPr sz="2400" spc="-45" dirty="0">
-                <a:latin typeface="Arial"/>
-                <a:cs typeface="Arial"/>
-              </a:rPr>
-              <a:t>per-</a:t>
-            </a:r>
-            <a:r>
-              <a:rPr sz="2400" spc="-30" dirty="0">
-                <a:latin typeface="Arial"/>
-                <a:cs typeface="Arial"/>
-              </a:rPr>
-              <a:t>capita</a:t>
-            </a:r>
-            <a:r>
-              <a:rPr sz="2400" spc="-10" dirty="0">
-                <a:latin typeface="Arial"/>
-                <a:cs typeface="Arial"/>
-              </a:rPr>
-              <a:t> </a:t>
-            </a:r>
-            <a:r>
-              <a:rPr sz="2400" spc="-55" dirty="0">
-                <a:latin typeface="Arial"/>
-                <a:cs typeface="Arial"/>
-              </a:rPr>
-              <a:t>income</a:t>
-            </a:r>
-            <a:r>
-              <a:rPr sz="2400" spc="-10" dirty="0">
-                <a:latin typeface="Arial"/>
-                <a:cs typeface="Arial"/>
-              </a:rPr>
-              <a:t> </a:t>
-            </a:r>
-            <a:r>
-              <a:rPr sz="2400" spc="-40" dirty="0">
-                <a:latin typeface="Arial"/>
-                <a:cs typeface="Arial"/>
-              </a:rPr>
-              <a:t>and</a:t>
-            </a:r>
-            <a:r>
-              <a:rPr sz="2400" spc="-10" dirty="0">
-                <a:latin typeface="Arial"/>
-                <a:cs typeface="Arial"/>
-              </a:rPr>
-              <a:t> </a:t>
-            </a:r>
-            <a:r>
-              <a:rPr sz="2400" dirty="0">
-                <a:latin typeface="Arial"/>
-                <a:cs typeface="Arial"/>
-              </a:rPr>
-              <a:t>life</a:t>
-            </a:r>
-            <a:r>
-              <a:rPr sz="2400" spc="-10" dirty="0">
-                <a:latin typeface="Arial"/>
-                <a:cs typeface="Arial"/>
-              </a:rPr>
-              <a:t> </a:t>
-            </a:r>
-            <a:r>
-              <a:rPr sz="2400" spc="-55" dirty="0">
-                <a:latin typeface="Arial"/>
-                <a:cs typeface="Arial"/>
-              </a:rPr>
-              <a:t>expectancy</a:t>
-            </a:r>
-            <a:r>
-              <a:rPr sz="2400" spc="-10" dirty="0">
-                <a:latin typeface="Arial"/>
-                <a:cs typeface="Arial"/>
-              </a:rPr>
-              <a:t> </a:t>
-            </a:r>
-            <a:r>
-              <a:rPr sz="2400" spc="-25" dirty="0">
-                <a:latin typeface="Arial"/>
-                <a:cs typeface="Arial"/>
-              </a:rPr>
-              <a:t>in </a:t>
-            </a:r>
-            <a:r>
-              <a:rPr sz="2400" dirty="0">
-                <a:latin typeface="Arial"/>
-                <a:cs typeface="Arial"/>
-              </a:rPr>
-              <a:t>the</a:t>
-            </a:r>
-            <a:r>
-              <a:rPr sz="2400" spc="-40" dirty="0">
-                <a:latin typeface="Arial"/>
-                <a:cs typeface="Arial"/>
-              </a:rPr>
-              <a:t> </a:t>
-            </a:r>
-            <a:r>
-              <a:rPr sz="2400" spc="-20" dirty="0">
-                <a:latin typeface="Arial"/>
-                <a:cs typeface="Arial"/>
-              </a:rPr>
-              <a:t>United</a:t>
-            </a:r>
-            <a:r>
-              <a:rPr sz="2400" spc="-40" dirty="0">
-                <a:latin typeface="Arial"/>
-                <a:cs typeface="Arial"/>
-              </a:rPr>
-              <a:t> </a:t>
-            </a:r>
-            <a:r>
-              <a:rPr sz="2400" spc="-10" dirty="0">
-                <a:latin typeface="Arial"/>
-                <a:cs typeface="Arial"/>
-              </a:rPr>
-              <a:t>States?</a:t>
-            </a:r>
-            <a:endParaRPr sz="2400" dirty="0">
-              <a:latin typeface="Arial"/>
-              <a:cs typeface="Arial"/>
-            </a:endParaRPr>
-          </a:p>
-        </p:txBody>
-      </p:sp>
-      <mc:AlternateContent xmlns:mc="http://schemas.openxmlformats.org/markup-compatibility/2006">
-        <mc:Choice xmlns:a14="http://schemas.microsoft.com/office/drawing/2010/main" Requires="a14">
-          <p:sp>
-            <p:nvSpPr>
-              <p:cNvPr id="13" name="TextBox 12">
-                <a:extLst>
-                  <a:ext uri="{FF2B5EF4-FFF2-40B4-BE49-F238E27FC236}">
-                    <a16:creationId xmlns:a16="http://schemas.microsoft.com/office/drawing/2014/main" id="{C255C460-F03F-25FE-575C-226CE42B70ED}"/>
-                  </a:ext>
-                </a:extLst>
-              </p:cNvPr>
-              <p:cNvSpPr txBox="1"/>
-              <p:nvPr/>
-            </p:nvSpPr>
-            <p:spPr>
-              <a:xfrm>
-                <a:off x="3434779" y="2342148"/>
-                <a:ext cx="2859791" cy="2246769"/>
-              </a:xfrm>
-              <a:prstGeom prst="rect">
-                <a:avLst/>
-              </a:prstGeom>
-              <a:noFill/>
-            </p:spPr>
-            <p:txBody>
-              <a:bodyPr wrap="square" rtlCol="0">
-                <a:spAutoFit/>
-              </a:bodyPr>
-              <a:lstStyle/>
-              <a:p>
-                <a:r>
-                  <a:rPr lang="en-US" sz="2000" b="1" i="1" dirty="0"/>
-                  <a:t>Residual</a:t>
-                </a:r>
-                <a:r>
-                  <a:rPr lang="en-US" sz="2000" dirty="0"/>
-                  <a:t> (</a:t>
-                </a:r>
-                <a14:m>
-                  <m:oMath xmlns:m="http://schemas.openxmlformats.org/officeDocument/2006/math">
-                    <m:sSub>
-                      <m:sSubPr>
-                        <m:ctrlPr>
-                          <a:rPr lang="en-US" sz="2000" b="0" i="1" smtClean="0">
-                            <a:latin typeface="Cambria Math" panose="02040503050406030204" pitchFamily="18" charset="0"/>
-                          </a:rPr>
-                        </m:ctrlPr>
-                      </m:sSubPr>
-                      <m:e>
-                        <m:r>
-                          <a:rPr lang="en-US" sz="2000" b="0" i="1" smtClean="0">
-                            <a:latin typeface="Cambria Math" panose="02040503050406030204" pitchFamily="18" charset="0"/>
-                          </a:rPr>
-                          <m:t>𝑒</m:t>
-                        </m:r>
-                      </m:e>
-                      <m:sub>
-                        <m:r>
-                          <a:rPr lang="en-US" sz="2000" b="0" i="1" smtClean="0">
-                            <a:latin typeface="Cambria Math" panose="02040503050406030204" pitchFamily="18" charset="0"/>
-                          </a:rPr>
-                          <m:t>𝑖</m:t>
-                        </m:r>
-                      </m:sub>
-                    </m:sSub>
-                  </m:oMath>
-                </a14:m>
-                <a:r>
-                  <a:rPr lang="en-US" sz="2000" dirty="0"/>
-                  <a:t>) for observation </a:t>
-                </a:r>
-                <a14:m>
-                  <m:oMath xmlns:m="http://schemas.openxmlformats.org/officeDocument/2006/math">
-                    <m:r>
-                      <a:rPr lang="en-US" sz="2000" b="0" i="1" smtClean="0">
-                        <a:latin typeface="Cambria Math" panose="02040503050406030204" pitchFamily="18" charset="0"/>
-                      </a:rPr>
-                      <m:t>𝑖</m:t>
-                    </m:r>
-                    <m:r>
-                      <a:rPr lang="en-US" sz="2000" b="0" i="1" smtClean="0">
-                        <a:latin typeface="Cambria Math" panose="02040503050406030204" pitchFamily="18" charset="0"/>
-                      </a:rPr>
-                      <m:t>: </m:t>
-                    </m:r>
-                  </m:oMath>
-                </a14:m>
-                <a:endParaRPr lang="en-US" sz="2000" b="0" i="1" dirty="0">
-                  <a:latin typeface="Cambria Math" panose="02040503050406030204" pitchFamily="18" charset="0"/>
-                </a:endParaRPr>
-              </a:p>
-              <a:p>
-                <a:pPr/>
-                <a14:m>
-                  <m:oMathPara xmlns:m="http://schemas.openxmlformats.org/officeDocument/2006/math">
-                    <m:oMathParaPr>
-                      <m:jc m:val="centerGroup"/>
-                    </m:oMathParaPr>
-                    <m:oMath xmlns:m="http://schemas.openxmlformats.org/officeDocument/2006/math">
-                      <m:sSub>
-                        <m:sSubPr>
-                          <m:ctrlPr>
-                            <a:rPr lang="en-US" sz="2000" b="0" i="1" smtClean="0">
-                              <a:latin typeface="Cambria Math" panose="02040503050406030204" pitchFamily="18" charset="0"/>
-                            </a:rPr>
-                          </m:ctrlPr>
-                        </m:sSubPr>
-                        <m:e>
-                          <m:r>
-                            <a:rPr lang="en-US" sz="2000" b="0" i="1" smtClean="0">
-                              <a:latin typeface="Cambria Math" panose="02040503050406030204" pitchFamily="18" charset="0"/>
-                            </a:rPr>
-                            <m:t>𝑒</m:t>
-                          </m:r>
-                        </m:e>
-                        <m:sub>
-                          <m:r>
-                            <a:rPr lang="en-US" sz="2000" b="0" i="1" smtClean="0">
-                              <a:latin typeface="Cambria Math" panose="02040503050406030204" pitchFamily="18" charset="0"/>
-                            </a:rPr>
-                            <m:t>𝑖</m:t>
-                          </m:r>
-                        </m:sub>
-                      </m:sSub>
-                      <m:r>
-                        <a:rPr lang="en-US" sz="2000" b="0" i="1" smtClean="0">
-                          <a:latin typeface="Cambria Math" panose="02040503050406030204" pitchFamily="18" charset="0"/>
-                        </a:rPr>
-                        <m:t>=</m:t>
-                      </m:r>
-                      <m:sSub>
-                        <m:sSubPr>
-                          <m:ctrlPr>
-                            <a:rPr lang="en-US" sz="2000" b="0" i="1" smtClean="0">
-                              <a:latin typeface="Cambria Math" panose="02040503050406030204" pitchFamily="18" charset="0"/>
-                            </a:rPr>
-                          </m:ctrlPr>
-                        </m:sSubPr>
-                        <m:e>
-                          <m:r>
-                            <a:rPr lang="en-US" sz="2000" b="0" i="1" smtClean="0">
-                              <a:latin typeface="Cambria Math" panose="02040503050406030204" pitchFamily="18" charset="0"/>
-                            </a:rPr>
-                            <m:t>𝑦</m:t>
-                          </m:r>
-                        </m:e>
-                        <m:sub>
-                          <m:r>
-                            <a:rPr lang="en-US" sz="2000" b="0" i="1" smtClean="0">
-                              <a:latin typeface="Cambria Math" panose="02040503050406030204" pitchFamily="18" charset="0"/>
-                            </a:rPr>
-                            <m:t>𝑖</m:t>
-                          </m:r>
-                        </m:sub>
-                      </m:sSub>
-                      <m:r>
-                        <a:rPr lang="en-US" sz="2000" b="0" i="1" smtClean="0">
-                          <a:latin typeface="Cambria Math" panose="02040503050406030204" pitchFamily="18" charset="0"/>
-                        </a:rPr>
-                        <m:t>−</m:t>
-                      </m:r>
-                      <m:acc>
-                        <m:accPr>
-                          <m:chr m:val="̂"/>
-                          <m:ctrlPr>
-                            <a:rPr lang="en-US" sz="2000" b="0" i="1" smtClean="0">
-                              <a:latin typeface="Cambria Math" panose="02040503050406030204" pitchFamily="18" charset="0"/>
-                            </a:rPr>
-                          </m:ctrlPr>
-                        </m:accPr>
-                        <m:e>
-                          <m:sSub>
-                            <m:sSubPr>
-                              <m:ctrlPr>
-                                <a:rPr lang="en-US" sz="2000" b="0" i="1" smtClean="0">
-                                  <a:latin typeface="Cambria Math" panose="02040503050406030204" pitchFamily="18" charset="0"/>
-                                </a:rPr>
-                              </m:ctrlPr>
-                            </m:sSubPr>
-                            <m:e>
-                              <m:r>
-                                <a:rPr lang="en-US" sz="2000" b="0" i="1" smtClean="0">
-                                  <a:latin typeface="Cambria Math" panose="02040503050406030204" pitchFamily="18" charset="0"/>
-                                </a:rPr>
-                                <m:t>𝑦</m:t>
-                              </m:r>
-                            </m:e>
-                            <m:sub>
-                              <m:r>
-                                <a:rPr lang="en-US" sz="2000" b="0" i="1" smtClean="0">
-                                  <a:latin typeface="Cambria Math" panose="02040503050406030204" pitchFamily="18" charset="0"/>
-                                </a:rPr>
-                                <m:t>𝑖</m:t>
-                              </m:r>
-                            </m:sub>
-                          </m:sSub>
-                        </m:e>
-                      </m:acc>
-                    </m:oMath>
-                  </m:oMathPara>
-                </a14:m>
-                <a:endParaRPr lang="en-US" sz="2000" dirty="0"/>
-              </a:p>
-              <a:p>
-                <a:endParaRPr lang="en-US" sz="2000" dirty="0"/>
-              </a:p>
-              <a:p>
-                <a:r>
-                  <a:rPr lang="en-US" sz="2000" dirty="0"/>
-                  <a:t>The best line minimizes residuals (i.e. minimizes overall error). </a:t>
-                </a:r>
-              </a:p>
-            </p:txBody>
-          </p:sp>
-        </mc:Choice>
-        <mc:Fallback>
-          <p:sp>
-            <p:nvSpPr>
-              <p:cNvPr id="13" name="TextBox 12">
-                <a:extLst>
-                  <a:ext uri="{FF2B5EF4-FFF2-40B4-BE49-F238E27FC236}">
-                    <a16:creationId xmlns:a16="http://schemas.microsoft.com/office/drawing/2014/main" id="{C255C460-F03F-25FE-575C-226CE42B70ED}"/>
-                  </a:ext>
-                </a:extLst>
-              </p:cNvPr>
-              <p:cNvSpPr txBox="1">
-                <a:spLocks noRot="1" noChangeAspect="1" noMove="1" noResize="1" noEditPoints="1" noAdjustHandles="1" noChangeArrowheads="1" noChangeShapeType="1" noTextEdit="1"/>
-              </p:cNvSpPr>
-              <p:nvPr/>
-            </p:nvSpPr>
-            <p:spPr>
-              <a:xfrm>
-                <a:off x="3434779" y="2342148"/>
-                <a:ext cx="2859791" cy="2246769"/>
-              </a:xfrm>
-              <a:prstGeom prst="rect">
-                <a:avLst/>
-              </a:prstGeom>
-              <a:blipFill>
-                <a:blip r:embed="rId3"/>
-                <a:stretch>
-                  <a:fillRect l="-2212" t="-1685" b="-3933"/>
-                </a:stretch>
-              </a:blipFill>
-            </p:spPr>
-            <p:txBody>
-              <a:bodyPr/>
-              <a:lstStyle/>
-              <a:p>
-                <a:r>
-                  <a:rPr lang="en-US">
-                    <a:noFill/>
-                  </a:rPr>
-                  <a:t> </a:t>
-                </a:r>
-              </a:p>
-            </p:txBody>
-          </p:sp>
-        </mc:Fallback>
-      </mc:AlternateContent>
-      <p:pic>
-        <p:nvPicPr>
-          <p:cNvPr id="18" name="Picture 17" descr="A graph of a graph with numbers and lines&#10;&#10;Description automatically generated with medium confidence">
-            <a:extLst>
-              <a:ext uri="{FF2B5EF4-FFF2-40B4-BE49-F238E27FC236}">
-                <a16:creationId xmlns:a16="http://schemas.microsoft.com/office/drawing/2014/main" id="{B06EB35E-0142-DF90-5D41-797C1178D4F4}"/>
-              </a:ext>
-            </a:extLst>
-          </p:cNvPr>
-          <p:cNvPicPr>
-            <a:picLocks noChangeAspect="1"/>
-          </p:cNvPicPr>
-          <p:nvPr/>
-        </p:nvPicPr>
-        <p:blipFill>
-          <a:blip r:embed="rId4"/>
-          <a:stretch>
-            <a:fillRect/>
-          </a:stretch>
-        </p:blipFill>
-        <p:spPr>
-          <a:xfrm>
-            <a:off x="6072173" y="1721561"/>
-            <a:ext cx="5524500" cy="4965700"/>
-          </a:xfrm>
-          <a:prstGeom prst="rect">
-            <a:avLst/>
-          </a:prstGeom>
-        </p:spPr>
-      </p:pic>
-      <p:sp>
-        <p:nvSpPr>
-          <p:cNvPr id="20" name="Right Brace 19">
-            <a:extLst>
-              <a:ext uri="{FF2B5EF4-FFF2-40B4-BE49-F238E27FC236}">
-                <a16:creationId xmlns:a16="http://schemas.microsoft.com/office/drawing/2014/main" id="{368F8AA3-E939-ACDE-0DDD-BAD8AFF221F4}"/>
-              </a:ext>
-            </a:extLst>
-          </p:cNvPr>
-          <p:cNvSpPr/>
-          <p:nvPr/>
-        </p:nvSpPr>
-        <p:spPr>
-          <a:xfrm>
-            <a:off x="7026442" y="2871536"/>
-            <a:ext cx="449179" cy="2727159"/>
-          </a:xfrm>
-          <a:prstGeom prst="rightBrace">
-            <a:avLst/>
-          </a:prstGeom>
-          <a:ln w="28575">
-            <a:solidFill>
-              <a:srgbClr val="C00000"/>
-            </a:solidFill>
-          </a:ln>
-        </p:spPr>
-        <p:style>
-          <a:lnRef idx="1">
-            <a:schemeClr val="accent1"/>
-          </a:lnRef>
-          <a:fillRef idx="0">
-            <a:schemeClr val="accent1"/>
-          </a:fillRef>
-          <a:effectRef idx="0">
-            <a:schemeClr val="accent1"/>
-          </a:effectRef>
-          <a:fontRef idx="minor">
-            <a:schemeClr val="tx1"/>
-          </a:fontRef>
-        </p:style>
-        <p:txBody>
-          <a:bodyPr rtlCol="0" anchor="ctr"/>
-          <a:lstStyle/>
-          <a:p>
-            <a:pPr algn="ctr"/>
-            <a:endParaRPr lang="en-US"/>
-          </a:p>
-        </p:txBody>
-      </p:sp>
-      <mc:AlternateContent xmlns:mc="http://schemas.openxmlformats.org/markup-compatibility/2006" xmlns:a14="http://schemas.microsoft.com/office/drawing/2010/main">
-        <mc:Choice Requires="a14">
-          <p:sp>
-            <p:nvSpPr>
-              <p:cNvPr id="21" name="Rounded Rectangular Callout 20">
-                <a:extLst>
-                  <a:ext uri="{FF2B5EF4-FFF2-40B4-BE49-F238E27FC236}">
-                    <a16:creationId xmlns:a16="http://schemas.microsoft.com/office/drawing/2014/main" id="{A1996B15-2B46-CBFD-D360-2D2CB93196C0}"/>
-                  </a:ext>
-                </a:extLst>
-              </p:cNvPr>
-              <p:cNvSpPr/>
-              <p:nvPr/>
-            </p:nvSpPr>
-            <p:spPr>
-              <a:xfrm>
-                <a:off x="7202905" y="2566736"/>
-                <a:ext cx="625642" cy="513616"/>
-              </a:xfrm>
-              <a:prstGeom prst="wedgeRoundRectCallout">
-                <a:avLst>
-                  <a:gd name="adj1" fmla="val -62833"/>
-                  <a:gd name="adj2" fmla="val 10985"/>
-                  <a:gd name="adj3" fmla="val 16667"/>
-                </a:avLst>
-              </a:prstGeom>
-            </p:spPr>
-            <p:style>
-              <a:lnRef idx="2">
-                <a:schemeClr val="accent3">
-                  <a:shade val="15000"/>
-                </a:schemeClr>
-              </a:lnRef>
-              <a:fillRef idx="1">
-                <a:schemeClr val="accent3"/>
-              </a:fillRef>
-              <a:effectRef idx="0">
-                <a:schemeClr val="accent3"/>
-              </a:effectRef>
-              <a:fontRef idx="minor">
-                <a:schemeClr val="lt1"/>
-              </a:fontRef>
-            </p:style>
-            <p:txBody>
-              <a:bodyPr rtlCol="0" anchor="ctr"/>
-              <a:lstStyle/>
-              <a:p>
-                <a:pPr algn="ctr"/>
-                <a14:m>
-                  <m:oMathPara xmlns:m="http://schemas.openxmlformats.org/officeDocument/2006/math">
-                    <m:oMathParaPr>
-                      <m:jc m:val="centerGroup"/>
-                    </m:oMathParaPr>
-                    <m:oMath xmlns:m="http://schemas.openxmlformats.org/officeDocument/2006/math">
-                      <m:sSub>
-                        <m:sSubPr>
-                          <m:ctrlPr>
-                            <a:rPr lang="en-US" sz="2400" i="1">
-                              <a:latin typeface="Cambria Math" panose="02040503050406030204" pitchFamily="18" charset="0"/>
-                            </a:rPr>
-                          </m:ctrlPr>
-                        </m:sSubPr>
-                        <m:e>
-                          <m:r>
-                            <a:rPr lang="en-US" sz="2400" i="1">
-                              <a:latin typeface="Cambria Math" panose="02040503050406030204" pitchFamily="18" charset="0"/>
-                            </a:rPr>
-                            <m:t>𝑦</m:t>
-                          </m:r>
-                        </m:e>
-                        <m:sub>
-                          <m:r>
-                            <a:rPr lang="en-US" sz="2400" i="1">
-                              <a:latin typeface="Cambria Math" panose="02040503050406030204" pitchFamily="18" charset="0"/>
-                            </a:rPr>
-                            <m:t>0</m:t>
-                          </m:r>
-                        </m:sub>
-                      </m:sSub>
-                    </m:oMath>
-                  </m:oMathPara>
-                </a14:m>
-                <a:endParaRPr lang="en-US" sz="2400" dirty="0"/>
-              </a:p>
-            </p:txBody>
-          </p:sp>
-        </mc:Choice>
-        <mc:Fallback xmlns="">
-          <p:sp>
-            <p:nvSpPr>
-              <p:cNvPr id="21" name="Rounded Rectangular Callout 20">
-                <a:extLst>
-                  <a:ext uri="{FF2B5EF4-FFF2-40B4-BE49-F238E27FC236}">
-                    <a16:creationId xmlns:a16="http://schemas.microsoft.com/office/drawing/2014/main" id="{A1996B15-2B46-CBFD-D360-2D2CB93196C0}"/>
-                  </a:ext>
-                </a:extLst>
-              </p:cNvPr>
-              <p:cNvSpPr>
-                <a:spLocks noRot="1" noChangeAspect="1" noMove="1" noResize="1" noEditPoints="1" noAdjustHandles="1" noChangeArrowheads="1" noChangeShapeType="1" noTextEdit="1"/>
-              </p:cNvSpPr>
-              <p:nvPr/>
-            </p:nvSpPr>
-            <p:spPr>
-              <a:xfrm>
-                <a:off x="7202905" y="2566736"/>
-                <a:ext cx="625642" cy="513616"/>
-              </a:xfrm>
-              <a:prstGeom prst="wedgeRoundRectCallout">
-                <a:avLst>
-                  <a:gd name="adj1" fmla="val -62833"/>
-                  <a:gd name="adj2" fmla="val 10985"/>
-                  <a:gd name="adj3" fmla="val 16667"/>
-                </a:avLst>
-              </a:prstGeom>
-              <a:blipFill>
-                <a:blip r:embed="rId5"/>
-                <a:stretch>
-                  <a:fillRect b="-4762"/>
-                </a:stretch>
-              </a:blipFill>
-            </p:spPr>
-            <p:txBody>
-              <a:bodyPr/>
-              <a:lstStyle/>
-              <a:p>
-                <a:r>
-                  <a:rPr lang="en-US">
-                    <a:noFill/>
-                  </a:rPr>
-                  <a:t> </a:t>
-                </a:r>
-              </a:p>
-            </p:txBody>
-          </p:sp>
-        </mc:Fallback>
-      </mc:AlternateContent>
-      <mc:AlternateContent xmlns:mc="http://schemas.openxmlformats.org/markup-compatibility/2006" xmlns:a14="http://schemas.microsoft.com/office/drawing/2010/main">
-        <mc:Choice Requires="a14">
-          <p:sp>
-            <p:nvSpPr>
-              <p:cNvPr id="22" name="Rounded Rectangular Callout 21">
-                <a:extLst>
-                  <a:ext uri="{FF2B5EF4-FFF2-40B4-BE49-F238E27FC236}">
-                    <a16:creationId xmlns:a16="http://schemas.microsoft.com/office/drawing/2014/main" id="{6A3AF51B-A194-D8E5-B39B-722924F3C6D3}"/>
-                  </a:ext>
-                </a:extLst>
-              </p:cNvPr>
-              <p:cNvSpPr/>
-              <p:nvPr/>
-            </p:nvSpPr>
-            <p:spPr>
-              <a:xfrm>
-                <a:off x="7186863" y="5334000"/>
-                <a:ext cx="625642" cy="513616"/>
-              </a:xfrm>
-              <a:prstGeom prst="wedgeRoundRectCallout">
-                <a:avLst>
-                  <a:gd name="adj1" fmla="val -62833"/>
-                  <a:gd name="adj2" fmla="val 10985"/>
-                  <a:gd name="adj3" fmla="val 16667"/>
-                </a:avLst>
-              </a:prstGeom>
-            </p:spPr>
-            <p:style>
-              <a:lnRef idx="2">
-                <a:schemeClr val="accent3">
-                  <a:shade val="15000"/>
-                </a:schemeClr>
-              </a:lnRef>
-              <a:fillRef idx="1">
-                <a:schemeClr val="accent3"/>
-              </a:fillRef>
-              <a:effectRef idx="0">
-                <a:schemeClr val="accent3"/>
-              </a:effectRef>
-              <a:fontRef idx="minor">
-                <a:schemeClr val="lt1"/>
-              </a:fontRef>
-            </p:style>
-            <p:txBody>
-              <a:bodyPr rtlCol="0" anchor="ctr"/>
-              <a:lstStyle/>
-              <a:p>
-                <a:pPr algn="ctr"/>
-                <a:endParaRPr lang="en-US" sz="2400" dirty="0"/>
-              </a:p>
-              <a:p>
-                <a:pPr algn="ctr"/>
-                <a14:m>
-                  <m:oMathPara xmlns:m="http://schemas.openxmlformats.org/officeDocument/2006/math">
-                    <m:oMathParaPr>
-                      <m:jc m:val="centerGroup"/>
-                    </m:oMathParaPr>
-                    <m:oMath xmlns:m="http://schemas.openxmlformats.org/officeDocument/2006/math">
-                      <m:acc>
-                        <m:accPr>
-                          <m:chr m:val="̂"/>
-                          <m:ctrlPr>
-                            <a:rPr lang="en-US" sz="2400" i="1" smtClean="0">
-                              <a:latin typeface="Cambria Math" panose="02040503050406030204" pitchFamily="18" charset="0"/>
-                            </a:rPr>
-                          </m:ctrlPr>
-                        </m:accPr>
-                        <m:e>
-                          <m:sSub>
-                            <m:sSubPr>
-                              <m:ctrlPr>
-                                <a:rPr lang="en-US" sz="2400" b="0" i="1" smtClean="0">
-                                  <a:latin typeface="Cambria Math" panose="02040503050406030204" pitchFamily="18" charset="0"/>
-                                </a:rPr>
-                              </m:ctrlPr>
-                            </m:sSubPr>
-                            <m:e>
-                              <m:r>
-                                <a:rPr lang="en-US" sz="2400" b="0" i="1" smtClean="0">
-                                  <a:latin typeface="Cambria Math" panose="02040503050406030204" pitchFamily="18" charset="0"/>
-                                </a:rPr>
-                                <m:t>𝑦</m:t>
-                              </m:r>
-                            </m:e>
-                            <m:sub>
-                              <m:r>
-                                <a:rPr lang="en-US" sz="2400" b="0" i="1" smtClean="0">
-                                  <a:latin typeface="Cambria Math" panose="02040503050406030204" pitchFamily="18" charset="0"/>
-                                </a:rPr>
-                                <m:t>0</m:t>
-                              </m:r>
-                            </m:sub>
-                          </m:sSub>
-                        </m:e>
-                      </m:acc>
-                    </m:oMath>
-                  </m:oMathPara>
-                </a14:m>
-                <a:endParaRPr lang="en-US" sz="2400" dirty="0"/>
-              </a:p>
-              <a:p>
-                <a:pPr algn="ctr"/>
-                <a:endParaRPr lang="en-US" sz="2400" dirty="0"/>
-              </a:p>
-            </p:txBody>
-          </p:sp>
-        </mc:Choice>
-        <mc:Fallback xmlns="">
-          <p:sp>
-            <p:nvSpPr>
-              <p:cNvPr id="22" name="Rounded Rectangular Callout 21">
-                <a:extLst>
-                  <a:ext uri="{FF2B5EF4-FFF2-40B4-BE49-F238E27FC236}">
-                    <a16:creationId xmlns:a16="http://schemas.microsoft.com/office/drawing/2014/main" id="{6A3AF51B-A194-D8E5-B39B-722924F3C6D3}"/>
-                  </a:ext>
-                </a:extLst>
-              </p:cNvPr>
-              <p:cNvSpPr>
-                <a:spLocks noRot="1" noChangeAspect="1" noMove="1" noResize="1" noEditPoints="1" noAdjustHandles="1" noChangeArrowheads="1" noChangeShapeType="1" noTextEdit="1"/>
-              </p:cNvSpPr>
-              <p:nvPr/>
-            </p:nvSpPr>
-            <p:spPr>
-              <a:xfrm>
-                <a:off x="7186863" y="5334000"/>
-                <a:ext cx="625642" cy="513616"/>
-              </a:xfrm>
-              <a:prstGeom prst="wedgeRoundRectCallout">
-                <a:avLst>
-                  <a:gd name="adj1" fmla="val -62833"/>
-                  <a:gd name="adj2" fmla="val 10985"/>
-                  <a:gd name="adj3" fmla="val 16667"/>
-                </a:avLst>
-              </a:prstGeom>
-              <a:blipFill>
-                <a:blip r:embed="rId6"/>
-                <a:stretch>
-                  <a:fillRect b="-2381"/>
-                </a:stretch>
-              </a:blipFill>
-            </p:spPr>
-            <p:txBody>
-              <a:bodyPr/>
-              <a:lstStyle/>
-              <a:p>
-                <a:r>
-                  <a:rPr lang="en-US">
-                    <a:noFill/>
-                  </a:rPr>
-                  <a:t> </a:t>
-                </a:r>
-              </a:p>
-            </p:txBody>
-          </p:sp>
-        </mc:Fallback>
-      </mc:AlternateContent>
-      <mc:AlternateContent xmlns:mc="http://schemas.openxmlformats.org/markup-compatibility/2006" xmlns:a14="http://schemas.microsoft.com/office/drawing/2010/main">
-        <mc:Choice Requires="a14">
-          <p:sp>
-            <p:nvSpPr>
-              <p:cNvPr id="23" name="Rounded Rectangular Callout 22">
-                <a:extLst>
-                  <a:ext uri="{FF2B5EF4-FFF2-40B4-BE49-F238E27FC236}">
-                    <a16:creationId xmlns:a16="http://schemas.microsoft.com/office/drawing/2014/main" id="{D9235E88-F4AE-B374-9C08-E13F1FEA21D2}"/>
-                  </a:ext>
-                </a:extLst>
-              </p:cNvPr>
-              <p:cNvSpPr/>
-              <p:nvPr/>
-            </p:nvSpPr>
-            <p:spPr>
-              <a:xfrm>
-                <a:off x="7600861" y="3947603"/>
-                <a:ext cx="625642" cy="513616"/>
-              </a:xfrm>
-              <a:prstGeom prst="wedgeRoundRectCallout">
-                <a:avLst>
-                  <a:gd name="adj1" fmla="val -62833"/>
-                  <a:gd name="adj2" fmla="val 10985"/>
-                  <a:gd name="adj3" fmla="val 16667"/>
-                </a:avLst>
-              </a:prstGeom>
-            </p:spPr>
-            <p:style>
-              <a:lnRef idx="2">
-                <a:schemeClr val="accent3">
-                  <a:shade val="15000"/>
-                </a:schemeClr>
-              </a:lnRef>
-              <a:fillRef idx="1">
-                <a:schemeClr val="accent3"/>
-              </a:fillRef>
-              <a:effectRef idx="0">
-                <a:schemeClr val="accent3"/>
-              </a:effectRef>
-              <a:fontRef idx="minor">
-                <a:schemeClr val="lt1"/>
-              </a:fontRef>
-            </p:style>
-            <p:txBody>
-              <a:bodyPr rtlCol="0" anchor="ctr"/>
-              <a:lstStyle/>
-              <a:p>
-                <a:pPr algn="ctr"/>
-                <a:endParaRPr lang="en-US" sz="2400" dirty="0"/>
-              </a:p>
-              <a:p>
-                <a:pPr algn="ctr"/>
-                <a14:m>
-                  <m:oMathPara xmlns:m="http://schemas.openxmlformats.org/officeDocument/2006/math">
-                    <m:oMathParaPr>
-                      <m:jc m:val="centerGroup"/>
-                    </m:oMathParaPr>
-                    <m:oMath xmlns:m="http://schemas.openxmlformats.org/officeDocument/2006/math">
-                      <m:sSub>
-                        <m:sSubPr>
-                          <m:ctrlPr>
-                            <a:rPr lang="en-US" sz="2400" b="0" i="1" smtClean="0">
-                              <a:latin typeface="Cambria Math" panose="02040503050406030204" pitchFamily="18" charset="0"/>
-                            </a:rPr>
-                          </m:ctrlPr>
-                        </m:sSubPr>
-                        <m:e>
-                          <m:r>
-                            <a:rPr lang="en-US" sz="2400" b="0" i="1" smtClean="0">
-                              <a:latin typeface="Cambria Math" panose="02040503050406030204" pitchFamily="18" charset="0"/>
-                            </a:rPr>
-                            <m:t>𝑒</m:t>
-                          </m:r>
-                        </m:e>
-                        <m:sub>
-                          <m:r>
-                            <a:rPr lang="en-US" sz="2400" b="0" i="1" smtClean="0">
-                              <a:latin typeface="Cambria Math" panose="02040503050406030204" pitchFamily="18" charset="0"/>
-                            </a:rPr>
-                            <m:t>0</m:t>
-                          </m:r>
-                        </m:sub>
-                      </m:sSub>
-                    </m:oMath>
-                  </m:oMathPara>
-                </a14:m>
-                <a:endParaRPr lang="en-US" sz="2400" dirty="0"/>
-              </a:p>
-              <a:p>
-                <a:pPr algn="ctr"/>
-                <a:endParaRPr lang="en-US" sz="2400" dirty="0"/>
-              </a:p>
-            </p:txBody>
-          </p:sp>
-        </mc:Choice>
-        <mc:Fallback xmlns="">
-          <p:sp>
-            <p:nvSpPr>
-              <p:cNvPr id="23" name="Rounded Rectangular Callout 22">
-                <a:extLst>
-                  <a:ext uri="{FF2B5EF4-FFF2-40B4-BE49-F238E27FC236}">
-                    <a16:creationId xmlns:a16="http://schemas.microsoft.com/office/drawing/2014/main" id="{D9235E88-F4AE-B374-9C08-E13F1FEA21D2}"/>
-                  </a:ext>
-                </a:extLst>
-              </p:cNvPr>
-              <p:cNvSpPr>
-                <a:spLocks noRot="1" noChangeAspect="1" noMove="1" noResize="1" noEditPoints="1" noAdjustHandles="1" noChangeArrowheads="1" noChangeShapeType="1" noTextEdit="1"/>
-              </p:cNvSpPr>
-              <p:nvPr/>
-            </p:nvSpPr>
-            <p:spPr>
-              <a:xfrm>
-                <a:off x="7600861" y="3947603"/>
-                <a:ext cx="625642" cy="513616"/>
-              </a:xfrm>
-              <a:prstGeom prst="wedgeRoundRectCallout">
-                <a:avLst>
-                  <a:gd name="adj1" fmla="val -62833"/>
-                  <a:gd name="adj2" fmla="val 10985"/>
-                  <a:gd name="adj3" fmla="val 16667"/>
-                </a:avLst>
-              </a:prstGeom>
-              <a:blipFill>
-                <a:blip r:embed="rId7"/>
-                <a:stretch>
-                  <a:fillRect/>
-                </a:stretch>
-              </a:blipFill>
-            </p:spPr>
-            <p:txBody>
-              <a:bodyPr/>
-              <a:lstStyle/>
-              <a:p>
-                <a:r>
-                  <a:rPr lang="en-US">
-                    <a:noFill/>
-                  </a:rPr>
-                  <a:t> </a:t>
-                </a:r>
-              </a:p>
-            </p:txBody>
-          </p:sp>
-        </mc:Fallback>
-      </mc:AlternateContent>
-      <p:sp>
-        <p:nvSpPr>
-          <p:cNvPr id="24" name="Right Brace 23">
-            <a:extLst>
-              <a:ext uri="{FF2B5EF4-FFF2-40B4-BE49-F238E27FC236}">
-                <a16:creationId xmlns:a16="http://schemas.microsoft.com/office/drawing/2014/main" id="{7A5B4EF1-87D1-D949-F98B-ED9C9BE7A2E7}"/>
-              </a:ext>
-            </a:extLst>
-          </p:cNvPr>
-          <p:cNvSpPr/>
-          <p:nvPr/>
-        </p:nvSpPr>
-        <p:spPr>
-          <a:xfrm>
-            <a:off x="8536985" y="4611131"/>
-            <a:ext cx="592564" cy="1196380"/>
-          </a:xfrm>
-          <a:prstGeom prst="rightBrace">
-            <a:avLst/>
-          </a:prstGeom>
-          <a:ln w="28575">
-            <a:solidFill>
-              <a:srgbClr val="C00000"/>
-            </a:solidFill>
-          </a:ln>
-        </p:spPr>
-        <p:style>
-          <a:lnRef idx="1">
-            <a:schemeClr val="accent1"/>
-          </a:lnRef>
-          <a:fillRef idx="0">
-            <a:schemeClr val="accent1"/>
-          </a:fillRef>
-          <a:effectRef idx="0">
-            <a:schemeClr val="accent1"/>
-          </a:effectRef>
-          <a:fontRef idx="minor">
-            <a:schemeClr val="tx1"/>
-          </a:fontRef>
-        </p:style>
-        <p:txBody>
-          <a:bodyPr rtlCol="0" anchor="ctr"/>
-          <a:lstStyle/>
-          <a:p>
-            <a:pPr algn="ctr"/>
-            <a:endParaRPr lang="en-US"/>
-          </a:p>
-        </p:txBody>
-      </p:sp>
-      <mc:AlternateContent xmlns:mc="http://schemas.openxmlformats.org/markup-compatibility/2006" xmlns:a14="http://schemas.microsoft.com/office/drawing/2010/main">
-        <mc:Choice Requires="a14">
-          <p:sp>
-            <p:nvSpPr>
-              <p:cNvPr id="25" name="Rounded Rectangular Callout 24">
-                <a:extLst>
-                  <a:ext uri="{FF2B5EF4-FFF2-40B4-BE49-F238E27FC236}">
-                    <a16:creationId xmlns:a16="http://schemas.microsoft.com/office/drawing/2014/main" id="{FC322E23-95A8-DA2B-6D29-72434F459DEC}"/>
-                  </a:ext>
-                </a:extLst>
-              </p:cNvPr>
-              <p:cNvSpPr/>
-              <p:nvPr/>
-            </p:nvSpPr>
-            <p:spPr>
-              <a:xfrm>
-                <a:off x="8986164" y="5483451"/>
-                <a:ext cx="625642" cy="513616"/>
-              </a:xfrm>
-              <a:prstGeom prst="wedgeRoundRectCallout">
-                <a:avLst>
-                  <a:gd name="adj1" fmla="val -124371"/>
-                  <a:gd name="adj2" fmla="val 20355"/>
-                  <a:gd name="adj3" fmla="val 16667"/>
-                </a:avLst>
-              </a:prstGeom>
-            </p:spPr>
-            <p:style>
-              <a:lnRef idx="2">
-                <a:schemeClr val="accent3">
-                  <a:shade val="15000"/>
-                </a:schemeClr>
-              </a:lnRef>
-              <a:fillRef idx="1">
-                <a:schemeClr val="accent3"/>
-              </a:fillRef>
-              <a:effectRef idx="0">
-                <a:schemeClr val="accent3"/>
-              </a:effectRef>
-              <a:fontRef idx="minor">
-                <a:schemeClr val="lt1"/>
-              </a:fontRef>
-            </p:style>
-            <p:txBody>
-              <a:bodyPr rtlCol="0" anchor="ctr"/>
-              <a:lstStyle/>
-              <a:p>
-                <a:pPr algn="ctr"/>
-                <a14:m>
-                  <m:oMathPara xmlns:m="http://schemas.openxmlformats.org/officeDocument/2006/math">
-                    <m:oMathParaPr>
-                      <m:jc m:val="centerGroup"/>
-                    </m:oMathParaPr>
-                    <m:oMath xmlns:m="http://schemas.openxmlformats.org/officeDocument/2006/math">
-                      <m:sSub>
-                        <m:sSubPr>
-                          <m:ctrlPr>
-                            <a:rPr lang="en-US" sz="2400" i="1" smtClean="0">
-                              <a:latin typeface="Cambria Math" panose="02040503050406030204" pitchFamily="18" charset="0"/>
-                            </a:rPr>
-                          </m:ctrlPr>
-                        </m:sSubPr>
-                        <m:e>
-                          <m:r>
-                            <a:rPr lang="en-US" sz="2400" i="1">
-                              <a:latin typeface="Cambria Math" panose="02040503050406030204" pitchFamily="18" charset="0"/>
-                            </a:rPr>
-                            <m:t>𝑦</m:t>
-                          </m:r>
-                        </m:e>
-                        <m:sub>
-                          <m:r>
-                            <a:rPr lang="en-US" sz="2400" b="0" i="1" smtClean="0">
-                              <a:latin typeface="Cambria Math" panose="02040503050406030204" pitchFamily="18" charset="0"/>
-                            </a:rPr>
-                            <m:t>1</m:t>
-                          </m:r>
-                        </m:sub>
-                      </m:sSub>
-                    </m:oMath>
-                  </m:oMathPara>
-                </a14:m>
-                <a:endParaRPr lang="en-US" sz="2400" dirty="0"/>
-              </a:p>
-            </p:txBody>
-          </p:sp>
-        </mc:Choice>
-        <mc:Fallback xmlns="">
-          <p:sp>
-            <p:nvSpPr>
-              <p:cNvPr id="25" name="Rounded Rectangular Callout 24">
-                <a:extLst>
-                  <a:ext uri="{FF2B5EF4-FFF2-40B4-BE49-F238E27FC236}">
-                    <a16:creationId xmlns:a16="http://schemas.microsoft.com/office/drawing/2014/main" id="{FC322E23-95A8-DA2B-6D29-72434F459DEC}"/>
-                  </a:ext>
-                </a:extLst>
-              </p:cNvPr>
-              <p:cNvSpPr>
-                <a:spLocks noRot="1" noChangeAspect="1" noMove="1" noResize="1" noEditPoints="1" noAdjustHandles="1" noChangeArrowheads="1" noChangeShapeType="1" noTextEdit="1"/>
-              </p:cNvSpPr>
-              <p:nvPr/>
-            </p:nvSpPr>
-            <p:spPr>
-              <a:xfrm>
-                <a:off x="8986164" y="5483451"/>
-                <a:ext cx="625642" cy="513616"/>
-              </a:xfrm>
-              <a:prstGeom prst="wedgeRoundRectCallout">
-                <a:avLst>
-                  <a:gd name="adj1" fmla="val -124371"/>
-                  <a:gd name="adj2" fmla="val 20355"/>
-                  <a:gd name="adj3" fmla="val 16667"/>
-                </a:avLst>
-              </a:prstGeom>
-              <a:blipFill>
-                <a:blip r:embed="rId8"/>
-                <a:stretch>
-                  <a:fillRect b="-2381"/>
-                </a:stretch>
-              </a:blipFill>
-            </p:spPr>
-            <p:txBody>
-              <a:bodyPr/>
-              <a:lstStyle/>
-              <a:p>
-                <a:r>
-                  <a:rPr lang="en-US">
-                    <a:noFill/>
-                  </a:rPr>
-                  <a:t> </a:t>
-                </a:r>
-              </a:p>
-            </p:txBody>
-          </p:sp>
-        </mc:Fallback>
-      </mc:AlternateContent>
-      <mc:AlternateContent xmlns:mc="http://schemas.openxmlformats.org/markup-compatibility/2006" xmlns:a14="http://schemas.microsoft.com/office/drawing/2010/main">
-        <mc:Choice Requires="a14">
-          <p:sp>
-            <p:nvSpPr>
-              <p:cNvPr id="26" name="Rounded Rectangular Callout 25">
-                <a:extLst>
-                  <a:ext uri="{FF2B5EF4-FFF2-40B4-BE49-F238E27FC236}">
-                    <a16:creationId xmlns:a16="http://schemas.microsoft.com/office/drawing/2014/main" id="{56F30942-2412-1974-7685-D11328AF8076}"/>
-                  </a:ext>
-                </a:extLst>
-              </p:cNvPr>
-              <p:cNvSpPr/>
-              <p:nvPr/>
-            </p:nvSpPr>
-            <p:spPr>
-              <a:xfrm>
-                <a:off x="8958375" y="3978307"/>
-                <a:ext cx="625642" cy="513616"/>
-              </a:xfrm>
-              <a:prstGeom prst="wedgeRoundRectCallout">
-                <a:avLst>
-                  <a:gd name="adj1" fmla="val -103859"/>
-                  <a:gd name="adj2" fmla="val 57836"/>
-                  <a:gd name="adj3" fmla="val 16667"/>
-                </a:avLst>
-              </a:prstGeom>
-            </p:spPr>
-            <p:style>
-              <a:lnRef idx="2">
-                <a:schemeClr val="accent3">
-                  <a:shade val="15000"/>
-                </a:schemeClr>
-              </a:lnRef>
-              <a:fillRef idx="1">
-                <a:schemeClr val="accent3"/>
-              </a:fillRef>
-              <a:effectRef idx="0">
-                <a:schemeClr val="accent3"/>
-              </a:effectRef>
-              <a:fontRef idx="minor">
-                <a:schemeClr val="lt1"/>
-              </a:fontRef>
-            </p:style>
-            <p:txBody>
-              <a:bodyPr rtlCol="0" anchor="ctr"/>
-              <a:lstStyle/>
-              <a:p>
-                <a:pPr algn="ctr"/>
-                <a:endParaRPr lang="en-US" sz="2400" dirty="0"/>
-              </a:p>
-              <a:p>
-                <a:pPr algn="ctr"/>
-                <a14:m>
-                  <m:oMathPara xmlns:m="http://schemas.openxmlformats.org/officeDocument/2006/math">
-                    <m:oMathParaPr>
-                      <m:jc m:val="centerGroup"/>
-                    </m:oMathParaPr>
-                    <m:oMath xmlns:m="http://schemas.openxmlformats.org/officeDocument/2006/math">
-                      <m:acc>
-                        <m:accPr>
-                          <m:chr m:val="̂"/>
-                          <m:ctrlPr>
-                            <a:rPr lang="en-US" sz="2400" i="1" smtClean="0">
-                              <a:latin typeface="Cambria Math" panose="02040503050406030204" pitchFamily="18" charset="0"/>
-                            </a:rPr>
-                          </m:ctrlPr>
-                        </m:accPr>
-                        <m:e>
-                          <m:sSub>
-                            <m:sSubPr>
-                              <m:ctrlPr>
-                                <a:rPr lang="en-US" sz="2400" b="0" i="1" smtClean="0">
-                                  <a:latin typeface="Cambria Math" panose="02040503050406030204" pitchFamily="18" charset="0"/>
-                                </a:rPr>
-                              </m:ctrlPr>
-                            </m:sSubPr>
-                            <m:e>
-                              <m:r>
-                                <a:rPr lang="en-US" sz="2400" b="0" i="1" smtClean="0">
-                                  <a:latin typeface="Cambria Math" panose="02040503050406030204" pitchFamily="18" charset="0"/>
-                                </a:rPr>
-                                <m:t>𝑦</m:t>
-                              </m:r>
-                            </m:e>
-                            <m:sub>
-                              <m:r>
-                                <a:rPr lang="en-US" sz="2400" b="0" i="1" smtClean="0">
-                                  <a:latin typeface="Cambria Math" panose="02040503050406030204" pitchFamily="18" charset="0"/>
-                                </a:rPr>
-                                <m:t>1</m:t>
-                              </m:r>
-                            </m:sub>
-                          </m:sSub>
-                        </m:e>
-                      </m:acc>
-                    </m:oMath>
-                  </m:oMathPara>
-                </a14:m>
-                <a:endParaRPr lang="en-US" sz="2400" dirty="0"/>
-              </a:p>
-              <a:p>
-                <a:pPr algn="ctr"/>
-                <a:endParaRPr lang="en-US" sz="2400" dirty="0"/>
-              </a:p>
-            </p:txBody>
-          </p:sp>
-        </mc:Choice>
-        <mc:Fallback xmlns="">
-          <p:sp>
-            <p:nvSpPr>
-              <p:cNvPr id="26" name="Rounded Rectangular Callout 25">
-                <a:extLst>
-                  <a:ext uri="{FF2B5EF4-FFF2-40B4-BE49-F238E27FC236}">
-                    <a16:creationId xmlns:a16="http://schemas.microsoft.com/office/drawing/2014/main" id="{56F30942-2412-1974-7685-D11328AF8076}"/>
-                  </a:ext>
-                </a:extLst>
-              </p:cNvPr>
-              <p:cNvSpPr>
-                <a:spLocks noRot="1" noChangeAspect="1" noMove="1" noResize="1" noEditPoints="1" noAdjustHandles="1" noChangeArrowheads="1" noChangeShapeType="1" noTextEdit="1"/>
-              </p:cNvSpPr>
-              <p:nvPr/>
-            </p:nvSpPr>
-            <p:spPr>
-              <a:xfrm>
-                <a:off x="8958375" y="3978307"/>
-                <a:ext cx="625642" cy="513616"/>
-              </a:xfrm>
-              <a:prstGeom prst="wedgeRoundRectCallout">
-                <a:avLst>
-                  <a:gd name="adj1" fmla="val -103859"/>
-                  <a:gd name="adj2" fmla="val 57836"/>
-                  <a:gd name="adj3" fmla="val 16667"/>
-                </a:avLst>
-              </a:prstGeom>
-              <a:blipFill>
-                <a:blip r:embed="rId9"/>
-                <a:stretch>
-                  <a:fillRect/>
-                </a:stretch>
-              </a:blipFill>
-            </p:spPr>
-            <p:txBody>
-              <a:bodyPr/>
-              <a:lstStyle/>
-              <a:p>
-                <a:r>
-                  <a:rPr lang="en-US">
-                    <a:noFill/>
-                  </a:rPr>
-                  <a:t> </a:t>
-                </a:r>
-              </a:p>
-            </p:txBody>
-          </p:sp>
-        </mc:Fallback>
-      </mc:AlternateContent>
-      <mc:AlternateContent xmlns:mc="http://schemas.openxmlformats.org/markup-compatibility/2006" xmlns:a14="http://schemas.microsoft.com/office/drawing/2010/main">
-        <mc:Choice Requires="a14">
-          <p:sp>
-            <p:nvSpPr>
-              <p:cNvPr id="27" name="Rounded Rectangular Callout 26">
-                <a:extLst>
-                  <a:ext uri="{FF2B5EF4-FFF2-40B4-BE49-F238E27FC236}">
-                    <a16:creationId xmlns:a16="http://schemas.microsoft.com/office/drawing/2014/main" id="{5EB7786B-2235-624E-F659-8371356BC61F}"/>
-                  </a:ext>
-                </a:extLst>
-              </p:cNvPr>
-              <p:cNvSpPr/>
-              <p:nvPr/>
-            </p:nvSpPr>
-            <p:spPr>
-              <a:xfrm>
-                <a:off x="9223326" y="4873716"/>
-                <a:ext cx="625642" cy="513616"/>
-              </a:xfrm>
-              <a:prstGeom prst="wedgeRoundRectCallout">
-                <a:avLst>
-                  <a:gd name="adj1" fmla="val -62833"/>
-                  <a:gd name="adj2" fmla="val 10985"/>
-                  <a:gd name="adj3" fmla="val 16667"/>
-                </a:avLst>
-              </a:prstGeom>
-            </p:spPr>
-            <p:style>
-              <a:lnRef idx="2">
-                <a:schemeClr val="accent3">
-                  <a:shade val="15000"/>
-                </a:schemeClr>
-              </a:lnRef>
-              <a:fillRef idx="1">
-                <a:schemeClr val="accent3"/>
-              </a:fillRef>
-              <a:effectRef idx="0">
-                <a:schemeClr val="accent3"/>
-              </a:effectRef>
-              <a:fontRef idx="minor">
-                <a:schemeClr val="lt1"/>
-              </a:fontRef>
-            </p:style>
-            <p:txBody>
-              <a:bodyPr rtlCol="0" anchor="ctr"/>
-              <a:lstStyle/>
-              <a:p>
-                <a:pPr algn="ctr"/>
-                <a:endParaRPr lang="en-US" sz="2400" dirty="0"/>
-              </a:p>
-              <a:p>
-                <a:pPr algn="ctr"/>
-                <a14:m>
-                  <m:oMathPara xmlns:m="http://schemas.openxmlformats.org/officeDocument/2006/math">
-                    <m:oMathParaPr>
-                      <m:jc m:val="centerGroup"/>
-                    </m:oMathParaPr>
-                    <m:oMath xmlns:m="http://schemas.openxmlformats.org/officeDocument/2006/math">
-                      <m:sSub>
-                        <m:sSubPr>
-                          <m:ctrlPr>
-                            <a:rPr lang="en-US" sz="2400" b="0" i="1" smtClean="0">
-                              <a:latin typeface="Cambria Math" panose="02040503050406030204" pitchFamily="18" charset="0"/>
-                            </a:rPr>
-                          </m:ctrlPr>
-                        </m:sSubPr>
-                        <m:e>
-                          <m:r>
-                            <a:rPr lang="en-US" sz="2400" b="0" i="1" smtClean="0">
-                              <a:latin typeface="Cambria Math" panose="02040503050406030204" pitchFamily="18" charset="0"/>
-                            </a:rPr>
-                            <m:t>𝑒</m:t>
-                          </m:r>
-                        </m:e>
-                        <m:sub>
-                          <m:r>
-                            <a:rPr lang="en-US" sz="2400" b="0" i="1" smtClean="0">
-                              <a:latin typeface="Cambria Math" panose="02040503050406030204" pitchFamily="18" charset="0"/>
-                            </a:rPr>
-                            <m:t>1</m:t>
-                          </m:r>
-                        </m:sub>
-                      </m:sSub>
-                    </m:oMath>
-                  </m:oMathPara>
-                </a14:m>
-                <a:endParaRPr lang="en-US" sz="2400" dirty="0"/>
-              </a:p>
-              <a:p>
-                <a:pPr algn="ctr"/>
-                <a:endParaRPr lang="en-US" sz="2400" dirty="0"/>
-              </a:p>
-            </p:txBody>
-          </p:sp>
-        </mc:Choice>
-        <mc:Fallback xmlns="">
-          <p:sp>
-            <p:nvSpPr>
-              <p:cNvPr id="27" name="Rounded Rectangular Callout 26">
-                <a:extLst>
-                  <a:ext uri="{FF2B5EF4-FFF2-40B4-BE49-F238E27FC236}">
-                    <a16:creationId xmlns:a16="http://schemas.microsoft.com/office/drawing/2014/main" id="{5EB7786B-2235-624E-F659-8371356BC61F}"/>
-                  </a:ext>
-                </a:extLst>
-              </p:cNvPr>
-              <p:cNvSpPr>
-                <a:spLocks noRot="1" noChangeAspect="1" noMove="1" noResize="1" noEditPoints="1" noAdjustHandles="1" noChangeArrowheads="1" noChangeShapeType="1" noTextEdit="1"/>
-              </p:cNvSpPr>
-              <p:nvPr/>
-            </p:nvSpPr>
-            <p:spPr>
-              <a:xfrm>
-                <a:off x="9223326" y="4873716"/>
-                <a:ext cx="625642" cy="513616"/>
-              </a:xfrm>
-              <a:prstGeom prst="wedgeRoundRectCallout">
-                <a:avLst>
-                  <a:gd name="adj1" fmla="val -62833"/>
-                  <a:gd name="adj2" fmla="val 10985"/>
-                  <a:gd name="adj3" fmla="val 16667"/>
-                </a:avLst>
-              </a:prstGeom>
-              <a:blipFill>
-                <a:blip r:embed="rId10"/>
-                <a:stretch>
-                  <a:fillRect/>
-                </a:stretch>
-              </a:blipFill>
-            </p:spPr>
-            <p:txBody>
-              <a:bodyPr/>
-              <a:lstStyle/>
-              <a:p>
-                <a:r>
-                  <a:rPr lang="en-US">
-                    <a:noFill/>
-                  </a:rPr>
-                  <a:t> </a:t>
-                </a:r>
-              </a:p>
-            </p:txBody>
-          </p:sp>
-        </mc:Fallback>
-      </mc:AlternateContent>
-      <mc:AlternateContent xmlns:mc="http://schemas.openxmlformats.org/markup-compatibility/2006" xmlns:a14="http://schemas.microsoft.com/office/drawing/2010/main">
-        <mc:Choice Requires="a14">
-          <p:sp>
-            <p:nvSpPr>
-              <p:cNvPr id="12" name="object 8">
-                <a:extLst>
-                  <a:ext uri="{FF2B5EF4-FFF2-40B4-BE49-F238E27FC236}">
-                    <a16:creationId xmlns:a16="http://schemas.microsoft.com/office/drawing/2014/main" id="{BA00BE63-EBEA-9B8E-F23F-775547D590DB}"/>
-                  </a:ext>
-                </a:extLst>
-              </p:cNvPr>
-              <p:cNvSpPr txBox="1"/>
-              <p:nvPr/>
-            </p:nvSpPr>
-            <p:spPr>
-              <a:xfrm>
-                <a:off x="3605049" y="1733254"/>
-                <a:ext cx="5524500" cy="513616"/>
-              </a:xfrm>
-              <a:prstGeom prst="roundRect">
-                <a:avLst/>
-              </a:prstGeom>
-              <a:solidFill>
-                <a:schemeClr val="accent4">
-                  <a:lumMod val="20000"/>
-                  <a:lumOff val="80000"/>
-                </a:schemeClr>
-              </a:solidFill>
-            </p:spPr>
-            <p:txBody>
-              <a:bodyPr vert="horz" wrap="square" lIns="0" tIns="93980" rIns="0" bIns="0" rtlCol="0">
-                <a:spAutoFit/>
-              </a:bodyPr>
-              <a:lstStyle/>
-              <a:p>
-                <a:pPr marL="40640">
-                  <a:lnSpc>
-                    <a:spcPct val="100000"/>
-                  </a:lnSpc>
-                  <a:spcBef>
-                    <a:spcPts val="740"/>
-                  </a:spcBef>
-                </a:pPr>
-                <a14:m>
-                  <m:oMathPara xmlns:m="http://schemas.openxmlformats.org/officeDocument/2006/math">
-                    <m:oMathParaPr>
-                      <m:jc m:val="centerGroup"/>
-                    </m:oMathParaPr>
-                    <m:oMath xmlns:m="http://schemas.openxmlformats.org/officeDocument/2006/math">
-                      <m:r>
-                        <a:rPr lang="en-US" sz="2400" b="0" i="1" smtClean="0">
-                          <a:latin typeface="Cambria Math" panose="02040503050406030204" pitchFamily="18" charset="0"/>
-                          <a:cs typeface="Arial"/>
-                        </a:rPr>
-                        <m:t>𝑙𝑖𝑓𝑒𝐸𝑥𝑝</m:t>
-                      </m:r>
-                      <m:r>
-                        <a:rPr lang="en-US" sz="2400" b="0" i="1" smtClean="0">
-                          <a:latin typeface="Cambria Math" panose="02040503050406030204" pitchFamily="18" charset="0"/>
-                          <a:cs typeface="Arial"/>
-                        </a:rPr>
-                        <m:t>=73.62+0.0000836∗</m:t>
-                      </m:r>
-                      <m:r>
-                        <a:rPr lang="en-US" sz="2400" b="0" i="1" smtClean="0">
-                          <a:latin typeface="Cambria Math" panose="02040503050406030204" pitchFamily="18" charset="0"/>
-                          <a:cs typeface="Arial"/>
-                        </a:rPr>
-                        <m:t>𝑖𝑛𝑐𝑜𝑚𝑒</m:t>
-                      </m:r>
-                    </m:oMath>
-                  </m:oMathPara>
-                </a14:m>
-                <a:endParaRPr sz="2400" dirty="0">
-                  <a:latin typeface="Arial"/>
-                  <a:cs typeface="Arial"/>
-                </a:endParaRPr>
-              </a:p>
-            </p:txBody>
-          </p:sp>
-        </mc:Choice>
-        <mc:Fallback xmlns="">
-          <p:sp>
-            <p:nvSpPr>
-              <p:cNvPr id="12" name="object 8">
-                <a:extLst>
-                  <a:ext uri="{FF2B5EF4-FFF2-40B4-BE49-F238E27FC236}">
-                    <a16:creationId xmlns:a16="http://schemas.microsoft.com/office/drawing/2014/main" id="{BA00BE63-EBEA-9B8E-F23F-775547D590DB}"/>
-                  </a:ext>
-                </a:extLst>
-              </p:cNvPr>
-              <p:cNvSpPr txBox="1">
-                <a:spLocks noRot="1" noChangeAspect="1" noMove="1" noResize="1" noEditPoints="1" noAdjustHandles="1" noChangeArrowheads="1" noChangeShapeType="1" noTextEdit="1"/>
-              </p:cNvSpPr>
-              <p:nvPr/>
-            </p:nvSpPr>
-            <p:spPr>
-              <a:xfrm>
-                <a:off x="3605049" y="1733254"/>
-                <a:ext cx="5524500" cy="513616"/>
-              </a:xfrm>
-              <a:prstGeom prst="roundRect">
-                <a:avLst/>
-              </a:prstGeom>
-              <a:blipFill>
-                <a:blip r:embed="rId11"/>
-                <a:stretch>
-                  <a:fillRect b="-19048"/>
-                </a:stretch>
-              </a:blipFill>
-            </p:spPr>
-            <p:txBody>
-              <a:bodyPr/>
-              <a:lstStyle/>
-              <a:p>
-                <a:r>
-                  <a:rPr lang="en-US">
-                    <a:noFill/>
-                  </a:rPr>
-                  <a:t> </a:t>
-                </a:r>
-              </a:p>
-            </p:txBody>
-          </p:sp>
-        </mc:Fallback>
-      </mc:AlternateContent>
-    </p:spTree>
-    <p:extLst>
-      <p:ext uri="{BB962C8B-B14F-4D97-AF65-F5344CB8AC3E}">
-        <p14:creationId xmlns:p14="http://schemas.microsoft.com/office/powerpoint/2010/main" val="1216647700"/>
-      </p:ext>
-    </p:extLst>
-  </p:cSld>
-  <p:clrMapOvr>
-    <a:masterClrMapping/>
-  </p:clrMapOvr>
-</p:sld>
-</file>
-
-<file path=ppt/slides/slide15.xml><?xml version="1.0" encoding="utf-8"?>
 <p:sld xmlns:a="http://schemas.openxmlformats.org/drawingml/2006/main" xmlns:r="http://schemas.openxmlformats.org/officeDocument/2006/relationships" xmlns:p="http://schemas.openxmlformats.org/presentationml/2006/main">
   <p:cSld>
     <p:spTree>
@@ -18689,7 +17533,7 @@
 </p:sld>
 </file>
 
-<file path=ppt/slides/slide16.xml><?xml version="1.0" encoding="utf-8"?>
+<file path=ppt/slides/slide15.xml><?xml version="1.0" encoding="utf-8"?>
 <p:sld xmlns:a="http://schemas.openxmlformats.org/drawingml/2006/main" xmlns:r="http://schemas.openxmlformats.org/officeDocument/2006/relationships" xmlns:p="http://schemas.openxmlformats.org/presentationml/2006/main">
   <p:cSld>
     <p:spTree>
@@ -20327,8 +19171,8 @@
           </p:sp>
         </mc:Fallback>
       </mc:AlternateContent>
-      <mc:AlternateContent xmlns:mc="http://schemas.openxmlformats.org/markup-compatibility/2006">
-        <mc:Choice xmlns:a14="http://schemas.microsoft.com/office/drawing/2010/main" Requires="a14">
+      <mc:AlternateContent xmlns:mc="http://schemas.openxmlformats.org/markup-compatibility/2006" xmlns:a14="http://schemas.microsoft.com/office/drawing/2010/main">
+        <mc:Choice Requires="a14">
           <p:sp>
             <p:nvSpPr>
               <p:cNvPr id="13" name="TextBox 12">
@@ -20704,7 +19548,7 @@
             </p:txBody>
           </p:sp>
         </mc:Choice>
-        <mc:Fallback>
+        <mc:Fallback xmlns="">
           <p:sp>
             <p:nvSpPr>
               <p:cNvPr id="13" name="TextBox 12">
@@ -20762,7 +19606,7 @@
 </p:sld>
 </file>
 
-<file path=ppt/slides/slide17.xml><?xml version="1.0" encoding="utf-8"?>
+<file path=ppt/slides/slide16.xml><?xml version="1.0" encoding="utf-8"?>
 <p:sld xmlns:a="http://schemas.openxmlformats.org/drawingml/2006/main" xmlns:r="http://schemas.openxmlformats.org/officeDocument/2006/relationships" xmlns:p="http://schemas.openxmlformats.org/presentationml/2006/main">
   <p:cSld>
     <p:spTree>
@@ -22400,8 +21244,8 @@
           </p:sp>
         </mc:Fallback>
       </mc:AlternateContent>
-      <mc:AlternateContent xmlns:mc="http://schemas.openxmlformats.org/markup-compatibility/2006">
-        <mc:Choice xmlns:a14="http://schemas.microsoft.com/office/drawing/2010/main" Requires="a14">
+      <mc:AlternateContent xmlns:mc="http://schemas.openxmlformats.org/markup-compatibility/2006" xmlns:a14="http://schemas.microsoft.com/office/drawing/2010/main">
+        <mc:Choice Requires="a14">
           <p:sp>
             <p:nvSpPr>
               <p:cNvPr id="13" name="TextBox 12">
@@ -22738,7 +21582,7 @@
             </p:txBody>
           </p:sp>
         </mc:Choice>
-        <mc:Fallback>
+        <mc:Fallback xmlns="">
           <p:sp>
             <p:nvSpPr>
               <p:cNvPr id="13" name="TextBox 12">
@@ -22783,8 +21627,8 @@
           </p:sp>
         </mc:Fallback>
       </mc:AlternateContent>
-      <mc:AlternateContent xmlns:mc="http://schemas.openxmlformats.org/markup-compatibility/2006">
-        <mc:Choice xmlns:a14="http://schemas.microsoft.com/office/drawing/2010/main" Requires="a14">
+      <mc:AlternateContent xmlns:mc="http://schemas.openxmlformats.org/markup-compatibility/2006" xmlns:a14="http://schemas.microsoft.com/office/drawing/2010/main">
+        <mc:Choice Requires="a14">
           <p:sp>
             <p:nvSpPr>
               <p:cNvPr id="3" name="Rounded Rectangular Callout 2">
@@ -22864,7 +21708,7 @@
             </p:txBody>
           </p:sp>
         </mc:Choice>
-        <mc:Fallback>
+        <mc:Fallback xmlns="">
           <p:sp>
             <p:nvSpPr>
               <p:cNvPr id="3" name="Rounded Rectangular Callout 2">
@@ -22979,7 +21823,7 @@
 </p:sld>
 </file>
 
-<file path=ppt/slides/slide18.xml><?xml version="1.0" encoding="utf-8"?>
+<file path=ppt/slides/slide17.xml><?xml version="1.0" encoding="utf-8"?>
 <p:sld xmlns:a="http://schemas.openxmlformats.org/drawingml/2006/main" xmlns:r="http://schemas.openxmlformats.org/officeDocument/2006/relationships" xmlns:p="http://schemas.openxmlformats.org/presentationml/2006/main">
   <p:cSld>
     <p:spTree>
@@ -24617,8 +23461,8 @@
           </p:sp>
         </mc:Fallback>
       </mc:AlternateContent>
-      <mc:AlternateContent xmlns:mc="http://schemas.openxmlformats.org/markup-compatibility/2006">
-        <mc:Choice xmlns:a14="http://schemas.microsoft.com/office/drawing/2010/main" Requires="a14">
+      <mc:AlternateContent xmlns:mc="http://schemas.openxmlformats.org/markup-compatibility/2006" xmlns:a14="http://schemas.microsoft.com/office/drawing/2010/main">
+        <mc:Choice Requires="a14">
           <p:sp>
             <p:nvSpPr>
               <p:cNvPr id="13" name="TextBox 12">
@@ -25096,7 +23940,7 @@
             </p:txBody>
           </p:sp>
         </mc:Choice>
-        <mc:Fallback>
+        <mc:Fallback xmlns="">
           <p:sp>
             <p:nvSpPr>
               <p:cNvPr id="13" name="TextBox 12">
@@ -25207,7 +24051,7 @@
 </p:sld>
 </file>
 
-<file path=ppt/slides/slide19.xml><?xml version="1.0" encoding="utf-8"?>
+<file path=ppt/slides/slide18.xml><?xml version="1.0" encoding="utf-8"?>
 <p:sld xmlns:a="http://schemas.openxmlformats.org/drawingml/2006/main" xmlns:r="http://schemas.openxmlformats.org/officeDocument/2006/relationships" xmlns:p="http://schemas.openxmlformats.org/presentationml/2006/main">
   <p:cSld>
     <p:spTree>
@@ -25252,8 +24096,8 @@
           </a:p>
         </p:txBody>
       </p:sp>
-      <mc:AlternateContent xmlns:mc="http://schemas.openxmlformats.org/markup-compatibility/2006">
-        <mc:Choice xmlns:a14="http://schemas.microsoft.com/office/drawing/2010/main" Requires="a14">
+      <mc:AlternateContent xmlns:mc="http://schemas.openxmlformats.org/markup-compatibility/2006" xmlns:a14="http://schemas.microsoft.com/office/drawing/2010/main">
+        <mc:Choice Requires="a14">
           <p:sp>
             <p:nvSpPr>
               <p:cNvPr id="13" name="TextBox 12">
@@ -25560,7 +24404,7 @@
             </p:txBody>
           </p:sp>
         </mc:Choice>
-        <mc:Fallback>
+        <mc:Fallback xmlns="">
           <p:sp>
             <p:nvSpPr>
               <p:cNvPr id="13" name="TextBox 12">
@@ -25666,8 +24510,8 @@
           </a:p>
         </p:txBody>
       </p:sp>
-      <mc:AlternateContent xmlns:mc="http://schemas.openxmlformats.org/markup-compatibility/2006">
-        <mc:Choice xmlns:a14="http://schemas.microsoft.com/office/drawing/2010/main" Requires="a14">
+      <mc:AlternateContent xmlns:mc="http://schemas.openxmlformats.org/markup-compatibility/2006" xmlns:a14="http://schemas.microsoft.com/office/drawing/2010/main">
+        <mc:Choice Requires="a14">
           <p:sp>
             <p:nvSpPr>
               <p:cNvPr id="5" name="Rounded Rectangular Callout 4">
@@ -25747,7 +24591,7 @@
             </p:txBody>
           </p:sp>
         </mc:Choice>
-        <mc:Fallback>
+        <mc:Fallback xmlns="">
           <p:sp>
             <p:nvSpPr>
               <p:cNvPr id="5" name="Rounded Rectangular Callout 4">
@@ -25931,8 +24775,8 @@
           </a:prstGeom>
         </p:spPr>
       </p:pic>
-      <mc:AlternateContent xmlns:mc="http://schemas.openxmlformats.org/markup-compatibility/2006">
-        <mc:Choice xmlns:a14="http://schemas.microsoft.com/office/drawing/2010/main" Requires="a14">
+      <mc:AlternateContent xmlns:mc="http://schemas.openxmlformats.org/markup-compatibility/2006" xmlns:a14="http://schemas.microsoft.com/office/drawing/2010/main">
+        <mc:Choice Requires="a14">
           <p:sp>
             <p:nvSpPr>
               <p:cNvPr id="16" name="TextBox 15">
@@ -25961,6 +24805,7 @@
               </a:bodyPr>
               <a:lstStyle/>
               <a:p>
+                <a:pPr/>
                 <a14:m>
                   <m:oMathPara xmlns:m="http://schemas.openxmlformats.org/officeDocument/2006/math">
                     <m:oMathParaPr>
@@ -26090,7 +24935,7 @@
             </p:txBody>
           </p:sp>
         </mc:Choice>
-        <mc:Fallback>
+        <mc:Fallback xmlns="">
           <p:sp>
             <p:nvSpPr>
               <p:cNvPr id="16" name="TextBox 15">
@@ -26148,6 +24993,945 @@
 </p:sld>
 </file>
 
+<file path=ppt/slides/slide19.xml><?xml version="1.0" encoding="utf-8"?>
+<p:sld xmlns:a="http://schemas.openxmlformats.org/drawingml/2006/main" xmlns:r="http://schemas.openxmlformats.org/officeDocument/2006/relationships" xmlns:p="http://schemas.openxmlformats.org/presentationml/2006/main">
+  <p:cSld>
+    <p:spTree>
+      <p:nvGrpSpPr>
+        <p:cNvPr id="1" name="">
+          <a:extLst>
+            <a:ext uri="{FF2B5EF4-FFF2-40B4-BE49-F238E27FC236}">
+              <a16:creationId xmlns:a16="http://schemas.microsoft.com/office/drawing/2014/main" id="{782BC3E6-0E78-BED1-0507-38A4B0E1A6BE}"/>
+            </a:ext>
+          </a:extLst>
+        </p:cNvPr>
+        <p:cNvGrpSpPr/>
+        <p:nvPr/>
+      </p:nvGrpSpPr>
+      <p:grpSpPr>
+        <a:xfrm>
+          <a:off x="0" y="0"/>
+          <a:ext cx="0" cy="0"/>
+          <a:chOff x="0" y="0"/>
+          <a:chExt cx="0" cy="0"/>
+        </a:xfrm>
+      </p:grpSpPr>
+      <p:sp>
+        <p:nvSpPr>
+          <p:cNvPr id="2" name="Title 1">
+            <a:extLst>
+              <a:ext uri="{FF2B5EF4-FFF2-40B4-BE49-F238E27FC236}">
+                <a16:creationId xmlns:a16="http://schemas.microsoft.com/office/drawing/2014/main" id="{3F0561C3-0FA3-0FB5-E1EE-301E2EB0168B}"/>
+              </a:ext>
+            </a:extLst>
+          </p:cNvPr>
+          <p:cNvSpPr>
+            <a:spLocks noGrp="1"/>
+          </p:cNvSpPr>
+          <p:nvPr>
+            <p:ph type="title"/>
+          </p:nvPr>
+        </p:nvSpPr>
+        <p:spPr/>
+        <p:txBody>
+          <a:bodyPr/>
+          <a:lstStyle/>
+          <a:p>
+            <a:r>
+              <a:rPr lang="en-US" dirty="0"/>
+              <a:t>Least Squares Line</a:t>
+            </a:r>
+          </a:p>
+        </p:txBody>
+      </p:sp>
+      <mc:AlternateContent xmlns:mc="http://schemas.openxmlformats.org/markup-compatibility/2006" xmlns:a14="http://schemas.microsoft.com/office/drawing/2010/main">
+        <mc:Choice Requires="a14">
+          <p:sp>
+            <p:nvSpPr>
+              <p:cNvPr id="13" name="TextBox 12">
+                <a:extLst>
+                  <a:ext uri="{FF2B5EF4-FFF2-40B4-BE49-F238E27FC236}">
+                    <a16:creationId xmlns:a16="http://schemas.microsoft.com/office/drawing/2014/main" id="{458291C8-D0A9-9433-23AA-3A7FA1638382}"/>
+                  </a:ext>
+                </a:extLst>
+              </p:cNvPr>
+              <p:cNvSpPr txBox="1"/>
+              <p:nvPr/>
+            </p:nvSpPr>
+            <p:spPr>
+              <a:xfrm>
+                <a:off x="3968384" y="4306300"/>
+                <a:ext cx="7161503" cy="1311513"/>
+              </a:xfrm>
+              <a:prstGeom prst="rect">
+                <a:avLst/>
+              </a:prstGeom>
+              <a:noFill/>
+            </p:spPr>
+            <p:txBody>
+              <a:bodyPr wrap="square" rtlCol="0">
+                <a:spAutoFit/>
+              </a:bodyPr>
+              <a:lstStyle/>
+              <a:p>
+                <a:pPr/>
+                <a14:m>
+                  <m:oMathPara xmlns:m="http://schemas.openxmlformats.org/officeDocument/2006/math">
+                    <m:oMathParaPr>
+                      <m:jc m:val="centerGroup"/>
+                    </m:oMathParaPr>
+                    <m:oMath xmlns:m="http://schemas.openxmlformats.org/officeDocument/2006/math">
+                      <m:acc>
+                        <m:accPr>
+                          <m:chr m:val="̂"/>
+                          <m:ctrlPr>
+                            <a:rPr lang="en-US" sz="2000" i="1" smtClean="0">
+                              <a:latin typeface="Cambria Math" panose="02040503050406030204" pitchFamily="18" charset="0"/>
+                            </a:rPr>
+                          </m:ctrlPr>
+                        </m:accPr>
+                        <m:e>
+                          <m:sSub>
+                            <m:sSubPr>
+                              <m:ctrlPr>
+                                <a:rPr lang="en-US" sz="2000" b="0" i="1" smtClean="0">
+                                  <a:latin typeface="Cambria Math" panose="02040503050406030204" pitchFamily="18" charset="0"/>
+                                  <a:ea typeface="Cambria Math" panose="02040503050406030204" pitchFamily="18" charset="0"/>
+                                </a:rPr>
+                              </m:ctrlPr>
+                            </m:sSubPr>
+                            <m:e>
+                              <m:r>
+                                <a:rPr lang="en-US" sz="2000" i="1" smtClean="0">
+                                  <a:latin typeface="Cambria Math" panose="02040503050406030204" pitchFamily="18" charset="0"/>
+                                  <a:ea typeface="Cambria Math" panose="02040503050406030204" pitchFamily="18" charset="0"/>
+                                </a:rPr>
+                                <m:t>𝛽</m:t>
+                              </m:r>
+                            </m:e>
+                            <m:sub>
+                              <m:r>
+                                <a:rPr lang="en-US" sz="2000" b="0" i="1" smtClean="0">
+                                  <a:latin typeface="Cambria Math" panose="02040503050406030204" pitchFamily="18" charset="0"/>
+                                  <a:ea typeface="Cambria Math" panose="02040503050406030204" pitchFamily="18" charset="0"/>
+                                </a:rPr>
+                                <m:t>1</m:t>
+                              </m:r>
+                            </m:sub>
+                          </m:sSub>
+                        </m:e>
+                      </m:acc>
+                      <m:r>
+                        <a:rPr lang="en-US" sz="2000" b="0" i="1" smtClean="0">
+                          <a:latin typeface="Cambria Math" panose="02040503050406030204" pitchFamily="18" charset="0"/>
+                        </a:rPr>
+                        <m:t>=</m:t>
+                      </m:r>
+                      <m:r>
+                        <a:rPr lang="en-US" sz="2000" b="0" i="1" smtClean="0">
+                          <a:latin typeface="Cambria Math" panose="02040503050406030204" pitchFamily="18" charset="0"/>
+                        </a:rPr>
+                        <m:t>𝑟</m:t>
+                      </m:r>
+                      <m:f>
+                        <m:fPr>
+                          <m:ctrlPr>
+                            <a:rPr lang="en-US" sz="2000" b="0" i="1" smtClean="0">
+                              <a:latin typeface="Cambria Math" panose="02040503050406030204" pitchFamily="18" charset="0"/>
+                            </a:rPr>
+                          </m:ctrlPr>
+                        </m:fPr>
+                        <m:num>
+                          <m:sSub>
+                            <m:sSubPr>
+                              <m:ctrlPr>
+                                <a:rPr lang="en-US" sz="2000" b="0" i="1" smtClean="0">
+                                  <a:latin typeface="Cambria Math" panose="02040503050406030204" pitchFamily="18" charset="0"/>
+                                </a:rPr>
+                              </m:ctrlPr>
+                            </m:sSubPr>
+                            <m:e>
+                              <m:r>
+                                <a:rPr lang="en-US" sz="2000" b="0" i="1" smtClean="0">
+                                  <a:latin typeface="Cambria Math" panose="02040503050406030204" pitchFamily="18" charset="0"/>
+                                </a:rPr>
+                                <m:t>𝑠</m:t>
+                              </m:r>
+                            </m:e>
+                            <m:sub>
+                              <m:r>
+                                <a:rPr lang="en-US" sz="2000" b="0" i="1" smtClean="0">
+                                  <a:latin typeface="Cambria Math" panose="02040503050406030204" pitchFamily="18" charset="0"/>
+                                </a:rPr>
+                                <m:t>𝑦</m:t>
+                              </m:r>
+                            </m:sub>
+                          </m:sSub>
+                        </m:num>
+                        <m:den>
+                          <m:sSub>
+                            <m:sSubPr>
+                              <m:ctrlPr>
+                                <a:rPr lang="en-US" sz="2000" b="0" i="1" smtClean="0">
+                                  <a:latin typeface="Cambria Math" panose="02040503050406030204" pitchFamily="18" charset="0"/>
+                                </a:rPr>
+                              </m:ctrlPr>
+                            </m:sSubPr>
+                            <m:e>
+                              <m:r>
+                                <a:rPr lang="en-US" sz="2000" b="0" i="1" smtClean="0">
+                                  <a:latin typeface="Cambria Math" panose="02040503050406030204" pitchFamily="18" charset="0"/>
+                                </a:rPr>
+                                <m:t>𝑠</m:t>
+                              </m:r>
+                            </m:e>
+                            <m:sub>
+                              <m:r>
+                                <a:rPr lang="en-US" sz="2000" b="0" i="1" smtClean="0">
+                                  <a:latin typeface="Cambria Math" panose="02040503050406030204" pitchFamily="18" charset="0"/>
+                                </a:rPr>
+                                <m:t>𝑥</m:t>
+                              </m:r>
+                            </m:sub>
+                          </m:sSub>
+                        </m:den>
+                      </m:f>
+                    </m:oMath>
+                  </m:oMathPara>
+                </a14:m>
+                <a:endParaRPr lang="en-US" sz="2000" i="1" dirty="0">
+                  <a:latin typeface="Cambria Math" panose="02040503050406030204" pitchFamily="18" charset="0"/>
+                </a:endParaRPr>
+              </a:p>
+              <a:p>
+                <a:endParaRPr lang="en-US" sz="2000" i="1" dirty="0">
+                  <a:latin typeface="Cambria Math" panose="02040503050406030204" pitchFamily="18" charset="0"/>
+                </a:endParaRPr>
+              </a:p>
+              <a:p>
+                <a:pPr/>
+                <a14:m>
+                  <m:oMathPara xmlns:m="http://schemas.openxmlformats.org/officeDocument/2006/math">
+                    <m:oMathParaPr>
+                      <m:jc m:val="centerGroup"/>
+                    </m:oMathParaPr>
+                    <m:oMath xmlns:m="http://schemas.openxmlformats.org/officeDocument/2006/math">
+                      <m:acc>
+                        <m:accPr>
+                          <m:chr m:val="̂"/>
+                          <m:ctrlPr>
+                            <a:rPr lang="en-US" sz="2000" i="1" smtClean="0">
+                              <a:latin typeface="Cambria Math" panose="02040503050406030204" pitchFamily="18" charset="0"/>
+                            </a:rPr>
+                          </m:ctrlPr>
+                        </m:accPr>
+                        <m:e>
+                          <m:sSub>
+                            <m:sSubPr>
+                              <m:ctrlPr>
+                                <a:rPr lang="en-US" sz="2000" b="0" i="1" smtClean="0">
+                                  <a:latin typeface="Cambria Math" panose="02040503050406030204" pitchFamily="18" charset="0"/>
+                                  <a:ea typeface="Cambria Math" panose="02040503050406030204" pitchFamily="18" charset="0"/>
+                                </a:rPr>
+                              </m:ctrlPr>
+                            </m:sSubPr>
+                            <m:e>
+                              <m:r>
+                                <a:rPr lang="en-US" sz="2000" i="1" smtClean="0">
+                                  <a:latin typeface="Cambria Math" panose="02040503050406030204" pitchFamily="18" charset="0"/>
+                                  <a:ea typeface="Cambria Math" panose="02040503050406030204" pitchFamily="18" charset="0"/>
+                                </a:rPr>
+                                <m:t>𝛽</m:t>
+                              </m:r>
+                            </m:e>
+                            <m:sub>
+                              <m:r>
+                                <a:rPr lang="en-US" sz="2000" b="0" i="1" smtClean="0">
+                                  <a:latin typeface="Cambria Math" panose="02040503050406030204" pitchFamily="18" charset="0"/>
+                                  <a:ea typeface="Cambria Math" panose="02040503050406030204" pitchFamily="18" charset="0"/>
+                                </a:rPr>
+                                <m:t>0</m:t>
+                              </m:r>
+                            </m:sub>
+                          </m:sSub>
+                        </m:e>
+                      </m:acc>
+                      <m:r>
+                        <a:rPr lang="en-US" sz="2000" b="0" i="1" smtClean="0">
+                          <a:latin typeface="Cambria Math" panose="02040503050406030204" pitchFamily="18" charset="0"/>
+                        </a:rPr>
+                        <m:t>= </m:t>
+                      </m:r>
+                      <m:acc>
+                        <m:accPr>
+                          <m:chr m:val="̅"/>
+                          <m:ctrlPr>
+                            <a:rPr lang="en-US" sz="2000" b="0" i="1" smtClean="0">
+                              <a:latin typeface="Cambria Math" panose="02040503050406030204" pitchFamily="18" charset="0"/>
+                            </a:rPr>
+                          </m:ctrlPr>
+                        </m:accPr>
+                        <m:e>
+                          <m:r>
+                            <a:rPr lang="en-US" sz="2000" b="0" i="1" smtClean="0">
+                              <a:latin typeface="Cambria Math" panose="02040503050406030204" pitchFamily="18" charset="0"/>
+                            </a:rPr>
+                            <m:t>𝑦</m:t>
+                          </m:r>
+                        </m:e>
+                      </m:acc>
+                      <m:r>
+                        <a:rPr lang="en-US" sz="2000" b="0" i="1" smtClean="0">
+                          <a:latin typeface="Cambria Math" panose="02040503050406030204" pitchFamily="18" charset="0"/>
+                        </a:rPr>
+                        <m:t> − </m:t>
+                      </m:r>
+                      <m:acc>
+                        <m:accPr>
+                          <m:chr m:val="̂"/>
+                          <m:ctrlPr>
+                            <a:rPr lang="en-US" sz="2000" b="0" i="1" smtClean="0">
+                              <a:latin typeface="Cambria Math" panose="02040503050406030204" pitchFamily="18" charset="0"/>
+                            </a:rPr>
+                          </m:ctrlPr>
+                        </m:accPr>
+                        <m:e>
+                          <m:sSub>
+                            <m:sSubPr>
+                              <m:ctrlPr>
+                                <a:rPr lang="en-US" sz="2000" b="0" i="1" smtClean="0">
+                                  <a:latin typeface="Cambria Math" panose="02040503050406030204" pitchFamily="18" charset="0"/>
+                                  <a:ea typeface="Cambria Math" panose="02040503050406030204" pitchFamily="18" charset="0"/>
+                                </a:rPr>
+                              </m:ctrlPr>
+                            </m:sSubPr>
+                            <m:e>
+                              <m:r>
+                                <a:rPr lang="en-US" sz="2000" b="0" i="1" smtClean="0">
+                                  <a:latin typeface="Cambria Math" panose="02040503050406030204" pitchFamily="18" charset="0"/>
+                                  <a:ea typeface="Cambria Math" panose="02040503050406030204" pitchFamily="18" charset="0"/>
+                                </a:rPr>
+                                <m:t>𝛽</m:t>
+                              </m:r>
+                            </m:e>
+                            <m:sub>
+                              <m:r>
+                                <a:rPr lang="en-US" sz="2000" b="0" i="1" smtClean="0">
+                                  <a:latin typeface="Cambria Math" panose="02040503050406030204" pitchFamily="18" charset="0"/>
+                                  <a:ea typeface="Cambria Math" panose="02040503050406030204" pitchFamily="18" charset="0"/>
+                                </a:rPr>
+                                <m:t>1</m:t>
+                              </m:r>
+                            </m:sub>
+                          </m:sSub>
+                        </m:e>
+                      </m:acc>
+                      <m:acc>
+                        <m:accPr>
+                          <m:chr m:val="̅"/>
+                          <m:ctrlPr>
+                            <a:rPr lang="en-US" sz="2000" i="1" smtClean="0">
+                              <a:latin typeface="Cambria Math" panose="02040503050406030204" pitchFamily="18" charset="0"/>
+                            </a:rPr>
+                          </m:ctrlPr>
+                        </m:accPr>
+                        <m:e>
+                          <m:r>
+                            <a:rPr lang="en-US" sz="2000" b="0" i="1" smtClean="0">
+                              <a:latin typeface="Cambria Math" panose="02040503050406030204" pitchFamily="18" charset="0"/>
+                            </a:rPr>
+                            <m:t>𝑥</m:t>
+                          </m:r>
+                        </m:e>
+                      </m:acc>
+                    </m:oMath>
+                  </m:oMathPara>
+                </a14:m>
+                <a:endParaRPr lang="en-US" sz="2000" dirty="0"/>
+              </a:p>
+            </p:txBody>
+          </p:sp>
+        </mc:Choice>
+        <mc:Fallback xmlns="">
+          <p:sp>
+            <p:nvSpPr>
+              <p:cNvPr id="13" name="TextBox 12">
+                <a:extLst>
+                  <a:ext uri="{FF2B5EF4-FFF2-40B4-BE49-F238E27FC236}">
+                    <a16:creationId xmlns:a16="http://schemas.microsoft.com/office/drawing/2014/main" id="{C255C460-F03F-25FE-575C-226CE42B70ED}"/>
+                  </a:ext>
+                </a:extLst>
+              </p:cNvPr>
+              <p:cNvSpPr txBox="1">
+                <a:spLocks noRot="1" noChangeAspect="1" noMove="1" noResize="1" noEditPoints="1" noAdjustHandles="1" noChangeArrowheads="1" noChangeShapeType="1" noTextEdit="1"/>
+              </p:cNvSpPr>
+              <p:nvPr/>
+            </p:nvSpPr>
+            <p:spPr>
+              <a:xfrm>
+                <a:off x="3968384" y="4306300"/>
+                <a:ext cx="7161503" cy="1311513"/>
+              </a:xfrm>
+              <a:prstGeom prst="rect">
+                <a:avLst/>
+              </a:prstGeom>
+              <a:blipFill>
+                <a:blip r:embed="rId3"/>
+                <a:stretch>
+                  <a:fillRect b="-4762"/>
+                </a:stretch>
+              </a:blipFill>
+            </p:spPr>
+            <p:txBody>
+              <a:bodyPr/>
+              <a:lstStyle/>
+              <a:p>
+                <a:r>
+                  <a:rPr lang="en-US">
+                    <a:noFill/>
+                  </a:rPr>
+                  <a:t> </a:t>
+                </a:r>
+              </a:p>
+            </p:txBody>
+          </p:sp>
+        </mc:Fallback>
+      </mc:AlternateContent>
+      <p:sp>
+        <p:nvSpPr>
+          <p:cNvPr id="4" name="Rounded Rectangle 3">
+            <a:extLst>
+              <a:ext uri="{FF2B5EF4-FFF2-40B4-BE49-F238E27FC236}">
+                <a16:creationId xmlns:a16="http://schemas.microsoft.com/office/drawing/2014/main" id="{01C25133-1CD6-0DB3-AF12-5B9FCDA70C4F}"/>
+              </a:ext>
+            </a:extLst>
+          </p:cNvPr>
+          <p:cNvSpPr/>
+          <p:nvPr/>
+        </p:nvSpPr>
+        <p:spPr>
+          <a:xfrm>
+            <a:off x="3515872" y="433369"/>
+            <a:ext cx="8066528" cy="1007973"/>
+          </a:xfrm>
+          <a:prstGeom prst="roundRect">
+            <a:avLst/>
+          </a:prstGeom>
+        </p:spPr>
+        <p:style>
+          <a:lnRef idx="2">
+            <a:schemeClr val="accent5">
+              <a:shade val="15000"/>
+            </a:schemeClr>
+          </a:lnRef>
+          <a:fillRef idx="1">
+            <a:schemeClr val="accent5"/>
+          </a:fillRef>
+          <a:effectRef idx="0">
+            <a:schemeClr val="accent5"/>
+          </a:effectRef>
+          <a:fontRef idx="minor">
+            <a:schemeClr val="lt1"/>
+          </a:fontRef>
+        </p:style>
+        <p:txBody>
+          <a:bodyPr rtlCol="0" anchor="t"/>
+          <a:lstStyle/>
+          <a:p>
+            <a:r>
+              <a:rPr lang="en-US" sz="2400" b="1" i="1" dirty="0"/>
+              <a:t>Practice</a:t>
+            </a:r>
+            <a:r>
+              <a:rPr lang="en-US" sz="2400" dirty="0"/>
+              <a:t>: With your regression, what is the average aid for a family with an income of $30,000? How about $100,000?</a:t>
+            </a:r>
+          </a:p>
+        </p:txBody>
+      </p:sp>
+      <mc:AlternateContent xmlns:mc="http://schemas.openxmlformats.org/markup-compatibility/2006" xmlns:a14="http://schemas.microsoft.com/office/drawing/2010/main">
+        <mc:Choice Requires="a14">
+          <p:sp>
+            <p:nvSpPr>
+              <p:cNvPr id="5" name="Rounded Rectangular Callout 4">
+                <a:extLst>
+                  <a:ext uri="{FF2B5EF4-FFF2-40B4-BE49-F238E27FC236}">
+                    <a16:creationId xmlns:a16="http://schemas.microsoft.com/office/drawing/2014/main" id="{9722329B-005D-D8FD-5639-FBFCB550AFD1}"/>
+                  </a:ext>
+                </a:extLst>
+              </p:cNvPr>
+              <p:cNvSpPr/>
+              <p:nvPr/>
+            </p:nvSpPr>
+            <p:spPr>
+              <a:xfrm>
+                <a:off x="3341519" y="4222039"/>
+                <a:ext cx="3016776" cy="696163"/>
+              </a:xfrm>
+              <a:prstGeom prst="wedgeRoundRectCallout">
+                <a:avLst>
+                  <a:gd name="adj1" fmla="val 90586"/>
+                  <a:gd name="adj2" fmla="val -4462"/>
+                  <a:gd name="adj3" fmla="val 16667"/>
+                </a:avLst>
+              </a:prstGeom>
+            </p:spPr>
+            <p:style>
+              <a:lnRef idx="2">
+                <a:schemeClr val="accent3">
+                  <a:shade val="15000"/>
+                </a:schemeClr>
+              </a:lnRef>
+              <a:fillRef idx="1">
+                <a:schemeClr val="accent3"/>
+              </a:fillRef>
+              <a:effectRef idx="0">
+                <a:schemeClr val="accent3"/>
+              </a:effectRef>
+              <a:fontRef idx="minor">
+                <a:schemeClr val="lt1"/>
+              </a:fontRef>
+            </p:style>
+            <p:txBody>
+              <a:bodyPr rtlCol="0" anchor="ctr"/>
+              <a:lstStyle/>
+              <a:p>
+                <a:pPr algn="ctr"/>
+                <a:r>
+                  <a:rPr lang="en-US" sz="2400" dirty="0"/>
+                  <a:t>r is correlation between </a:t>
+                </a:r>
+                <a14:m>
+                  <m:oMath xmlns:m="http://schemas.openxmlformats.org/officeDocument/2006/math">
+                    <m:r>
+                      <a:rPr lang="en-US" sz="2400" b="0" i="1" smtClean="0">
+                        <a:latin typeface="Cambria Math" panose="02040503050406030204" pitchFamily="18" charset="0"/>
+                      </a:rPr>
+                      <m:t>𝑥</m:t>
+                    </m:r>
+                  </m:oMath>
+                </a14:m>
+                <a:r>
+                  <a:rPr lang="en-US" sz="2400" dirty="0"/>
+                  <a:t> and </a:t>
+                </a:r>
+                <a14:m>
+                  <m:oMath xmlns:m="http://schemas.openxmlformats.org/officeDocument/2006/math">
+                    <m:r>
+                      <a:rPr lang="en-US" sz="2400" b="0" i="1" smtClean="0">
+                        <a:latin typeface="Cambria Math" panose="02040503050406030204" pitchFamily="18" charset="0"/>
+                      </a:rPr>
+                      <m:t>𝑦</m:t>
+                    </m:r>
+                  </m:oMath>
+                </a14:m>
+                <a:endParaRPr lang="en-US" sz="2400" dirty="0"/>
+              </a:p>
+            </p:txBody>
+          </p:sp>
+        </mc:Choice>
+        <mc:Fallback xmlns="">
+          <p:sp>
+            <p:nvSpPr>
+              <p:cNvPr id="5" name="Rounded Rectangular Callout 4">
+                <a:extLst>
+                  <a:ext uri="{FF2B5EF4-FFF2-40B4-BE49-F238E27FC236}">
+                    <a16:creationId xmlns:a16="http://schemas.microsoft.com/office/drawing/2014/main" id="{D105A5BB-E9E2-0DF7-BA70-37E84257235A}"/>
+                  </a:ext>
+                </a:extLst>
+              </p:cNvPr>
+              <p:cNvSpPr>
+                <a:spLocks noRot="1" noChangeAspect="1" noMove="1" noResize="1" noEditPoints="1" noAdjustHandles="1" noChangeArrowheads="1" noChangeShapeType="1" noTextEdit="1"/>
+              </p:cNvSpPr>
+              <p:nvPr/>
+            </p:nvSpPr>
+            <p:spPr>
+              <a:xfrm>
+                <a:off x="3341519" y="4222039"/>
+                <a:ext cx="3016776" cy="696163"/>
+              </a:xfrm>
+              <a:prstGeom prst="wedgeRoundRectCallout">
+                <a:avLst>
+                  <a:gd name="adj1" fmla="val 90586"/>
+                  <a:gd name="adj2" fmla="val -4462"/>
+                  <a:gd name="adj3" fmla="val 16667"/>
+                </a:avLst>
+              </a:prstGeom>
+              <a:blipFill>
+                <a:blip r:embed="rId4"/>
+                <a:stretch>
+                  <a:fillRect t="-16071" b="-26786"/>
+                </a:stretch>
+              </a:blipFill>
+            </p:spPr>
+            <p:txBody>
+              <a:bodyPr/>
+              <a:lstStyle/>
+              <a:p>
+                <a:r>
+                  <a:rPr lang="en-US">
+                    <a:noFill/>
+                  </a:rPr>
+                  <a:t> </a:t>
+                </a:r>
+              </a:p>
+            </p:txBody>
+          </p:sp>
+        </mc:Fallback>
+      </mc:AlternateContent>
+      <p:sp>
+        <p:nvSpPr>
+          <p:cNvPr id="6" name="Rounded Rectangular Callout 5">
+            <a:extLst>
+              <a:ext uri="{FF2B5EF4-FFF2-40B4-BE49-F238E27FC236}">
+                <a16:creationId xmlns:a16="http://schemas.microsoft.com/office/drawing/2014/main" id="{09CD4651-6BC6-D359-D78D-E40EB13E63BE}"/>
+              </a:ext>
+            </a:extLst>
+          </p:cNvPr>
+          <p:cNvSpPr/>
+          <p:nvPr/>
+        </p:nvSpPr>
+        <p:spPr>
+          <a:xfrm>
+            <a:off x="9489438" y="4097419"/>
+            <a:ext cx="1890960" cy="820783"/>
+          </a:xfrm>
+          <a:prstGeom prst="wedgeRoundRectCallout">
+            <a:avLst>
+              <a:gd name="adj1" fmla="val -130972"/>
+              <a:gd name="adj2" fmla="val 27266"/>
+              <a:gd name="adj3" fmla="val 16667"/>
+            </a:avLst>
+          </a:prstGeom>
+        </p:spPr>
+        <p:style>
+          <a:lnRef idx="2">
+            <a:schemeClr val="accent3">
+              <a:shade val="15000"/>
+            </a:schemeClr>
+          </a:lnRef>
+          <a:fillRef idx="1">
+            <a:schemeClr val="accent3"/>
+          </a:fillRef>
+          <a:effectRef idx="0">
+            <a:schemeClr val="accent3"/>
+          </a:effectRef>
+          <a:fontRef idx="minor">
+            <a:schemeClr val="lt1"/>
+          </a:fontRef>
+        </p:style>
+        <p:txBody>
+          <a:bodyPr rtlCol="0" anchor="ctr"/>
+          <a:lstStyle/>
+          <a:p>
+            <a:pPr algn="ctr"/>
+            <a:r>
+              <a:rPr lang="en-US" sz="2400" dirty="0"/>
+              <a:t>s is standard deviation</a:t>
+            </a:r>
+          </a:p>
+        </p:txBody>
+      </p:sp>
+      <p:sp>
+        <p:nvSpPr>
+          <p:cNvPr id="10" name="Rounded Rectangular Callout 9">
+            <a:extLst>
+              <a:ext uri="{FF2B5EF4-FFF2-40B4-BE49-F238E27FC236}">
+                <a16:creationId xmlns:a16="http://schemas.microsoft.com/office/drawing/2014/main" id="{1A305CB8-C8F0-BA97-5987-51E75EEA2F19}"/>
+              </a:ext>
+            </a:extLst>
+          </p:cNvPr>
+          <p:cNvSpPr/>
+          <p:nvPr/>
+        </p:nvSpPr>
+        <p:spPr>
+          <a:xfrm>
+            <a:off x="9865792" y="5055517"/>
+            <a:ext cx="1890960" cy="820783"/>
+          </a:xfrm>
+          <a:prstGeom prst="wedgeRoundRectCallout">
+            <a:avLst>
+              <a:gd name="adj1" fmla="val -130024"/>
+              <a:gd name="adj2" fmla="val -7685"/>
+              <a:gd name="adj3" fmla="val 16667"/>
+            </a:avLst>
+          </a:prstGeom>
+        </p:spPr>
+        <p:style>
+          <a:lnRef idx="2">
+            <a:schemeClr val="accent3">
+              <a:shade val="15000"/>
+            </a:schemeClr>
+          </a:lnRef>
+          <a:fillRef idx="1">
+            <a:schemeClr val="accent3"/>
+          </a:fillRef>
+          <a:effectRef idx="0">
+            <a:schemeClr val="accent3"/>
+          </a:effectRef>
+          <a:fontRef idx="minor">
+            <a:schemeClr val="lt1"/>
+          </a:fontRef>
+        </p:style>
+        <p:txBody>
+          <a:bodyPr rtlCol="0" anchor="ctr"/>
+          <a:lstStyle/>
+          <a:p>
+            <a:pPr algn="ctr"/>
+            <a:r>
+              <a:rPr lang="en-US" sz="2400" dirty="0"/>
+              <a:t>bar is mean</a:t>
+            </a:r>
+          </a:p>
+        </p:txBody>
+      </p:sp>
+      <p:pic>
+        <p:nvPicPr>
+          <p:cNvPr id="15" name="Picture 14" descr="A screenshot of a computer&#10;&#10;Description automatically generated">
+            <a:extLst>
+              <a:ext uri="{FF2B5EF4-FFF2-40B4-BE49-F238E27FC236}">
+                <a16:creationId xmlns:a16="http://schemas.microsoft.com/office/drawing/2014/main" id="{03D7B8CE-2DA4-BF22-F6F7-8B8C75AE08AD}"/>
+              </a:ext>
+            </a:extLst>
+          </p:cNvPr>
+          <p:cNvPicPr>
+            <a:picLocks noChangeAspect="1"/>
+          </p:cNvPicPr>
+          <p:nvPr/>
+        </p:nvPicPr>
+        <p:blipFill rotWithShape="1">
+          <a:blip r:embed="rId5"/>
+          <a:srcRect t="27276"/>
+          <a:stretch/>
+        </p:blipFill>
+        <p:spPr>
+          <a:xfrm>
+            <a:off x="3662935" y="2798514"/>
+            <a:ext cx="7772400" cy="1311513"/>
+          </a:xfrm>
+          <a:prstGeom prst="rect">
+            <a:avLst/>
+          </a:prstGeom>
+        </p:spPr>
+      </p:pic>
+      <mc:AlternateContent xmlns:mc="http://schemas.openxmlformats.org/markup-compatibility/2006" xmlns:a14="http://schemas.microsoft.com/office/drawing/2010/main">
+        <mc:Choice Requires="a14">
+          <p:sp>
+            <p:nvSpPr>
+              <p:cNvPr id="16" name="TextBox 15">
+                <a:extLst>
+                  <a:ext uri="{FF2B5EF4-FFF2-40B4-BE49-F238E27FC236}">
+                    <a16:creationId xmlns:a16="http://schemas.microsoft.com/office/drawing/2014/main" id="{9A024968-58C8-27A4-BE3E-C790844AE994}"/>
+                  </a:ext>
+                </a:extLst>
+              </p:cNvPr>
+              <p:cNvSpPr txBox="1"/>
+              <p:nvPr/>
+            </p:nvSpPr>
+            <p:spPr>
+              <a:xfrm>
+                <a:off x="5284089" y="6041452"/>
+                <a:ext cx="4581703" cy="481094"/>
+              </a:xfrm>
+              <a:prstGeom prst="rect">
+                <a:avLst/>
+              </a:prstGeom>
+              <a:noFill/>
+            </p:spPr>
+            <p:txBody>
+              <a:bodyPr wrap="none" rtlCol="0">
+                <a:spAutoFit/>
+              </a:bodyPr>
+              <a:lstStyle/>
+              <a:p>
+                <a:pPr/>
+                <a14:m>
+                  <m:oMathPara xmlns:m="http://schemas.openxmlformats.org/officeDocument/2006/math">
+                    <m:oMathParaPr>
+                      <m:jc m:val="centerGroup"/>
+                    </m:oMathParaPr>
+                    <m:oMath xmlns:m="http://schemas.openxmlformats.org/officeDocument/2006/math">
+                      <m:acc>
+                        <m:accPr>
+                          <m:chr m:val="̂"/>
+                          <m:ctrlPr>
+                            <a:rPr lang="en-US" sz="2400" i="1" smtClean="0">
+                              <a:latin typeface="Cambria Math" panose="02040503050406030204" pitchFamily="18" charset="0"/>
+                            </a:rPr>
+                          </m:ctrlPr>
+                        </m:accPr>
+                        <m:e>
+                          <m:r>
+                            <a:rPr lang="en-US" sz="2400" b="0" i="1" smtClean="0">
+                              <a:latin typeface="Cambria Math" panose="02040503050406030204" pitchFamily="18" charset="0"/>
+                            </a:rPr>
+                            <m:t>𝑎𝑖𝑑</m:t>
+                          </m:r>
+                        </m:e>
+                      </m:acc>
+                      <m:r>
+                        <a:rPr lang="en-US" sz="2400" b="0" i="1" smtClean="0">
+                          <a:latin typeface="Cambria Math" panose="02040503050406030204" pitchFamily="18" charset="0"/>
+                        </a:rPr>
+                        <m:t>= </m:t>
+                      </m:r>
+                      <m:sSub>
+                        <m:sSubPr>
+                          <m:ctrlPr>
+                            <a:rPr lang="en-US" sz="2400" b="0" i="1" smtClean="0">
+                              <a:latin typeface="Cambria Math" panose="02040503050406030204" pitchFamily="18" charset="0"/>
+                              <a:ea typeface="Cambria Math" panose="02040503050406030204" pitchFamily="18" charset="0"/>
+                            </a:rPr>
+                          </m:ctrlPr>
+                        </m:sSubPr>
+                        <m:e>
+                          <m:r>
+                            <a:rPr lang="en-US" sz="2400" b="0" i="1" smtClean="0">
+                              <a:latin typeface="Cambria Math" panose="02040503050406030204" pitchFamily="18" charset="0"/>
+                              <a:ea typeface="Cambria Math" panose="02040503050406030204" pitchFamily="18" charset="0"/>
+                            </a:rPr>
+                            <m:t>𝛽</m:t>
+                          </m:r>
+                        </m:e>
+                        <m:sub>
+                          <m:r>
+                            <a:rPr lang="en-US" sz="2400" b="0" i="1" smtClean="0">
+                              <a:latin typeface="Cambria Math" panose="02040503050406030204" pitchFamily="18" charset="0"/>
+                              <a:ea typeface="Cambria Math" panose="02040503050406030204" pitchFamily="18" charset="0"/>
+                            </a:rPr>
+                            <m:t>0</m:t>
+                          </m:r>
+                        </m:sub>
+                      </m:sSub>
+                      <m:r>
+                        <a:rPr lang="en-US" sz="2400" b="0" i="1" smtClean="0">
+                          <a:latin typeface="Cambria Math" panose="02040503050406030204" pitchFamily="18" charset="0"/>
+                          <a:ea typeface="Cambria Math" panose="02040503050406030204" pitchFamily="18" charset="0"/>
+                        </a:rPr>
+                        <m:t>+ </m:t>
+                      </m:r>
+                      <m:sSub>
+                        <m:sSubPr>
+                          <m:ctrlPr>
+                            <a:rPr lang="en-US" sz="2400" b="0" i="1" smtClean="0">
+                              <a:latin typeface="Cambria Math" panose="02040503050406030204" pitchFamily="18" charset="0"/>
+                              <a:ea typeface="Cambria Math" panose="02040503050406030204" pitchFamily="18" charset="0"/>
+                            </a:rPr>
+                          </m:ctrlPr>
+                        </m:sSubPr>
+                        <m:e>
+                          <m:r>
+                            <a:rPr lang="en-US" sz="2400" b="0" i="1" smtClean="0">
+                              <a:latin typeface="Cambria Math" panose="02040503050406030204" pitchFamily="18" charset="0"/>
+                              <a:ea typeface="Cambria Math" panose="02040503050406030204" pitchFamily="18" charset="0"/>
+                            </a:rPr>
+                            <m:t>𝛽</m:t>
+                          </m:r>
+                        </m:e>
+                        <m:sub>
+                          <m:r>
+                            <a:rPr lang="en-US" sz="2400" b="0" i="1" smtClean="0">
+                              <a:latin typeface="Cambria Math" panose="02040503050406030204" pitchFamily="18" charset="0"/>
+                              <a:ea typeface="Cambria Math" panose="02040503050406030204" pitchFamily="18" charset="0"/>
+                            </a:rPr>
+                            <m:t>1</m:t>
+                          </m:r>
+                        </m:sub>
+                      </m:sSub>
+                      <m:r>
+                        <a:rPr lang="en-US" sz="2400" b="0" i="1" smtClean="0">
+                          <a:latin typeface="Cambria Math" panose="02040503050406030204" pitchFamily="18" charset="0"/>
+                          <a:ea typeface="Cambria Math" panose="02040503050406030204" pitchFamily="18" charset="0"/>
+                        </a:rPr>
+                        <m:t>∗</m:t>
+                      </m:r>
+                      <m:r>
+                        <a:rPr lang="en-US" sz="2400" b="0" i="1" smtClean="0">
+                          <a:latin typeface="Cambria Math" panose="02040503050406030204" pitchFamily="18" charset="0"/>
+                          <a:ea typeface="Cambria Math" panose="02040503050406030204" pitchFamily="18" charset="0"/>
+                        </a:rPr>
+                        <m:t>𝑓𝑎𝑚𝑖𝑙𝑦</m:t>
+                      </m:r>
+                      <m:r>
+                        <a:rPr lang="en-US" sz="2400" b="0" i="1" smtClean="0">
+                          <a:latin typeface="Cambria Math" panose="02040503050406030204" pitchFamily="18" charset="0"/>
+                          <a:ea typeface="Cambria Math" panose="02040503050406030204" pitchFamily="18" charset="0"/>
+                        </a:rPr>
+                        <m:t>_</m:t>
+                      </m:r>
+                      <m:r>
+                        <a:rPr lang="en-US" sz="2400" b="0" i="1" smtClean="0">
+                          <a:latin typeface="Cambria Math" panose="02040503050406030204" pitchFamily="18" charset="0"/>
+                          <a:ea typeface="Cambria Math" panose="02040503050406030204" pitchFamily="18" charset="0"/>
+                        </a:rPr>
+                        <m:t>𝑖𝑛𝑐𝑜𝑚𝑒</m:t>
+                      </m:r>
+                    </m:oMath>
+                  </m:oMathPara>
+                </a14:m>
+                <a:endParaRPr lang="en-US" sz="2400" dirty="0"/>
+              </a:p>
+            </p:txBody>
+          </p:sp>
+        </mc:Choice>
+        <mc:Fallback xmlns="">
+          <p:sp>
+            <p:nvSpPr>
+              <p:cNvPr id="16" name="TextBox 15">
+                <a:extLst>
+                  <a:ext uri="{FF2B5EF4-FFF2-40B4-BE49-F238E27FC236}">
+                    <a16:creationId xmlns:a16="http://schemas.microsoft.com/office/drawing/2014/main" id="{63380A74-1DA5-BCAB-D704-BEEA155E6299}"/>
+                  </a:ext>
+                </a:extLst>
+              </p:cNvPr>
+              <p:cNvSpPr txBox="1">
+                <a:spLocks noRot="1" noChangeAspect="1" noMove="1" noResize="1" noEditPoints="1" noAdjustHandles="1" noChangeArrowheads="1" noChangeShapeType="1" noTextEdit="1"/>
+              </p:cNvSpPr>
+              <p:nvPr/>
+            </p:nvSpPr>
+            <p:spPr>
+              <a:xfrm>
+                <a:off x="5284089" y="6041452"/>
+                <a:ext cx="4581703" cy="481094"/>
+              </a:xfrm>
+              <a:prstGeom prst="rect">
+                <a:avLst/>
+              </a:prstGeom>
+              <a:blipFill>
+                <a:blip r:embed="rId6"/>
+                <a:stretch>
+                  <a:fillRect t="-10256" b="-17949"/>
+                </a:stretch>
+              </a:blipFill>
+            </p:spPr>
+            <p:txBody>
+              <a:bodyPr/>
+              <a:lstStyle/>
+              <a:p>
+                <a:r>
+                  <a:rPr lang="en-US">
+                    <a:noFill/>
+                  </a:rPr>
+                  <a:t> </a:t>
+                </a:r>
+              </a:p>
+            </p:txBody>
+          </p:sp>
+        </mc:Fallback>
+      </mc:AlternateContent>
+    </p:spTree>
+    <p:extLst>
+      <p:ext uri="{BB962C8B-B14F-4D97-AF65-F5344CB8AC3E}">
+        <p14:creationId xmlns:p14="http://schemas.microsoft.com/office/powerpoint/2010/main" val="4000576447"/>
+      </p:ext>
+    </p:extLst>
+  </p:cSld>
+  <p:clrMapOvr>
+    <a:masterClrMapping/>
+  </p:clrMapOvr>
+</p:sld>
+</file>
+
 <file path=ppt/slides/slide2.xml><?xml version="1.0" encoding="utf-8"?>
 <p:sld xmlns:a="http://schemas.openxmlformats.org/drawingml/2006/main" xmlns:r="http://schemas.openxmlformats.org/officeDocument/2006/relationships" xmlns:p="http://schemas.openxmlformats.org/presentationml/2006/main">
   <p:cSld>
@@ -26309,8 +26093,8 @@
           </a:p>
         </p:txBody>
       </p:sp>
-      <mc:AlternateContent xmlns:mc="http://schemas.openxmlformats.org/markup-compatibility/2006">
-        <mc:Choice xmlns:a14="http://schemas.microsoft.com/office/drawing/2010/main" Requires="a14">
+      <mc:AlternateContent xmlns:mc="http://schemas.openxmlformats.org/markup-compatibility/2006" xmlns:a14="http://schemas.microsoft.com/office/drawing/2010/main">
+        <mc:Choice Requires="a14">
           <p:sp>
             <p:nvSpPr>
               <p:cNvPr id="13" name="TextBox 12">
@@ -26617,7 +26401,7 @@
             </p:txBody>
           </p:sp>
         </mc:Choice>
-        <mc:Fallback>
+        <mc:Fallback xmlns="">
           <p:sp>
             <p:nvSpPr>
               <p:cNvPr id="13" name="TextBox 12">
@@ -26723,8 +26507,8 @@
           </a:p>
         </p:txBody>
       </p:sp>
-      <mc:AlternateContent xmlns:mc="http://schemas.openxmlformats.org/markup-compatibility/2006">
-        <mc:Choice xmlns:a14="http://schemas.microsoft.com/office/drawing/2010/main" Requires="a14">
+      <mc:AlternateContent xmlns:mc="http://schemas.openxmlformats.org/markup-compatibility/2006" xmlns:a14="http://schemas.microsoft.com/office/drawing/2010/main">
+        <mc:Choice Requires="a14">
           <p:sp>
             <p:nvSpPr>
               <p:cNvPr id="5" name="Rounded Rectangular Callout 4">
@@ -26804,7 +26588,7 @@
             </p:txBody>
           </p:sp>
         </mc:Choice>
-        <mc:Fallback>
+        <mc:Fallback xmlns="">
           <p:sp>
             <p:nvSpPr>
               <p:cNvPr id="5" name="Rounded Rectangular Callout 4">
@@ -26988,8 +26772,8 @@
           </a:prstGeom>
         </p:spPr>
       </p:pic>
-      <mc:AlternateContent xmlns:mc="http://schemas.openxmlformats.org/markup-compatibility/2006">
-        <mc:Choice xmlns:a14="http://schemas.microsoft.com/office/drawing/2010/main" Requires="a14">
+      <mc:AlternateContent xmlns:mc="http://schemas.openxmlformats.org/markup-compatibility/2006" xmlns:a14="http://schemas.microsoft.com/office/drawing/2010/main">
+        <mc:Choice Requires="a14">
           <p:sp>
             <p:nvSpPr>
               <p:cNvPr id="16" name="TextBox 15">
@@ -27018,6 +26802,7 @@
               </a:bodyPr>
               <a:lstStyle/>
               <a:p>
+                <a:pPr/>
                 <a14:m>
                   <m:oMathPara xmlns:m="http://schemas.openxmlformats.org/officeDocument/2006/math">
                     <m:oMathParaPr>
@@ -27159,7 +26944,7 @@
             </p:txBody>
           </p:sp>
         </mc:Choice>
-        <mc:Fallback>
+        <mc:Fallback xmlns="">
           <p:sp>
             <p:nvSpPr>
               <p:cNvPr id="16" name="TextBox 15">
@@ -27494,6 +27279,1245 @@
   <p:cSld>
     <p:spTree>
       <p:nvGrpSpPr>
+        <p:cNvPr id="1" name="">
+          <a:extLst>
+            <a:ext uri="{FF2B5EF4-FFF2-40B4-BE49-F238E27FC236}">
+              <a16:creationId xmlns:a16="http://schemas.microsoft.com/office/drawing/2014/main" id="{E63AB354-8F64-4561-4567-A3AC7B4A9010}"/>
+            </a:ext>
+          </a:extLst>
+        </p:cNvPr>
+        <p:cNvGrpSpPr/>
+        <p:nvPr/>
+      </p:nvGrpSpPr>
+      <p:grpSpPr>
+        <a:xfrm>
+          <a:off x="0" y="0"/>
+          <a:ext cx="0" cy="0"/>
+          <a:chOff x="0" y="0"/>
+          <a:chExt cx="0" cy="0"/>
+        </a:xfrm>
+      </p:grpSpPr>
+      <p:sp>
+        <p:nvSpPr>
+          <p:cNvPr id="2" name="Title 1">
+            <a:extLst>
+              <a:ext uri="{FF2B5EF4-FFF2-40B4-BE49-F238E27FC236}">
+                <a16:creationId xmlns:a16="http://schemas.microsoft.com/office/drawing/2014/main" id="{1F49C8AC-E065-A1A5-C920-A68D7EA51DAC}"/>
+              </a:ext>
+            </a:extLst>
+          </p:cNvPr>
+          <p:cNvSpPr>
+            <a:spLocks noGrp="1"/>
+          </p:cNvSpPr>
+          <p:nvPr>
+            <p:ph type="title"/>
+          </p:nvPr>
+        </p:nvSpPr>
+        <p:spPr/>
+        <p:txBody>
+          <a:bodyPr/>
+          <a:lstStyle/>
+          <a:p>
+            <a:r>
+              <a:rPr lang="en-US" dirty="0"/>
+              <a:t>Least Squares Line</a:t>
+            </a:r>
+          </a:p>
+        </p:txBody>
+      </p:sp>
+      <mc:AlternateContent xmlns:mc="http://schemas.openxmlformats.org/markup-compatibility/2006" xmlns:a14="http://schemas.microsoft.com/office/drawing/2010/main">
+        <mc:Choice Requires="a14">
+          <p:sp>
+            <p:nvSpPr>
+              <p:cNvPr id="13" name="TextBox 12">
+                <a:extLst>
+                  <a:ext uri="{FF2B5EF4-FFF2-40B4-BE49-F238E27FC236}">
+                    <a16:creationId xmlns:a16="http://schemas.microsoft.com/office/drawing/2014/main" id="{FEB4DC4D-6B6E-86D0-1DC5-FD41C841359A}"/>
+                  </a:ext>
+                </a:extLst>
+              </p:cNvPr>
+              <p:cNvSpPr txBox="1"/>
+              <p:nvPr/>
+            </p:nvSpPr>
+            <p:spPr>
+              <a:xfrm>
+                <a:off x="3968384" y="4306300"/>
+                <a:ext cx="7161503" cy="1311513"/>
+              </a:xfrm>
+              <a:prstGeom prst="rect">
+                <a:avLst/>
+              </a:prstGeom>
+              <a:noFill/>
+            </p:spPr>
+            <p:txBody>
+              <a:bodyPr wrap="square" rtlCol="0">
+                <a:spAutoFit/>
+              </a:bodyPr>
+              <a:lstStyle/>
+              <a:p>
+                <a:pPr/>
+                <a14:m>
+                  <m:oMathPara xmlns:m="http://schemas.openxmlformats.org/officeDocument/2006/math">
+                    <m:oMathParaPr>
+                      <m:jc m:val="centerGroup"/>
+                    </m:oMathParaPr>
+                    <m:oMath xmlns:m="http://schemas.openxmlformats.org/officeDocument/2006/math">
+                      <m:acc>
+                        <m:accPr>
+                          <m:chr m:val="̂"/>
+                          <m:ctrlPr>
+                            <a:rPr lang="en-US" sz="2000" i="1" smtClean="0">
+                              <a:latin typeface="Cambria Math" panose="02040503050406030204" pitchFamily="18" charset="0"/>
+                            </a:rPr>
+                          </m:ctrlPr>
+                        </m:accPr>
+                        <m:e>
+                          <m:sSub>
+                            <m:sSubPr>
+                              <m:ctrlPr>
+                                <a:rPr lang="en-US" sz="2000" b="0" i="1" smtClean="0">
+                                  <a:latin typeface="Cambria Math" panose="02040503050406030204" pitchFamily="18" charset="0"/>
+                                  <a:ea typeface="Cambria Math" panose="02040503050406030204" pitchFamily="18" charset="0"/>
+                                </a:rPr>
+                              </m:ctrlPr>
+                            </m:sSubPr>
+                            <m:e>
+                              <m:r>
+                                <a:rPr lang="en-US" sz="2000" i="1" smtClean="0">
+                                  <a:latin typeface="Cambria Math" panose="02040503050406030204" pitchFamily="18" charset="0"/>
+                                  <a:ea typeface="Cambria Math" panose="02040503050406030204" pitchFamily="18" charset="0"/>
+                                </a:rPr>
+                                <m:t>𝛽</m:t>
+                              </m:r>
+                            </m:e>
+                            <m:sub>
+                              <m:r>
+                                <a:rPr lang="en-US" sz="2000" b="0" i="1" smtClean="0">
+                                  <a:latin typeface="Cambria Math" panose="02040503050406030204" pitchFamily="18" charset="0"/>
+                                  <a:ea typeface="Cambria Math" panose="02040503050406030204" pitchFamily="18" charset="0"/>
+                                </a:rPr>
+                                <m:t>1</m:t>
+                              </m:r>
+                            </m:sub>
+                          </m:sSub>
+                        </m:e>
+                      </m:acc>
+                      <m:r>
+                        <a:rPr lang="en-US" sz="2000" b="0" i="1" smtClean="0">
+                          <a:latin typeface="Cambria Math" panose="02040503050406030204" pitchFamily="18" charset="0"/>
+                        </a:rPr>
+                        <m:t>=</m:t>
+                      </m:r>
+                      <m:r>
+                        <a:rPr lang="en-US" sz="2000" b="0" i="1" smtClean="0">
+                          <a:latin typeface="Cambria Math" panose="02040503050406030204" pitchFamily="18" charset="0"/>
+                        </a:rPr>
+                        <m:t>𝑟</m:t>
+                      </m:r>
+                      <m:f>
+                        <m:fPr>
+                          <m:ctrlPr>
+                            <a:rPr lang="en-US" sz="2000" b="0" i="1" smtClean="0">
+                              <a:latin typeface="Cambria Math" panose="02040503050406030204" pitchFamily="18" charset="0"/>
+                            </a:rPr>
+                          </m:ctrlPr>
+                        </m:fPr>
+                        <m:num>
+                          <m:sSub>
+                            <m:sSubPr>
+                              <m:ctrlPr>
+                                <a:rPr lang="en-US" sz="2000" b="0" i="1" smtClean="0">
+                                  <a:latin typeface="Cambria Math" panose="02040503050406030204" pitchFamily="18" charset="0"/>
+                                </a:rPr>
+                              </m:ctrlPr>
+                            </m:sSubPr>
+                            <m:e>
+                              <m:r>
+                                <a:rPr lang="en-US" sz="2000" b="0" i="1" smtClean="0">
+                                  <a:latin typeface="Cambria Math" panose="02040503050406030204" pitchFamily="18" charset="0"/>
+                                </a:rPr>
+                                <m:t>𝑠</m:t>
+                              </m:r>
+                            </m:e>
+                            <m:sub>
+                              <m:r>
+                                <a:rPr lang="en-US" sz="2000" b="0" i="1" smtClean="0">
+                                  <a:latin typeface="Cambria Math" panose="02040503050406030204" pitchFamily="18" charset="0"/>
+                                </a:rPr>
+                                <m:t>𝑦</m:t>
+                              </m:r>
+                            </m:sub>
+                          </m:sSub>
+                        </m:num>
+                        <m:den>
+                          <m:sSub>
+                            <m:sSubPr>
+                              <m:ctrlPr>
+                                <a:rPr lang="en-US" sz="2000" b="0" i="1" smtClean="0">
+                                  <a:latin typeface="Cambria Math" panose="02040503050406030204" pitchFamily="18" charset="0"/>
+                                </a:rPr>
+                              </m:ctrlPr>
+                            </m:sSubPr>
+                            <m:e>
+                              <m:r>
+                                <a:rPr lang="en-US" sz="2000" b="0" i="1" smtClean="0">
+                                  <a:latin typeface="Cambria Math" panose="02040503050406030204" pitchFamily="18" charset="0"/>
+                                </a:rPr>
+                                <m:t>𝑠</m:t>
+                              </m:r>
+                            </m:e>
+                            <m:sub>
+                              <m:r>
+                                <a:rPr lang="en-US" sz="2000" b="0" i="1" smtClean="0">
+                                  <a:latin typeface="Cambria Math" panose="02040503050406030204" pitchFamily="18" charset="0"/>
+                                </a:rPr>
+                                <m:t>𝑥</m:t>
+                              </m:r>
+                            </m:sub>
+                          </m:sSub>
+                        </m:den>
+                      </m:f>
+                    </m:oMath>
+                  </m:oMathPara>
+                </a14:m>
+                <a:endParaRPr lang="en-US" sz="2000" i="1" dirty="0">
+                  <a:latin typeface="Cambria Math" panose="02040503050406030204" pitchFamily="18" charset="0"/>
+                </a:endParaRPr>
+              </a:p>
+              <a:p>
+                <a:endParaRPr lang="en-US" sz="2000" i="1" dirty="0">
+                  <a:latin typeface="Cambria Math" panose="02040503050406030204" pitchFamily="18" charset="0"/>
+                </a:endParaRPr>
+              </a:p>
+              <a:p>
+                <a:pPr/>
+                <a14:m>
+                  <m:oMathPara xmlns:m="http://schemas.openxmlformats.org/officeDocument/2006/math">
+                    <m:oMathParaPr>
+                      <m:jc m:val="centerGroup"/>
+                    </m:oMathParaPr>
+                    <m:oMath xmlns:m="http://schemas.openxmlformats.org/officeDocument/2006/math">
+                      <m:acc>
+                        <m:accPr>
+                          <m:chr m:val="̂"/>
+                          <m:ctrlPr>
+                            <a:rPr lang="en-US" sz="2000" i="1" smtClean="0">
+                              <a:latin typeface="Cambria Math" panose="02040503050406030204" pitchFamily="18" charset="0"/>
+                            </a:rPr>
+                          </m:ctrlPr>
+                        </m:accPr>
+                        <m:e>
+                          <m:sSub>
+                            <m:sSubPr>
+                              <m:ctrlPr>
+                                <a:rPr lang="en-US" sz="2000" b="0" i="1" smtClean="0">
+                                  <a:latin typeface="Cambria Math" panose="02040503050406030204" pitchFamily="18" charset="0"/>
+                                  <a:ea typeface="Cambria Math" panose="02040503050406030204" pitchFamily="18" charset="0"/>
+                                </a:rPr>
+                              </m:ctrlPr>
+                            </m:sSubPr>
+                            <m:e>
+                              <m:r>
+                                <a:rPr lang="en-US" sz="2000" i="1" smtClean="0">
+                                  <a:latin typeface="Cambria Math" panose="02040503050406030204" pitchFamily="18" charset="0"/>
+                                  <a:ea typeface="Cambria Math" panose="02040503050406030204" pitchFamily="18" charset="0"/>
+                                </a:rPr>
+                                <m:t>𝛽</m:t>
+                              </m:r>
+                            </m:e>
+                            <m:sub>
+                              <m:r>
+                                <a:rPr lang="en-US" sz="2000" b="0" i="1" smtClean="0">
+                                  <a:latin typeface="Cambria Math" panose="02040503050406030204" pitchFamily="18" charset="0"/>
+                                  <a:ea typeface="Cambria Math" panose="02040503050406030204" pitchFamily="18" charset="0"/>
+                                </a:rPr>
+                                <m:t>0</m:t>
+                              </m:r>
+                            </m:sub>
+                          </m:sSub>
+                        </m:e>
+                      </m:acc>
+                      <m:r>
+                        <a:rPr lang="en-US" sz="2000" b="0" i="1" smtClean="0">
+                          <a:latin typeface="Cambria Math" panose="02040503050406030204" pitchFamily="18" charset="0"/>
+                        </a:rPr>
+                        <m:t>= </m:t>
+                      </m:r>
+                      <m:acc>
+                        <m:accPr>
+                          <m:chr m:val="̅"/>
+                          <m:ctrlPr>
+                            <a:rPr lang="en-US" sz="2000" b="0" i="1" smtClean="0">
+                              <a:latin typeface="Cambria Math" panose="02040503050406030204" pitchFamily="18" charset="0"/>
+                            </a:rPr>
+                          </m:ctrlPr>
+                        </m:accPr>
+                        <m:e>
+                          <m:r>
+                            <a:rPr lang="en-US" sz="2000" b="0" i="1" smtClean="0">
+                              <a:latin typeface="Cambria Math" panose="02040503050406030204" pitchFamily="18" charset="0"/>
+                            </a:rPr>
+                            <m:t>𝑦</m:t>
+                          </m:r>
+                        </m:e>
+                      </m:acc>
+                      <m:r>
+                        <a:rPr lang="en-US" sz="2000" b="0" i="1" smtClean="0">
+                          <a:latin typeface="Cambria Math" panose="02040503050406030204" pitchFamily="18" charset="0"/>
+                        </a:rPr>
+                        <m:t> − </m:t>
+                      </m:r>
+                      <m:acc>
+                        <m:accPr>
+                          <m:chr m:val="̂"/>
+                          <m:ctrlPr>
+                            <a:rPr lang="en-US" sz="2000" b="0" i="1" smtClean="0">
+                              <a:latin typeface="Cambria Math" panose="02040503050406030204" pitchFamily="18" charset="0"/>
+                            </a:rPr>
+                          </m:ctrlPr>
+                        </m:accPr>
+                        <m:e>
+                          <m:sSub>
+                            <m:sSubPr>
+                              <m:ctrlPr>
+                                <a:rPr lang="en-US" sz="2000" b="0" i="1" smtClean="0">
+                                  <a:latin typeface="Cambria Math" panose="02040503050406030204" pitchFamily="18" charset="0"/>
+                                  <a:ea typeface="Cambria Math" panose="02040503050406030204" pitchFamily="18" charset="0"/>
+                                </a:rPr>
+                              </m:ctrlPr>
+                            </m:sSubPr>
+                            <m:e>
+                              <m:r>
+                                <a:rPr lang="en-US" sz="2000" b="0" i="1" smtClean="0">
+                                  <a:latin typeface="Cambria Math" panose="02040503050406030204" pitchFamily="18" charset="0"/>
+                                  <a:ea typeface="Cambria Math" panose="02040503050406030204" pitchFamily="18" charset="0"/>
+                                </a:rPr>
+                                <m:t>𝛽</m:t>
+                              </m:r>
+                            </m:e>
+                            <m:sub>
+                              <m:r>
+                                <a:rPr lang="en-US" sz="2000" b="0" i="1" smtClean="0">
+                                  <a:latin typeface="Cambria Math" panose="02040503050406030204" pitchFamily="18" charset="0"/>
+                                  <a:ea typeface="Cambria Math" panose="02040503050406030204" pitchFamily="18" charset="0"/>
+                                </a:rPr>
+                                <m:t>1</m:t>
+                              </m:r>
+                            </m:sub>
+                          </m:sSub>
+                        </m:e>
+                      </m:acc>
+                      <m:acc>
+                        <m:accPr>
+                          <m:chr m:val="̅"/>
+                          <m:ctrlPr>
+                            <a:rPr lang="en-US" sz="2000" i="1" smtClean="0">
+                              <a:latin typeface="Cambria Math" panose="02040503050406030204" pitchFamily="18" charset="0"/>
+                            </a:rPr>
+                          </m:ctrlPr>
+                        </m:accPr>
+                        <m:e>
+                          <m:r>
+                            <a:rPr lang="en-US" sz="2000" b="0" i="1" smtClean="0">
+                              <a:latin typeface="Cambria Math" panose="02040503050406030204" pitchFamily="18" charset="0"/>
+                            </a:rPr>
+                            <m:t>𝑥</m:t>
+                          </m:r>
+                        </m:e>
+                      </m:acc>
+                    </m:oMath>
+                  </m:oMathPara>
+                </a14:m>
+                <a:endParaRPr lang="en-US" sz="2000" dirty="0"/>
+              </a:p>
+            </p:txBody>
+          </p:sp>
+        </mc:Choice>
+        <mc:Fallback xmlns="">
+          <p:sp>
+            <p:nvSpPr>
+              <p:cNvPr id="13" name="TextBox 12">
+                <a:extLst>
+                  <a:ext uri="{FF2B5EF4-FFF2-40B4-BE49-F238E27FC236}">
+                    <a16:creationId xmlns:a16="http://schemas.microsoft.com/office/drawing/2014/main" id="{C255C460-F03F-25FE-575C-226CE42B70ED}"/>
+                  </a:ext>
+                </a:extLst>
+              </p:cNvPr>
+              <p:cNvSpPr txBox="1">
+                <a:spLocks noRot="1" noChangeAspect="1" noMove="1" noResize="1" noEditPoints="1" noAdjustHandles="1" noChangeArrowheads="1" noChangeShapeType="1" noTextEdit="1"/>
+              </p:cNvSpPr>
+              <p:nvPr/>
+            </p:nvSpPr>
+            <p:spPr>
+              <a:xfrm>
+                <a:off x="3968384" y="4306300"/>
+                <a:ext cx="7161503" cy="1311513"/>
+              </a:xfrm>
+              <a:prstGeom prst="rect">
+                <a:avLst/>
+              </a:prstGeom>
+              <a:blipFill>
+                <a:blip r:embed="rId3"/>
+                <a:stretch>
+                  <a:fillRect b="-4762"/>
+                </a:stretch>
+              </a:blipFill>
+            </p:spPr>
+            <p:txBody>
+              <a:bodyPr/>
+              <a:lstStyle/>
+              <a:p>
+                <a:r>
+                  <a:rPr lang="en-US">
+                    <a:noFill/>
+                  </a:rPr>
+                  <a:t> </a:t>
+                </a:r>
+              </a:p>
+            </p:txBody>
+          </p:sp>
+        </mc:Fallback>
+      </mc:AlternateContent>
+      <p:sp>
+        <p:nvSpPr>
+          <p:cNvPr id="4" name="Rounded Rectangle 3">
+            <a:extLst>
+              <a:ext uri="{FF2B5EF4-FFF2-40B4-BE49-F238E27FC236}">
+                <a16:creationId xmlns:a16="http://schemas.microsoft.com/office/drawing/2014/main" id="{734FED85-F768-97FC-173F-A7B6B0EBF762}"/>
+              </a:ext>
+            </a:extLst>
+          </p:cNvPr>
+          <p:cNvSpPr/>
+          <p:nvPr/>
+        </p:nvSpPr>
+        <p:spPr>
+          <a:xfrm>
+            <a:off x="3515872" y="433369"/>
+            <a:ext cx="8066528" cy="945980"/>
+          </a:xfrm>
+          <a:prstGeom prst="roundRect">
+            <a:avLst/>
+          </a:prstGeom>
+        </p:spPr>
+        <p:style>
+          <a:lnRef idx="2">
+            <a:schemeClr val="accent5">
+              <a:shade val="15000"/>
+            </a:schemeClr>
+          </a:lnRef>
+          <a:fillRef idx="1">
+            <a:schemeClr val="accent5"/>
+          </a:fillRef>
+          <a:effectRef idx="0">
+            <a:schemeClr val="accent5"/>
+          </a:effectRef>
+          <a:fontRef idx="minor">
+            <a:schemeClr val="lt1"/>
+          </a:fontRef>
+        </p:style>
+        <p:txBody>
+          <a:bodyPr rtlCol="0" anchor="t"/>
+          <a:lstStyle/>
+          <a:p>
+            <a:r>
+              <a:rPr lang="en-US" sz="2400" b="1" i="1" dirty="0"/>
+              <a:t>Practice</a:t>
+            </a:r>
+            <a:r>
+              <a:rPr lang="en-US" sz="2400" dirty="0"/>
+              <a:t>: With your regression, what is the average </a:t>
+            </a:r>
+            <a:r>
+              <a:rPr lang="en-US" sz="2400" dirty="0" err="1"/>
+              <a:t>head_len</a:t>
+            </a:r>
+            <a:r>
+              <a:rPr lang="en-US" sz="2400" dirty="0"/>
+              <a:t> for a raccoon with a </a:t>
+            </a:r>
+            <a:r>
+              <a:rPr lang="en-US" sz="2400" dirty="0" err="1"/>
+              <a:t>total_len</a:t>
+            </a:r>
+            <a:r>
+              <a:rPr lang="en-US" sz="2400" dirty="0"/>
+              <a:t> of 20cm? How about 100cm?</a:t>
+            </a:r>
+          </a:p>
+        </p:txBody>
+      </p:sp>
+      <mc:AlternateContent xmlns:mc="http://schemas.openxmlformats.org/markup-compatibility/2006" xmlns:a14="http://schemas.microsoft.com/office/drawing/2010/main">
+        <mc:Choice Requires="a14">
+          <p:sp>
+            <p:nvSpPr>
+              <p:cNvPr id="5" name="Rounded Rectangular Callout 4">
+                <a:extLst>
+                  <a:ext uri="{FF2B5EF4-FFF2-40B4-BE49-F238E27FC236}">
+                    <a16:creationId xmlns:a16="http://schemas.microsoft.com/office/drawing/2014/main" id="{F5CF1012-F2F4-7918-5385-74BC3C8F0430}"/>
+                  </a:ext>
+                </a:extLst>
+              </p:cNvPr>
+              <p:cNvSpPr/>
+              <p:nvPr/>
+            </p:nvSpPr>
+            <p:spPr>
+              <a:xfrm>
+                <a:off x="3341519" y="4222039"/>
+                <a:ext cx="3016776" cy="696163"/>
+              </a:xfrm>
+              <a:prstGeom prst="wedgeRoundRectCallout">
+                <a:avLst>
+                  <a:gd name="adj1" fmla="val 90586"/>
+                  <a:gd name="adj2" fmla="val -4462"/>
+                  <a:gd name="adj3" fmla="val 16667"/>
+                </a:avLst>
+              </a:prstGeom>
+            </p:spPr>
+            <p:style>
+              <a:lnRef idx="2">
+                <a:schemeClr val="accent3">
+                  <a:shade val="15000"/>
+                </a:schemeClr>
+              </a:lnRef>
+              <a:fillRef idx="1">
+                <a:schemeClr val="accent3"/>
+              </a:fillRef>
+              <a:effectRef idx="0">
+                <a:schemeClr val="accent3"/>
+              </a:effectRef>
+              <a:fontRef idx="minor">
+                <a:schemeClr val="lt1"/>
+              </a:fontRef>
+            </p:style>
+            <p:txBody>
+              <a:bodyPr rtlCol="0" anchor="ctr"/>
+              <a:lstStyle/>
+              <a:p>
+                <a:pPr algn="ctr"/>
+                <a:r>
+                  <a:rPr lang="en-US" sz="2400" dirty="0"/>
+                  <a:t>r is correlation between </a:t>
+                </a:r>
+                <a14:m>
+                  <m:oMath xmlns:m="http://schemas.openxmlformats.org/officeDocument/2006/math">
+                    <m:r>
+                      <a:rPr lang="en-US" sz="2400" b="0" i="1" smtClean="0">
+                        <a:latin typeface="Cambria Math" panose="02040503050406030204" pitchFamily="18" charset="0"/>
+                      </a:rPr>
+                      <m:t>𝑥</m:t>
+                    </m:r>
+                  </m:oMath>
+                </a14:m>
+                <a:r>
+                  <a:rPr lang="en-US" sz="2400" dirty="0"/>
+                  <a:t> and </a:t>
+                </a:r>
+                <a14:m>
+                  <m:oMath xmlns:m="http://schemas.openxmlformats.org/officeDocument/2006/math">
+                    <m:r>
+                      <a:rPr lang="en-US" sz="2400" b="0" i="1" smtClean="0">
+                        <a:latin typeface="Cambria Math" panose="02040503050406030204" pitchFamily="18" charset="0"/>
+                      </a:rPr>
+                      <m:t>𝑦</m:t>
+                    </m:r>
+                  </m:oMath>
+                </a14:m>
+                <a:endParaRPr lang="en-US" sz="2400" dirty="0"/>
+              </a:p>
+            </p:txBody>
+          </p:sp>
+        </mc:Choice>
+        <mc:Fallback xmlns="">
+          <p:sp>
+            <p:nvSpPr>
+              <p:cNvPr id="5" name="Rounded Rectangular Callout 4">
+                <a:extLst>
+                  <a:ext uri="{FF2B5EF4-FFF2-40B4-BE49-F238E27FC236}">
+                    <a16:creationId xmlns:a16="http://schemas.microsoft.com/office/drawing/2014/main" id="{D105A5BB-E9E2-0DF7-BA70-37E84257235A}"/>
+                  </a:ext>
+                </a:extLst>
+              </p:cNvPr>
+              <p:cNvSpPr>
+                <a:spLocks noRot="1" noChangeAspect="1" noMove="1" noResize="1" noEditPoints="1" noAdjustHandles="1" noChangeArrowheads="1" noChangeShapeType="1" noTextEdit="1"/>
+              </p:cNvSpPr>
+              <p:nvPr/>
+            </p:nvSpPr>
+            <p:spPr>
+              <a:xfrm>
+                <a:off x="3341519" y="4222039"/>
+                <a:ext cx="3016776" cy="696163"/>
+              </a:xfrm>
+              <a:prstGeom prst="wedgeRoundRectCallout">
+                <a:avLst>
+                  <a:gd name="adj1" fmla="val 90586"/>
+                  <a:gd name="adj2" fmla="val -4462"/>
+                  <a:gd name="adj3" fmla="val 16667"/>
+                </a:avLst>
+              </a:prstGeom>
+              <a:blipFill>
+                <a:blip r:embed="rId4"/>
+                <a:stretch>
+                  <a:fillRect t="-16071" b="-26786"/>
+                </a:stretch>
+              </a:blipFill>
+            </p:spPr>
+            <p:txBody>
+              <a:bodyPr/>
+              <a:lstStyle/>
+              <a:p>
+                <a:r>
+                  <a:rPr lang="en-US">
+                    <a:noFill/>
+                  </a:rPr>
+                  <a:t> </a:t>
+                </a:r>
+              </a:p>
+            </p:txBody>
+          </p:sp>
+        </mc:Fallback>
+      </mc:AlternateContent>
+      <p:sp>
+        <p:nvSpPr>
+          <p:cNvPr id="6" name="Rounded Rectangular Callout 5">
+            <a:extLst>
+              <a:ext uri="{FF2B5EF4-FFF2-40B4-BE49-F238E27FC236}">
+                <a16:creationId xmlns:a16="http://schemas.microsoft.com/office/drawing/2014/main" id="{EC422E33-0DB7-D9A1-8493-4CCB6562BF6C}"/>
+              </a:ext>
+            </a:extLst>
+          </p:cNvPr>
+          <p:cNvSpPr/>
+          <p:nvPr/>
+        </p:nvSpPr>
+        <p:spPr>
+          <a:xfrm>
+            <a:off x="9489438" y="4097419"/>
+            <a:ext cx="1890960" cy="820783"/>
+          </a:xfrm>
+          <a:prstGeom prst="wedgeRoundRectCallout">
+            <a:avLst>
+              <a:gd name="adj1" fmla="val -130972"/>
+              <a:gd name="adj2" fmla="val 27266"/>
+              <a:gd name="adj3" fmla="val 16667"/>
+            </a:avLst>
+          </a:prstGeom>
+        </p:spPr>
+        <p:style>
+          <a:lnRef idx="2">
+            <a:schemeClr val="accent3">
+              <a:shade val="15000"/>
+            </a:schemeClr>
+          </a:lnRef>
+          <a:fillRef idx="1">
+            <a:schemeClr val="accent3"/>
+          </a:fillRef>
+          <a:effectRef idx="0">
+            <a:schemeClr val="accent3"/>
+          </a:effectRef>
+          <a:fontRef idx="minor">
+            <a:schemeClr val="lt1"/>
+          </a:fontRef>
+        </p:style>
+        <p:txBody>
+          <a:bodyPr rtlCol="0" anchor="ctr"/>
+          <a:lstStyle/>
+          <a:p>
+            <a:pPr algn="ctr"/>
+            <a:r>
+              <a:rPr lang="en-US" sz="2400" dirty="0"/>
+              <a:t>s is standard deviation</a:t>
+            </a:r>
+          </a:p>
+        </p:txBody>
+      </p:sp>
+      <p:sp>
+        <p:nvSpPr>
+          <p:cNvPr id="10" name="Rounded Rectangular Callout 9">
+            <a:extLst>
+              <a:ext uri="{FF2B5EF4-FFF2-40B4-BE49-F238E27FC236}">
+                <a16:creationId xmlns:a16="http://schemas.microsoft.com/office/drawing/2014/main" id="{8341EF6D-1B4B-A985-75E9-2088758F0B06}"/>
+              </a:ext>
+            </a:extLst>
+          </p:cNvPr>
+          <p:cNvSpPr/>
+          <p:nvPr/>
+        </p:nvSpPr>
+        <p:spPr>
+          <a:xfrm>
+            <a:off x="9865792" y="5055517"/>
+            <a:ext cx="1890960" cy="820783"/>
+          </a:xfrm>
+          <a:prstGeom prst="wedgeRoundRectCallout">
+            <a:avLst>
+              <a:gd name="adj1" fmla="val -130024"/>
+              <a:gd name="adj2" fmla="val -7685"/>
+              <a:gd name="adj3" fmla="val 16667"/>
+            </a:avLst>
+          </a:prstGeom>
+        </p:spPr>
+        <p:style>
+          <a:lnRef idx="2">
+            <a:schemeClr val="accent3">
+              <a:shade val="15000"/>
+            </a:schemeClr>
+          </a:lnRef>
+          <a:fillRef idx="1">
+            <a:schemeClr val="accent3"/>
+          </a:fillRef>
+          <a:effectRef idx="0">
+            <a:schemeClr val="accent3"/>
+          </a:effectRef>
+          <a:fontRef idx="minor">
+            <a:schemeClr val="lt1"/>
+          </a:fontRef>
+        </p:style>
+        <p:txBody>
+          <a:bodyPr rtlCol="0" anchor="ctr"/>
+          <a:lstStyle/>
+          <a:p>
+            <a:pPr algn="ctr"/>
+            <a:r>
+              <a:rPr lang="en-US" sz="2400" dirty="0"/>
+              <a:t>bar is mean</a:t>
+            </a:r>
+          </a:p>
+        </p:txBody>
+      </p:sp>
+      <p:pic>
+        <p:nvPicPr>
+          <p:cNvPr id="15" name="Picture 14" descr="A screenshot of a computer&#10;&#10;Description automatically generated">
+            <a:extLst>
+              <a:ext uri="{FF2B5EF4-FFF2-40B4-BE49-F238E27FC236}">
+                <a16:creationId xmlns:a16="http://schemas.microsoft.com/office/drawing/2014/main" id="{3CDD629C-9ADC-EAC6-1755-8EB8EAC9A183}"/>
+              </a:ext>
+            </a:extLst>
+          </p:cNvPr>
+          <p:cNvPicPr>
+            <a:picLocks noChangeAspect="1"/>
+          </p:cNvPicPr>
+          <p:nvPr/>
+        </p:nvPicPr>
+        <p:blipFill rotWithShape="1">
+          <a:blip r:embed="rId5"/>
+          <a:srcRect t="27276"/>
+          <a:stretch/>
+        </p:blipFill>
+        <p:spPr>
+          <a:xfrm>
+            <a:off x="3662935" y="2798514"/>
+            <a:ext cx="7772400" cy="1311513"/>
+          </a:xfrm>
+          <a:prstGeom prst="rect">
+            <a:avLst/>
+          </a:prstGeom>
+        </p:spPr>
+      </p:pic>
+      <mc:AlternateContent xmlns:mc="http://schemas.openxmlformats.org/markup-compatibility/2006" xmlns:a14="http://schemas.microsoft.com/office/drawing/2010/main">
+        <mc:Choice Requires="a14">
+          <p:sp>
+            <p:nvSpPr>
+              <p:cNvPr id="16" name="TextBox 15">
+                <a:extLst>
+                  <a:ext uri="{FF2B5EF4-FFF2-40B4-BE49-F238E27FC236}">
+                    <a16:creationId xmlns:a16="http://schemas.microsoft.com/office/drawing/2014/main" id="{85B6EACC-71FA-95F1-21BA-4038E2410B19}"/>
+                  </a:ext>
+                </a:extLst>
+              </p:cNvPr>
+              <p:cNvSpPr txBox="1"/>
+              <p:nvPr/>
+            </p:nvSpPr>
+            <p:spPr>
+              <a:xfrm>
+                <a:off x="5284089" y="6041452"/>
+                <a:ext cx="4503412" cy="481350"/>
+              </a:xfrm>
+              <a:prstGeom prst="rect">
+                <a:avLst/>
+              </a:prstGeom>
+              <a:noFill/>
+            </p:spPr>
+            <p:txBody>
+              <a:bodyPr wrap="none" rtlCol="0">
+                <a:spAutoFit/>
+              </a:bodyPr>
+              <a:lstStyle/>
+              <a:p>
+                <a:pPr/>
+                <a14:m>
+                  <m:oMathPara xmlns:m="http://schemas.openxmlformats.org/officeDocument/2006/math">
+                    <m:oMathParaPr>
+                      <m:jc m:val="centerGroup"/>
+                    </m:oMathParaPr>
+                    <m:oMath xmlns:m="http://schemas.openxmlformats.org/officeDocument/2006/math">
+                      <m:acc>
+                        <m:accPr>
+                          <m:chr m:val="̂"/>
+                          <m:ctrlPr>
+                            <a:rPr lang="en-US" sz="2400" i="1" smtClean="0">
+                              <a:latin typeface="Cambria Math" panose="02040503050406030204" pitchFamily="18" charset="0"/>
+                            </a:rPr>
+                          </m:ctrlPr>
+                        </m:accPr>
+                        <m:e>
+                          <m:r>
+                            <a:rPr lang="en-US" sz="2400" b="0" i="1" smtClean="0">
+                              <a:latin typeface="Cambria Math" panose="02040503050406030204" pitchFamily="18" charset="0"/>
+                            </a:rPr>
+                            <m:t>h𝑒𝑎𝑑</m:t>
+                          </m:r>
+                          <m:r>
+                            <a:rPr lang="en-US" sz="2400" b="0" i="1" smtClean="0">
+                              <a:latin typeface="Cambria Math" panose="02040503050406030204" pitchFamily="18" charset="0"/>
+                            </a:rPr>
+                            <m:t>_</m:t>
+                          </m:r>
+                          <m:r>
+                            <a:rPr lang="en-US" sz="2400" b="0" i="1" smtClean="0">
+                              <a:latin typeface="Cambria Math" panose="02040503050406030204" pitchFamily="18" charset="0"/>
+                            </a:rPr>
+                            <m:t>𝑙𝑒𝑛</m:t>
+                          </m:r>
+                        </m:e>
+                      </m:acc>
+                      <m:r>
+                        <a:rPr lang="en-US" sz="2400" b="0" i="1" smtClean="0">
+                          <a:latin typeface="Cambria Math" panose="02040503050406030204" pitchFamily="18" charset="0"/>
+                        </a:rPr>
+                        <m:t>= </m:t>
+                      </m:r>
+                      <m:sSub>
+                        <m:sSubPr>
+                          <m:ctrlPr>
+                            <a:rPr lang="en-US" sz="2400" b="0" i="1" smtClean="0">
+                              <a:latin typeface="Cambria Math" panose="02040503050406030204" pitchFamily="18" charset="0"/>
+                              <a:ea typeface="Cambria Math" panose="02040503050406030204" pitchFamily="18" charset="0"/>
+                            </a:rPr>
+                          </m:ctrlPr>
+                        </m:sSubPr>
+                        <m:e>
+                          <m:r>
+                            <a:rPr lang="en-US" sz="2400" b="0" i="1" smtClean="0">
+                              <a:latin typeface="Cambria Math" panose="02040503050406030204" pitchFamily="18" charset="0"/>
+                              <a:ea typeface="Cambria Math" panose="02040503050406030204" pitchFamily="18" charset="0"/>
+                            </a:rPr>
+                            <m:t>𝛽</m:t>
+                          </m:r>
+                        </m:e>
+                        <m:sub>
+                          <m:r>
+                            <a:rPr lang="en-US" sz="2400" b="0" i="1" smtClean="0">
+                              <a:latin typeface="Cambria Math" panose="02040503050406030204" pitchFamily="18" charset="0"/>
+                              <a:ea typeface="Cambria Math" panose="02040503050406030204" pitchFamily="18" charset="0"/>
+                            </a:rPr>
+                            <m:t>0</m:t>
+                          </m:r>
+                        </m:sub>
+                      </m:sSub>
+                      <m:r>
+                        <a:rPr lang="en-US" sz="2400" b="0" i="1" smtClean="0">
+                          <a:latin typeface="Cambria Math" panose="02040503050406030204" pitchFamily="18" charset="0"/>
+                          <a:ea typeface="Cambria Math" panose="02040503050406030204" pitchFamily="18" charset="0"/>
+                        </a:rPr>
+                        <m:t>+ </m:t>
+                      </m:r>
+                      <m:sSub>
+                        <m:sSubPr>
+                          <m:ctrlPr>
+                            <a:rPr lang="en-US" sz="2400" b="0" i="1" smtClean="0">
+                              <a:latin typeface="Cambria Math" panose="02040503050406030204" pitchFamily="18" charset="0"/>
+                              <a:ea typeface="Cambria Math" panose="02040503050406030204" pitchFamily="18" charset="0"/>
+                            </a:rPr>
+                          </m:ctrlPr>
+                        </m:sSubPr>
+                        <m:e>
+                          <m:r>
+                            <a:rPr lang="en-US" sz="2400" b="0" i="1" smtClean="0">
+                              <a:latin typeface="Cambria Math" panose="02040503050406030204" pitchFamily="18" charset="0"/>
+                              <a:ea typeface="Cambria Math" panose="02040503050406030204" pitchFamily="18" charset="0"/>
+                            </a:rPr>
+                            <m:t>𝛽</m:t>
+                          </m:r>
+                        </m:e>
+                        <m:sub>
+                          <m:r>
+                            <a:rPr lang="en-US" sz="2400" b="0" i="1" smtClean="0">
+                              <a:latin typeface="Cambria Math" panose="02040503050406030204" pitchFamily="18" charset="0"/>
+                              <a:ea typeface="Cambria Math" panose="02040503050406030204" pitchFamily="18" charset="0"/>
+                            </a:rPr>
+                            <m:t>1</m:t>
+                          </m:r>
+                        </m:sub>
+                      </m:sSub>
+                      <m:r>
+                        <a:rPr lang="en-US" sz="2400" b="0" i="1" smtClean="0">
+                          <a:latin typeface="Cambria Math" panose="02040503050406030204" pitchFamily="18" charset="0"/>
+                          <a:ea typeface="Cambria Math" panose="02040503050406030204" pitchFamily="18" charset="0"/>
+                        </a:rPr>
+                        <m:t>∗</m:t>
+                      </m:r>
+                      <m:r>
+                        <a:rPr lang="en-US" sz="2400" b="0" i="1" smtClean="0">
+                          <a:latin typeface="Cambria Math" panose="02040503050406030204" pitchFamily="18" charset="0"/>
+                          <a:ea typeface="Cambria Math" panose="02040503050406030204" pitchFamily="18" charset="0"/>
+                        </a:rPr>
+                        <m:t>𝑡𝑜𝑡𝑎𝑙</m:t>
+                      </m:r>
+                      <m:r>
+                        <a:rPr lang="en-US" sz="2400" b="0" i="1" smtClean="0">
+                          <a:latin typeface="Cambria Math" panose="02040503050406030204" pitchFamily="18" charset="0"/>
+                          <a:ea typeface="Cambria Math" panose="02040503050406030204" pitchFamily="18" charset="0"/>
+                        </a:rPr>
+                        <m:t>_</m:t>
+                      </m:r>
+                      <m:r>
+                        <a:rPr lang="en-US" sz="2400" b="0" i="1" smtClean="0">
+                          <a:latin typeface="Cambria Math" panose="02040503050406030204" pitchFamily="18" charset="0"/>
+                          <a:ea typeface="Cambria Math" panose="02040503050406030204" pitchFamily="18" charset="0"/>
+                        </a:rPr>
+                        <m:t>𝑙𝑒𝑛</m:t>
+                      </m:r>
+                    </m:oMath>
+                  </m:oMathPara>
+                </a14:m>
+                <a:endParaRPr lang="en-US" sz="2400" dirty="0"/>
+              </a:p>
+            </p:txBody>
+          </p:sp>
+        </mc:Choice>
+        <mc:Fallback xmlns="">
+          <p:sp>
+            <p:nvSpPr>
+              <p:cNvPr id="16" name="TextBox 15">
+                <a:extLst>
+                  <a:ext uri="{FF2B5EF4-FFF2-40B4-BE49-F238E27FC236}">
+                    <a16:creationId xmlns:a16="http://schemas.microsoft.com/office/drawing/2014/main" id="{63380A74-1DA5-BCAB-D704-BEEA155E6299}"/>
+                  </a:ext>
+                </a:extLst>
+              </p:cNvPr>
+              <p:cNvSpPr txBox="1">
+                <a:spLocks noRot="1" noChangeAspect="1" noMove="1" noResize="1" noEditPoints="1" noAdjustHandles="1" noChangeArrowheads="1" noChangeShapeType="1" noTextEdit="1"/>
+              </p:cNvSpPr>
+              <p:nvPr/>
+            </p:nvSpPr>
+            <p:spPr>
+              <a:xfrm>
+                <a:off x="5284089" y="6041452"/>
+                <a:ext cx="4503412" cy="481350"/>
+              </a:xfrm>
+              <a:prstGeom prst="rect">
+                <a:avLst/>
+              </a:prstGeom>
+              <a:blipFill>
+                <a:blip r:embed="rId6"/>
+                <a:stretch>
+                  <a:fillRect t="-10256" b="-17949"/>
+                </a:stretch>
+              </a:blipFill>
+            </p:spPr>
+            <p:txBody>
+              <a:bodyPr/>
+              <a:lstStyle/>
+              <a:p>
+                <a:r>
+                  <a:rPr lang="en-US">
+                    <a:noFill/>
+                  </a:rPr>
+                  <a:t> </a:t>
+                </a:r>
+              </a:p>
+            </p:txBody>
+          </p:sp>
+        </mc:Fallback>
+      </mc:AlternateContent>
+      <p:sp>
+        <p:nvSpPr>
+          <p:cNvPr id="3" name="TextBox 2">
+            <a:extLst>
+              <a:ext uri="{FF2B5EF4-FFF2-40B4-BE49-F238E27FC236}">
+                <a16:creationId xmlns:a16="http://schemas.microsoft.com/office/drawing/2014/main" id="{2C474528-89FD-B0D0-43E0-0A81A365CF41}"/>
+              </a:ext>
+            </a:extLst>
+          </p:cNvPr>
+          <p:cNvSpPr txBox="1"/>
+          <p:nvPr/>
+        </p:nvSpPr>
+        <p:spPr>
+          <a:xfrm>
+            <a:off x="4655127" y="2954266"/>
+            <a:ext cx="1703168" cy="307777"/>
+          </a:xfrm>
+          <a:prstGeom prst="rect">
+            <a:avLst/>
+          </a:prstGeom>
+          <a:solidFill>
+            <a:schemeClr val="bg1"/>
+          </a:solidFill>
+        </p:spPr>
+        <p:txBody>
+          <a:bodyPr wrap="square" rtlCol="0">
+            <a:spAutoFit/>
+          </a:bodyPr>
+          <a:lstStyle/>
+          <a:p>
+            <a:r>
+              <a:rPr lang="en-US" sz="1400" dirty="0" err="1"/>
+              <a:t>total_len</a:t>
+            </a:r>
+            <a:r>
+              <a:rPr lang="en-US" sz="1400" dirty="0"/>
+              <a:t>, x (cm)</a:t>
+            </a:r>
+          </a:p>
+        </p:txBody>
+      </p:sp>
+      <p:sp>
+        <p:nvSpPr>
+          <p:cNvPr id="7" name="TextBox 6">
+            <a:extLst>
+              <a:ext uri="{FF2B5EF4-FFF2-40B4-BE49-F238E27FC236}">
+                <a16:creationId xmlns:a16="http://schemas.microsoft.com/office/drawing/2014/main" id="{0836783F-86D4-EB28-C594-A9BF30354785}"/>
+              </a:ext>
+            </a:extLst>
+          </p:cNvPr>
+          <p:cNvSpPr txBox="1"/>
+          <p:nvPr/>
+        </p:nvSpPr>
+        <p:spPr>
+          <a:xfrm>
+            <a:off x="7618408" y="2933745"/>
+            <a:ext cx="1703168" cy="307777"/>
+          </a:xfrm>
+          <a:prstGeom prst="rect">
+            <a:avLst/>
+          </a:prstGeom>
+          <a:solidFill>
+            <a:schemeClr val="bg1"/>
+          </a:solidFill>
+        </p:spPr>
+        <p:txBody>
+          <a:bodyPr wrap="square" rtlCol="0">
+            <a:spAutoFit/>
+          </a:bodyPr>
+          <a:lstStyle/>
+          <a:p>
+            <a:r>
+              <a:rPr lang="en-US" sz="1400" dirty="0" err="1"/>
+              <a:t>head_len</a:t>
+            </a:r>
+            <a:r>
+              <a:rPr lang="en-US" sz="1400" dirty="0"/>
+              <a:t>, y (mm)</a:t>
+            </a:r>
+          </a:p>
+        </p:txBody>
+      </p:sp>
+      <p:sp>
+        <p:nvSpPr>
+          <p:cNvPr id="8" name="TextBox 7">
+            <a:extLst>
+              <a:ext uri="{FF2B5EF4-FFF2-40B4-BE49-F238E27FC236}">
+                <a16:creationId xmlns:a16="http://schemas.microsoft.com/office/drawing/2014/main" id="{6D42EC32-73F7-61C6-CF52-079AE0C5F1DD}"/>
+              </a:ext>
+            </a:extLst>
+          </p:cNvPr>
+          <p:cNvSpPr txBox="1"/>
+          <p:nvPr/>
+        </p:nvSpPr>
+        <p:spPr>
+          <a:xfrm>
+            <a:off x="4432505" y="3595958"/>
+            <a:ext cx="1067750" cy="307777"/>
+          </a:xfrm>
+          <a:prstGeom prst="rect">
+            <a:avLst/>
+          </a:prstGeom>
+          <a:solidFill>
+            <a:schemeClr val="bg1"/>
+          </a:solidFill>
+        </p:spPr>
+        <p:txBody>
+          <a:bodyPr wrap="square" rtlCol="0">
+            <a:spAutoFit/>
+          </a:bodyPr>
+          <a:lstStyle/>
+          <a:p>
+            <a:pPr algn="ctr"/>
+            <a:r>
+              <a:rPr lang="en-US" sz="1400" dirty="0"/>
+              <a:t>87</a:t>
+            </a:r>
+          </a:p>
+        </p:txBody>
+      </p:sp>
+      <p:sp>
+        <p:nvSpPr>
+          <p:cNvPr id="9" name="TextBox 8">
+            <a:extLst>
+              <a:ext uri="{FF2B5EF4-FFF2-40B4-BE49-F238E27FC236}">
+                <a16:creationId xmlns:a16="http://schemas.microsoft.com/office/drawing/2014/main" id="{F3D0696A-70CB-93BD-EFC8-34077B23CCD1}"/>
+              </a:ext>
+            </a:extLst>
+          </p:cNvPr>
+          <p:cNvSpPr txBox="1"/>
+          <p:nvPr/>
+        </p:nvSpPr>
+        <p:spPr>
+          <a:xfrm>
+            <a:off x="5661776" y="3595958"/>
+            <a:ext cx="1067750" cy="307777"/>
+          </a:xfrm>
+          <a:prstGeom prst="rect">
+            <a:avLst/>
+          </a:prstGeom>
+          <a:solidFill>
+            <a:schemeClr val="bg1"/>
+          </a:solidFill>
+        </p:spPr>
+        <p:txBody>
+          <a:bodyPr wrap="square" rtlCol="0">
+            <a:spAutoFit/>
+          </a:bodyPr>
+          <a:lstStyle/>
+          <a:p>
+            <a:pPr algn="ctr"/>
+            <a:r>
+              <a:rPr lang="en-US" sz="1400" dirty="0"/>
+              <a:t>15</a:t>
+            </a:r>
+          </a:p>
+        </p:txBody>
+      </p:sp>
+      <p:sp>
+        <p:nvSpPr>
+          <p:cNvPr id="11" name="TextBox 10">
+            <a:extLst>
+              <a:ext uri="{FF2B5EF4-FFF2-40B4-BE49-F238E27FC236}">
+                <a16:creationId xmlns:a16="http://schemas.microsoft.com/office/drawing/2014/main" id="{B735BE03-4EC2-77C6-32AF-7DC8186DA5B0}"/>
+              </a:ext>
+            </a:extLst>
+          </p:cNvPr>
+          <p:cNvSpPr txBox="1"/>
+          <p:nvPr/>
+        </p:nvSpPr>
+        <p:spPr>
+          <a:xfrm>
+            <a:off x="7084533" y="3595958"/>
+            <a:ext cx="1067750" cy="307777"/>
+          </a:xfrm>
+          <a:prstGeom prst="rect">
+            <a:avLst/>
+          </a:prstGeom>
+          <a:solidFill>
+            <a:schemeClr val="bg1"/>
+          </a:solidFill>
+        </p:spPr>
+        <p:txBody>
+          <a:bodyPr wrap="square" rtlCol="0">
+            <a:spAutoFit/>
+          </a:bodyPr>
+          <a:lstStyle/>
+          <a:p>
+            <a:pPr algn="ctr"/>
+            <a:r>
+              <a:rPr lang="en-US" sz="1400" dirty="0"/>
+              <a:t>92</a:t>
+            </a:r>
+          </a:p>
+        </p:txBody>
+      </p:sp>
+      <p:sp>
+        <p:nvSpPr>
+          <p:cNvPr id="12" name="TextBox 11">
+            <a:extLst>
+              <a:ext uri="{FF2B5EF4-FFF2-40B4-BE49-F238E27FC236}">
+                <a16:creationId xmlns:a16="http://schemas.microsoft.com/office/drawing/2014/main" id="{3BFC534D-E642-4D07-BC61-624FDA857A4A}"/>
+              </a:ext>
+            </a:extLst>
+          </p:cNvPr>
+          <p:cNvSpPr txBox="1"/>
+          <p:nvPr/>
+        </p:nvSpPr>
+        <p:spPr>
+          <a:xfrm>
+            <a:off x="8484530" y="3600032"/>
+            <a:ext cx="1067750" cy="307777"/>
+          </a:xfrm>
+          <a:prstGeom prst="rect">
+            <a:avLst/>
+          </a:prstGeom>
+          <a:solidFill>
+            <a:schemeClr val="bg1"/>
+          </a:solidFill>
+        </p:spPr>
+        <p:txBody>
+          <a:bodyPr wrap="square" rtlCol="0">
+            <a:spAutoFit/>
+          </a:bodyPr>
+          <a:lstStyle/>
+          <a:p>
+            <a:pPr algn="ctr"/>
+            <a:r>
+              <a:rPr lang="en-US" sz="1400" dirty="0"/>
+              <a:t>7.5</a:t>
+            </a:r>
+          </a:p>
+        </p:txBody>
+      </p:sp>
+      <p:sp>
+        <p:nvSpPr>
+          <p:cNvPr id="14" name="TextBox 13">
+            <a:extLst>
+              <a:ext uri="{FF2B5EF4-FFF2-40B4-BE49-F238E27FC236}">
+                <a16:creationId xmlns:a16="http://schemas.microsoft.com/office/drawing/2014/main" id="{E2F7821C-1D79-F52A-CF08-E7FB74A7D93C}"/>
+              </a:ext>
+            </a:extLst>
+          </p:cNvPr>
+          <p:cNvSpPr txBox="1"/>
+          <p:nvPr/>
+        </p:nvSpPr>
+        <p:spPr>
+          <a:xfrm>
+            <a:off x="9884528" y="3598719"/>
+            <a:ext cx="1067750" cy="307777"/>
+          </a:xfrm>
+          <a:prstGeom prst="rect">
+            <a:avLst/>
+          </a:prstGeom>
+          <a:solidFill>
+            <a:schemeClr val="bg1"/>
+          </a:solidFill>
+        </p:spPr>
+        <p:txBody>
+          <a:bodyPr wrap="square" rtlCol="0">
+            <a:spAutoFit/>
+          </a:bodyPr>
+          <a:lstStyle/>
+          <a:p>
+            <a:pPr algn="ctr"/>
+            <a:r>
+              <a:rPr lang="en-US" sz="1400" dirty="0"/>
+              <a:t>0.44</a:t>
+            </a:r>
+          </a:p>
+        </p:txBody>
+      </p:sp>
+    </p:spTree>
+    <p:extLst>
+      <p:ext uri="{BB962C8B-B14F-4D97-AF65-F5344CB8AC3E}">
+        <p14:creationId xmlns:p14="http://schemas.microsoft.com/office/powerpoint/2010/main" val="4199769742"/>
+      </p:ext>
+    </p:extLst>
+  </p:cSld>
+  <p:clrMapOvr>
+    <a:masterClrMapping/>
+  </p:clrMapOvr>
+</p:sld>
+</file>
+
+<file path=ppt/slides/slide22.xml><?xml version="1.0" encoding="utf-8"?>
+<p:sld xmlns:a="http://schemas.openxmlformats.org/drawingml/2006/main" xmlns:r="http://schemas.openxmlformats.org/officeDocument/2006/relationships" xmlns:p="http://schemas.openxmlformats.org/presentationml/2006/main">
+  <p:cSld>
+    <p:spTree>
+      <p:nvGrpSpPr>
         <p:cNvPr id="1" name=""/>
         <p:cNvGrpSpPr/>
         <p:nvPr/>
@@ -27534,8 +28558,8 @@
           </a:p>
         </p:txBody>
       </p:sp>
-      <mc:AlternateContent xmlns:mc="http://schemas.openxmlformats.org/markup-compatibility/2006">
-        <mc:Choice xmlns:a14="http://schemas.microsoft.com/office/drawing/2010/main" Requires="a14">
+      <mc:AlternateContent xmlns:mc="http://schemas.openxmlformats.org/markup-compatibility/2006" xmlns:a14="http://schemas.microsoft.com/office/drawing/2010/main">
+        <mc:Choice Requires="a14">
           <p:sp>
             <p:nvSpPr>
               <p:cNvPr id="3" name="object 3">
@@ -27911,7 +28935,7 @@
             </p:txBody>
           </p:sp>
         </mc:Choice>
-        <mc:Fallback>
+        <mc:Fallback xmlns="">
           <p:sp>
             <p:nvSpPr>
               <p:cNvPr id="3" name="object 3">
@@ -27969,7 +28993,7 @@
 </p:sld>
 </file>
 
-<file path=ppt/slides/slide22.xml><?xml version="1.0" encoding="utf-8"?>
+<file path=ppt/slides/slide23.xml><?xml version="1.0" encoding="utf-8"?>
 <p:sld xmlns:a="http://schemas.openxmlformats.org/drawingml/2006/main" xmlns:r="http://schemas.openxmlformats.org/officeDocument/2006/relationships" xmlns:p="http://schemas.openxmlformats.org/presentationml/2006/main">
   <p:cSld>
     <p:spTree>
@@ -28014,8 +29038,8 @@
           </a:p>
         </p:txBody>
       </p:sp>
-      <mc:AlternateContent xmlns:mc="http://schemas.openxmlformats.org/markup-compatibility/2006">
-        <mc:Choice xmlns:a14="http://schemas.microsoft.com/office/drawing/2010/main" Requires="a14">
+      <mc:AlternateContent xmlns:mc="http://schemas.openxmlformats.org/markup-compatibility/2006" xmlns:a14="http://schemas.microsoft.com/office/drawing/2010/main">
+        <mc:Choice Requires="a14">
           <p:sp>
             <p:nvSpPr>
               <p:cNvPr id="3" name="object 3">
@@ -28422,7 +29446,7 @@
             </p:txBody>
           </p:sp>
         </mc:Choice>
-        <mc:Fallback>
+        <mc:Fallback xmlns="">
           <p:sp>
             <p:nvSpPr>
               <p:cNvPr id="3" name="object 3">
@@ -28545,595 +29569,6 @@
           </a:p>
         </p:txBody>
       </p:sp>
-    </p:spTree>
-    <p:extLst>
-      <p:ext uri="{BB962C8B-B14F-4D97-AF65-F5344CB8AC3E}">
-        <p14:creationId xmlns:p14="http://schemas.microsoft.com/office/powerpoint/2010/main" val="2759406748"/>
-      </p:ext>
-    </p:extLst>
-  </p:cSld>
-  <p:clrMapOvr>
-    <a:masterClrMapping/>
-  </p:clrMapOvr>
-</p:sld>
-</file>
-
-<file path=ppt/slides/slide23.xml><?xml version="1.0" encoding="utf-8"?>
-<p:sld xmlns:a="http://schemas.openxmlformats.org/drawingml/2006/main" xmlns:r="http://schemas.openxmlformats.org/officeDocument/2006/relationships" xmlns:p="http://schemas.openxmlformats.org/presentationml/2006/main">
-  <p:cSld>
-    <p:spTree>
-      <p:nvGrpSpPr>
-        <p:cNvPr id="1" name=""/>
-        <p:cNvGrpSpPr/>
-        <p:nvPr/>
-      </p:nvGrpSpPr>
-      <p:grpSpPr>
-        <a:xfrm>
-          <a:off x="0" y="0"/>
-          <a:ext cx="0" cy="0"/>
-          <a:chOff x="0" y="0"/>
-          <a:chExt cx="0" cy="0"/>
-        </a:xfrm>
-      </p:grpSpPr>
-      <p:sp>
-        <p:nvSpPr>
-          <p:cNvPr id="2" name="Title 1">
-            <a:extLst>
-              <a:ext uri="{FF2B5EF4-FFF2-40B4-BE49-F238E27FC236}">
-                <a16:creationId xmlns:a16="http://schemas.microsoft.com/office/drawing/2014/main" id="{10D330C2-52A4-1ABA-980B-56FBC97F350C}"/>
-              </a:ext>
-            </a:extLst>
-          </p:cNvPr>
-          <p:cNvSpPr>
-            <a:spLocks noGrp="1"/>
-          </p:cNvSpPr>
-          <p:nvPr>
-            <p:ph type="title"/>
-          </p:nvPr>
-        </p:nvSpPr>
-        <p:spPr/>
-        <p:txBody>
-          <a:bodyPr/>
-          <a:lstStyle/>
-          <a:p>
-            <a:r>
-              <a:rPr lang="en-US" dirty="0"/>
-              <a:t>Assessing Fit</a:t>
-            </a:r>
-          </a:p>
-        </p:txBody>
-      </p:sp>
-      <mc:AlternateContent xmlns:mc="http://schemas.openxmlformats.org/markup-compatibility/2006">
-        <mc:Choice xmlns:a14="http://schemas.microsoft.com/office/drawing/2010/main" Requires="a14">
-          <p:sp>
-            <p:nvSpPr>
-              <p:cNvPr id="3" name="object 3">
-                <a:extLst>
-                  <a:ext uri="{FF2B5EF4-FFF2-40B4-BE49-F238E27FC236}">
-                    <a16:creationId xmlns:a16="http://schemas.microsoft.com/office/drawing/2014/main" id="{D1953612-CE1D-57D7-09F6-EF30BC163E87}"/>
-                  </a:ext>
-                </a:extLst>
-              </p:cNvPr>
-              <p:cNvSpPr txBox="1"/>
-              <p:nvPr/>
-            </p:nvSpPr>
-            <p:spPr>
-              <a:xfrm>
-                <a:off x="3765515" y="752421"/>
-                <a:ext cx="7960320" cy="2303003"/>
-              </a:xfrm>
-              <a:prstGeom prst="rect">
-                <a:avLst/>
-              </a:prstGeom>
-            </p:spPr>
-            <p:txBody>
-              <a:bodyPr vert="horz" wrap="square" lIns="0" tIns="6985" rIns="0" bIns="0" rtlCol="0">
-                <a:spAutoFit/>
-              </a:bodyPr>
-              <a:lstStyle/>
-              <a:p>
-                <a:pPr marL="12700" marR="5080">
-                  <a:lnSpc>
-                    <a:spcPct val="102600"/>
-                  </a:lnSpc>
-                  <a:spcBef>
-                    <a:spcPts val="55"/>
-                  </a:spcBef>
-                </a:pPr>
-                <a:r>
-                  <a:rPr lang="en-US" sz="2400" spc="-60" dirty="0">
-                    <a:solidFill>
-                      <a:srgbClr val="00B0F0"/>
-                    </a:solidFill>
-                    <a:latin typeface="Arial"/>
-                    <a:cs typeface="Arial"/>
-                  </a:rPr>
-                  <a:t>Residual</a:t>
-                </a:r>
-                <a:r>
-                  <a:rPr lang="en-US" sz="2400" spc="-10" dirty="0">
-                    <a:solidFill>
-                      <a:srgbClr val="00B0F0"/>
-                    </a:solidFill>
-                    <a:latin typeface="Arial"/>
-                    <a:cs typeface="Arial"/>
-                  </a:rPr>
-                  <a:t> plots</a:t>
-                </a:r>
-                <a:r>
-                  <a:rPr lang="en-US" sz="2400" spc="-5" dirty="0">
-                    <a:solidFill>
-                      <a:srgbClr val="00B0F0"/>
-                    </a:solidFill>
-                    <a:latin typeface="Arial"/>
-                    <a:cs typeface="Arial"/>
-                  </a:rPr>
-                  <a:t> </a:t>
-                </a:r>
-                <a:r>
-                  <a:rPr lang="en-US" sz="2400" spc="-50" dirty="0">
-                    <a:latin typeface="Arial"/>
-                    <a:cs typeface="Arial"/>
-                  </a:rPr>
-                  <a:t>can</a:t>
-                </a:r>
-                <a:r>
-                  <a:rPr lang="en-US" sz="2400" spc="-5" dirty="0">
-                    <a:latin typeface="Arial"/>
-                    <a:cs typeface="Arial"/>
-                  </a:rPr>
-                  <a:t> </a:t>
-                </a:r>
-                <a:r>
-                  <a:rPr lang="en-US" sz="2400" spc="-40" dirty="0">
-                    <a:latin typeface="Arial"/>
-                    <a:cs typeface="Arial"/>
-                  </a:rPr>
-                  <a:t>help</a:t>
-                </a:r>
-                <a:r>
-                  <a:rPr lang="en-US" sz="2400" spc="-10" dirty="0">
-                    <a:latin typeface="Arial"/>
-                    <a:cs typeface="Arial"/>
-                  </a:rPr>
-                  <a:t> </a:t>
-                </a:r>
-                <a:r>
-                  <a:rPr lang="en-US" sz="2400" spc="-55" dirty="0">
-                    <a:latin typeface="Arial"/>
-                    <a:cs typeface="Arial"/>
-                  </a:rPr>
-                  <a:t>us</a:t>
-                </a:r>
-                <a:r>
-                  <a:rPr lang="en-US" sz="2400" spc="-5" dirty="0">
-                    <a:latin typeface="Arial"/>
-                    <a:cs typeface="Arial"/>
-                  </a:rPr>
-                  <a:t> </a:t>
-                </a:r>
-                <a:r>
-                  <a:rPr lang="en-US" sz="2400" dirty="0">
-                    <a:latin typeface="Arial"/>
-                    <a:cs typeface="Arial"/>
-                  </a:rPr>
-                  <a:t>to</a:t>
-                </a:r>
-                <a:r>
-                  <a:rPr lang="en-US" sz="2400" spc="-5" dirty="0">
-                    <a:latin typeface="Arial"/>
-                    <a:cs typeface="Arial"/>
-                  </a:rPr>
-                  <a:t> </a:t>
-                </a:r>
-                <a:r>
-                  <a:rPr lang="en-US" sz="2400" spc="-10" dirty="0">
-                    <a:latin typeface="Arial"/>
-                    <a:cs typeface="Arial"/>
-                  </a:rPr>
-                  <a:t>identify</a:t>
-                </a:r>
-                <a:r>
-                  <a:rPr lang="en-US" sz="2400" spc="-5" dirty="0">
-                    <a:latin typeface="Arial"/>
-                    <a:cs typeface="Arial"/>
-                  </a:rPr>
-                  <a:t> </a:t>
-                </a:r>
-                <a:r>
-                  <a:rPr lang="en-US" sz="2400" spc="-45" dirty="0">
-                    <a:latin typeface="Arial"/>
-                    <a:cs typeface="Arial"/>
-                  </a:rPr>
-                  <a:t>characteristics</a:t>
-                </a:r>
-                <a:r>
-                  <a:rPr lang="en-US" sz="2400" spc="-10" dirty="0">
-                    <a:latin typeface="Arial"/>
-                    <a:cs typeface="Arial"/>
-                  </a:rPr>
-                  <a:t> </a:t>
-                </a:r>
-                <a:r>
-                  <a:rPr lang="en-US" sz="2400" dirty="0">
-                    <a:latin typeface="Arial"/>
-                    <a:cs typeface="Arial"/>
-                  </a:rPr>
-                  <a:t>or</a:t>
-                </a:r>
-                <a:r>
-                  <a:rPr lang="en-US" sz="2400" spc="-5" dirty="0">
-                    <a:latin typeface="Arial"/>
-                    <a:cs typeface="Arial"/>
-                  </a:rPr>
-                  <a:t> </a:t>
-                </a:r>
-                <a:r>
-                  <a:rPr lang="en-US" sz="2400" spc="-25" dirty="0">
-                    <a:latin typeface="Arial"/>
-                    <a:cs typeface="Arial"/>
-                  </a:rPr>
-                  <a:t>patterns</a:t>
-                </a:r>
-                <a:r>
-                  <a:rPr lang="en-US" sz="2400" spc="-5" dirty="0">
-                    <a:latin typeface="Arial"/>
-                    <a:cs typeface="Arial"/>
-                  </a:rPr>
-                  <a:t> </a:t>
-                </a:r>
-                <a:r>
-                  <a:rPr lang="en-US" sz="2400" spc="-10" dirty="0">
-                    <a:latin typeface="Arial"/>
-                    <a:cs typeface="Arial"/>
-                  </a:rPr>
-                  <a:t>still </a:t>
-                </a:r>
-                <a:r>
-                  <a:rPr lang="en-US" sz="2400" spc="-45" dirty="0">
-                    <a:latin typeface="Arial"/>
-                    <a:cs typeface="Arial"/>
-                  </a:rPr>
-                  <a:t>apparent</a:t>
-                </a:r>
-                <a:r>
-                  <a:rPr lang="en-US" sz="2400" dirty="0">
-                    <a:latin typeface="Arial"/>
-                    <a:cs typeface="Arial"/>
-                  </a:rPr>
-                  <a:t> in</a:t>
-                </a:r>
-                <a:r>
-                  <a:rPr lang="en-US" sz="2400" spc="5" dirty="0">
-                    <a:latin typeface="Arial"/>
-                    <a:cs typeface="Arial"/>
-                  </a:rPr>
-                  <a:t> </a:t>
-                </a:r>
-                <a:r>
-                  <a:rPr lang="en-US" sz="2400" spc="-20" dirty="0">
-                    <a:latin typeface="Arial"/>
-                    <a:cs typeface="Arial"/>
-                  </a:rPr>
-                  <a:t>data</a:t>
-                </a:r>
-                <a:r>
-                  <a:rPr lang="en-US" sz="2400" dirty="0">
-                    <a:latin typeface="Arial"/>
-                    <a:cs typeface="Arial"/>
-                  </a:rPr>
-                  <a:t> </a:t>
-                </a:r>
-                <a:r>
-                  <a:rPr lang="en-US" sz="2400" spc="-10" dirty="0">
-                    <a:latin typeface="Arial"/>
-                    <a:cs typeface="Arial"/>
-                  </a:rPr>
-                  <a:t>after</a:t>
-                </a:r>
-                <a:r>
-                  <a:rPr lang="en-US" sz="2400" spc="5" dirty="0">
-                    <a:latin typeface="Arial"/>
-                    <a:cs typeface="Arial"/>
-                  </a:rPr>
-                  <a:t> </a:t>
-                </a:r>
-                <a:r>
-                  <a:rPr lang="en-US" sz="2400" dirty="0">
-                    <a:latin typeface="Arial"/>
-                    <a:cs typeface="Arial"/>
-                  </a:rPr>
-                  <a:t>fitting</a:t>
-                </a:r>
-                <a:r>
-                  <a:rPr lang="en-US" sz="2400" spc="5" dirty="0">
-                    <a:latin typeface="Arial"/>
-                    <a:cs typeface="Arial"/>
-                  </a:rPr>
-                  <a:t> </a:t>
-                </a:r>
-                <a:r>
-                  <a:rPr lang="en-US" sz="2400" dirty="0">
-                    <a:latin typeface="Arial"/>
-                    <a:cs typeface="Arial"/>
-                  </a:rPr>
-                  <a:t>a </a:t>
-                </a:r>
-                <a:r>
-                  <a:rPr lang="en-US" sz="2400" spc="-10" dirty="0">
-                    <a:latin typeface="Arial"/>
-                    <a:cs typeface="Arial"/>
-                  </a:rPr>
-                  <a:t>model.</a:t>
-                </a:r>
-              </a:p>
-              <a:p>
-                <a:pPr marL="355600" marR="5080" indent="-342900">
-                  <a:lnSpc>
-                    <a:spcPct val="102600"/>
-                  </a:lnSpc>
-                  <a:spcBef>
-                    <a:spcPts val="55"/>
-                  </a:spcBef>
-                  <a:buFont typeface="Arial" panose="020B0604020202020204" pitchFamily="34" charset="0"/>
-                  <a:buChar char="•"/>
-                </a:pPr>
-                <a:r>
-                  <a:rPr lang="en-US" sz="2400" spc="-10" dirty="0">
-                    <a:latin typeface="Arial"/>
-                    <a:cs typeface="Arial"/>
-                  </a:rPr>
-                  <a:t>To create a residual plot, plot predicted values, </a:t>
-                </a:r>
-                <a14:m>
-                  <m:oMath xmlns:m="http://schemas.openxmlformats.org/officeDocument/2006/math">
-                    <m:acc>
-                      <m:accPr>
-                        <m:chr m:val="̂"/>
-                        <m:ctrlPr>
-                          <a:rPr lang="en-US" sz="2400" i="1" spc="-10" smtClean="0">
-                            <a:latin typeface="Cambria Math" panose="02040503050406030204" pitchFamily="18" charset="0"/>
-                            <a:cs typeface="Arial"/>
-                          </a:rPr>
-                        </m:ctrlPr>
-                      </m:accPr>
-                      <m:e>
-                        <m:sSub>
-                          <m:sSubPr>
-                            <m:ctrlPr>
-                              <a:rPr lang="en-US" sz="2400" b="0" i="1" spc="-10" smtClean="0">
-                                <a:latin typeface="Cambria Math" panose="02040503050406030204" pitchFamily="18" charset="0"/>
-                                <a:cs typeface="Arial"/>
-                              </a:rPr>
-                            </m:ctrlPr>
-                          </m:sSubPr>
-                          <m:e>
-                            <m:r>
-                              <a:rPr lang="en-US" sz="2400" b="0" i="1" spc="-10" smtClean="0">
-                                <a:latin typeface="Cambria Math" panose="02040503050406030204" pitchFamily="18" charset="0"/>
-                                <a:cs typeface="Arial"/>
-                              </a:rPr>
-                              <m:t>𝑦</m:t>
-                            </m:r>
-                          </m:e>
-                          <m:sub>
-                            <m:r>
-                              <a:rPr lang="en-US" sz="2400" b="0" i="1" spc="-10" smtClean="0">
-                                <a:latin typeface="Cambria Math" panose="02040503050406030204" pitchFamily="18" charset="0"/>
-                                <a:cs typeface="Arial"/>
-                              </a:rPr>
-                              <m:t>𝑖</m:t>
-                            </m:r>
-                          </m:sub>
-                        </m:sSub>
-                      </m:e>
-                    </m:acc>
-                  </m:oMath>
-                </a14:m>
-                <a:r>
-                  <a:rPr lang="en-US" sz="2400" spc="-10" dirty="0">
-                    <a:latin typeface="Arial"/>
-                    <a:cs typeface="Arial"/>
-                  </a:rPr>
-                  <a:t>, on the x-axis and corresponding residuals, </a:t>
-                </a:r>
-                <a14:m>
-                  <m:oMath xmlns:m="http://schemas.openxmlformats.org/officeDocument/2006/math">
-                    <m:sSub>
-                      <m:sSubPr>
-                        <m:ctrlPr>
-                          <a:rPr lang="en-US" sz="2400" b="0" i="1" spc="-10" smtClean="0">
-                            <a:latin typeface="Cambria Math" panose="02040503050406030204" pitchFamily="18" charset="0"/>
-                            <a:cs typeface="Arial"/>
-                          </a:rPr>
-                        </m:ctrlPr>
-                      </m:sSubPr>
-                      <m:e>
-                        <m:r>
-                          <a:rPr lang="en-US" sz="2400" b="0" i="1" spc="-10" smtClean="0">
-                            <a:latin typeface="Cambria Math" panose="02040503050406030204" pitchFamily="18" charset="0"/>
-                            <a:cs typeface="Arial"/>
-                          </a:rPr>
-                          <m:t>𝑒</m:t>
-                        </m:r>
-                      </m:e>
-                      <m:sub>
-                        <m:r>
-                          <a:rPr lang="en-US" sz="2400" b="0" i="1" spc="-10" smtClean="0">
-                            <a:latin typeface="Cambria Math" panose="02040503050406030204" pitchFamily="18" charset="0"/>
-                            <a:cs typeface="Arial"/>
-                          </a:rPr>
-                          <m:t>𝑖</m:t>
-                        </m:r>
-                      </m:sub>
-                    </m:sSub>
-                  </m:oMath>
-                </a14:m>
-                <a:r>
-                  <a:rPr lang="en-US" sz="2400" spc="-10" dirty="0">
-                    <a:latin typeface="Arial"/>
-                    <a:cs typeface="Arial"/>
-                  </a:rPr>
-                  <a:t> on the y-axis </a:t>
-                </a:r>
-              </a:p>
-              <a:p>
-                <a:pPr marL="12700" marR="5080">
-                  <a:lnSpc>
-                    <a:spcPct val="102600"/>
-                  </a:lnSpc>
-                  <a:spcBef>
-                    <a:spcPts val="55"/>
-                  </a:spcBef>
-                </a:pPr>
-                <a:endParaRPr lang="en-US" sz="2400" spc="-10" dirty="0">
-                  <a:latin typeface="Arial"/>
-                  <a:cs typeface="Arial"/>
-                </a:endParaRPr>
-              </a:p>
-              <a:p>
-                <a:pPr marL="12700" marR="5080">
-                  <a:lnSpc>
-                    <a:spcPct val="102600"/>
-                  </a:lnSpc>
-                  <a:spcBef>
-                    <a:spcPts val="55"/>
-                  </a:spcBef>
-                </a:pPr>
-                <a:r>
-                  <a:rPr lang="en-US" sz="2400" spc="-10" dirty="0">
-                    <a:latin typeface="Arial"/>
-                    <a:cs typeface="Arial"/>
-                  </a:rPr>
-                  <a:t>Ex. For predicted chest-size from earlier: </a:t>
-                </a:r>
-              </a:p>
-            </p:txBody>
-          </p:sp>
-        </mc:Choice>
-        <mc:Fallback>
-          <p:sp>
-            <p:nvSpPr>
-              <p:cNvPr id="3" name="object 3">
-                <a:extLst>
-                  <a:ext uri="{FF2B5EF4-FFF2-40B4-BE49-F238E27FC236}">
-                    <a16:creationId xmlns:a16="http://schemas.microsoft.com/office/drawing/2014/main" id="{D1953612-CE1D-57D7-09F6-EF30BC163E87}"/>
-                  </a:ext>
-                </a:extLst>
-              </p:cNvPr>
-              <p:cNvSpPr txBox="1">
-                <a:spLocks noRot="1" noChangeAspect="1" noMove="1" noResize="1" noEditPoints="1" noAdjustHandles="1" noChangeArrowheads="1" noChangeShapeType="1" noTextEdit="1"/>
-              </p:cNvSpPr>
-              <p:nvPr/>
-            </p:nvSpPr>
-            <p:spPr>
-              <a:xfrm>
-                <a:off x="3765515" y="752421"/>
-                <a:ext cx="7960320" cy="2303003"/>
-              </a:xfrm>
-              <a:prstGeom prst="rect">
-                <a:avLst/>
-              </a:prstGeom>
-              <a:blipFill>
-                <a:blip r:embed="rId3"/>
-                <a:stretch>
-                  <a:fillRect l="-2229" t="-4396" r="-2866" b="-7143"/>
-                </a:stretch>
-              </a:blipFill>
-            </p:spPr>
-            <p:txBody>
-              <a:bodyPr/>
-              <a:lstStyle/>
-              <a:p>
-                <a:r>
-                  <a:rPr lang="en-US">
-                    <a:noFill/>
-                  </a:rPr>
-                  <a:t> </a:t>
-                </a:r>
-              </a:p>
-            </p:txBody>
-          </p:sp>
-        </mc:Fallback>
-      </mc:AlternateContent>
-      <p:pic>
-        <p:nvPicPr>
-          <p:cNvPr id="5" name="Picture 4" descr="A group of blue dots&#10;&#10;Description automatically generated">
-            <a:extLst>
-              <a:ext uri="{FF2B5EF4-FFF2-40B4-BE49-F238E27FC236}">
-                <a16:creationId xmlns:a16="http://schemas.microsoft.com/office/drawing/2014/main" id="{92595875-409A-11CC-BCF0-1FB1D4F40508}"/>
-              </a:ext>
-            </a:extLst>
-          </p:cNvPr>
-          <p:cNvPicPr>
-            <a:picLocks noChangeAspect="1"/>
-          </p:cNvPicPr>
-          <p:nvPr/>
-        </p:nvPicPr>
-        <p:blipFill rotWithShape="1">
-          <a:blip r:embed="rId4"/>
-          <a:srcRect l="52951" t="1" b="49642"/>
-          <a:stretch/>
-        </p:blipFill>
-        <p:spPr>
-          <a:xfrm>
-            <a:off x="3964268" y="3055424"/>
-            <a:ext cx="4709580" cy="3802576"/>
-          </a:xfrm>
-          <a:prstGeom prst="rect">
-            <a:avLst/>
-          </a:prstGeom>
-        </p:spPr>
-      </p:pic>
-      <p:sp>
-        <p:nvSpPr>
-          <p:cNvPr id="7" name="object 3">
-            <a:extLst>
-              <a:ext uri="{FF2B5EF4-FFF2-40B4-BE49-F238E27FC236}">
-                <a16:creationId xmlns:a16="http://schemas.microsoft.com/office/drawing/2014/main" id="{CEC92F95-CD53-C9CB-4A31-3FCBFEA74303}"/>
-              </a:ext>
-            </a:extLst>
-          </p:cNvPr>
-          <p:cNvSpPr txBox="1"/>
-          <p:nvPr/>
-        </p:nvSpPr>
-        <p:spPr>
-          <a:xfrm>
-            <a:off x="9085847" y="3429000"/>
-            <a:ext cx="2853234" cy="1123256"/>
-          </a:xfrm>
-          <a:prstGeom prst="rect">
-            <a:avLst/>
-          </a:prstGeom>
-        </p:spPr>
-        <p:txBody>
-          <a:bodyPr vert="horz" wrap="square" lIns="0" tIns="6985" rIns="0" bIns="0" rtlCol="0">
-            <a:spAutoFit/>
-          </a:bodyPr>
-          <a:lstStyle/>
-          <a:p>
-            <a:pPr marL="12700" marR="5080">
-              <a:lnSpc>
-                <a:spcPct val="102600"/>
-              </a:lnSpc>
-              <a:spcBef>
-                <a:spcPts val="55"/>
-              </a:spcBef>
-            </a:pPr>
-            <a:r>
-              <a:rPr lang="en-US" sz="2400" dirty="0">
-                <a:latin typeface="Arial"/>
-                <a:cs typeface="Arial"/>
-              </a:rPr>
-              <a:t>If the fit is good, there will be no discernable pattern. </a:t>
-            </a:r>
-            <a:endParaRPr lang="en-US" sz="2400" spc="-10" dirty="0">
-              <a:latin typeface="Arial"/>
-              <a:cs typeface="Arial"/>
-            </a:endParaRPr>
-          </a:p>
-        </p:txBody>
-      </p:sp>
       <p:sp>
         <p:nvSpPr>
           <p:cNvPr id="8" name="Rounded Rectangle 7">
@@ -29951,8 +30386,8 @@
           </a:p>
         </p:txBody>
       </p:sp>
-      <mc:AlternateContent xmlns:mc="http://schemas.openxmlformats.org/markup-compatibility/2006">
-        <mc:Choice xmlns:a14="http://schemas.microsoft.com/office/drawing/2010/main" Requires="a14">
+      <mc:AlternateContent xmlns:mc="http://schemas.openxmlformats.org/markup-compatibility/2006" xmlns:a14="http://schemas.microsoft.com/office/drawing/2010/main">
+        <mc:Choice Requires="a14">
           <p:sp>
             <p:nvSpPr>
               <p:cNvPr id="4" name="Rounded Rectangle 3">
@@ -30080,7 +30515,7 @@
             </p:txBody>
           </p:sp>
         </mc:Choice>
-        <mc:Fallback>
+        <mc:Fallback xmlns="">
           <p:sp>
             <p:nvSpPr>
               <p:cNvPr id="4" name="Rounded Rectangle 3">
@@ -30183,8 +30618,8 @@
           </a:p>
         </p:txBody>
       </p:sp>
-      <mc:AlternateContent xmlns:mc="http://schemas.openxmlformats.org/markup-compatibility/2006">
-        <mc:Choice xmlns:a14="http://schemas.microsoft.com/office/drawing/2010/main" Requires="a14">
+      <mc:AlternateContent xmlns:mc="http://schemas.openxmlformats.org/markup-compatibility/2006" xmlns:a14="http://schemas.microsoft.com/office/drawing/2010/main">
+        <mc:Choice Requires="a14">
           <p:sp>
             <p:nvSpPr>
               <p:cNvPr id="3" name="object 3">
@@ -31035,7 +31470,7 @@
             </p:txBody>
           </p:sp>
         </mc:Choice>
-        <mc:Fallback>
+        <mc:Fallback xmlns="">
           <p:sp>
             <p:nvSpPr>
               <p:cNvPr id="3" name="object 3">
@@ -31080,6 +31515,117 @@
           </p:sp>
         </mc:Fallback>
       </mc:AlternateContent>
+      <p:sp>
+        <p:nvSpPr>
+          <p:cNvPr id="4" name="Rounded Rectangular Callout 3">
+            <a:extLst>
+              <a:ext uri="{FF2B5EF4-FFF2-40B4-BE49-F238E27FC236}">
+                <a16:creationId xmlns:a16="http://schemas.microsoft.com/office/drawing/2014/main" id="{E16B7B7E-814C-CCAA-0C3B-6B203ECD58A3}"/>
+              </a:ext>
+            </a:extLst>
+          </p:cNvPr>
+          <p:cNvSpPr/>
+          <p:nvPr/>
+        </p:nvSpPr>
+        <p:spPr>
+          <a:xfrm>
+            <a:off x="7191213" y="5725019"/>
+            <a:ext cx="1921789" cy="830763"/>
+          </a:xfrm>
+          <a:prstGeom prst="wedgeRoundRectCallout">
+            <a:avLst>
+              <a:gd name="adj1" fmla="val -66547"/>
+              <a:gd name="adj2" fmla="val -106750"/>
+              <a:gd name="adj3" fmla="val 16667"/>
+            </a:avLst>
+          </a:prstGeom>
+        </p:spPr>
+        <p:style>
+          <a:lnRef idx="2">
+            <a:schemeClr val="accent3">
+              <a:shade val="15000"/>
+            </a:schemeClr>
+          </a:lnRef>
+          <a:fillRef idx="1">
+            <a:schemeClr val="accent3"/>
+          </a:fillRef>
+          <a:effectRef idx="0">
+            <a:schemeClr val="accent3"/>
+          </a:effectRef>
+          <a:fontRef idx="minor">
+            <a:schemeClr val="lt1"/>
+          </a:fontRef>
+        </p:style>
+        <p:txBody>
+          <a:bodyPr rtlCol="0" anchor="ctr"/>
+          <a:lstStyle/>
+          <a:p>
+            <a:pPr algn="ctr"/>
+            <a:r>
+              <a:rPr lang="en-US" sz="2400" dirty="0"/>
+              <a:t>this is mean observed y</a:t>
+            </a:r>
+          </a:p>
+        </p:txBody>
+      </p:sp>
+      <p:sp>
+        <p:nvSpPr>
+          <p:cNvPr id="5" name="Rounded Rectangular Callout 4">
+            <a:extLst>
+              <a:ext uri="{FF2B5EF4-FFF2-40B4-BE49-F238E27FC236}">
+                <a16:creationId xmlns:a16="http://schemas.microsoft.com/office/drawing/2014/main" id="{4F43A2AB-EBC9-07CC-E7D7-B44C805267AB}"/>
+              </a:ext>
+            </a:extLst>
+          </p:cNvPr>
+          <p:cNvSpPr/>
+          <p:nvPr/>
+        </p:nvSpPr>
+        <p:spPr>
+          <a:xfrm>
+            <a:off x="7607084" y="3258206"/>
+            <a:ext cx="3629187" cy="830763"/>
+          </a:xfrm>
+          <a:prstGeom prst="wedgeRoundRectCallout">
+            <a:avLst>
+              <a:gd name="adj1" fmla="val -77736"/>
+              <a:gd name="adj2" fmla="val -6010"/>
+              <a:gd name="adj3" fmla="val 16667"/>
+            </a:avLst>
+          </a:prstGeom>
+        </p:spPr>
+        <p:style>
+          <a:lnRef idx="2">
+            <a:schemeClr val="accent3">
+              <a:shade val="15000"/>
+            </a:schemeClr>
+          </a:lnRef>
+          <a:fillRef idx="1">
+            <a:schemeClr val="accent3"/>
+          </a:fillRef>
+          <a:effectRef idx="0">
+            <a:schemeClr val="accent3"/>
+          </a:effectRef>
+          <a:fontRef idx="minor">
+            <a:schemeClr val="lt1"/>
+          </a:fontRef>
+        </p:style>
+        <p:txBody>
+          <a:bodyPr rtlCol="0" anchor="ctr"/>
+          <a:lstStyle/>
+          <a:p>
+            <a:pPr algn="ctr"/>
+            <a:r>
+              <a:rPr lang="en-US" sz="2400" dirty="0"/>
+              <a:t>this is predicted y for observation </a:t>
+            </a:r>
+            <a:r>
+              <a:rPr lang="en-US" sz="2400" dirty="0" err="1"/>
+              <a:t>i</a:t>
+            </a:r>
+            <a:endParaRPr lang="en-US" sz="2400" dirty="0"/>
+          </a:p>
+        </p:txBody>
+      </p:sp>
     </p:spTree>
     <p:extLst>
       <p:ext uri="{BB962C8B-B14F-4D97-AF65-F5344CB8AC3E}">
@@ -31138,8 +31684,8 @@
           </a:p>
         </p:txBody>
       </p:sp>
-      <mc:AlternateContent xmlns:mc="http://schemas.openxmlformats.org/markup-compatibility/2006">
-        <mc:Choice xmlns:a14="http://schemas.microsoft.com/office/drawing/2010/main" Requires="a14">
+      <mc:AlternateContent xmlns:mc="http://schemas.openxmlformats.org/markup-compatibility/2006" xmlns:a14="http://schemas.microsoft.com/office/drawing/2010/main">
+        <mc:Choice Requires="a14">
           <p:sp>
             <p:nvSpPr>
               <p:cNvPr id="3" name="object 3">
@@ -31990,7 +32536,7 @@
             </p:txBody>
           </p:sp>
         </mc:Choice>
-        <mc:Fallback>
+        <mc:Fallback xmlns="">
           <p:sp>
             <p:nvSpPr>
               <p:cNvPr id="3" name="object 3">
@@ -32035,8 +32581,8 @@
           </p:sp>
         </mc:Fallback>
       </mc:AlternateContent>
-      <mc:AlternateContent xmlns:mc="http://schemas.openxmlformats.org/markup-compatibility/2006">
-        <mc:Choice xmlns:a14="http://schemas.microsoft.com/office/drawing/2010/main" Requires="a14">
+      <mc:AlternateContent xmlns:mc="http://schemas.openxmlformats.org/markup-compatibility/2006" xmlns:a14="http://schemas.microsoft.com/office/drawing/2010/main">
+        <mc:Choice Requires="a14">
           <p:sp>
             <p:nvSpPr>
               <p:cNvPr id="4" name="Rounded Rectangle 3">
@@ -32120,7 +32666,7 @@
             </p:txBody>
           </p:sp>
         </mc:Choice>
-        <mc:Fallback>
+        <mc:Fallback xmlns="">
           <p:sp>
             <p:nvSpPr>
               <p:cNvPr id="4" name="Rounded Rectangle 3">
@@ -35686,8 +36232,8 @@
           </a:p>
         </p:txBody>
       </p:sp>
-      <mc:AlternateContent xmlns:mc="http://schemas.openxmlformats.org/markup-compatibility/2006">
-        <mc:Choice xmlns:a14="http://schemas.microsoft.com/office/drawing/2010/main" Requires="a14">
+      <mc:AlternateContent xmlns:mc="http://schemas.openxmlformats.org/markup-compatibility/2006" xmlns:a14="http://schemas.microsoft.com/office/drawing/2010/main">
+        <mc:Choice Requires="a14">
           <p:sp>
             <p:nvSpPr>
               <p:cNvPr id="17" name="TextBox 16">
@@ -35716,6 +36262,7 @@
               </a:bodyPr>
               <a:lstStyle/>
               <a:p>
+                <a:pPr/>
                 <a14:m>
                   <m:oMathPara xmlns:m="http://schemas.openxmlformats.org/officeDocument/2006/math">
                     <m:oMathParaPr>
@@ -35761,7 +36308,7 @@
             </p:txBody>
           </p:sp>
         </mc:Choice>
-        <mc:Fallback>
+        <mc:Fallback xmlns="">
           <p:sp>
             <p:nvSpPr>
               <p:cNvPr id="17" name="TextBox 16">
@@ -35806,8 +36353,8 @@
           </p:sp>
         </mc:Fallback>
       </mc:AlternateContent>
-      <mc:AlternateContent xmlns:mc="http://schemas.openxmlformats.org/markup-compatibility/2006">
-        <mc:Choice xmlns:a14="http://schemas.microsoft.com/office/drawing/2010/main" Requires="a14">
+      <mc:AlternateContent xmlns:mc="http://schemas.openxmlformats.org/markup-compatibility/2006" xmlns:a14="http://schemas.microsoft.com/office/drawing/2010/main">
+        <mc:Choice Requires="a14">
           <p:sp>
             <p:nvSpPr>
               <p:cNvPr id="18" name="TextBox 17">
@@ -35836,6 +36383,7 @@
               </a:bodyPr>
               <a:lstStyle/>
               <a:p>
+                <a:pPr/>
                 <a14:m>
                   <m:oMathPara xmlns:m="http://schemas.openxmlformats.org/officeDocument/2006/math">
                     <m:oMathParaPr>
@@ -35881,7 +36429,7 @@
             </p:txBody>
           </p:sp>
         </mc:Choice>
-        <mc:Fallback>
+        <mc:Fallback xmlns="">
           <p:sp>
             <p:nvSpPr>
               <p:cNvPr id="18" name="TextBox 17">
@@ -36117,7 +36665,7 @@
         <p:spPr>
           <a:xfrm>
             <a:off x="3765515" y="752421"/>
-            <a:ext cx="7960320" cy="2683427"/>
+            <a:ext cx="7960320" cy="2267993"/>
           </a:xfrm>
           <a:prstGeom prst="rect">
             <a:avLst/>
@@ -36160,20 +36708,12 @@
             </a:endParaRPr>
           </a:p>
           <a:p>
-            <a:pPr marL="50800" marR="99695">
-              <a:lnSpc>
-                <a:spcPct val="102600"/>
-              </a:lnSpc>
-              <a:spcBef>
-                <a:spcPts val="55"/>
-              </a:spcBef>
-            </a:pPr>
             <a:r>
               <a:rPr lang="en-US" sz="2400" dirty="0">
                 <a:latin typeface="Arial"/>
                 <a:cs typeface="Arial"/>
               </a:rPr>
-              <a:t>Ex. Instead of looking at how income effects life expectancy, we want to look at if above or below the poverty line effects life expectancy. </a:t>
+              <a:t>Ex. Instead of looking at how income effects life expectancy, we want to understand...</a:t>
             </a:r>
           </a:p>
           <a:p>
@@ -36192,6 +36732,309 @@
           </a:p>
         </p:txBody>
       </p:sp>
+      <p:grpSp>
+        <p:nvGrpSpPr>
+          <p:cNvPr id="4" name="object 5">
+            <a:extLst>
+              <a:ext uri="{FF2B5EF4-FFF2-40B4-BE49-F238E27FC236}">
+                <a16:creationId xmlns:a16="http://schemas.microsoft.com/office/drawing/2014/main" id="{6F308EA4-1D6C-AD08-C8B9-E29FA0B087CF}"/>
+              </a:ext>
+            </a:extLst>
+          </p:cNvPr>
+          <p:cNvGrpSpPr/>
+          <p:nvPr/>
+        </p:nvGrpSpPr>
+        <p:grpSpPr>
+          <a:xfrm>
+            <a:off x="3542880" y="2893870"/>
+            <a:ext cx="8525134" cy="1887433"/>
+            <a:chOff x="138547" y="2205985"/>
+            <a:chExt cx="4331335" cy="661670"/>
+          </a:xfrm>
+        </p:grpSpPr>
+        <p:sp>
+          <p:nvSpPr>
+            <p:cNvPr id="5" name="object 6">
+              <a:extLst>
+                <a:ext uri="{FF2B5EF4-FFF2-40B4-BE49-F238E27FC236}">
+                  <a16:creationId xmlns:a16="http://schemas.microsoft.com/office/drawing/2014/main" id="{45B0920B-4CD0-3A2F-05E3-398F7E358A80}"/>
+                </a:ext>
+              </a:extLst>
+            </p:cNvPr>
+            <p:cNvSpPr/>
+            <p:nvPr/>
+          </p:nvSpPr>
+          <p:spPr>
+            <a:xfrm>
+              <a:off x="138547" y="2205985"/>
+              <a:ext cx="4331335" cy="661670"/>
+            </a:xfrm>
+            <a:custGeom>
+              <a:avLst/>
+              <a:gdLst/>
+              <a:ahLst/>
+              <a:cxnLst/>
+              <a:rect l="l" t="t" r="r" b="b"/>
+              <a:pathLst>
+                <a:path w="4331335" h="661669">
+                  <a:moveTo>
+                    <a:pt x="4276964" y="0"/>
+                  </a:moveTo>
+                  <a:lnTo>
+                    <a:pt x="54000" y="0"/>
+                  </a:lnTo>
+                  <a:lnTo>
+                    <a:pt x="32980" y="4243"/>
+                  </a:lnTo>
+                  <a:lnTo>
+                    <a:pt x="15816" y="15816"/>
+                  </a:lnTo>
+                  <a:lnTo>
+                    <a:pt x="4243" y="32980"/>
+                  </a:lnTo>
+                  <a:lnTo>
+                    <a:pt x="0" y="54000"/>
+                  </a:lnTo>
+                  <a:lnTo>
+                    <a:pt x="0" y="607445"/>
+                  </a:lnTo>
+                  <a:lnTo>
+                    <a:pt x="4243" y="628465"/>
+                  </a:lnTo>
+                  <a:lnTo>
+                    <a:pt x="15816" y="645629"/>
+                  </a:lnTo>
+                  <a:lnTo>
+                    <a:pt x="32980" y="657202"/>
+                  </a:lnTo>
+                  <a:lnTo>
+                    <a:pt x="54000" y="661446"/>
+                  </a:lnTo>
+                  <a:lnTo>
+                    <a:pt x="4276964" y="661446"/>
+                  </a:lnTo>
+                  <a:lnTo>
+                    <a:pt x="4297984" y="657202"/>
+                  </a:lnTo>
+                  <a:lnTo>
+                    <a:pt x="4315149" y="645629"/>
+                  </a:lnTo>
+                  <a:lnTo>
+                    <a:pt x="4326721" y="628465"/>
+                  </a:lnTo>
+                  <a:lnTo>
+                    <a:pt x="4330965" y="607445"/>
+                  </a:lnTo>
+                  <a:lnTo>
+                    <a:pt x="4330965" y="54000"/>
+                  </a:lnTo>
+                  <a:lnTo>
+                    <a:pt x="4326721" y="32980"/>
+                  </a:lnTo>
+                  <a:lnTo>
+                    <a:pt x="4315149" y="15816"/>
+                  </a:lnTo>
+                  <a:lnTo>
+                    <a:pt x="4297984" y="4243"/>
+                  </a:lnTo>
+                  <a:lnTo>
+                    <a:pt x="4276964" y="0"/>
+                  </a:lnTo>
+                  <a:close/>
+                </a:path>
+              </a:pathLst>
+            </a:custGeom>
+            <a:solidFill>
+              <a:srgbClr val="A8E2A0"/>
+            </a:solidFill>
+          </p:spPr>
+          <p:txBody>
+            <a:bodyPr wrap="square" lIns="0" tIns="0" rIns="0" bIns="0" rtlCol="0"/>
+            <a:lstStyle/>
+            <a:p>
+              <a:endParaRPr sz="2400"/>
+            </a:p>
+          </p:txBody>
+        </p:sp>
+        <p:sp>
+          <p:nvSpPr>
+            <p:cNvPr id="6" name="object 7">
+              <a:extLst>
+                <a:ext uri="{FF2B5EF4-FFF2-40B4-BE49-F238E27FC236}">
+                  <a16:creationId xmlns:a16="http://schemas.microsoft.com/office/drawing/2014/main" id="{16422B35-97E8-AF3A-A0BC-3F9DDBE1C651}"/>
+                </a:ext>
+              </a:extLst>
+            </p:cNvPr>
+            <p:cNvSpPr/>
+            <p:nvPr/>
+          </p:nvSpPr>
+          <p:spPr>
+            <a:xfrm>
+              <a:off x="156547" y="2437139"/>
+              <a:ext cx="4295140" cy="412750"/>
+            </a:xfrm>
+            <a:custGeom>
+              <a:avLst/>
+              <a:gdLst/>
+              <a:ahLst/>
+              <a:cxnLst/>
+              <a:rect l="l" t="t" r="r" b="b"/>
+              <a:pathLst>
+                <a:path w="4295140" h="412750">
+                  <a:moveTo>
+                    <a:pt x="4294965" y="0"/>
+                  </a:moveTo>
+                  <a:lnTo>
+                    <a:pt x="0" y="0"/>
+                  </a:lnTo>
+                  <a:lnTo>
+                    <a:pt x="0" y="376291"/>
+                  </a:lnTo>
+                  <a:lnTo>
+                    <a:pt x="2829" y="390304"/>
+                  </a:lnTo>
+                  <a:lnTo>
+                    <a:pt x="10544" y="401748"/>
+                  </a:lnTo>
+                  <a:lnTo>
+                    <a:pt x="21987" y="409463"/>
+                  </a:lnTo>
+                  <a:lnTo>
+                    <a:pt x="36000" y="412292"/>
+                  </a:lnTo>
+                  <a:lnTo>
+                    <a:pt x="4258964" y="412292"/>
+                  </a:lnTo>
+                  <a:lnTo>
+                    <a:pt x="4272977" y="409463"/>
+                  </a:lnTo>
+                  <a:lnTo>
+                    <a:pt x="4284420" y="401748"/>
+                  </a:lnTo>
+                  <a:lnTo>
+                    <a:pt x="4292136" y="390304"/>
+                  </a:lnTo>
+                  <a:lnTo>
+                    <a:pt x="4294965" y="376291"/>
+                  </a:lnTo>
+                  <a:lnTo>
+                    <a:pt x="4294965" y="0"/>
+                  </a:lnTo>
+                  <a:close/>
+                </a:path>
+              </a:pathLst>
+            </a:custGeom>
+            <a:solidFill>
+              <a:srgbClr val="F1FAF0"/>
+            </a:solidFill>
+          </p:spPr>
+          <p:txBody>
+            <a:bodyPr wrap="square" lIns="0" tIns="0" rIns="0" bIns="0" rtlCol="0"/>
+            <a:lstStyle/>
+            <a:p>
+              <a:endParaRPr sz="2400"/>
+            </a:p>
+          </p:txBody>
+        </p:sp>
+      </p:grpSp>
+      <p:sp>
+        <p:nvSpPr>
+          <p:cNvPr id="7" name="object 8">
+            <a:extLst>
+              <a:ext uri="{FF2B5EF4-FFF2-40B4-BE49-F238E27FC236}">
+                <a16:creationId xmlns:a16="http://schemas.microsoft.com/office/drawing/2014/main" id="{0D7572B8-85FC-40A5-BA1E-5313D0EC4644}"/>
+              </a:ext>
+            </a:extLst>
+          </p:cNvPr>
+          <p:cNvSpPr txBox="1"/>
+          <p:nvPr/>
+        </p:nvSpPr>
+        <p:spPr>
+          <a:xfrm>
+            <a:off x="3641529" y="3083567"/>
+            <a:ext cx="7937275" cy="1572225"/>
+          </a:xfrm>
+          <a:prstGeom prst="rect">
+            <a:avLst/>
+          </a:prstGeom>
+        </p:spPr>
+        <p:txBody>
+          <a:bodyPr vert="horz" wrap="square" lIns="0" tIns="93980" rIns="0" bIns="0" rtlCol="0">
+            <a:spAutoFit/>
+          </a:bodyPr>
+          <a:lstStyle/>
+          <a:p>
+            <a:pPr marL="40640">
+              <a:lnSpc>
+                <a:spcPct val="100000"/>
+              </a:lnSpc>
+              <a:spcBef>
+                <a:spcPts val="740"/>
+              </a:spcBef>
+            </a:pPr>
+            <a:r>
+              <a:rPr sz="2400" dirty="0">
+                <a:latin typeface="Arial"/>
+                <a:cs typeface="Arial"/>
+              </a:rPr>
+              <a:t>Motivating</a:t>
+            </a:r>
+            <a:r>
+              <a:rPr sz="2400" spc="-50" dirty="0">
+                <a:latin typeface="Arial"/>
+                <a:cs typeface="Arial"/>
+              </a:rPr>
+              <a:t> </a:t>
+            </a:r>
+            <a:r>
+              <a:rPr sz="2400" spc="-10" dirty="0">
+                <a:latin typeface="Arial"/>
+                <a:cs typeface="Arial"/>
+              </a:rPr>
+              <a:t>Question</a:t>
+            </a:r>
+            <a:endParaRPr sz="2400" dirty="0">
+              <a:latin typeface="Arial"/>
+              <a:cs typeface="Arial"/>
+            </a:endParaRPr>
+          </a:p>
+          <a:p>
+            <a:r>
+              <a:rPr lang="en-US" sz="2400" dirty="0">
+                <a:effectLst/>
+                <a:latin typeface="Helvetica" pitchFamily="2" charset="0"/>
+              </a:rPr>
+              <a:t>How does the life expectancy in a US state</a:t>
+            </a:r>
+            <a:r>
+              <a:rPr lang="en-US" sz="2400" dirty="0">
+                <a:latin typeface="Helvetica" pitchFamily="2" charset="0"/>
+              </a:rPr>
+              <a:t> </a:t>
+            </a:r>
+            <a:r>
+              <a:rPr lang="en-US" sz="2400" dirty="0">
+                <a:effectLst/>
+                <a:latin typeface="Helvetica" pitchFamily="2" charset="0"/>
+              </a:rPr>
+              <a:t>associate with whether or not its average per-capita income is below the</a:t>
+            </a:r>
+            <a:r>
+              <a:rPr lang="en-US" sz="2400" dirty="0">
+                <a:latin typeface="Helvetica" pitchFamily="2" charset="0"/>
+              </a:rPr>
+              <a:t> </a:t>
+            </a:r>
+            <a:r>
+              <a:rPr lang="en-US" sz="2400" dirty="0">
+                <a:effectLst/>
+                <a:latin typeface="Helvetica" pitchFamily="2" charset="0"/>
+              </a:rPr>
+              <a:t>poverty threshold?</a:t>
+            </a:r>
+          </a:p>
+        </p:txBody>
+      </p:sp>
     </p:spTree>
     <p:extLst>
       <p:ext uri="{BB962C8B-B14F-4D97-AF65-F5344CB8AC3E}">
@@ -36206,6 +37049,462 @@
 </file>
 
 <file path=ppt/slides/slide33.xml><?xml version="1.0" encoding="utf-8"?>
+<p:sld xmlns:a="http://schemas.openxmlformats.org/drawingml/2006/main" xmlns:r="http://schemas.openxmlformats.org/officeDocument/2006/relationships" xmlns:p="http://schemas.openxmlformats.org/presentationml/2006/main">
+  <p:cSld>
+    <p:spTree>
+      <p:nvGrpSpPr>
+        <p:cNvPr id="1" name="">
+          <a:extLst>
+            <a:ext uri="{FF2B5EF4-FFF2-40B4-BE49-F238E27FC236}">
+              <a16:creationId xmlns:a16="http://schemas.microsoft.com/office/drawing/2014/main" id="{3D0865FE-DCD1-82D3-20E1-7B3FBD1394BC}"/>
+            </a:ext>
+          </a:extLst>
+        </p:cNvPr>
+        <p:cNvGrpSpPr/>
+        <p:nvPr/>
+      </p:nvGrpSpPr>
+      <p:grpSpPr>
+        <a:xfrm>
+          <a:off x="0" y="0"/>
+          <a:ext cx="0" cy="0"/>
+          <a:chOff x="0" y="0"/>
+          <a:chExt cx="0" cy="0"/>
+        </a:xfrm>
+      </p:grpSpPr>
+      <p:sp>
+        <p:nvSpPr>
+          <p:cNvPr id="2" name="Title 1">
+            <a:extLst>
+              <a:ext uri="{FF2B5EF4-FFF2-40B4-BE49-F238E27FC236}">
+                <a16:creationId xmlns:a16="http://schemas.microsoft.com/office/drawing/2014/main" id="{095FA8FE-63F3-DCCC-ACD0-9A85D28891CD}"/>
+              </a:ext>
+            </a:extLst>
+          </p:cNvPr>
+          <p:cNvSpPr>
+            <a:spLocks noGrp="1"/>
+          </p:cNvSpPr>
+          <p:nvPr>
+            <p:ph type="title"/>
+          </p:nvPr>
+        </p:nvSpPr>
+        <p:spPr/>
+        <p:txBody>
+          <a:bodyPr/>
+          <a:lstStyle/>
+          <a:p>
+            <a:r>
+              <a:rPr lang="en-US" dirty="0"/>
+              <a:t>Binary Predictors</a:t>
+            </a:r>
+          </a:p>
+        </p:txBody>
+      </p:sp>
+      <p:grpSp>
+        <p:nvGrpSpPr>
+          <p:cNvPr id="4" name="object 5">
+            <a:extLst>
+              <a:ext uri="{FF2B5EF4-FFF2-40B4-BE49-F238E27FC236}">
+                <a16:creationId xmlns:a16="http://schemas.microsoft.com/office/drawing/2014/main" id="{1E834157-6125-2E20-C32D-AA374375207D}"/>
+              </a:ext>
+            </a:extLst>
+          </p:cNvPr>
+          <p:cNvGrpSpPr/>
+          <p:nvPr/>
+        </p:nvGrpSpPr>
+        <p:grpSpPr>
+          <a:xfrm>
+            <a:off x="3558378" y="290155"/>
+            <a:ext cx="8525134" cy="1887433"/>
+            <a:chOff x="138547" y="2205985"/>
+            <a:chExt cx="4331335" cy="661670"/>
+          </a:xfrm>
+        </p:grpSpPr>
+        <p:sp>
+          <p:nvSpPr>
+            <p:cNvPr id="5" name="object 6">
+              <a:extLst>
+                <a:ext uri="{FF2B5EF4-FFF2-40B4-BE49-F238E27FC236}">
+                  <a16:creationId xmlns:a16="http://schemas.microsoft.com/office/drawing/2014/main" id="{FCD94560-77F9-B6A7-B3AC-B533F7781C61}"/>
+                </a:ext>
+              </a:extLst>
+            </p:cNvPr>
+            <p:cNvSpPr/>
+            <p:nvPr/>
+          </p:nvSpPr>
+          <p:spPr>
+            <a:xfrm>
+              <a:off x="138547" y="2205985"/>
+              <a:ext cx="4331335" cy="661670"/>
+            </a:xfrm>
+            <a:custGeom>
+              <a:avLst/>
+              <a:gdLst/>
+              <a:ahLst/>
+              <a:cxnLst/>
+              <a:rect l="l" t="t" r="r" b="b"/>
+              <a:pathLst>
+                <a:path w="4331335" h="661669">
+                  <a:moveTo>
+                    <a:pt x="4276964" y="0"/>
+                  </a:moveTo>
+                  <a:lnTo>
+                    <a:pt x="54000" y="0"/>
+                  </a:lnTo>
+                  <a:lnTo>
+                    <a:pt x="32980" y="4243"/>
+                  </a:lnTo>
+                  <a:lnTo>
+                    <a:pt x="15816" y="15816"/>
+                  </a:lnTo>
+                  <a:lnTo>
+                    <a:pt x="4243" y="32980"/>
+                  </a:lnTo>
+                  <a:lnTo>
+                    <a:pt x="0" y="54000"/>
+                  </a:lnTo>
+                  <a:lnTo>
+                    <a:pt x="0" y="607445"/>
+                  </a:lnTo>
+                  <a:lnTo>
+                    <a:pt x="4243" y="628465"/>
+                  </a:lnTo>
+                  <a:lnTo>
+                    <a:pt x="15816" y="645629"/>
+                  </a:lnTo>
+                  <a:lnTo>
+                    <a:pt x="32980" y="657202"/>
+                  </a:lnTo>
+                  <a:lnTo>
+                    <a:pt x="54000" y="661446"/>
+                  </a:lnTo>
+                  <a:lnTo>
+                    <a:pt x="4276964" y="661446"/>
+                  </a:lnTo>
+                  <a:lnTo>
+                    <a:pt x="4297984" y="657202"/>
+                  </a:lnTo>
+                  <a:lnTo>
+                    <a:pt x="4315149" y="645629"/>
+                  </a:lnTo>
+                  <a:lnTo>
+                    <a:pt x="4326721" y="628465"/>
+                  </a:lnTo>
+                  <a:lnTo>
+                    <a:pt x="4330965" y="607445"/>
+                  </a:lnTo>
+                  <a:lnTo>
+                    <a:pt x="4330965" y="54000"/>
+                  </a:lnTo>
+                  <a:lnTo>
+                    <a:pt x="4326721" y="32980"/>
+                  </a:lnTo>
+                  <a:lnTo>
+                    <a:pt x="4315149" y="15816"/>
+                  </a:lnTo>
+                  <a:lnTo>
+                    <a:pt x="4297984" y="4243"/>
+                  </a:lnTo>
+                  <a:lnTo>
+                    <a:pt x="4276964" y="0"/>
+                  </a:lnTo>
+                  <a:close/>
+                </a:path>
+              </a:pathLst>
+            </a:custGeom>
+            <a:solidFill>
+              <a:srgbClr val="A8E2A0"/>
+            </a:solidFill>
+          </p:spPr>
+          <p:txBody>
+            <a:bodyPr wrap="square" lIns="0" tIns="0" rIns="0" bIns="0" rtlCol="0"/>
+            <a:lstStyle/>
+            <a:p>
+              <a:endParaRPr sz="2400"/>
+            </a:p>
+          </p:txBody>
+        </p:sp>
+        <p:sp>
+          <p:nvSpPr>
+            <p:cNvPr id="6" name="object 7">
+              <a:extLst>
+                <a:ext uri="{FF2B5EF4-FFF2-40B4-BE49-F238E27FC236}">
+                  <a16:creationId xmlns:a16="http://schemas.microsoft.com/office/drawing/2014/main" id="{7E1661FA-274A-1AA5-BF63-06E3EE3D6B73}"/>
+                </a:ext>
+              </a:extLst>
+            </p:cNvPr>
+            <p:cNvSpPr/>
+            <p:nvPr/>
+          </p:nvSpPr>
+          <p:spPr>
+            <a:xfrm>
+              <a:off x="156547" y="2437139"/>
+              <a:ext cx="4295140" cy="412750"/>
+            </a:xfrm>
+            <a:custGeom>
+              <a:avLst/>
+              <a:gdLst/>
+              <a:ahLst/>
+              <a:cxnLst/>
+              <a:rect l="l" t="t" r="r" b="b"/>
+              <a:pathLst>
+                <a:path w="4295140" h="412750">
+                  <a:moveTo>
+                    <a:pt x="4294965" y="0"/>
+                  </a:moveTo>
+                  <a:lnTo>
+                    <a:pt x="0" y="0"/>
+                  </a:lnTo>
+                  <a:lnTo>
+                    <a:pt x="0" y="376291"/>
+                  </a:lnTo>
+                  <a:lnTo>
+                    <a:pt x="2829" y="390304"/>
+                  </a:lnTo>
+                  <a:lnTo>
+                    <a:pt x="10544" y="401748"/>
+                  </a:lnTo>
+                  <a:lnTo>
+                    <a:pt x="21987" y="409463"/>
+                  </a:lnTo>
+                  <a:lnTo>
+                    <a:pt x="36000" y="412292"/>
+                  </a:lnTo>
+                  <a:lnTo>
+                    <a:pt x="4258964" y="412292"/>
+                  </a:lnTo>
+                  <a:lnTo>
+                    <a:pt x="4272977" y="409463"/>
+                  </a:lnTo>
+                  <a:lnTo>
+                    <a:pt x="4284420" y="401748"/>
+                  </a:lnTo>
+                  <a:lnTo>
+                    <a:pt x="4292136" y="390304"/>
+                  </a:lnTo>
+                  <a:lnTo>
+                    <a:pt x="4294965" y="376291"/>
+                  </a:lnTo>
+                  <a:lnTo>
+                    <a:pt x="4294965" y="0"/>
+                  </a:lnTo>
+                  <a:close/>
+                </a:path>
+              </a:pathLst>
+            </a:custGeom>
+            <a:solidFill>
+              <a:srgbClr val="F1FAF0"/>
+            </a:solidFill>
+          </p:spPr>
+          <p:txBody>
+            <a:bodyPr wrap="square" lIns="0" tIns="0" rIns="0" bIns="0" rtlCol="0"/>
+            <a:lstStyle/>
+            <a:p>
+              <a:endParaRPr sz="2400"/>
+            </a:p>
+          </p:txBody>
+        </p:sp>
+      </p:grpSp>
+      <p:sp>
+        <p:nvSpPr>
+          <p:cNvPr id="7" name="object 8">
+            <a:extLst>
+              <a:ext uri="{FF2B5EF4-FFF2-40B4-BE49-F238E27FC236}">
+                <a16:creationId xmlns:a16="http://schemas.microsoft.com/office/drawing/2014/main" id="{F619B091-DFEB-34EC-5DC5-6987EBDB0A29}"/>
+              </a:ext>
+            </a:extLst>
+          </p:cNvPr>
+          <p:cNvSpPr txBox="1"/>
+          <p:nvPr/>
+        </p:nvSpPr>
+        <p:spPr>
+          <a:xfrm>
+            <a:off x="3657027" y="479852"/>
+            <a:ext cx="7937275" cy="1572225"/>
+          </a:xfrm>
+          <a:prstGeom prst="rect">
+            <a:avLst/>
+          </a:prstGeom>
+        </p:spPr>
+        <p:txBody>
+          <a:bodyPr vert="horz" wrap="square" lIns="0" tIns="93980" rIns="0" bIns="0" rtlCol="0">
+            <a:spAutoFit/>
+          </a:bodyPr>
+          <a:lstStyle/>
+          <a:p>
+            <a:pPr marL="40640">
+              <a:lnSpc>
+                <a:spcPct val="100000"/>
+              </a:lnSpc>
+              <a:spcBef>
+                <a:spcPts val="740"/>
+              </a:spcBef>
+            </a:pPr>
+            <a:r>
+              <a:rPr sz="2400" dirty="0">
+                <a:latin typeface="Arial"/>
+                <a:cs typeface="Arial"/>
+              </a:rPr>
+              <a:t>Motivating</a:t>
+            </a:r>
+            <a:r>
+              <a:rPr sz="2400" spc="-50" dirty="0">
+                <a:latin typeface="Arial"/>
+                <a:cs typeface="Arial"/>
+              </a:rPr>
+              <a:t> </a:t>
+            </a:r>
+            <a:r>
+              <a:rPr sz="2400" spc="-10" dirty="0">
+                <a:latin typeface="Arial"/>
+                <a:cs typeface="Arial"/>
+              </a:rPr>
+              <a:t>Question</a:t>
+            </a:r>
+            <a:endParaRPr sz="2400" dirty="0">
+              <a:latin typeface="Arial"/>
+              <a:cs typeface="Arial"/>
+            </a:endParaRPr>
+          </a:p>
+          <a:p>
+            <a:r>
+              <a:rPr lang="en-US" sz="2400" dirty="0">
+                <a:effectLst/>
+                <a:latin typeface="Helvetica" pitchFamily="2" charset="0"/>
+              </a:rPr>
+              <a:t>How does the life expectancy in a US state</a:t>
+            </a:r>
+            <a:r>
+              <a:rPr lang="en-US" sz="2400" dirty="0">
+                <a:latin typeface="Helvetica" pitchFamily="2" charset="0"/>
+              </a:rPr>
+              <a:t> </a:t>
+            </a:r>
+            <a:r>
+              <a:rPr lang="en-US" sz="2400" dirty="0">
+                <a:effectLst/>
+                <a:latin typeface="Helvetica" pitchFamily="2" charset="0"/>
+              </a:rPr>
+              <a:t>associate with whether or not its average per-capita income is below the</a:t>
+            </a:r>
+            <a:r>
+              <a:rPr lang="en-US" sz="2400" dirty="0">
+                <a:latin typeface="Helvetica" pitchFamily="2" charset="0"/>
+              </a:rPr>
+              <a:t> </a:t>
+            </a:r>
+            <a:r>
+              <a:rPr lang="en-US" sz="2400" dirty="0">
+                <a:effectLst/>
+                <a:latin typeface="Helvetica" pitchFamily="2" charset="0"/>
+              </a:rPr>
+              <a:t>poverty threshold?</a:t>
+            </a:r>
+          </a:p>
+        </p:txBody>
+      </p:sp>
+      <p:pic>
+        <p:nvPicPr>
+          <p:cNvPr id="9" name="Picture 8" descr="A comparison of a diagram&#10;&#10;Description automatically generated with medium confidence">
+            <a:extLst>
+              <a:ext uri="{FF2B5EF4-FFF2-40B4-BE49-F238E27FC236}">
+                <a16:creationId xmlns:a16="http://schemas.microsoft.com/office/drawing/2014/main" id="{EA68E9F7-0CFB-BC4E-24AB-E835E4E8542C}"/>
+              </a:ext>
+            </a:extLst>
+          </p:cNvPr>
+          <p:cNvPicPr>
+            <a:picLocks noChangeAspect="1"/>
+          </p:cNvPicPr>
+          <p:nvPr/>
+        </p:nvPicPr>
+        <p:blipFill>
+          <a:blip r:embed="rId3"/>
+          <a:stretch>
+            <a:fillRect/>
+          </a:stretch>
+        </p:blipFill>
+        <p:spPr>
+          <a:xfrm>
+            <a:off x="2514113" y="2367285"/>
+            <a:ext cx="9677887" cy="3941809"/>
+          </a:xfrm>
+          <a:prstGeom prst="rect">
+            <a:avLst/>
+          </a:prstGeom>
+        </p:spPr>
+      </p:pic>
+      <p:sp>
+        <p:nvSpPr>
+          <p:cNvPr id="10" name="Rounded Rectangle 9">
+            <a:extLst>
+              <a:ext uri="{FF2B5EF4-FFF2-40B4-BE49-F238E27FC236}">
+                <a16:creationId xmlns:a16="http://schemas.microsoft.com/office/drawing/2014/main" id="{CF02E376-231D-4C55-1EEC-9DE2E080B943}"/>
+              </a:ext>
+            </a:extLst>
+          </p:cNvPr>
+          <p:cNvSpPr/>
+          <p:nvPr/>
+        </p:nvSpPr>
+        <p:spPr>
+          <a:xfrm>
+            <a:off x="131722" y="6099622"/>
+            <a:ext cx="3897838" cy="557052"/>
+          </a:xfrm>
+          <a:prstGeom prst="roundRect">
+            <a:avLst/>
+          </a:prstGeom>
+        </p:spPr>
+        <p:style>
+          <a:lnRef idx="2">
+            <a:schemeClr val="accent5">
+              <a:shade val="15000"/>
+            </a:schemeClr>
+          </a:lnRef>
+          <a:fillRef idx="1">
+            <a:schemeClr val="accent5"/>
+          </a:fillRef>
+          <a:effectRef idx="0">
+            <a:schemeClr val="accent5"/>
+          </a:effectRef>
+          <a:fontRef idx="minor">
+            <a:schemeClr val="lt1"/>
+          </a:fontRef>
+        </p:style>
+        <p:txBody>
+          <a:bodyPr rtlCol="0" anchor="ctr"/>
+          <a:lstStyle/>
+          <a:p>
+            <a:pPr marL="50800" marR="99695">
+              <a:lnSpc>
+                <a:spcPct val="102600"/>
+              </a:lnSpc>
+              <a:spcBef>
+                <a:spcPts val="55"/>
+              </a:spcBef>
+            </a:pPr>
+            <a:r>
+              <a:rPr lang="en-US" sz="2400" spc="-10" dirty="0">
+                <a:latin typeface="Arial"/>
+                <a:cs typeface="Arial"/>
+              </a:rPr>
+              <a:t>What is your hypothesis?</a:t>
+            </a:r>
+          </a:p>
+        </p:txBody>
+      </p:sp>
+    </p:spTree>
+    <p:extLst>
+      <p:ext uri="{BB962C8B-B14F-4D97-AF65-F5344CB8AC3E}">
+        <p14:creationId xmlns:p14="http://schemas.microsoft.com/office/powerpoint/2010/main" val="737110948"/>
+      </p:ext>
+    </p:extLst>
+  </p:cSld>
+  <p:clrMapOvr>
+    <a:masterClrMapping/>
+  </p:clrMapOvr>
+</p:sld>
+</file>
+
+<file path=ppt/slides/slide34.xml><?xml version="1.0" encoding="utf-8"?>
 <p:sld xmlns:a="http://schemas.openxmlformats.org/drawingml/2006/main" xmlns:r="http://schemas.openxmlformats.org/officeDocument/2006/relationships" xmlns:p="http://schemas.openxmlformats.org/presentationml/2006/main">
   <p:cSld>
     <p:spTree>
@@ -36250,8 +37549,8 @@
           </a:p>
         </p:txBody>
       </p:sp>
-      <mc:AlternateContent xmlns:mc="http://schemas.openxmlformats.org/markup-compatibility/2006">
-        <mc:Choice xmlns:a14="http://schemas.microsoft.com/office/drawing/2010/main" Requires="a14">
+      <mc:AlternateContent xmlns:mc="http://schemas.openxmlformats.org/markup-compatibility/2006" xmlns:a14="http://schemas.microsoft.com/office/drawing/2010/main">
+        <mc:Choice Requires="a14">
           <p:sp>
             <p:nvSpPr>
               <p:cNvPr id="3" name="object 3">
@@ -36757,7 +38056,7 @@
             </p:txBody>
           </p:sp>
         </mc:Choice>
-        <mc:Fallback>
+        <mc:Fallback xmlns="">
           <p:sp>
             <p:nvSpPr>
               <p:cNvPr id="3" name="object 3">
@@ -36815,7 +38114,7 @@
 </p:sld>
 </file>
 
-<file path=ppt/slides/slide34.xml><?xml version="1.0" encoding="utf-8"?>
+<file path=ppt/slides/slide35.xml><?xml version="1.0" encoding="utf-8"?>
 <p:sld xmlns:a="http://schemas.openxmlformats.org/drawingml/2006/main" xmlns:r="http://schemas.openxmlformats.org/officeDocument/2006/relationships" xmlns:p="http://schemas.openxmlformats.org/presentationml/2006/main">
   <p:cSld>
     <p:spTree>
@@ -36860,8 +38159,8 @@
           </a:p>
         </p:txBody>
       </p:sp>
-      <mc:AlternateContent xmlns:mc="http://schemas.openxmlformats.org/markup-compatibility/2006">
-        <mc:Choice xmlns:a14="http://schemas.microsoft.com/office/drawing/2010/main" Requires="a14">
+      <mc:AlternateContent xmlns:mc="http://schemas.openxmlformats.org/markup-compatibility/2006" xmlns:a14="http://schemas.microsoft.com/office/drawing/2010/main">
+        <mc:Choice Requires="a14">
           <p:sp>
             <p:nvSpPr>
               <p:cNvPr id="3" name="object 3">
@@ -37412,7 +38711,7 @@
             </p:txBody>
           </p:sp>
         </mc:Choice>
-        <mc:Fallback>
+        <mc:Fallback xmlns="">
           <p:sp>
             <p:nvSpPr>
               <p:cNvPr id="3" name="object 3">
@@ -37470,7 +38769,7 @@
 </p:sld>
 </file>
 
-<file path=ppt/slides/slide35.xml><?xml version="1.0" encoding="utf-8"?>
+<file path=ppt/slides/slide36.xml><?xml version="1.0" encoding="utf-8"?>
 <p:sld xmlns:a="http://schemas.openxmlformats.org/drawingml/2006/main" xmlns:r="http://schemas.openxmlformats.org/officeDocument/2006/relationships" xmlns:p="http://schemas.openxmlformats.org/presentationml/2006/main">
   <p:cSld>
     <p:spTree>
@@ -37515,8 +38814,8 @@
           </a:p>
         </p:txBody>
       </p:sp>
-      <mc:AlternateContent xmlns:mc="http://schemas.openxmlformats.org/markup-compatibility/2006">
-        <mc:Choice xmlns:a14="http://schemas.microsoft.com/office/drawing/2010/main" Requires="a14">
+      <mc:AlternateContent xmlns:mc="http://schemas.openxmlformats.org/markup-compatibility/2006" xmlns:a14="http://schemas.microsoft.com/office/drawing/2010/main">
+        <mc:Choice Requires="a14">
           <p:sp>
             <p:nvSpPr>
               <p:cNvPr id="3" name="object 3">
@@ -38072,7 +39371,7 @@
             </p:txBody>
           </p:sp>
         </mc:Choice>
-        <mc:Fallback>
+        <mc:Fallback xmlns="">
           <p:sp>
             <p:nvSpPr>
               <p:cNvPr id="3" name="object 3">
@@ -38130,7 +39429,7 @@
 </p:sld>
 </file>
 
-<file path=ppt/slides/slide36.xml><?xml version="1.0" encoding="utf-8"?>
+<file path=ppt/slides/slide37.xml><?xml version="1.0" encoding="utf-8"?>
 <p:sld xmlns:a="http://schemas.openxmlformats.org/drawingml/2006/main" xmlns:r="http://schemas.openxmlformats.org/officeDocument/2006/relationships" xmlns:p="http://schemas.openxmlformats.org/presentationml/2006/main">
   <p:cSld>
     <p:spTree>
@@ -38175,8 +39474,8 @@
           </a:p>
         </p:txBody>
       </p:sp>
-      <mc:AlternateContent xmlns:mc="http://schemas.openxmlformats.org/markup-compatibility/2006">
-        <mc:Choice xmlns:a14="http://schemas.microsoft.com/office/drawing/2010/main" Requires="a14">
+      <mc:AlternateContent xmlns:mc="http://schemas.openxmlformats.org/markup-compatibility/2006" xmlns:a14="http://schemas.microsoft.com/office/drawing/2010/main">
+        <mc:Choice Requires="a14">
           <p:sp>
             <p:nvSpPr>
               <p:cNvPr id="3" name="object 3">
@@ -38732,7 +40031,7 @@
             </p:txBody>
           </p:sp>
         </mc:Choice>
-        <mc:Fallback>
+        <mc:Fallback xmlns="">
           <p:sp>
             <p:nvSpPr>
               <p:cNvPr id="3" name="object 3">
@@ -38777,8 +40076,8 @@
           </p:sp>
         </mc:Fallback>
       </mc:AlternateContent>
-      <mc:AlternateContent xmlns:mc="http://schemas.openxmlformats.org/markup-compatibility/2006">
-        <mc:Choice xmlns:a14="http://schemas.microsoft.com/office/drawing/2010/main" Requires="a14">
+      <mc:AlternateContent xmlns:mc="http://schemas.openxmlformats.org/markup-compatibility/2006" xmlns:a14="http://schemas.microsoft.com/office/drawing/2010/main">
+        <mc:Choice Requires="a14">
           <p:sp>
             <p:nvSpPr>
               <p:cNvPr id="4" name="Rounded Rectangle 3">
@@ -38923,7 +40222,7 @@
             </p:txBody>
           </p:sp>
         </mc:Choice>
-        <mc:Fallback>
+        <mc:Fallback xmlns="">
           <p:sp>
             <p:nvSpPr>
               <p:cNvPr id="4" name="Rounded Rectangle 3">
@@ -38972,6 +40271,1435 @@
     <p:extLst>
       <p:ext uri="{BB962C8B-B14F-4D97-AF65-F5344CB8AC3E}">
         <p14:creationId xmlns:p14="http://schemas.microsoft.com/office/powerpoint/2010/main" val="754783143"/>
+      </p:ext>
+    </p:extLst>
+  </p:cSld>
+  <p:clrMapOvr>
+    <a:masterClrMapping/>
+  </p:clrMapOvr>
+</p:sld>
+</file>
+
+<file path=ppt/slides/slide38.xml><?xml version="1.0" encoding="utf-8"?>
+<p:sld xmlns:a="http://schemas.openxmlformats.org/drawingml/2006/main" xmlns:r="http://schemas.openxmlformats.org/officeDocument/2006/relationships" xmlns:p="http://schemas.openxmlformats.org/presentationml/2006/main">
+  <p:cSld>
+    <p:spTree>
+      <p:nvGrpSpPr>
+        <p:cNvPr id="1" name="">
+          <a:extLst>
+            <a:ext uri="{FF2B5EF4-FFF2-40B4-BE49-F238E27FC236}">
+              <a16:creationId xmlns:a16="http://schemas.microsoft.com/office/drawing/2014/main" id="{2650A234-B11C-A4BD-AB63-EE2A607BABB9}"/>
+            </a:ext>
+          </a:extLst>
+        </p:cNvPr>
+        <p:cNvGrpSpPr/>
+        <p:nvPr/>
+      </p:nvGrpSpPr>
+      <p:grpSpPr>
+        <a:xfrm>
+          <a:off x="0" y="0"/>
+          <a:ext cx="0" cy="0"/>
+          <a:chOff x="0" y="0"/>
+          <a:chExt cx="0" cy="0"/>
+        </a:xfrm>
+      </p:grpSpPr>
+      <p:sp>
+        <p:nvSpPr>
+          <p:cNvPr id="2" name="Title 1">
+            <a:extLst>
+              <a:ext uri="{FF2B5EF4-FFF2-40B4-BE49-F238E27FC236}">
+                <a16:creationId xmlns:a16="http://schemas.microsoft.com/office/drawing/2014/main" id="{46E09C70-6E59-ED5F-FC4C-2264EB71636A}"/>
+              </a:ext>
+            </a:extLst>
+          </p:cNvPr>
+          <p:cNvSpPr>
+            <a:spLocks noGrp="1"/>
+          </p:cNvSpPr>
+          <p:nvPr>
+            <p:ph type="title"/>
+          </p:nvPr>
+        </p:nvSpPr>
+        <p:spPr/>
+        <p:txBody>
+          <a:bodyPr/>
+          <a:lstStyle/>
+          <a:p>
+            <a:r>
+              <a:rPr lang="en-US" dirty="0"/>
+              <a:t>Binary Predictors</a:t>
+            </a:r>
+          </a:p>
+        </p:txBody>
+      </p:sp>
+      <mc:AlternateContent xmlns:mc="http://schemas.openxmlformats.org/markup-compatibility/2006">
+        <mc:Choice xmlns:a14="http://schemas.microsoft.com/office/drawing/2010/main" Requires="a14">
+          <p:sp>
+            <p:nvSpPr>
+              <p:cNvPr id="3" name="object 3">
+                <a:extLst>
+                  <a:ext uri="{FF2B5EF4-FFF2-40B4-BE49-F238E27FC236}">
+                    <a16:creationId xmlns:a16="http://schemas.microsoft.com/office/drawing/2014/main" id="{57F1F65D-30DB-CB2C-45E9-F16C395C21A3}"/>
+                  </a:ext>
+                </a:extLst>
+              </p:cNvPr>
+              <p:cNvSpPr txBox="1"/>
+              <p:nvPr/>
+            </p:nvSpPr>
+            <p:spPr>
+              <a:xfrm>
+                <a:off x="3765515" y="752421"/>
+                <a:ext cx="7960320" cy="1856021"/>
+              </a:xfrm>
+              <a:prstGeom prst="rect">
+                <a:avLst/>
+              </a:prstGeom>
+            </p:spPr>
+            <p:txBody>
+              <a:bodyPr vert="horz" wrap="square" lIns="0" tIns="6985" rIns="0" bIns="0" rtlCol="0">
+                <a:spAutoFit/>
+              </a:bodyPr>
+              <a:lstStyle/>
+              <a:p>
+                <a:pPr marL="50800" marR="99695">
+                  <a:lnSpc>
+                    <a:spcPct val="102600"/>
+                  </a:lnSpc>
+                  <a:spcBef>
+                    <a:spcPts val="55"/>
+                  </a:spcBef>
+                </a:pPr>
+                <a:endParaRPr lang="en-US" sz="2400" dirty="0">
+                  <a:latin typeface="Arial"/>
+                  <a:cs typeface="Arial"/>
+                </a:endParaRPr>
+              </a:p>
+              <a:p>
+                <a:pPr marL="50800" marR="99695">
+                  <a:lnSpc>
+                    <a:spcPct val="102600"/>
+                  </a:lnSpc>
+                  <a:spcBef>
+                    <a:spcPts val="55"/>
+                  </a:spcBef>
+                </a:pPr>
+                <a14:m>
+                  <m:oMathPara xmlns:m="http://schemas.openxmlformats.org/officeDocument/2006/math">
+                    <m:oMathParaPr>
+                      <m:jc m:val="centerGroup"/>
+                    </m:oMathParaPr>
+                    <m:oMath xmlns:m="http://schemas.openxmlformats.org/officeDocument/2006/math">
+                      <m:r>
+                        <a:rPr lang="en-US" sz="2000" b="0" i="1" smtClean="0">
+                          <a:latin typeface="Cambria Math" panose="02040503050406030204" pitchFamily="18" charset="0"/>
+                          <a:cs typeface="Arial"/>
+                        </a:rPr>
+                        <m:t>𝑝𝑜𝑣𝑒𝑟𝑡𝑦𝐿𝑖𝑛</m:t>
+                      </m:r>
+                      <m:sSub>
+                        <m:sSubPr>
+                          <m:ctrlPr>
+                            <a:rPr lang="en-US" sz="2000" b="0" i="1" smtClean="0">
+                              <a:latin typeface="Cambria Math" panose="02040503050406030204" pitchFamily="18" charset="0"/>
+                              <a:cs typeface="Arial"/>
+                            </a:rPr>
+                          </m:ctrlPr>
+                        </m:sSubPr>
+                        <m:e>
+                          <m:r>
+                            <a:rPr lang="en-US" sz="2000" b="0" i="1" smtClean="0">
+                              <a:latin typeface="Cambria Math" panose="02040503050406030204" pitchFamily="18" charset="0"/>
+                              <a:cs typeface="Arial"/>
+                            </a:rPr>
+                            <m:t>𝑒</m:t>
+                          </m:r>
+                        </m:e>
+                        <m:sub>
+                          <m:r>
+                            <a:rPr lang="en-US" sz="2000" b="0" i="1" smtClean="0">
+                              <a:latin typeface="Cambria Math" panose="02040503050406030204" pitchFamily="18" charset="0"/>
+                              <a:cs typeface="Arial"/>
+                            </a:rPr>
+                            <m:t>𝑖</m:t>
+                          </m:r>
+                        </m:sub>
+                      </m:sSub>
+                      <m:r>
+                        <a:rPr lang="en-US" sz="2000" b="0" i="1" smtClean="0">
+                          <a:latin typeface="Cambria Math" panose="02040503050406030204" pitchFamily="18" charset="0"/>
+                          <a:cs typeface="Arial"/>
+                        </a:rPr>
+                        <m:t>= </m:t>
+                      </m:r>
+                      <m:d>
+                        <m:dPr>
+                          <m:begChr m:val="{"/>
+                          <m:endChr m:val=""/>
+                          <m:ctrlPr>
+                            <a:rPr lang="en-US" sz="2000" i="1" smtClean="0">
+                              <a:latin typeface="Cambria Math" panose="02040503050406030204" pitchFamily="18" charset="0"/>
+                              <a:cs typeface="Arial"/>
+                            </a:rPr>
+                          </m:ctrlPr>
+                        </m:dPr>
+                        <m:e>
+                          <m:eqArr>
+                            <m:eqArrPr>
+                              <m:ctrlPr>
+                                <a:rPr lang="en-US" sz="2000" i="1" smtClean="0">
+                                  <a:latin typeface="Cambria Math" panose="02040503050406030204" pitchFamily="18" charset="0"/>
+                                  <a:cs typeface="Arial"/>
+                                </a:rPr>
+                              </m:ctrlPr>
+                            </m:eqArrPr>
+                            <m:e>
+                              <m:r>
+                                <a:rPr lang="en-US" sz="2000" b="0" i="1" smtClean="0">
+                                  <a:latin typeface="Cambria Math" panose="02040503050406030204" pitchFamily="18" charset="0"/>
+                                  <a:cs typeface="Arial"/>
+                                </a:rPr>
+                                <m:t>1 </m:t>
+                              </m:r>
+                              <m:r>
+                                <a:rPr lang="en-US" sz="2000" b="0" i="1" smtClean="0">
+                                  <a:latin typeface="Cambria Math" panose="02040503050406030204" pitchFamily="18" charset="0"/>
+                                  <a:cs typeface="Arial"/>
+                                </a:rPr>
+                                <m:t>𝑖𝑓</m:t>
+                              </m:r>
+                              <m:r>
+                                <a:rPr lang="en-US" sz="2000" b="0" i="1" smtClean="0">
+                                  <a:latin typeface="Cambria Math" panose="02040503050406030204" pitchFamily="18" charset="0"/>
+                                  <a:cs typeface="Arial"/>
+                                </a:rPr>
+                                <m:t> </m:t>
+                              </m:r>
+                              <m:r>
+                                <a:rPr lang="en-US" sz="2000" b="0" i="1" smtClean="0">
+                                  <a:latin typeface="Cambria Math" panose="02040503050406030204" pitchFamily="18" charset="0"/>
+                                  <a:cs typeface="Arial"/>
+                                </a:rPr>
+                                <m:t>𝑠𝑡𝑎𝑡𝑒</m:t>
+                              </m:r>
+                              <m:r>
+                                <a:rPr lang="en-US" sz="2000" b="0" i="1" smtClean="0">
+                                  <a:latin typeface="Cambria Math" panose="02040503050406030204" pitchFamily="18" charset="0"/>
+                                  <a:cs typeface="Arial"/>
+                                </a:rPr>
+                                <m:t> </m:t>
+                              </m:r>
+                              <m:r>
+                                <a:rPr lang="en-US" sz="2000" b="0" i="1" smtClean="0">
+                                  <a:latin typeface="Cambria Math" panose="02040503050406030204" pitchFamily="18" charset="0"/>
+                                  <a:cs typeface="Arial"/>
+                                </a:rPr>
+                                <m:t>𝑖</m:t>
+                              </m:r>
+                              <m:r>
+                                <a:rPr lang="en-US" sz="2000" b="0" i="1" smtClean="0">
+                                  <a:latin typeface="Cambria Math" panose="02040503050406030204" pitchFamily="18" charset="0"/>
+                                  <a:cs typeface="Arial"/>
+                                </a:rPr>
+                                <m:t> </m:t>
+                              </m:r>
+                              <m:r>
+                                <a:rPr lang="en-US" sz="2000" b="0" i="1" smtClean="0">
+                                  <a:latin typeface="Cambria Math" panose="02040503050406030204" pitchFamily="18" charset="0"/>
+                                  <a:cs typeface="Arial"/>
+                                </a:rPr>
+                                <m:t>h𝑎𝑠</m:t>
+                              </m:r>
+                              <m:r>
+                                <a:rPr lang="en-US" sz="2000" b="0" i="1" smtClean="0">
+                                  <a:latin typeface="Cambria Math" panose="02040503050406030204" pitchFamily="18" charset="0"/>
+                                  <a:cs typeface="Arial"/>
+                                </a:rPr>
+                                <m:t> </m:t>
+                              </m:r>
+                              <m:r>
+                                <a:rPr lang="en-US" sz="2000" b="0" i="1" smtClean="0">
+                                  <a:latin typeface="Cambria Math" panose="02040503050406030204" pitchFamily="18" charset="0"/>
+                                  <a:cs typeface="Arial"/>
+                                </a:rPr>
+                                <m:t>𝑝𝑒𝑟𝑐𝑎𝑝𝑖𝑡𝑎</m:t>
+                              </m:r>
+                              <m:r>
+                                <a:rPr lang="en-US" sz="2000" b="0" i="1" smtClean="0">
+                                  <a:latin typeface="Cambria Math" panose="02040503050406030204" pitchFamily="18" charset="0"/>
+                                  <a:cs typeface="Arial"/>
+                                </a:rPr>
+                                <m:t> </m:t>
+                              </m:r>
+                              <m:r>
+                                <a:rPr lang="en-US" sz="2000" b="0" i="1" smtClean="0">
+                                  <a:latin typeface="Cambria Math" panose="02040503050406030204" pitchFamily="18" charset="0"/>
+                                  <a:cs typeface="Arial"/>
+                                </a:rPr>
+                                <m:t>𝑖𝑛𝑐𝑜𝑚𝑒</m:t>
+                              </m:r>
+                              <m:r>
+                                <a:rPr lang="en-US" sz="2000" b="0" i="1" smtClean="0">
+                                  <a:latin typeface="Cambria Math" panose="02040503050406030204" pitchFamily="18" charset="0"/>
+                                  <a:cs typeface="Arial"/>
+                                </a:rPr>
+                                <m:t> </m:t>
+                              </m:r>
+                              <m:r>
+                                <a:rPr lang="en-US" sz="2000" b="0" i="1" smtClean="0">
+                                  <a:latin typeface="Cambria Math" panose="02040503050406030204" pitchFamily="18" charset="0"/>
+                                  <a:cs typeface="Arial"/>
+                                </a:rPr>
+                                <m:t>𝑎𝑏𝑜𝑣𝑒</m:t>
+                              </m:r>
+                              <m:r>
+                                <a:rPr lang="en-US" sz="2000" b="0" i="1" smtClean="0">
+                                  <a:latin typeface="Cambria Math" panose="02040503050406030204" pitchFamily="18" charset="0"/>
+                                  <a:cs typeface="Arial"/>
+                                </a:rPr>
+                                <m:t> </m:t>
+                              </m:r>
+                              <m:r>
+                                <a:rPr lang="en-US" sz="2000" b="0" i="1" smtClean="0">
+                                  <a:latin typeface="Cambria Math" panose="02040503050406030204" pitchFamily="18" charset="0"/>
+                                  <a:cs typeface="Arial"/>
+                                </a:rPr>
+                                <m:t>𝑝𝑜𝑣𝑒𝑟𝑦</m:t>
+                              </m:r>
+                              <m:r>
+                                <a:rPr lang="en-US" sz="2000" b="0" i="1" smtClean="0">
+                                  <a:latin typeface="Cambria Math" panose="02040503050406030204" pitchFamily="18" charset="0"/>
+                                  <a:cs typeface="Arial"/>
+                                </a:rPr>
+                                <m:t> </m:t>
+                              </m:r>
+                              <m:r>
+                                <a:rPr lang="en-US" sz="2000" b="0" i="1" smtClean="0">
+                                  <a:latin typeface="Cambria Math" panose="02040503050406030204" pitchFamily="18" charset="0"/>
+                                  <a:cs typeface="Arial"/>
+                                </a:rPr>
+                                <m:t>𝑙𝑖𝑛𝑒</m:t>
+                              </m:r>
+                            </m:e>
+                            <m:e>
+                              <m:r>
+                                <a:rPr lang="en-US" sz="2000" b="0" i="1" smtClean="0">
+                                  <a:latin typeface="Cambria Math" panose="02040503050406030204" pitchFamily="18" charset="0"/>
+                                  <a:cs typeface="Arial"/>
+                                </a:rPr>
+                                <m:t>0</m:t>
+                              </m:r>
+                              <m:r>
+                                <a:rPr lang="en-US" sz="2000" i="1">
+                                  <a:latin typeface="Cambria Math" panose="02040503050406030204" pitchFamily="18" charset="0"/>
+                                  <a:cs typeface="Arial"/>
+                                </a:rPr>
+                                <m:t> </m:t>
+                              </m:r>
+                              <m:r>
+                                <a:rPr lang="en-US" sz="2000" i="1">
+                                  <a:latin typeface="Cambria Math" panose="02040503050406030204" pitchFamily="18" charset="0"/>
+                                  <a:cs typeface="Arial"/>
+                                </a:rPr>
+                                <m:t>𝑖𝑓</m:t>
+                              </m:r>
+                              <m:r>
+                                <a:rPr lang="en-US" sz="2000" i="1">
+                                  <a:latin typeface="Cambria Math" panose="02040503050406030204" pitchFamily="18" charset="0"/>
+                                  <a:cs typeface="Arial"/>
+                                </a:rPr>
+                                <m:t> </m:t>
+                              </m:r>
+                              <m:r>
+                                <a:rPr lang="en-US" sz="2000" i="1">
+                                  <a:latin typeface="Cambria Math" panose="02040503050406030204" pitchFamily="18" charset="0"/>
+                                  <a:cs typeface="Arial"/>
+                                </a:rPr>
+                                <m:t>𝑠𝑡𝑎𝑡𝑒</m:t>
+                              </m:r>
+                              <m:r>
+                                <a:rPr lang="en-US" sz="2000" i="1">
+                                  <a:latin typeface="Cambria Math" panose="02040503050406030204" pitchFamily="18" charset="0"/>
+                                  <a:cs typeface="Arial"/>
+                                </a:rPr>
+                                <m:t> </m:t>
+                              </m:r>
+                              <m:r>
+                                <a:rPr lang="en-US" sz="2000" i="1">
+                                  <a:latin typeface="Cambria Math" panose="02040503050406030204" pitchFamily="18" charset="0"/>
+                                  <a:cs typeface="Arial"/>
+                                </a:rPr>
+                                <m:t>𝑖</m:t>
+                              </m:r>
+                              <m:r>
+                                <a:rPr lang="en-US" sz="2000" i="1">
+                                  <a:latin typeface="Cambria Math" panose="02040503050406030204" pitchFamily="18" charset="0"/>
+                                  <a:cs typeface="Arial"/>
+                                </a:rPr>
+                                <m:t> </m:t>
+                              </m:r>
+                              <m:r>
+                                <a:rPr lang="en-US" sz="2000" i="1">
+                                  <a:latin typeface="Cambria Math" panose="02040503050406030204" pitchFamily="18" charset="0"/>
+                                  <a:cs typeface="Arial"/>
+                                </a:rPr>
+                                <m:t>h𝑎𝑠</m:t>
+                              </m:r>
+                              <m:r>
+                                <a:rPr lang="en-US" sz="2000" i="1">
+                                  <a:latin typeface="Cambria Math" panose="02040503050406030204" pitchFamily="18" charset="0"/>
+                                  <a:cs typeface="Arial"/>
+                                </a:rPr>
+                                <m:t> </m:t>
+                              </m:r>
+                              <m:r>
+                                <a:rPr lang="en-US" sz="2000" i="1">
+                                  <a:latin typeface="Cambria Math" panose="02040503050406030204" pitchFamily="18" charset="0"/>
+                                  <a:cs typeface="Arial"/>
+                                </a:rPr>
+                                <m:t>𝑝𝑒𝑟𝑐𝑎𝑝𝑖𝑡𝑎</m:t>
+                              </m:r>
+                              <m:r>
+                                <a:rPr lang="en-US" sz="2000" i="1">
+                                  <a:latin typeface="Cambria Math" panose="02040503050406030204" pitchFamily="18" charset="0"/>
+                                  <a:cs typeface="Arial"/>
+                                </a:rPr>
+                                <m:t> </m:t>
+                              </m:r>
+                              <m:r>
+                                <a:rPr lang="en-US" sz="2000" i="1">
+                                  <a:latin typeface="Cambria Math" panose="02040503050406030204" pitchFamily="18" charset="0"/>
+                                  <a:cs typeface="Arial"/>
+                                </a:rPr>
+                                <m:t>𝑖𝑛𝑐𝑜𝑚𝑒</m:t>
+                              </m:r>
+                              <m:r>
+                                <a:rPr lang="en-US" sz="2000" i="1">
+                                  <a:latin typeface="Cambria Math" panose="02040503050406030204" pitchFamily="18" charset="0"/>
+                                  <a:cs typeface="Arial"/>
+                                </a:rPr>
+                                <m:t> </m:t>
+                              </m:r>
+                              <m:r>
+                                <a:rPr lang="en-US" sz="2000" b="0" i="1" smtClean="0">
+                                  <a:latin typeface="Cambria Math" panose="02040503050406030204" pitchFamily="18" charset="0"/>
+                                  <a:cs typeface="Arial"/>
+                                </a:rPr>
+                                <m:t>𝑏𝑒𝑙𝑜𝑤</m:t>
+                              </m:r>
+                              <m:r>
+                                <a:rPr lang="en-US" sz="2000" i="1">
+                                  <a:latin typeface="Cambria Math" panose="02040503050406030204" pitchFamily="18" charset="0"/>
+                                  <a:cs typeface="Arial"/>
+                                </a:rPr>
+                                <m:t> </m:t>
+                              </m:r>
+                              <m:r>
+                                <a:rPr lang="en-US" sz="2000" i="1">
+                                  <a:latin typeface="Cambria Math" panose="02040503050406030204" pitchFamily="18" charset="0"/>
+                                  <a:cs typeface="Arial"/>
+                                </a:rPr>
+                                <m:t>𝑝𝑜𝑣𝑒𝑟𝑦</m:t>
+                              </m:r>
+                              <m:r>
+                                <a:rPr lang="en-US" sz="2000" i="1">
+                                  <a:latin typeface="Cambria Math" panose="02040503050406030204" pitchFamily="18" charset="0"/>
+                                  <a:cs typeface="Arial"/>
+                                </a:rPr>
+                                <m:t> </m:t>
+                              </m:r>
+                              <m:r>
+                                <a:rPr lang="en-US" sz="2000" i="1">
+                                  <a:latin typeface="Cambria Math" panose="02040503050406030204" pitchFamily="18" charset="0"/>
+                                  <a:cs typeface="Arial"/>
+                                </a:rPr>
+                                <m:t>𝑙𝑖𝑛𝑒</m:t>
+                              </m:r>
+                            </m:e>
+                          </m:eqArr>
+                        </m:e>
+                      </m:d>
+                    </m:oMath>
+                  </m:oMathPara>
+                </a14:m>
+                <a:endParaRPr lang="en-US" sz="2400" dirty="0">
+                  <a:latin typeface="Arial"/>
+                  <a:cs typeface="Arial"/>
+                </a:endParaRPr>
+              </a:p>
+              <a:p>
+                <a:pPr marL="50800" marR="99695">
+                  <a:lnSpc>
+                    <a:spcPct val="102600"/>
+                  </a:lnSpc>
+                  <a:spcBef>
+                    <a:spcPts val="55"/>
+                  </a:spcBef>
+                </a:pPr>
+                <a:endParaRPr lang="en-US" sz="2400" dirty="0">
+                  <a:latin typeface="Arial"/>
+                  <a:cs typeface="Arial"/>
+                </a:endParaRPr>
+              </a:p>
+              <a:p>
+                <a:pPr marL="50800" marR="99695">
+                  <a:lnSpc>
+                    <a:spcPct val="102600"/>
+                  </a:lnSpc>
+                  <a:spcBef>
+                    <a:spcPts val="55"/>
+                  </a:spcBef>
+                </a:pPr>
+                <a14:m>
+                  <m:oMathPara xmlns:m="http://schemas.openxmlformats.org/officeDocument/2006/math">
+                    <m:oMathParaPr>
+                      <m:jc m:val="centerGroup"/>
+                    </m:oMathParaPr>
+                    <m:oMath xmlns:m="http://schemas.openxmlformats.org/officeDocument/2006/math">
+                      <m:r>
+                        <a:rPr lang="en-US" sz="2400" b="0" i="1" spc="-10" smtClean="0">
+                          <a:latin typeface="Cambria Math" panose="02040503050406030204" pitchFamily="18" charset="0"/>
+                          <a:cs typeface="Arial"/>
+                        </a:rPr>
+                        <m:t>𝑙𝑖𝑓𝑒𝐸𝑥𝑝</m:t>
+                      </m:r>
+                      <m:r>
+                        <a:rPr lang="en-US" sz="2400" b="0" i="1" spc="-10" smtClean="0">
+                          <a:latin typeface="Cambria Math" panose="02040503050406030204" pitchFamily="18" charset="0"/>
+                          <a:cs typeface="Arial"/>
+                        </a:rPr>
+                        <m:t>= </m:t>
+                      </m:r>
+                      <m:sSub>
+                        <m:sSubPr>
+                          <m:ctrlPr>
+                            <a:rPr lang="en-US" sz="2400" b="0" i="1" spc="-10" smtClean="0">
+                              <a:latin typeface="Cambria Math" panose="02040503050406030204" pitchFamily="18" charset="0"/>
+                              <a:ea typeface="Cambria Math" panose="02040503050406030204" pitchFamily="18" charset="0"/>
+                              <a:cs typeface="Arial"/>
+                            </a:rPr>
+                          </m:ctrlPr>
+                        </m:sSubPr>
+                        <m:e>
+                          <m:r>
+                            <a:rPr lang="en-US" sz="2400" b="0" i="1" spc="-10" smtClean="0">
+                              <a:latin typeface="Cambria Math" panose="02040503050406030204" pitchFamily="18" charset="0"/>
+                              <a:ea typeface="Cambria Math" panose="02040503050406030204" pitchFamily="18" charset="0"/>
+                              <a:cs typeface="Arial"/>
+                            </a:rPr>
+                            <m:t>𝛽</m:t>
+                          </m:r>
+                        </m:e>
+                        <m:sub>
+                          <m:r>
+                            <a:rPr lang="en-US" sz="2400" b="0" i="1" spc="-10" smtClean="0">
+                              <a:latin typeface="Cambria Math" panose="02040503050406030204" pitchFamily="18" charset="0"/>
+                              <a:ea typeface="Cambria Math" panose="02040503050406030204" pitchFamily="18" charset="0"/>
+                              <a:cs typeface="Arial"/>
+                            </a:rPr>
+                            <m:t>0</m:t>
+                          </m:r>
+                        </m:sub>
+                      </m:sSub>
+                      <m:r>
+                        <a:rPr lang="en-US" sz="2400" b="0" i="1" spc="-10" smtClean="0">
+                          <a:latin typeface="Cambria Math" panose="02040503050406030204" pitchFamily="18" charset="0"/>
+                          <a:ea typeface="Cambria Math" panose="02040503050406030204" pitchFamily="18" charset="0"/>
+                          <a:cs typeface="Arial"/>
+                        </a:rPr>
+                        <m:t>+ </m:t>
+                      </m:r>
+                      <m:sSub>
+                        <m:sSubPr>
+                          <m:ctrlPr>
+                            <a:rPr lang="en-US" sz="2400" b="0" i="1" spc="-10" smtClean="0">
+                              <a:latin typeface="Cambria Math" panose="02040503050406030204" pitchFamily="18" charset="0"/>
+                              <a:ea typeface="Cambria Math" panose="02040503050406030204" pitchFamily="18" charset="0"/>
+                              <a:cs typeface="Arial"/>
+                            </a:rPr>
+                          </m:ctrlPr>
+                        </m:sSubPr>
+                        <m:e>
+                          <m:r>
+                            <a:rPr lang="en-US" sz="2400" b="0" i="1" spc="-10" smtClean="0">
+                              <a:latin typeface="Cambria Math" panose="02040503050406030204" pitchFamily="18" charset="0"/>
+                              <a:ea typeface="Cambria Math" panose="02040503050406030204" pitchFamily="18" charset="0"/>
+                              <a:cs typeface="Arial"/>
+                            </a:rPr>
+                            <m:t>𝛽</m:t>
+                          </m:r>
+                        </m:e>
+                        <m:sub>
+                          <m:r>
+                            <a:rPr lang="en-US" sz="2400" b="0" i="1" spc="-10" smtClean="0">
+                              <a:latin typeface="Cambria Math" panose="02040503050406030204" pitchFamily="18" charset="0"/>
+                              <a:ea typeface="Cambria Math" panose="02040503050406030204" pitchFamily="18" charset="0"/>
+                              <a:cs typeface="Arial"/>
+                            </a:rPr>
+                            <m:t>1</m:t>
+                          </m:r>
+                        </m:sub>
+                      </m:sSub>
+                      <m:r>
+                        <a:rPr lang="en-US" sz="2400" b="0" i="1" spc="-10" smtClean="0">
+                          <a:latin typeface="Cambria Math" panose="02040503050406030204" pitchFamily="18" charset="0"/>
+                          <a:ea typeface="Cambria Math" panose="02040503050406030204" pitchFamily="18" charset="0"/>
+                          <a:cs typeface="Arial"/>
+                        </a:rPr>
+                        <m:t>𝑝𝑜𝑣𝑒𝑟𝑡𝑦𝐿𝑖𝑛𝑒</m:t>
+                      </m:r>
+                    </m:oMath>
+                  </m:oMathPara>
+                </a14:m>
+                <a:endParaRPr lang="en-US" sz="2400" spc="-10" dirty="0">
+                  <a:latin typeface="Arial"/>
+                  <a:cs typeface="Arial"/>
+                </a:endParaRPr>
+              </a:p>
+            </p:txBody>
+          </p:sp>
+        </mc:Choice>
+        <mc:Fallback>
+          <p:sp>
+            <p:nvSpPr>
+              <p:cNvPr id="3" name="object 3">
+                <a:extLst>
+                  <a:ext uri="{FF2B5EF4-FFF2-40B4-BE49-F238E27FC236}">
+                    <a16:creationId xmlns:a16="http://schemas.microsoft.com/office/drawing/2014/main" id="{57F1F65D-30DB-CB2C-45E9-F16C395C21A3}"/>
+                  </a:ext>
+                </a:extLst>
+              </p:cNvPr>
+              <p:cNvSpPr txBox="1">
+                <a:spLocks noRot="1" noChangeAspect="1" noMove="1" noResize="1" noEditPoints="1" noAdjustHandles="1" noChangeArrowheads="1" noChangeShapeType="1" noTextEdit="1"/>
+              </p:cNvSpPr>
+              <p:nvPr/>
+            </p:nvSpPr>
+            <p:spPr>
+              <a:xfrm>
+                <a:off x="3765515" y="752421"/>
+                <a:ext cx="7960320" cy="1856021"/>
+              </a:xfrm>
+              <a:prstGeom prst="rect">
+                <a:avLst/>
+              </a:prstGeom>
+              <a:blipFill>
+                <a:blip r:embed="rId3"/>
+                <a:stretch>
+                  <a:fillRect l="-796" t="-63265" b="-80272"/>
+                </a:stretch>
+              </a:blipFill>
+            </p:spPr>
+            <p:txBody>
+              <a:bodyPr/>
+              <a:lstStyle/>
+              <a:p>
+                <a:r>
+                  <a:rPr lang="en-US">
+                    <a:noFill/>
+                  </a:rPr>
+                  <a:t> </a:t>
+                </a:r>
+              </a:p>
+            </p:txBody>
+          </p:sp>
+        </mc:Fallback>
+      </mc:AlternateContent>
+      <p:pic>
+        <p:nvPicPr>
+          <p:cNvPr id="6" name="Picture 5" descr="A graph with numbers and lines&#10;&#10;Description automatically generated">
+            <a:extLst>
+              <a:ext uri="{FF2B5EF4-FFF2-40B4-BE49-F238E27FC236}">
+                <a16:creationId xmlns:a16="http://schemas.microsoft.com/office/drawing/2014/main" id="{6EDDEE15-57EB-0A21-81B6-72E17EAE1085}"/>
+              </a:ext>
+            </a:extLst>
+          </p:cNvPr>
+          <p:cNvPicPr>
+            <a:picLocks noChangeAspect="1"/>
+          </p:cNvPicPr>
+          <p:nvPr/>
+        </p:nvPicPr>
+        <p:blipFill>
+          <a:blip r:embed="rId4"/>
+          <a:stretch>
+            <a:fillRect/>
+          </a:stretch>
+        </p:blipFill>
+        <p:spPr>
+          <a:xfrm>
+            <a:off x="5003985" y="2736611"/>
+            <a:ext cx="5247972" cy="4112501"/>
+          </a:xfrm>
+          <a:prstGeom prst="rect">
+            <a:avLst/>
+          </a:prstGeom>
+        </p:spPr>
+      </p:pic>
+    </p:spTree>
+    <p:extLst>
+      <p:ext uri="{BB962C8B-B14F-4D97-AF65-F5344CB8AC3E}">
+        <p14:creationId xmlns:p14="http://schemas.microsoft.com/office/powerpoint/2010/main" val="3339163492"/>
+      </p:ext>
+    </p:extLst>
+  </p:cSld>
+  <p:clrMapOvr>
+    <a:masterClrMapping/>
+  </p:clrMapOvr>
+</p:sld>
+</file>
+
+<file path=ppt/slides/slide39.xml><?xml version="1.0" encoding="utf-8"?>
+<p:sld xmlns:a="http://schemas.openxmlformats.org/drawingml/2006/main" xmlns:r="http://schemas.openxmlformats.org/officeDocument/2006/relationships" xmlns:p="http://schemas.openxmlformats.org/presentationml/2006/main">
+  <p:cSld>
+    <p:spTree>
+      <p:nvGrpSpPr>
+        <p:cNvPr id="1" name="">
+          <a:extLst>
+            <a:ext uri="{FF2B5EF4-FFF2-40B4-BE49-F238E27FC236}">
+              <a16:creationId xmlns:a16="http://schemas.microsoft.com/office/drawing/2014/main" id="{1C985A25-9C13-52B0-144E-1B1FCAC35D48}"/>
+            </a:ext>
+          </a:extLst>
+        </p:cNvPr>
+        <p:cNvGrpSpPr/>
+        <p:nvPr/>
+      </p:nvGrpSpPr>
+      <p:grpSpPr>
+        <a:xfrm>
+          <a:off x="0" y="0"/>
+          <a:ext cx="0" cy="0"/>
+          <a:chOff x="0" y="0"/>
+          <a:chExt cx="0" cy="0"/>
+        </a:xfrm>
+      </p:grpSpPr>
+      <p:sp>
+        <p:nvSpPr>
+          <p:cNvPr id="2" name="Title 1">
+            <a:extLst>
+              <a:ext uri="{FF2B5EF4-FFF2-40B4-BE49-F238E27FC236}">
+                <a16:creationId xmlns:a16="http://schemas.microsoft.com/office/drawing/2014/main" id="{8BDE9A07-4E12-CF13-F7BA-382F26B9AC43}"/>
+              </a:ext>
+            </a:extLst>
+          </p:cNvPr>
+          <p:cNvSpPr>
+            <a:spLocks noGrp="1"/>
+          </p:cNvSpPr>
+          <p:nvPr>
+            <p:ph type="title"/>
+          </p:nvPr>
+        </p:nvSpPr>
+        <p:spPr/>
+        <p:txBody>
+          <a:bodyPr/>
+          <a:lstStyle/>
+          <a:p>
+            <a:r>
+              <a:rPr lang="en-US" dirty="0"/>
+              <a:t>Binary Predictors</a:t>
+            </a:r>
+          </a:p>
+        </p:txBody>
+      </p:sp>
+      <mc:AlternateContent xmlns:mc="http://schemas.openxmlformats.org/markup-compatibility/2006">
+        <mc:Choice xmlns:a14="http://schemas.microsoft.com/office/drawing/2010/main" Requires="a14">
+          <p:sp>
+            <p:nvSpPr>
+              <p:cNvPr id="3" name="object 3">
+                <a:extLst>
+                  <a:ext uri="{FF2B5EF4-FFF2-40B4-BE49-F238E27FC236}">
+                    <a16:creationId xmlns:a16="http://schemas.microsoft.com/office/drawing/2014/main" id="{E9537C4E-D6C3-467F-1BE5-93EB3F90B887}"/>
+                  </a:ext>
+                </a:extLst>
+              </p:cNvPr>
+              <p:cNvSpPr txBox="1"/>
+              <p:nvPr/>
+            </p:nvSpPr>
+            <p:spPr>
+              <a:xfrm>
+                <a:off x="3647811" y="195826"/>
+                <a:ext cx="7960320" cy="1913729"/>
+              </a:xfrm>
+              <a:prstGeom prst="rect">
+                <a:avLst/>
+              </a:prstGeom>
+            </p:spPr>
+            <p:txBody>
+              <a:bodyPr vert="horz" wrap="square" lIns="0" tIns="6985" rIns="0" bIns="0" rtlCol="0">
+                <a:spAutoFit/>
+              </a:bodyPr>
+              <a:lstStyle/>
+              <a:p>
+                <a:pPr marL="50800" marR="99695">
+                  <a:lnSpc>
+                    <a:spcPct val="102600"/>
+                  </a:lnSpc>
+                  <a:spcBef>
+                    <a:spcPts val="55"/>
+                  </a:spcBef>
+                </a:pPr>
+                <a:endParaRPr lang="en-US" sz="2400" dirty="0">
+                  <a:latin typeface="Arial"/>
+                  <a:cs typeface="Arial"/>
+                </a:endParaRPr>
+              </a:p>
+              <a:p>
+                <a:pPr marL="50800" marR="99695">
+                  <a:lnSpc>
+                    <a:spcPct val="102600"/>
+                  </a:lnSpc>
+                  <a:spcBef>
+                    <a:spcPts val="55"/>
+                  </a:spcBef>
+                </a:pPr>
+                <a14:m>
+                  <m:oMathPara xmlns:m="http://schemas.openxmlformats.org/officeDocument/2006/math">
+                    <m:oMathParaPr>
+                      <m:jc m:val="centerGroup"/>
+                    </m:oMathParaPr>
+                    <m:oMath xmlns:m="http://schemas.openxmlformats.org/officeDocument/2006/math">
+                      <m:r>
+                        <a:rPr lang="en-US" sz="2000" b="0" i="1" smtClean="0">
+                          <a:latin typeface="Cambria Math" panose="02040503050406030204" pitchFamily="18" charset="0"/>
+                          <a:cs typeface="Arial"/>
+                        </a:rPr>
+                        <m:t>𝑝𝑜𝑣𝑒𝑟𝑡𝑦𝐿𝑖𝑛</m:t>
+                      </m:r>
+                      <m:sSub>
+                        <m:sSubPr>
+                          <m:ctrlPr>
+                            <a:rPr lang="en-US" sz="2000" b="0" i="1" smtClean="0">
+                              <a:latin typeface="Cambria Math" panose="02040503050406030204" pitchFamily="18" charset="0"/>
+                              <a:cs typeface="Arial"/>
+                            </a:rPr>
+                          </m:ctrlPr>
+                        </m:sSubPr>
+                        <m:e>
+                          <m:r>
+                            <a:rPr lang="en-US" sz="2000" b="0" i="1" smtClean="0">
+                              <a:latin typeface="Cambria Math" panose="02040503050406030204" pitchFamily="18" charset="0"/>
+                              <a:cs typeface="Arial"/>
+                            </a:rPr>
+                            <m:t>𝑒</m:t>
+                          </m:r>
+                        </m:e>
+                        <m:sub>
+                          <m:r>
+                            <a:rPr lang="en-US" sz="2000" b="0" i="1" smtClean="0">
+                              <a:latin typeface="Cambria Math" panose="02040503050406030204" pitchFamily="18" charset="0"/>
+                              <a:cs typeface="Arial"/>
+                            </a:rPr>
+                            <m:t>𝑖</m:t>
+                          </m:r>
+                        </m:sub>
+                      </m:sSub>
+                      <m:r>
+                        <a:rPr lang="en-US" sz="2000" b="0" i="1" smtClean="0">
+                          <a:latin typeface="Cambria Math" panose="02040503050406030204" pitchFamily="18" charset="0"/>
+                          <a:cs typeface="Arial"/>
+                        </a:rPr>
+                        <m:t>= </m:t>
+                      </m:r>
+                      <m:d>
+                        <m:dPr>
+                          <m:begChr m:val="{"/>
+                          <m:endChr m:val=""/>
+                          <m:ctrlPr>
+                            <a:rPr lang="en-US" sz="2000" i="1" smtClean="0">
+                              <a:latin typeface="Cambria Math" panose="02040503050406030204" pitchFamily="18" charset="0"/>
+                              <a:cs typeface="Arial"/>
+                            </a:rPr>
+                          </m:ctrlPr>
+                        </m:dPr>
+                        <m:e>
+                          <m:eqArr>
+                            <m:eqArrPr>
+                              <m:ctrlPr>
+                                <a:rPr lang="en-US" sz="2000" i="1" smtClean="0">
+                                  <a:latin typeface="Cambria Math" panose="02040503050406030204" pitchFamily="18" charset="0"/>
+                                  <a:cs typeface="Arial"/>
+                                </a:rPr>
+                              </m:ctrlPr>
+                            </m:eqArrPr>
+                            <m:e>
+                              <m:r>
+                                <a:rPr lang="en-US" sz="2000" b="0" i="1" smtClean="0">
+                                  <a:latin typeface="Cambria Math" panose="02040503050406030204" pitchFamily="18" charset="0"/>
+                                  <a:cs typeface="Arial"/>
+                                </a:rPr>
+                                <m:t>1 </m:t>
+                              </m:r>
+                              <m:r>
+                                <a:rPr lang="en-US" sz="2000" b="0" i="1" smtClean="0">
+                                  <a:latin typeface="Cambria Math" panose="02040503050406030204" pitchFamily="18" charset="0"/>
+                                  <a:cs typeface="Arial"/>
+                                </a:rPr>
+                                <m:t>𝑖𝑓</m:t>
+                              </m:r>
+                              <m:r>
+                                <a:rPr lang="en-US" sz="2000" b="0" i="1" smtClean="0">
+                                  <a:latin typeface="Cambria Math" panose="02040503050406030204" pitchFamily="18" charset="0"/>
+                                  <a:cs typeface="Arial"/>
+                                </a:rPr>
+                                <m:t> </m:t>
+                              </m:r>
+                              <m:r>
+                                <a:rPr lang="en-US" sz="2000" b="0" i="1" smtClean="0">
+                                  <a:latin typeface="Cambria Math" panose="02040503050406030204" pitchFamily="18" charset="0"/>
+                                  <a:cs typeface="Arial"/>
+                                </a:rPr>
+                                <m:t>𝑠𝑡𝑎𝑡𝑒</m:t>
+                              </m:r>
+                              <m:r>
+                                <a:rPr lang="en-US" sz="2000" b="0" i="1" smtClean="0">
+                                  <a:latin typeface="Cambria Math" panose="02040503050406030204" pitchFamily="18" charset="0"/>
+                                  <a:cs typeface="Arial"/>
+                                </a:rPr>
+                                <m:t> </m:t>
+                              </m:r>
+                              <m:r>
+                                <a:rPr lang="en-US" sz="2000" b="0" i="1" smtClean="0">
+                                  <a:latin typeface="Cambria Math" panose="02040503050406030204" pitchFamily="18" charset="0"/>
+                                  <a:cs typeface="Arial"/>
+                                </a:rPr>
+                                <m:t>𝑖</m:t>
+                              </m:r>
+                              <m:r>
+                                <a:rPr lang="en-US" sz="2000" b="0" i="1" smtClean="0">
+                                  <a:latin typeface="Cambria Math" panose="02040503050406030204" pitchFamily="18" charset="0"/>
+                                  <a:cs typeface="Arial"/>
+                                </a:rPr>
+                                <m:t> </m:t>
+                              </m:r>
+                              <m:r>
+                                <a:rPr lang="en-US" sz="2000" b="0" i="1" smtClean="0">
+                                  <a:latin typeface="Cambria Math" panose="02040503050406030204" pitchFamily="18" charset="0"/>
+                                  <a:cs typeface="Arial"/>
+                                </a:rPr>
+                                <m:t>h𝑎𝑠</m:t>
+                              </m:r>
+                              <m:r>
+                                <a:rPr lang="en-US" sz="2000" b="0" i="1" smtClean="0">
+                                  <a:latin typeface="Cambria Math" panose="02040503050406030204" pitchFamily="18" charset="0"/>
+                                  <a:cs typeface="Arial"/>
+                                </a:rPr>
+                                <m:t> </m:t>
+                              </m:r>
+                              <m:r>
+                                <a:rPr lang="en-US" sz="2000" b="0" i="1" smtClean="0">
+                                  <a:latin typeface="Cambria Math" panose="02040503050406030204" pitchFamily="18" charset="0"/>
+                                  <a:cs typeface="Arial"/>
+                                </a:rPr>
+                                <m:t>𝑝𝑒𝑟𝑐𝑎𝑝𝑖𝑡𝑎</m:t>
+                              </m:r>
+                              <m:r>
+                                <a:rPr lang="en-US" sz="2000" b="0" i="1" smtClean="0">
+                                  <a:latin typeface="Cambria Math" panose="02040503050406030204" pitchFamily="18" charset="0"/>
+                                  <a:cs typeface="Arial"/>
+                                </a:rPr>
+                                <m:t> </m:t>
+                              </m:r>
+                              <m:r>
+                                <a:rPr lang="en-US" sz="2000" b="0" i="1" smtClean="0">
+                                  <a:latin typeface="Cambria Math" panose="02040503050406030204" pitchFamily="18" charset="0"/>
+                                  <a:cs typeface="Arial"/>
+                                </a:rPr>
+                                <m:t>𝑖𝑛𝑐𝑜𝑚𝑒</m:t>
+                              </m:r>
+                              <m:r>
+                                <a:rPr lang="en-US" sz="2000" b="0" i="1" smtClean="0">
+                                  <a:latin typeface="Cambria Math" panose="02040503050406030204" pitchFamily="18" charset="0"/>
+                                  <a:cs typeface="Arial"/>
+                                </a:rPr>
+                                <m:t> </m:t>
+                              </m:r>
+                              <m:r>
+                                <a:rPr lang="en-US" sz="2000" b="0" i="1" smtClean="0">
+                                  <a:latin typeface="Cambria Math" panose="02040503050406030204" pitchFamily="18" charset="0"/>
+                                  <a:cs typeface="Arial"/>
+                                </a:rPr>
+                                <m:t>𝑎𝑏𝑜𝑣𝑒</m:t>
+                              </m:r>
+                              <m:r>
+                                <a:rPr lang="en-US" sz="2000" b="0" i="1" smtClean="0">
+                                  <a:latin typeface="Cambria Math" panose="02040503050406030204" pitchFamily="18" charset="0"/>
+                                  <a:cs typeface="Arial"/>
+                                </a:rPr>
+                                <m:t> </m:t>
+                              </m:r>
+                              <m:r>
+                                <a:rPr lang="en-US" sz="2000" b="0" i="1" smtClean="0">
+                                  <a:latin typeface="Cambria Math" panose="02040503050406030204" pitchFamily="18" charset="0"/>
+                                  <a:cs typeface="Arial"/>
+                                </a:rPr>
+                                <m:t>𝑝𝑜𝑣𝑒𝑟𝑦</m:t>
+                              </m:r>
+                              <m:r>
+                                <a:rPr lang="en-US" sz="2000" b="0" i="1" smtClean="0">
+                                  <a:latin typeface="Cambria Math" panose="02040503050406030204" pitchFamily="18" charset="0"/>
+                                  <a:cs typeface="Arial"/>
+                                </a:rPr>
+                                <m:t> </m:t>
+                              </m:r>
+                              <m:r>
+                                <a:rPr lang="en-US" sz="2000" b="0" i="1" smtClean="0">
+                                  <a:latin typeface="Cambria Math" panose="02040503050406030204" pitchFamily="18" charset="0"/>
+                                  <a:cs typeface="Arial"/>
+                                </a:rPr>
+                                <m:t>𝑙𝑖𝑛𝑒</m:t>
+                              </m:r>
+                            </m:e>
+                            <m:e>
+                              <m:r>
+                                <a:rPr lang="en-US" sz="2000" b="0" i="1" smtClean="0">
+                                  <a:latin typeface="Cambria Math" panose="02040503050406030204" pitchFamily="18" charset="0"/>
+                                  <a:cs typeface="Arial"/>
+                                </a:rPr>
+                                <m:t>0</m:t>
+                              </m:r>
+                              <m:r>
+                                <a:rPr lang="en-US" sz="2000" i="1">
+                                  <a:latin typeface="Cambria Math" panose="02040503050406030204" pitchFamily="18" charset="0"/>
+                                  <a:cs typeface="Arial"/>
+                                </a:rPr>
+                                <m:t> </m:t>
+                              </m:r>
+                              <m:r>
+                                <a:rPr lang="en-US" sz="2000" i="1">
+                                  <a:latin typeface="Cambria Math" panose="02040503050406030204" pitchFamily="18" charset="0"/>
+                                  <a:cs typeface="Arial"/>
+                                </a:rPr>
+                                <m:t>𝑖𝑓</m:t>
+                              </m:r>
+                              <m:r>
+                                <a:rPr lang="en-US" sz="2000" i="1">
+                                  <a:latin typeface="Cambria Math" panose="02040503050406030204" pitchFamily="18" charset="0"/>
+                                  <a:cs typeface="Arial"/>
+                                </a:rPr>
+                                <m:t> </m:t>
+                              </m:r>
+                              <m:r>
+                                <a:rPr lang="en-US" sz="2000" i="1">
+                                  <a:latin typeface="Cambria Math" panose="02040503050406030204" pitchFamily="18" charset="0"/>
+                                  <a:cs typeface="Arial"/>
+                                </a:rPr>
+                                <m:t>𝑠𝑡𝑎𝑡𝑒</m:t>
+                              </m:r>
+                              <m:r>
+                                <a:rPr lang="en-US" sz="2000" i="1">
+                                  <a:latin typeface="Cambria Math" panose="02040503050406030204" pitchFamily="18" charset="0"/>
+                                  <a:cs typeface="Arial"/>
+                                </a:rPr>
+                                <m:t> </m:t>
+                              </m:r>
+                              <m:r>
+                                <a:rPr lang="en-US" sz="2000" i="1">
+                                  <a:latin typeface="Cambria Math" panose="02040503050406030204" pitchFamily="18" charset="0"/>
+                                  <a:cs typeface="Arial"/>
+                                </a:rPr>
+                                <m:t>𝑖</m:t>
+                              </m:r>
+                              <m:r>
+                                <a:rPr lang="en-US" sz="2000" i="1">
+                                  <a:latin typeface="Cambria Math" panose="02040503050406030204" pitchFamily="18" charset="0"/>
+                                  <a:cs typeface="Arial"/>
+                                </a:rPr>
+                                <m:t> </m:t>
+                              </m:r>
+                              <m:r>
+                                <a:rPr lang="en-US" sz="2000" i="1">
+                                  <a:latin typeface="Cambria Math" panose="02040503050406030204" pitchFamily="18" charset="0"/>
+                                  <a:cs typeface="Arial"/>
+                                </a:rPr>
+                                <m:t>h𝑎𝑠</m:t>
+                              </m:r>
+                              <m:r>
+                                <a:rPr lang="en-US" sz="2000" i="1">
+                                  <a:latin typeface="Cambria Math" panose="02040503050406030204" pitchFamily="18" charset="0"/>
+                                  <a:cs typeface="Arial"/>
+                                </a:rPr>
+                                <m:t> </m:t>
+                              </m:r>
+                              <m:r>
+                                <a:rPr lang="en-US" sz="2000" i="1">
+                                  <a:latin typeface="Cambria Math" panose="02040503050406030204" pitchFamily="18" charset="0"/>
+                                  <a:cs typeface="Arial"/>
+                                </a:rPr>
+                                <m:t>𝑝𝑒𝑟𝑐𝑎𝑝𝑖𝑡𝑎</m:t>
+                              </m:r>
+                              <m:r>
+                                <a:rPr lang="en-US" sz="2000" i="1">
+                                  <a:latin typeface="Cambria Math" panose="02040503050406030204" pitchFamily="18" charset="0"/>
+                                  <a:cs typeface="Arial"/>
+                                </a:rPr>
+                                <m:t> </m:t>
+                              </m:r>
+                              <m:r>
+                                <a:rPr lang="en-US" sz="2000" i="1">
+                                  <a:latin typeface="Cambria Math" panose="02040503050406030204" pitchFamily="18" charset="0"/>
+                                  <a:cs typeface="Arial"/>
+                                </a:rPr>
+                                <m:t>𝑖𝑛𝑐𝑜𝑚𝑒</m:t>
+                              </m:r>
+                              <m:r>
+                                <a:rPr lang="en-US" sz="2000" i="1">
+                                  <a:latin typeface="Cambria Math" panose="02040503050406030204" pitchFamily="18" charset="0"/>
+                                  <a:cs typeface="Arial"/>
+                                </a:rPr>
+                                <m:t> </m:t>
+                              </m:r>
+                              <m:r>
+                                <a:rPr lang="en-US" sz="2000" b="0" i="1" smtClean="0">
+                                  <a:latin typeface="Cambria Math" panose="02040503050406030204" pitchFamily="18" charset="0"/>
+                                  <a:cs typeface="Arial"/>
+                                </a:rPr>
+                                <m:t>𝑏𝑒𝑙𝑜𝑤</m:t>
+                              </m:r>
+                              <m:r>
+                                <a:rPr lang="en-US" sz="2000" i="1">
+                                  <a:latin typeface="Cambria Math" panose="02040503050406030204" pitchFamily="18" charset="0"/>
+                                  <a:cs typeface="Arial"/>
+                                </a:rPr>
+                                <m:t> </m:t>
+                              </m:r>
+                              <m:r>
+                                <a:rPr lang="en-US" sz="2000" i="1">
+                                  <a:latin typeface="Cambria Math" panose="02040503050406030204" pitchFamily="18" charset="0"/>
+                                  <a:cs typeface="Arial"/>
+                                </a:rPr>
+                                <m:t>𝑝𝑜𝑣𝑒𝑟𝑦</m:t>
+                              </m:r>
+                              <m:r>
+                                <a:rPr lang="en-US" sz="2000" i="1">
+                                  <a:latin typeface="Cambria Math" panose="02040503050406030204" pitchFamily="18" charset="0"/>
+                                  <a:cs typeface="Arial"/>
+                                </a:rPr>
+                                <m:t> </m:t>
+                              </m:r>
+                              <m:r>
+                                <a:rPr lang="en-US" sz="2000" i="1">
+                                  <a:latin typeface="Cambria Math" panose="02040503050406030204" pitchFamily="18" charset="0"/>
+                                  <a:cs typeface="Arial"/>
+                                </a:rPr>
+                                <m:t>𝑙𝑖𝑛𝑒</m:t>
+                              </m:r>
+                            </m:e>
+                          </m:eqArr>
+                        </m:e>
+                      </m:d>
+                    </m:oMath>
+                  </m:oMathPara>
+                </a14:m>
+                <a:endParaRPr lang="en-US" sz="2400" dirty="0">
+                  <a:latin typeface="Arial"/>
+                  <a:cs typeface="Arial"/>
+                </a:endParaRPr>
+              </a:p>
+              <a:p>
+                <a:pPr marL="50800" marR="99695">
+                  <a:lnSpc>
+                    <a:spcPct val="102600"/>
+                  </a:lnSpc>
+                  <a:spcBef>
+                    <a:spcPts val="55"/>
+                  </a:spcBef>
+                </a:pPr>
+                <a:endParaRPr lang="en-US" sz="2400" dirty="0">
+                  <a:latin typeface="Arial"/>
+                  <a:cs typeface="Arial"/>
+                </a:endParaRPr>
+              </a:p>
+              <a:p>
+                <a:pPr marL="50800" marR="99695">
+                  <a:lnSpc>
+                    <a:spcPct val="102600"/>
+                  </a:lnSpc>
+                  <a:spcBef>
+                    <a:spcPts val="55"/>
+                  </a:spcBef>
+                </a:pPr>
+                <a14:m>
+                  <m:oMathPara xmlns:m="http://schemas.openxmlformats.org/officeDocument/2006/math">
+                    <m:oMathParaPr>
+                      <m:jc m:val="centerGroup"/>
+                    </m:oMathParaPr>
+                    <m:oMath xmlns:m="http://schemas.openxmlformats.org/officeDocument/2006/math">
+                      <m:acc>
+                        <m:accPr>
+                          <m:chr m:val="̂"/>
+                          <m:ctrlPr>
+                            <a:rPr lang="en-US" sz="2400" b="0" i="1" spc="-10" smtClean="0">
+                              <a:latin typeface="Cambria Math" panose="02040503050406030204" pitchFamily="18" charset="0"/>
+                              <a:cs typeface="Arial"/>
+                            </a:rPr>
+                          </m:ctrlPr>
+                        </m:accPr>
+                        <m:e>
+                          <m:r>
+                            <a:rPr lang="en-US" sz="2400" b="0" i="1" spc="-10" smtClean="0">
+                              <a:latin typeface="Cambria Math" panose="02040503050406030204" pitchFamily="18" charset="0"/>
+                              <a:cs typeface="Arial"/>
+                            </a:rPr>
+                            <m:t>𝑙𝑖𝑓𝑒𝐸𝑥</m:t>
+                          </m:r>
+                          <m:sSub>
+                            <m:sSubPr>
+                              <m:ctrlPr>
+                                <a:rPr lang="en-US" sz="2400" b="0" i="1" spc="-10" smtClean="0">
+                                  <a:latin typeface="Cambria Math" panose="02040503050406030204" pitchFamily="18" charset="0"/>
+                                  <a:cs typeface="Arial"/>
+                                </a:rPr>
+                              </m:ctrlPr>
+                            </m:sSubPr>
+                            <m:e>
+                              <m:r>
+                                <a:rPr lang="en-US" sz="2400" b="0" i="1" spc="-10" smtClean="0">
+                                  <a:latin typeface="Cambria Math" panose="02040503050406030204" pitchFamily="18" charset="0"/>
+                                  <a:cs typeface="Arial"/>
+                                </a:rPr>
+                                <m:t>𝑝</m:t>
+                              </m:r>
+                            </m:e>
+                            <m:sub>
+                              <m:r>
+                                <a:rPr lang="en-US" sz="2400" b="0" i="1" spc="-10" smtClean="0">
+                                  <a:latin typeface="Cambria Math" panose="02040503050406030204" pitchFamily="18" charset="0"/>
+                                  <a:cs typeface="Arial"/>
+                                </a:rPr>
+                                <m:t>𝑖</m:t>
+                              </m:r>
+                            </m:sub>
+                          </m:sSub>
+                        </m:e>
+                      </m:acc>
+                      <m:r>
+                        <a:rPr lang="en-US" sz="2400" b="0" i="1" spc="-10" smtClean="0">
+                          <a:latin typeface="Cambria Math" panose="02040503050406030204" pitchFamily="18" charset="0"/>
+                          <a:cs typeface="Arial"/>
+                        </a:rPr>
+                        <m:t>=</m:t>
+                      </m:r>
+                      <m:r>
+                        <a:rPr lang="en-US" sz="2400" b="0" i="1" spc="-10" smtClean="0">
+                          <a:latin typeface="Cambria Math" panose="02040503050406030204" pitchFamily="18" charset="0"/>
+                          <a:ea typeface="Cambria Math" panose="02040503050406030204" pitchFamily="18" charset="0"/>
+                          <a:cs typeface="Arial"/>
+                        </a:rPr>
+                        <m:t>7.60</m:t>
+                      </m:r>
+                      <m:r>
+                        <a:rPr lang="en-US" sz="2400" b="0" i="1" spc="-10" smtClean="0">
+                          <a:latin typeface="Cambria Math" panose="02040503050406030204" pitchFamily="18" charset="0"/>
+                          <a:ea typeface="Cambria Math" panose="02040503050406030204" pitchFamily="18" charset="0"/>
+                          <a:cs typeface="Arial"/>
+                        </a:rPr>
+                        <m:t>+</m:t>
+                      </m:r>
+                      <m:r>
+                        <a:rPr lang="en-US" sz="2400" b="0" i="1" spc="-10" smtClean="0">
+                          <a:latin typeface="Cambria Math" panose="02040503050406030204" pitchFamily="18" charset="0"/>
+                          <a:ea typeface="Cambria Math" panose="02040503050406030204" pitchFamily="18" charset="0"/>
+                          <a:cs typeface="Arial"/>
+                        </a:rPr>
+                        <m:t>3.41</m:t>
+                      </m:r>
+                      <m:r>
+                        <a:rPr lang="en-US" sz="2400" b="0" i="1" spc="-10" smtClean="0">
+                          <a:latin typeface="Cambria Math" panose="02040503050406030204" pitchFamily="18" charset="0"/>
+                          <a:ea typeface="Cambria Math" panose="02040503050406030204" pitchFamily="18" charset="0"/>
+                          <a:cs typeface="Arial"/>
+                        </a:rPr>
+                        <m:t>𝑝𝑜𝑣𝑒𝑟𝑡𝑦𝐿𝑖𝑛</m:t>
+                      </m:r>
+                      <m:sSub>
+                        <m:sSubPr>
+                          <m:ctrlPr>
+                            <a:rPr lang="en-US" sz="2400" b="0" i="1" spc="-10" smtClean="0">
+                              <a:latin typeface="Cambria Math" panose="02040503050406030204" pitchFamily="18" charset="0"/>
+                              <a:ea typeface="Cambria Math" panose="02040503050406030204" pitchFamily="18" charset="0"/>
+                              <a:cs typeface="Arial"/>
+                            </a:rPr>
+                          </m:ctrlPr>
+                        </m:sSubPr>
+                        <m:e>
+                          <m:r>
+                            <a:rPr lang="en-US" sz="2400" b="0" i="1" spc="-10" smtClean="0">
+                              <a:latin typeface="Cambria Math" panose="02040503050406030204" pitchFamily="18" charset="0"/>
+                              <a:ea typeface="Cambria Math" panose="02040503050406030204" pitchFamily="18" charset="0"/>
+                              <a:cs typeface="Arial"/>
+                            </a:rPr>
+                            <m:t>𝑒</m:t>
+                          </m:r>
+                        </m:e>
+                        <m:sub>
+                          <m:r>
+                            <a:rPr lang="en-US" sz="2400" b="0" i="1" spc="-10" smtClean="0">
+                              <a:latin typeface="Cambria Math" panose="02040503050406030204" pitchFamily="18" charset="0"/>
+                              <a:ea typeface="Cambria Math" panose="02040503050406030204" pitchFamily="18" charset="0"/>
+                              <a:cs typeface="Arial"/>
+                            </a:rPr>
+                            <m:t>𝑖</m:t>
+                          </m:r>
+                        </m:sub>
+                      </m:sSub>
+                    </m:oMath>
+                  </m:oMathPara>
+                </a14:m>
+                <a:endParaRPr lang="en-US" sz="2400" spc="-10" dirty="0">
+                  <a:latin typeface="Arial"/>
+                  <a:cs typeface="Arial"/>
+                </a:endParaRPr>
+              </a:p>
+            </p:txBody>
+          </p:sp>
+        </mc:Choice>
+        <mc:Fallback>
+          <p:sp>
+            <p:nvSpPr>
+              <p:cNvPr id="3" name="object 3">
+                <a:extLst>
+                  <a:ext uri="{FF2B5EF4-FFF2-40B4-BE49-F238E27FC236}">
+                    <a16:creationId xmlns:a16="http://schemas.microsoft.com/office/drawing/2014/main" id="{E9537C4E-D6C3-467F-1BE5-93EB3F90B887}"/>
+                  </a:ext>
+                </a:extLst>
+              </p:cNvPr>
+              <p:cNvSpPr txBox="1">
+                <a:spLocks noRot="1" noChangeAspect="1" noMove="1" noResize="1" noEditPoints="1" noAdjustHandles="1" noChangeArrowheads="1" noChangeShapeType="1" noTextEdit="1"/>
+              </p:cNvSpPr>
+              <p:nvPr/>
+            </p:nvSpPr>
+            <p:spPr>
+              <a:xfrm>
+                <a:off x="3647811" y="195826"/>
+                <a:ext cx="7960320" cy="1913729"/>
+              </a:xfrm>
+              <a:prstGeom prst="rect">
+                <a:avLst/>
+              </a:prstGeom>
+              <a:blipFill>
+                <a:blip r:embed="rId3"/>
+                <a:stretch>
+                  <a:fillRect l="-797" t="-61184" b="-75000"/>
+                </a:stretch>
+              </a:blipFill>
+            </p:spPr>
+            <p:txBody>
+              <a:bodyPr/>
+              <a:lstStyle/>
+              <a:p>
+                <a:r>
+                  <a:rPr lang="en-US">
+                    <a:noFill/>
+                  </a:rPr>
+                  <a:t> </a:t>
+                </a:r>
+              </a:p>
+            </p:txBody>
+          </p:sp>
+        </mc:Fallback>
+      </mc:AlternateContent>
+      <p:pic>
+        <p:nvPicPr>
+          <p:cNvPr id="6" name="Picture 5" descr="A graph with numbers and lines&#10;&#10;Description automatically generated">
+            <a:extLst>
+              <a:ext uri="{FF2B5EF4-FFF2-40B4-BE49-F238E27FC236}">
+                <a16:creationId xmlns:a16="http://schemas.microsoft.com/office/drawing/2014/main" id="{F8FF7EB2-6E07-D316-DEB9-9B8BE14ABF4B}"/>
+              </a:ext>
+            </a:extLst>
+          </p:cNvPr>
+          <p:cNvPicPr>
+            <a:picLocks noChangeAspect="1"/>
+          </p:cNvPicPr>
+          <p:nvPr/>
+        </p:nvPicPr>
+        <p:blipFill>
+          <a:blip r:embed="rId4"/>
+          <a:stretch>
+            <a:fillRect/>
+          </a:stretch>
+        </p:blipFill>
+        <p:spPr>
+          <a:xfrm>
+            <a:off x="3472014" y="2256163"/>
+            <a:ext cx="5247972" cy="4112501"/>
+          </a:xfrm>
+          <a:prstGeom prst="rect">
+            <a:avLst/>
+          </a:prstGeom>
+        </p:spPr>
+      </p:pic>
+      <p:sp>
+        <p:nvSpPr>
+          <p:cNvPr id="4" name="Rounded Rectangle 3">
+            <a:extLst>
+              <a:ext uri="{FF2B5EF4-FFF2-40B4-BE49-F238E27FC236}">
+                <a16:creationId xmlns:a16="http://schemas.microsoft.com/office/drawing/2014/main" id="{C0690D2D-D61C-5E57-D01B-BF0BE07C0C7B}"/>
+              </a:ext>
+            </a:extLst>
+          </p:cNvPr>
+          <p:cNvSpPr/>
+          <p:nvPr/>
+        </p:nvSpPr>
+        <p:spPr>
+          <a:xfrm>
+            <a:off x="8865031" y="2109555"/>
+            <a:ext cx="3074050" cy="4601182"/>
+          </a:xfrm>
+          <a:prstGeom prst="roundRect">
+            <a:avLst/>
+          </a:prstGeom>
+        </p:spPr>
+        <p:style>
+          <a:lnRef idx="2">
+            <a:schemeClr val="accent5">
+              <a:shade val="15000"/>
+            </a:schemeClr>
+          </a:lnRef>
+          <a:fillRef idx="1">
+            <a:schemeClr val="accent5"/>
+          </a:fillRef>
+          <a:effectRef idx="0">
+            <a:schemeClr val="accent5"/>
+          </a:effectRef>
+          <a:fontRef idx="minor">
+            <a:schemeClr val="lt1"/>
+          </a:fontRef>
+        </p:style>
+        <p:txBody>
+          <a:bodyPr rtlCol="0" anchor="ctr"/>
+          <a:lstStyle/>
+          <a:p>
+            <a:pPr marL="50800" marR="99695">
+              <a:lnSpc>
+                <a:spcPct val="102600"/>
+              </a:lnSpc>
+              <a:spcBef>
+                <a:spcPts val="55"/>
+              </a:spcBef>
+            </a:pPr>
+            <a:r>
+              <a:rPr lang="en-US" sz="2400" spc="-10" dirty="0">
+                <a:latin typeface="Arial"/>
+                <a:cs typeface="Arial"/>
+              </a:rPr>
+              <a:t>What is the predicted life expectancy for a state with </a:t>
+            </a:r>
+            <a:r>
+              <a:rPr lang="en-US" sz="2400" spc="-10" dirty="0" err="1">
+                <a:latin typeface="Arial"/>
+                <a:cs typeface="Arial"/>
+              </a:rPr>
+              <a:t>percapita</a:t>
+            </a:r>
+            <a:r>
+              <a:rPr lang="en-US" sz="2400" spc="-10" dirty="0">
+                <a:latin typeface="Arial"/>
+                <a:cs typeface="Arial"/>
+              </a:rPr>
+              <a:t> income above the poverty line? How about below? What is the difference between these estimates?</a:t>
+            </a:r>
+          </a:p>
+        </p:txBody>
+      </p:sp>
+    </p:spTree>
+    <p:extLst>
+      <p:ext uri="{BB962C8B-B14F-4D97-AF65-F5344CB8AC3E}">
+        <p14:creationId xmlns:p14="http://schemas.microsoft.com/office/powerpoint/2010/main" val="1130613849"/>
       </p:ext>
     </p:extLst>
   </p:cSld>
@@ -39652,6 +42380,1108 @@
     <p:extLst>
       <p:ext uri="{BB962C8B-B14F-4D97-AF65-F5344CB8AC3E}">
         <p14:creationId xmlns:p14="http://schemas.microsoft.com/office/powerpoint/2010/main" val="928156476"/>
+      </p:ext>
+    </p:extLst>
+  </p:cSld>
+  <p:clrMapOvr>
+    <a:masterClrMapping/>
+  </p:clrMapOvr>
+</p:sld>
+</file>
+
+<file path=ppt/slides/slide40.xml><?xml version="1.0" encoding="utf-8"?>
+<p:sld xmlns:a="http://schemas.openxmlformats.org/drawingml/2006/main" xmlns:r="http://schemas.openxmlformats.org/officeDocument/2006/relationships" xmlns:p="http://schemas.openxmlformats.org/presentationml/2006/main">
+  <p:cSld>
+    <p:spTree>
+      <p:nvGrpSpPr>
+        <p:cNvPr id="1" name="">
+          <a:extLst>
+            <a:ext uri="{FF2B5EF4-FFF2-40B4-BE49-F238E27FC236}">
+              <a16:creationId xmlns:a16="http://schemas.microsoft.com/office/drawing/2014/main" id="{2F56BD80-408F-09D5-63CB-ECB3CC7C0DE9}"/>
+            </a:ext>
+          </a:extLst>
+        </p:cNvPr>
+        <p:cNvGrpSpPr/>
+        <p:nvPr/>
+      </p:nvGrpSpPr>
+      <p:grpSpPr>
+        <a:xfrm>
+          <a:off x="0" y="0"/>
+          <a:ext cx="0" cy="0"/>
+          <a:chOff x="0" y="0"/>
+          <a:chExt cx="0" cy="0"/>
+        </a:xfrm>
+      </p:grpSpPr>
+      <p:sp>
+        <p:nvSpPr>
+          <p:cNvPr id="2" name="Title 1">
+            <a:extLst>
+              <a:ext uri="{FF2B5EF4-FFF2-40B4-BE49-F238E27FC236}">
+                <a16:creationId xmlns:a16="http://schemas.microsoft.com/office/drawing/2014/main" id="{A94570E7-48FA-838C-A21C-AF285EA46EF6}"/>
+              </a:ext>
+            </a:extLst>
+          </p:cNvPr>
+          <p:cNvSpPr>
+            <a:spLocks noGrp="1"/>
+          </p:cNvSpPr>
+          <p:nvPr>
+            <p:ph type="title"/>
+          </p:nvPr>
+        </p:nvSpPr>
+        <p:spPr/>
+        <p:txBody>
+          <a:bodyPr/>
+          <a:lstStyle/>
+          <a:p>
+            <a:r>
+              <a:rPr lang="en-US" dirty="0"/>
+              <a:t>Comparison of Models</a:t>
+            </a:r>
+          </a:p>
+        </p:txBody>
+      </p:sp>
+      <p:pic>
+        <p:nvPicPr>
+          <p:cNvPr id="7" name="Picture 6" descr="A comparison of a graph with a line and a line&#10;&#10;Description automatically generated with medium confidence">
+            <a:extLst>
+              <a:ext uri="{FF2B5EF4-FFF2-40B4-BE49-F238E27FC236}">
+                <a16:creationId xmlns:a16="http://schemas.microsoft.com/office/drawing/2014/main" id="{8EE370E0-EB7F-8C8D-DAC7-28DAD9FC86EF}"/>
+              </a:ext>
+            </a:extLst>
+          </p:cNvPr>
+          <p:cNvPicPr>
+            <a:picLocks noChangeAspect="1"/>
+          </p:cNvPicPr>
+          <p:nvPr/>
+        </p:nvPicPr>
+        <p:blipFill>
+          <a:blip r:embed="rId3"/>
+          <a:stretch>
+            <a:fillRect/>
+          </a:stretch>
+        </p:blipFill>
+        <p:spPr>
+          <a:xfrm>
+            <a:off x="3430123" y="1123837"/>
+            <a:ext cx="8761877" cy="4113238"/>
+          </a:xfrm>
+          <a:prstGeom prst="rect">
+            <a:avLst/>
+          </a:prstGeom>
+        </p:spPr>
+      </p:pic>
+      <p:sp>
+        <p:nvSpPr>
+          <p:cNvPr id="9" name="object 3">
+            <a:extLst>
+              <a:ext uri="{FF2B5EF4-FFF2-40B4-BE49-F238E27FC236}">
+                <a16:creationId xmlns:a16="http://schemas.microsoft.com/office/drawing/2014/main" id="{3F236F70-CBAC-95C8-3A48-993269F7D774}"/>
+              </a:ext>
+            </a:extLst>
+          </p:cNvPr>
+          <p:cNvSpPr txBox="1"/>
+          <p:nvPr/>
+        </p:nvSpPr>
+        <p:spPr>
+          <a:xfrm>
+            <a:off x="3548539" y="381005"/>
+            <a:ext cx="7960320" cy="742832"/>
+          </a:xfrm>
+          <a:prstGeom prst="rect">
+            <a:avLst/>
+          </a:prstGeom>
+        </p:spPr>
+        <p:txBody>
+          <a:bodyPr vert="horz" wrap="square" lIns="0" tIns="6985" rIns="0" bIns="0" rtlCol="0">
+            <a:spAutoFit/>
+          </a:bodyPr>
+          <a:lstStyle/>
+          <a:p>
+            <a:pPr marL="50800" marR="99695">
+              <a:lnSpc>
+                <a:spcPct val="102600"/>
+              </a:lnSpc>
+              <a:spcBef>
+                <a:spcPts val="55"/>
+              </a:spcBef>
+            </a:pPr>
+            <a:r>
+              <a:rPr lang="en-US" sz="2400" spc="-10" dirty="0">
+                <a:latin typeface="Arial"/>
+                <a:cs typeface="Arial"/>
+              </a:rPr>
+              <a:t>We made two models for the same phenomenon. Which is better?</a:t>
+            </a:r>
+          </a:p>
+        </p:txBody>
+      </p:sp>
+    </p:spTree>
+    <p:extLst>
+      <p:ext uri="{BB962C8B-B14F-4D97-AF65-F5344CB8AC3E}">
+        <p14:creationId xmlns:p14="http://schemas.microsoft.com/office/powerpoint/2010/main" val="2989472987"/>
+      </p:ext>
+    </p:extLst>
+  </p:cSld>
+  <p:clrMapOvr>
+    <a:masterClrMapping/>
+  </p:clrMapOvr>
+</p:sld>
+</file>
+
+<file path=ppt/slides/slide41.xml><?xml version="1.0" encoding="utf-8"?>
+<p:sld xmlns:a="http://schemas.openxmlformats.org/drawingml/2006/main" xmlns:r="http://schemas.openxmlformats.org/officeDocument/2006/relationships" xmlns:p="http://schemas.openxmlformats.org/presentationml/2006/main">
+  <p:cSld>
+    <p:spTree>
+      <p:nvGrpSpPr>
+        <p:cNvPr id="1" name="">
+          <a:extLst>
+            <a:ext uri="{FF2B5EF4-FFF2-40B4-BE49-F238E27FC236}">
+              <a16:creationId xmlns:a16="http://schemas.microsoft.com/office/drawing/2014/main" id="{C0829E8B-E8C8-0B24-8E92-7E12F2DCB4A8}"/>
+            </a:ext>
+          </a:extLst>
+        </p:cNvPr>
+        <p:cNvGrpSpPr/>
+        <p:nvPr/>
+      </p:nvGrpSpPr>
+      <p:grpSpPr>
+        <a:xfrm>
+          <a:off x="0" y="0"/>
+          <a:ext cx="0" cy="0"/>
+          <a:chOff x="0" y="0"/>
+          <a:chExt cx="0" cy="0"/>
+        </a:xfrm>
+      </p:grpSpPr>
+      <p:sp>
+        <p:nvSpPr>
+          <p:cNvPr id="2" name="Title 1">
+            <a:extLst>
+              <a:ext uri="{FF2B5EF4-FFF2-40B4-BE49-F238E27FC236}">
+                <a16:creationId xmlns:a16="http://schemas.microsoft.com/office/drawing/2014/main" id="{D49D02D1-9BA0-23BF-5142-13223D85B918}"/>
+              </a:ext>
+            </a:extLst>
+          </p:cNvPr>
+          <p:cNvSpPr>
+            <a:spLocks noGrp="1"/>
+          </p:cNvSpPr>
+          <p:nvPr>
+            <p:ph type="title"/>
+          </p:nvPr>
+        </p:nvSpPr>
+        <p:spPr/>
+        <p:txBody>
+          <a:bodyPr/>
+          <a:lstStyle/>
+          <a:p>
+            <a:r>
+              <a:rPr lang="en-US" dirty="0"/>
+              <a:t>Comparison of Models</a:t>
+            </a:r>
+          </a:p>
+        </p:txBody>
+      </p:sp>
+      <p:pic>
+        <p:nvPicPr>
+          <p:cNvPr id="7" name="Picture 6" descr="A comparison of a graph with a line and a line&#10;&#10;Description automatically generated with medium confidence">
+            <a:extLst>
+              <a:ext uri="{FF2B5EF4-FFF2-40B4-BE49-F238E27FC236}">
+                <a16:creationId xmlns:a16="http://schemas.microsoft.com/office/drawing/2014/main" id="{C1D27B4E-1444-1E42-FA27-227D044306AD}"/>
+              </a:ext>
+            </a:extLst>
+          </p:cNvPr>
+          <p:cNvPicPr>
+            <a:picLocks noChangeAspect="1"/>
+          </p:cNvPicPr>
+          <p:nvPr/>
+        </p:nvPicPr>
+        <p:blipFill>
+          <a:blip r:embed="rId3"/>
+          <a:stretch>
+            <a:fillRect/>
+          </a:stretch>
+        </p:blipFill>
+        <p:spPr>
+          <a:xfrm>
+            <a:off x="3430123" y="1123837"/>
+            <a:ext cx="8761877" cy="4113238"/>
+          </a:xfrm>
+          <a:prstGeom prst="rect">
+            <a:avLst/>
+          </a:prstGeom>
+        </p:spPr>
+      </p:pic>
+      <p:sp>
+        <p:nvSpPr>
+          <p:cNvPr id="9" name="object 3">
+            <a:extLst>
+              <a:ext uri="{FF2B5EF4-FFF2-40B4-BE49-F238E27FC236}">
+                <a16:creationId xmlns:a16="http://schemas.microsoft.com/office/drawing/2014/main" id="{E9BEB75A-80A9-5289-417A-FF6984BD748D}"/>
+              </a:ext>
+            </a:extLst>
+          </p:cNvPr>
+          <p:cNvSpPr txBox="1"/>
+          <p:nvPr/>
+        </p:nvSpPr>
+        <p:spPr>
+          <a:xfrm>
+            <a:off x="3548539" y="381005"/>
+            <a:ext cx="7960320" cy="742832"/>
+          </a:xfrm>
+          <a:prstGeom prst="rect">
+            <a:avLst/>
+          </a:prstGeom>
+        </p:spPr>
+        <p:txBody>
+          <a:bodyPr vert="horz" wrap="square" lIns="0" tIns="6985" rIns="0" bIns="0" rtlCol="0">
+            <a:spAutoFit/>
+          </a:bodyPr>
+          <a:lstStyle/>
+          <a:p>
+            <a:pPr marL="50800" marR="99695">
+              <a:lnSpc>
+                <a:spcPct val="102600"/>
+              </a:lnSpc>
+              <a:spcBef>
+                <a:spcPts val="55"/>
+              </a:spcBef>
+            </a:pPr>
+            <a:r>
+              <a:rPr lang="en-US" sz="2400" spc="-10" dirty="0">
+                <a:latin typeface="Arial"/>
+                <a:cs typeface="Arial"/>
+              </a:rPr>
+              <a:t>We made two models for the same phenomenon. Which is better?</a:t>
+            </a:r>
+          </a:p>
+        </p:txBody>
+      </p:sp>
+      <mc:AlternateContent xmlns:mc="http://schemas.openxmlformats.org/markup-compatibility/2006">
+        <mc:Choice xmlns:a14="http://schemas.microsoft.com/office/drawing/2010/main" Requires="a14">
+          <p:sp>
+            <p:nvSpPr>
+              <p:cNvPr id="3" name="TextBox 2">
+                <a:extLst>
+                  <a:ext uri="{FF2B5EF4-FFF2-40B4-BE49-F238E27FC236}">
+                    <a16:creationId xmlns:a16="http://schemas.microsoft.com/office/drawing/2014/main" id="{369A982A-5C6F-D434-412C-57931B5C1773}"/>
+                  </a:ext>
+                </a:extLst>
+              </p:cNvPr>
+              <p:cNvSpPr txBox="1"/>
+              <p:nvPr/>
+            </p:nvSpPr>
+            <p:spPr>
+              <a:xfrm>
+                <a:off x="5418442" y="5364831"/>
+                <a:ext cx="1735155" cy="461665"/>
+              </a:xfrm>
+              <a:prstGeom prst="rect">
+                <a:avLst/>
+              </a:prstGeom>
+              <a:noFill/>
+            </p:spPr>
+            <p:txBody>
+              <a:bodyPr wrap="none" rtlCol="0">
+                <a:spAutoFit/>
+              </a:bodyPr>
+              <a:lstStyle/>
+              <a:p>
+                <a14:m>
+                  <m:oMathPara xmlns:m="http://schemas.openxmlformats.org/officeDocument/2006/math">
+                    <m:oMathParaPr>
+                      <m:jc m:val="centerGroup"/>
+                    </m:oMathParaPr>
+                    <m:oMath xmlns:m="http://schemas.openxmlformats.org/officeDocument/2006/math">
+                      <m:sSup>
+                        <m:sSupPr>
+                          <m:ctrlPr>
+                            <a:rPr lang="en-US" sz="2400" b="0" i="1" smtClean="0">
+                              <a:latin typeface="Cambria Math" panose="02040503050406030204" pitchFamily="18" charset="0"/>
+                            </a:rPr>
+                          </m:ctrlPr>
+                        </m:sSupPr>
+                        <m:e>
+                          <m:r>
+                            <a:rPr lang="en-US" sz="2400" b="0" i="1" smtClean="0">
+                              <a:latin typeface="Cambria Math" panose="02040503050406030204" pitchFamily="18" charset="0"/>
+                            </a:rPr>
+                            <m:t>𝑅</m:t>
+                          </m:r>
+                        </m:e>
+                        <m:sup>
+                          <m:r>
+                            <a:rPr lang="en-US" sz="2400" b="0" i="1" smtClean="0">
+                              <a:latin typeface="Cambria Math" panose="02040503050406030204" pitchFamily="18" charset="0"/>
+                            </a:rPr>
+                            <m:t>2</m:t>
+                          </m:r>
+                        </m:sup>
+                      </m:sSup>
+                      <m:r>
+                        <a:rPr lang="en-US" sz="2400" b="0" i="1" smtClean="0">
+                          <a:latin typeface="Cambria Math" panose="02040503050406030204" pitchFamily="18" charset="0"/>
+                        </a:rPr>
+                        <m:t>=0.557</m:t>
+                      </m:r>
+                    </m:oMath>
+                  </m:oMathPara>
+                </a14:m>
+                <a:endParaRPr lang="en-US" sz="2400" dirty="0"/>
+              </a:p>
+            </p:txBody>
+          </p:sp>
+        </mc:Choice>
+        <mc:Fallback>
+          <p:sp>
+            <p:nvSpPr>
+              <p:cNvPr id="3" name="TextBox 2">
+                <a:extLst>
+                  <a:ext uri="{FF2B5EF4-FFF2-40B4-BE49-F238E27FC236}">
+                    <a16:creationId xmlns:a16="http://schemas.microsoft.com/office/drawing/2014/main" id="{369A982A-5C6F-D434-412C-57931B5C1773}"/>
+                  </a:ext>
+                </a:extLst>
+              </p:cNvPr>
+              <p:cNvSpPr txBox="1">
+                <a:spLocks noRot="1" noChangeAspect="1" noMove="1" noResize="1" noEditPoints="1" noAdjustHandles="1" noChangeArrowheads="1" noChangeShapeType="1" noTextEdit="1"/>
+              </p:cNvSpPr>
+              <p:nvPr/>
+            </p:nvSpPr>
+            <p:spPr>
+              <a:xfrm>
+                <a:off x="5418442" y="5364831"/>
+                <a:ext cx="1735155" cy="461665"/>
+              </a:xfrm>
+              <a:prstGeom prst="rect">
+                <a:avLst/>
+              </a:prstGeom>
+              <a:blipFill>
+                <a:blip r:embed="rId4"/>
+                <a:stretch>
+                  <a:fillRect/>
+                </a:stretch>
+              </a:blipFill>
+            </p:spPr>
+            <p:txBody>
+              <a:bodyPr/>
+              <a:lstStyle/>
+              <a:p>
+                <a:r>
+                  <a:rPr lang="en-US">
+                    <a:noFill/>
+                  </a:rPr>
+                  <a:t> </a:t>
+                </a:r>
+              </a:p>
+            </p:txBody>
+          </p:sp>
+        </mc:Fallback>
+      </mc:AlternateContent>
+      <mc:AlternateContent xmlns:mc="http://schemas.openxmlformats.org/markup-compatibility/2006">
+        <mc:Choice xmlns:a14="http://schemas.microsoft.com/office/drawing/2010/main" Requires="a14">
+          <p:sp>
+            <p:nvSpPr>
+              <p:cNvPr id="4" name="TextBox 3">
+                <a:extLst>
+                  <a:ext uri="{FF2B5EF4-FFF2-40B4-BE49-F238E27FC236}">
+                    <a16:creationId xmlns:a16="http://schemas.microsoft.com/office/drawing/2014/main" id="{BF117A08-6F44-F318-72E0-ED8EC1EAD2B1}"/>
+                  </a:ext>
+                </a:extLst>
+              </p:cNvPr>
+              <p:cNvSpPr txBox="1"/>
+              <p:nvPr/>
+            </p:nvSpPr>
+            <p:spPr>
+              <a:xfrm>
+                <a:off x="9600401" y="5355688"/>
+                <a:ext cx="1735155" cy="461665"/>
+              </a:xfrm>
+              <a:prstGeom prst="rect">
+                <a:avLst/>
+              </a:prstGeom>
+              <a:noFill/>
+            </p:spPr>
+            <p:txBody>
+              <a:bodyPr wrap="none" rtlCol="0">
+                <a:spAutoFit/>
+              </a:bodyPr>
+              <a:lstStyle/>
+              <a:p>
+                <a14:m>
+                  <m:oMathPara xmlns:m="http://schemas.openxmlformats.org/officeDocument/2006/math">
+                    <m:oMathParaPr>
+                      <m:jc m:val="centerGroup"/>
+                    </m:oMathParaPr>
+                    <m:oMath xmlns:m="http://schemas.openxmlformats.org/officeDocument/2006/math">
+                      <m:sSup>
+                        <m:sSupPr>
+                          <m:ctrlPr>
+                            <a:rPr lang="en-US" sz="2400" b="0" i="1" smtClean="0">
+                              <a:latin typeface="Cambria Math" panose="02040503050406030204" pitchFamily="18" charset="0"/>
+                            </a:rPr>
+                          </m:ctrlPr>
+                        </m:sSupPr>
+                        <m:e>
+                          <m:r>
+                            <a:rPr lang="en-US" sz="2400" b="0" i="1" smtClean="0">
+                              <a:latin typeface="Cambria Math" panose="02040503050406030204" pitchFamily="18" charset="0"/>
+                            </a:rPr>
+                            <m:t>𝑅</m:t>
+                          </m:r>
+                        </m:e>
+                        <m:sup>
+                          <m:r>
+                            <a:rPr lang="en-US" sz="2400" b="0" i="1" smtClean="0">
+                              <a:latin typeface="Cambria Math" panose="02040503050406030204" pitchFamily="18" charset="0"/>
+                            </a:rPr>
+                            <m:t>2</m:t>
+                          </m:r>
+                        </m:sup>
+                      </m:sSup>
+                      <m:r>
+                        <a:rPr lang="en-US" sz="2400" b="0" i="1" smtClean="0">
+                          <a:latin typeface="Cambria Math" panose="02040503050406030204" pitchFamily="18" charset="0"/>
+                        </a:rPr>
+                        <m:t>=0.592</m:t>
+                      </m:r>
+                    </m:oMath>
+                  </m:oMathPara>
+                </a14:m>
+                <a:endParaRPr lang="en-US" sz="2400" dirty="0"/>
+              </a:p>
+            </p:txBody>
+          </p:sp>
+        </mc:Choice>
+        <mc:Fallback>
+          <p:sp>
+            <p:nvSpPr>
+              <p:cNvPr id="4" name="TextBox 3">
+                <a:extLst>
+                  <a:ext uri="{FF2B5EF4-FFF2-40B4-BE49-F238E27FC236}">
+                    <a16:creationId xmlns:a16="http://schemas.microsoft.com/office/drawing/2014/main" id="{BF117A08-6F44-F318-72E0-ED8EC1EAD2B1}"/>
+                  </a:ext>
+                </a:extLst>
+              </p:cNvPr>
+              <p:cNvSpPr txBox="1">
+                <a:spLocks noRot="1" noChangeAspect="1" noMove="1" noResize="1" noEditPoints="1" noAdjustHandles="1" noChangeArrowheads="1" noChangeShapeType="1" noTextEdit="1"/>
+              </p:cNvSpPr>
+              <p:nvPr/>
+            </p:nvSpPr>
+            <p:spPr>
+              <a:xfrm>
+                <a:off x="9600401" y="5355688"/>
+                <a:ext cx="1735155" cy="461665"/>
+              </a:xfrm>
+              <a:prstGeom prst="rect">
+                <a:avLst/>
+              </a:prstGeom>
+              <a:blipFill>
+                <a:blip r:embed="rId5"/>
+                <a:stretch>
+                  <a:fillRect/>
+                </a:stretch>
+              </a:blipFill>
+            </p:spPr>
+            <p:txBody>
+              <a:bodyPr/>
+              <a:lstStyle/>
+              <a:p>
+                <a:r>
+                  <a:rPr lang="en-US">
+                    <a:noFill/>
+                  </a:rPr>
+                  <a:t> </a:t>
+                </a:r>
+              </a:p>
+            </p:txBody>
+          </p:sp>
+        </mc:Fallback>
+      </mc:AlternateContent>
+      <p:sp>
+        <p:nvSpPr>
+          <p:cNvPr id="5" name="Rounded Rectangle 4">
+            <a:extLst>
+              <a:ext uri="{FF2B5EF4-FFF2-40B4-BE49-F238E27FC236}">
+                <a16:creationId xmlns:a16="http://schemas.microsoft.com/office/drawing/2014/main" id="{260F42ED-26DF-6449-8E5C-EEB4085DA0C2}"/>
+              </a:ext>
+            </a:extLst>
+          </p:cNvPr>
+          <p:cNvSpPr/>
+          <p:nvPr/>
+        </p:nvSpPr>
+        <p:spPr>
+          <a:xfrm>
+            <a:off x="3763616" y="5832326"/>
+            <a:ext cx="8095951" cy="893384"/>
+          </a:xfrm>
+          <a:prstGeom prst="roundRect">
+            <a:avLst/>
+          </a:prstGeom>
+        </p:spPr>
+        <p:style>
+          <a:lnRef idx="2">
+            <a:schemeClr val="accent5">
+              <a:shade val="15000"/>
+            </a:schemeClr>
+          </a:lnRef>
+          <a:fillRef idx="1">
+            <a:schemeClr val="accent5"/>
+          </a:fillRef>
+          <a:effectRef idx="0">
+            <a:schemeClr val="accent5"/>
+          </a:effectRef>
+          <a:fontRef idx="minor">
+            <a:schemeClr val="lt1"/>
+          </a:fontRef>
+        </p:style>
+        <p:txBody>
+          <a:bodyPr rtlCol="0" anchor="ctr"/>
+          <a:lstStyle/>
+          <a:p>
+            <a:pPr marL="50800" marR="99695">
+              <a:lnSpc>
+                <a:spcPct val="102600"/>
+              </a:lnSpc>
+              <a:spcBef>
+                <a:spcPts val="55"/>
+              </a:spcBef>
+            </a:pPr>
+            <a:r>
+              <a:rPr lang="en-US" sz="2400" spc="-10" dirty="0">
+                <a:latin typeface="Arial"/>
+                <a:cs typeface="Arial"/>
+              </a:rPr>
+              <a:t>Which model explains more of the variance in life expectancy? Is the difference enough to matter?  </a:t>
+            </a:r>
+          </a:p>
+        </p:txBody>
+      </p:sp>
+    </p:spTree>
+    <p:extLst>
+      <p:ext uri="{BB962C8B-B14F-4D97-AF65-F5344CB8AC3E}">
+        <p14:creationId xmlns:p14="http://schemas.microsoft.com/office/powerpoint/2010/main" val="794563971"/>
+      </p:ext>
+    </p:extLst>
+  </p:cSld>
+  <p:clrMapOvr>
+    <a:masterClrMapping/>
+  </p:clrMapOvr>
+</p:sld>
+</file>
+
+<file path=ppt/slides/slide42.xml><?xml version="1.0" encoding="utf-8"?>
+<p:sld xmlns:a="http://schemas.openxmlformats.org/drawingml/2006/main" xmlns:r="http://schemas.openxmlformats.org/officeDocument/2006/relationships" xmlns:p="http://schemas.openxmlformats.org/presentationml/2006/main">
+  <p:cSld>
+    <p:spTree>
+      <p:nvGrpSpPr>
+        <p:cNvPr id="1" name="">
+          <a:extLst>
+            <a:ext uri="{FF2B5EF4-FFF2-40B4-BE49-F238E27FC236}">
+              <a16:creationId xmlns:a16="http://schemas.microsoft.com/office/drawing/2014/main" id="{E279E486-2A66-181F-6BE3-452967B48433}"/>
+            </a:ext>
+          </a:extLst>
+        </p:cNvPr>
+        <p:cNvGrpSpPr/>
+        <p:nvPr/>
+      </p:nvGrpSpPr>
+      <p:grpSpPr>
+        <a:xfrm>
+          <a:off x="0" y="0"/>
+          <a:ext cx="0" cy="0"/>
+          <a:chOff x="0" y="0"/>
+          <a:chExt cx="0" cy="0"/>
+        </a:xfrm>
+      </p:grpSpPr>
+      <p:sp>
+        <p:nvSpPr>
+          <p:cNvPr id="2" name="Title 1">
+            <a:extLst>
+              <a:ext uri="{FF2B5EF4-FFF2-40B4-BE49-F238E27FC236}">
+                <a16:creationId xmlns:a16="http://schemas.microsoft.com/office/drawing/2014/main" id="{A1EC819B-2463-9A9B-411F-F6C439A32636}"/>
+              </a:ext>
+            </a:extLst>
+          </p:cNvPr>
+          <p:cNvSpPr>
+            <a:spLocks noGrp="1"/>
+          </p:cNvSpPr>
+          <p:nvPr>
+            <p:ph type="title"/>
+          </p:nvPr>
+        </p:nvSpPr>
+        <p:spPr/>
+        <p:txBody>
+          <a:bodyPr/>
+          <a:lstStyle/>
+          <a:p>
+            <a:r>
+              <a:rPr lang="en-US" dirty="0"/>
+              <a:t>Comparison of Models</a:t>
+            </a:r>
+          </a:p>
+        </p:txBody>
+      </p:sp>
+      <p:pic>
+        <p:nvPicPr>
+          <p:cNvPr id="7" name="Picture 6" descr="A comparison of a graph with a line and a line&#10;&#10;Description automatically generated with medium confidence">
+            <a:extLst>
+              <a:ext uri="{FF2B5EF4-FFF2-40B4-BE49-F238E27FC236}">
+                <a16:creationId xmlns:a16="http://schemas.microsoft.com/office/drawing/2014/main" id="{D466935A-9EBA-5AED-5CE0-FC2E10304F43}"/>
+              </a:ext>
+            </a:extLst>
+          </p:cNvPr>
+          <p:cNvPicPr>
+            <a:picLocks noChangeAspect="1"/>
+          </p:cNvPicPr>
+          <p:nvPr/>
+        </p:nvPicPr>
+        <p:blipFill>
+          <a:blip r:embed="rId3"/>
+          <a:stretch>
+            <a:fillRect/>
+          </a:stretch>
+        </p:blipFill>
+        <p:spPr>
+          <a:xfrm>
+            <a:off x="3430123" y="1123837"/>
+            <a:ext cx="8761877" cy="4113238"/>
+          </a:xfrm>
+          <a:prstGeom prst="rect">
+            <a:avLst/>
+          </a:prstGeom>
+        </p:spPr>
+      </p:pic>
+      <p:sp>
+        <p:nvSpPr>
+          <p:cNvPr id="9" name="object 3">
+            <a:extLst>
+              <a:ext uri="{FF2B5EF4-FFF2-40B4-BE49-F238E27FC236}">
+                <a16:creationId xmlns:a16="http://schemas.microsoft.com/office/drawing/2014/main" id="{13C9176C-A256-FCF9-C6C9-C794AF300C65}"/>
+              </a:ext>
+            </a:extLst>
+          </p:cNvPr>
+          <p:cNvSpPr txBox="1"/>
+          <p:nvPr/>
+        </p:nvSpPr>
+        <p:spPr>
+          <a:xfrm>
+            <a:off x="3548539" y="381005"/>
+            <a:ext cx="7960320" cy="742832"/>
+          </a:xfrm>
+          <a:prstGeom prst="rect">
+            <a:avLst/>
+          </a:prstGeom>
+        </p:spPr>
+        <p:txBody>
+          <a:bodyPr vert="horz" wrap="square" lIns="0" tIns="6985" rIns="0" bIns="0" rtlCol="0">
+            <a:spAutoFit/>
+          </a:bodyPr>
+          <a:lstStyle/>
+          <a:p>
+            <a:pPr marL="50800" marR="99695">
+              <a:lnSpc>
+                <a:spcPct val="102600"/>
+              </a:lnSpc>
+              <a:spcBef>
+                <a:spcPts val="55"/>
+              </a:spcBef>
+            </a:pPr>
+            <a:r>
+              <a:rPr lang="en-US" sz="2400" spc="-10" dirty="0">
+                <a:latin typeface="Arial"/>
+                <a:cs typeface="Arial"/>
+              </a:rPr>
+              <a:t>We made two models for the same phenomenon. Which is better?</a:t>
+            </a:r>
+          </a:p>
+        </p:txBody>
+      </p:sp>
+      <mc:AlternateContent xmlns:mc="http://schemas.openxmlformats.org/markup-compatibility/2006">
+        <mc:Choice xmlns:a14="http://schemas.microsoft.com/office/drawing/2010/main" Requires="a14">
+          <p:sp>
+            <p:nvSpPr>
+              <p:cNvPr id="3" name="TextBox 2">
+                <a:extLst>
+                  <a:ext uri="{FF2B5EF4-FFF2-40B4-BE49-F238E27FC236}">
+                    <a16:creationId xmlns:a16="http://schemas.microsoft.com/office/drawing/2014/main" id="{B13A4F9E-71BD-6943-ABCD-F8D5AC6D0E1B}"/>
+                  </a:ext>
+                </a:extLst>
+              </p:cNvPr>
+              <p:cNvSpPr txBox="1"/>
+              <p:nvPr/>
+            </p:nvSpPr>
+            <p:spPr>
+              <a:xfrm>
+                <a:off x="5418442" y="5364831"/>
+                <a:ext cx="1735155" cy="461665"/>
+              </a:xfrm>
+              <a:prstGeom prst="rect">
+                <a:avLst/>
+              </a:prstGeom>
+              <a:noFill/>
+            </p:spPr>
+            <p:txBody>
+              <a:bodyPr wrap="none" rtlCol="0">
+                <a:spAutoFit/>
+              </a:bodyPr>
+              <a:lstStyle/>
+              <a:p>
+                <a14:m>
+                  <m:oMathPara xmlns:m="http://schemas.openxmlformats.org/officeDocument/2006/math">
+                    <m:oMathParaPr>
+                      <m:jc m:val="centerGroup"/>
+                    </m:oMathParaPr>
+                    <m:oMath xmlns:m="http://schemas.openxmlformats.org/officeDocument/2006/math">
+                      <m:sSup>
+                        <m:sSupPr>
+                          <m:ctrlPr>
+                            <a:rPr lang="en-US" sz="2400" b="0" i="1" smtClean="0">
+                              <a:latin typeface="Cambria Math" panose="02040503050406030204" pitchFamily="18" charset="0"/>
+                            </a:rPr>
+                          </m:ctrlPr>
+                        </m:sSupPr>
+                        <m:e>
+                          <m:r>
+                            <a:rPr lang="en-US" sz="2400" b="0" i="1" smtClean="0">
+                              <a:latin typeface="Cambria Math" panose="02040503050406030204" pitchFamily="18" charset="0"/>
+                            </a:rPr>
+                            <m:t>𝑅</m:t>
+                          </m:r>
+                        </m:e>
+                        <m:sup>
+                          <m:r>
+                            <a:rPr lang="en-US" sz="2400" b="0" i="1" smtClean="0">
+                              <a:latin typeface="Cambria Math" panose="02040503050406030204" pitchFamily="18" charset="0"/>
+                            </a:rPr>
+                            <m:t>2</m:t>
+                          </m:r>
+                        </m:sup>
+                      </m:sSup>
+                      <m:r>
+                        <a:rPr lang="en-US" sz="2400" b="0" i="1" smtClean="0">
+                          <a:latin typeface="Cambria Math" panose="02040503050406030204" pitchFamily="18" charset="0"/>
+                        </a:rPr>
+                        <m:t>=0.557</m:t>
+                      </m:r>
+                    </m:oMath>
+                  </m:oMathPara>
+                </a14:m>
+                <a:endParaRPr lang="en-US" sz="2400" dirty="0"/>
+              </a:p>
+            </p:txBody>
+          </p:sp>
+        </mc:Choice>
+        <mc:Fallback>
+          <p:sp>
+            <p:nvSpPr>
+              <p:cNvPr id="3" name="TextBox 2">
+                <a:extLst>
+                  <a:ext uri="{FF2B5EF4-FFF2-40B4-BE49-F238E27FC236}">
+                    <a16:creationId xmlns:a16="http://schemas.microsoft.com/office/drawing/2014/main" id="{B13A4F9E-71BD-6943-ABCD-F8D5AC6D0E1B}"/>
+                  </a:ext>
+                </a:extLst>
+              </p:cNvPr>
+              <p:cNvSpPr txBox="1">
+                <a:spLocks noRot="1" noChangeAspect="1" noMove="1" noResize="1" noEditPoints="1" noAdjustHandles="1" noChangeArrowheads="1" noChangeShapeType="1" noTextEdit="1"/>
+              </p:cNvSpPr>
+              <p:nvPr/>
+            </p:nvSpPr>
+            <p:spPr>
+              <a:xfrm>
+                <a:off x="5418442" y="5364831"/>
+                <a:ext cx="1735155" cy="461665"/>
+              </a:xfrm>
+              <a:prstGeom prst="rect">
+                <a:avLst/>
+              </a:prstGeom>
+              <a:blipFill>
+                <a:blip r:embed="rId4"/>
+                <a:stretch>
+                  <a:fillRect/>
+                </a:stretch>
+              </a:blipFill>
+            </p:spPr>
+            <p:txBody>
+              <a:bodyPr/>
+              <a:lstStyle/>
+              <a:p>
+                <a:r>
+                  <a:rPr lang="en-US">
+                    <a:noFill/>
+                  </a:rPr>
+                  <a:t> </a:t>
+                </a:r>
+              </a:p>
+            </p:txBody>
+          </p:sp>
+        </mc:Fallback>
+      </mc:AlternateContent>
+      <mc:AlternateContent xmlns:mc="http://schemas.openxmlformats.org/markup-compatibility/2006">
+        <mc:Choice xmlns:a14="http://schemas.microsoft.com/office/drawing/2010/main" Requires="a14">
+          <p:sp>
+            <p:nvSpPr>
+              <p:cNvPr id="4" name="TextBox 3">
+                <a:extLst>
+                  <a:ext uri="{FF2B5EF4-FFF2-40B4-BE49-F238E27FC236}">
+                    <a16:creationId xmlns:a16="http://schemas.microsoft.com/office/drawing/2014/main" id="{F90441A6-06B0-C26A-5216-F5DB0A7DF74E}"/>
+                  </a:ext>
+                </a:extLst>
+              </p:cNvPr>
+              <p:cNvSpPr txBox="1"/>
+              <p:nvPr/>
+            </p:nvSpPr>
+            <p:spPr>
+              <a:xfrm>
+                <a:off x="9600401" y="5355688"/>
+                <a:ext cx="1735155" cy="461665"/>
+              </a:xfrm>
+              <a:prstGeom prst="rect">
+                <a:avLst/>
+              </a:prstGeom>
+              <a:noFill/>
+            </p:spPr>
+            <p:txBody>
+              <a:bodyPr wrap="none" rtlCol="0">
+                <a:spAutoFit/>
+              </a:bodyPr>
+              <a:lstStyle/>
+              <a:p>
+                <a14:m>
+                  <m:oMathPara xmlns:m="http://schemas.openxmlformats.org/officeDocument/2006/math">
+                    <m:oMathParaPr>
+                      <m:jc m:val="centerGroup"/>
+                    </m:oMathParaPr>
+                    <m:oMath xmlns:m="http://schemas.openxmlformats.org/officeDocument/2006/math">
+                      <m:sSup>
+                        <m:sSupPr>
+                          <m:ctrlPr>
+                            <a:rPr lang="en-US" sz="2400" b="0" i="1" smtClean="0">
+                              <a:latin typeface="Cambria Math" panose="02040503050406030204" pitchFamily="18" charset="0"/>
+                            </a:rPr>
+                          </m:ctrlPr>
+                        </m:sSupPr>
+                        <m:e>
+                          <m:r>
+                            <a:rPr lang="en-US" sz="2400" b="0" i="1" smtClean="0">
+                              <a:latin typeface="Cambria Math" panose="02040503050406030204" pitchFamily="18" charset="0"/>
+                            </a:rPr>
+                            <m:t>𝑅</m:t>
+                          </m:r>
+                        </m:e>
+                        <m:sup>
+                          <m:r>
+                            <a:rPr lang="en-US" sz="2400" b="0" i="1" smtClean="0">
+                              <a:latin typeface="Cambria Math" panose="02040503050406030204" pitchFamily="18" charset="0"/>
+                            </a:rPr>
+                            <m:t>2</m:t>
+                          </m:r>
+                        </m:sup>
+                      </m:sSup>
+                      <m:r>
+                        <a:rPr lang="en-US" sz="2400" b="0" i="1" smtClean="0">
+                          <a:latin typeface="Cambria Math" panose="02040503050406030204" pitchFamily="18" charset="0"/>
+                        </a:rPr>
+                        <m:t>=0.592</m:t>
+                      </m:r>
+                    </m:oMath>
+                  </m:oMathPara>
+                </a14:m>
+                <a:endParaRPr lang="en-US" sz="2400" dirty="0"/>
+              </a:p>
+            </p:txBody>
+          </p:sp>
+        </mc:Choice>
+        <mc:Fallback>
+          <p:sp>
+            <p:nvSpPr>
+              <p:cNvPr id="4" name="TextBox 3">
+                <a:extLst>
+                  <a:ext uri="{FF2B5EF4-FFF2-40B4-BE49-F238E27FC236}">
+                    <a16:creationId xmlns:a16="http://schemas.microsoft.com/office/drawing/2014/main" id="{F90441A6-06B0-C26A-5216-F5DB0A7DF74E}"/>
+                  </a:ext>
+                </a:extLst>
+              </p:cNvPr>
+              <p:cNvSpPr txBox="1">
+                <a:spLocks noRot="1" noChangeAspect="1" noMove="1" noResize="1" noEditPoints="1" noAdjustHandles="1" noChangeArrowheads="1" noChangeShapeType="1" noTextEdit="1"/>
+              </p:cNvSpPr>
+              <p:nvPr/>
+            </p:nvSpPr>
+            <p:spPr>
+              <a:xfrm>
+                <a:off x="9600401" y="5355688"/>
+                <a:ext cx="1735155" cy="461665"/>
+              </a:xfrm>
+              <a:prstGeom prst="rect">
+                <a:avLst/>
+              </a:prstGeom>
+              <a:blipFill>
+                <a:blip r:embed="rId5"/>
+                <a:stretch>
+                  <a:fillRect/>
+                </a:stretch>
+              </a:blipFill>
+            </p:spPr>
+            <p:txBody>
+              <a:bodyPr/>
+              <a:lstStyle/>
+              <a:p>
+                <a:r>
+                  <a:rPr lang="en-US">
+                    <a:noFill/>
+                  </a:rPr>
+                  <a:t> </a:t>
+                </a:r>
+              </a:p>
+            </p:txBody>
+          </p:sp>
+        </mc:Fallback>
+      </mc:AlternateContent>
+      <mc:AlternateContent xmlns:mc="http://schemas.openxmlformats.org/markup-compatibility/2006">
+        <mc:Choice xmlns:a14="http://schemas.microsoft.com/office/drawing/2010/main" Requires="a14">
+          <p:sp>
+            <p:nvSpPr>
+              <p:cNvPr id="5" name="Rounded Rectangle 4">
+                <a:extLst>
+                  <a:ext uri="{FF2B5EF4-FFF2-40B4-BE49-F238E27FC236}">
+                    <a16:creationId xmlns:a16="http://schemas.microsoft.com/office/drawing/2014/main" id="{D2BC0DD6-758C-31FB-0884-4890B1490C7D}"/>
+                  </a:ext>
+                </a:extLst>
+              </p:cNvPr>
+              <p:cNvSpPr/>
+              <p:nvPr/>
+            </p:nvSpPr>
+            <p:spPr>
+              <a:xfrm>
+                <a:off x="3763617" y="5832326"/>
+                <a:ext cx="4625010" cy="893384"/>
+              </a:xfrm>
+              <a:prstGeom prst="roundRect">
+                <a:avLst/>
+              </a:prstGeom>
+            </p:spPr>
+            <p:style>
+              <a:lnRef idx="2">
+                <a:schemeClr val="accent5">
+                  <a:shade val="15000"/>
+                </a:schemeClr>
+              </a:lnRef>
+              <a:fillRef idx="1">
+                <a:schemeClr val="accent5"/>
+              </a:fillRef>
+              <a:effectRef idx="0">
+                <a:schemeClr val="accent5"/>
+              </a:effectRef>
+              <a:fontRef idx="minor">
+                <a:schemeClr val="lt1"/>
+              </a:fontRef>
+            </p:style>
+            <p:txBody>
+              <a:bodyPr rtlCol="0" anchor="ctr"/>
+              <a:lstStyle/>
+              <a:p>
+                <a:pPr marL="50800" marR="99695">
+                  <a:lnSpc>
+                    <a:spcPct val="102600"/>
+                  </a:lnSpc>
+                  <a:spcBef>
+                    <a:spcPts val="55"/>
+                  </a:spcBef>
+                </a:pPr>
+                <a:r>
+                  <a:rPr lang="en-US" sz="2400" spc="-10" dirty="0">
+                    <a:latin typeface="Arial"/>
+                    <a:cs typeface="Arial"/>
+                  </a:rPr>
+                  <a:t>Is a smaller </a:t>
+                </a:r>
+                <a14:m>
+                  <m:oMath xmlns:m="http://schemas.openxmlformats.org/officeDocument/2006/math">
+                    <m:sSup>
+                      <m:sSupPr>
+                        <m:ctrlPr>
+                          <a:rPr lang="en-US" sz="2400" b="0" i="1" spc="-10" smtClean="0">
+                            <a:latin typeface="Cambria Math" panose="02040503050406030204" pitchFamily="18" charset="0"/>
+                            <a:cs typeface="Arial"/>
+                          </a:rPr>
+                        </m:ctrlPr>
+                      </m:sSupPr>
+                      <m:e>
+                        <m:r>
+                          <a:rPr lang="en-US" sz="2400" b="0" i="1" spc="-10" smtClean="0">
+                            <a:latin typeface="Cambria Math" panose="02040503050406030204" pitchFamily="18" charset="0"/>
+                            <a:cs typeface="Arial"/>
+                          </a:rPr>
+                          <m:t>𝑅</m:t>
+                        </m:r>
+                      </m:e>
+                      <m:sup>
+                        <m:r>
+                          <a:rPr lang="en-US" sz="2400" b="0" i="1" spc="-10" smtClean="0">
+                            <a:latin typeface="Cambria Math" panose="02040503050406030204" pitchFamily="18" charset="0"/>
+                            <a:cs typeface="Arial"/>
+                          </a:rPr>
+                          <m:t>2</m:t>
+                        </m:r>
+                      </m:sup>
+                    </m:sSup>
+                  </m:oMath>
+                </a14:m>
+                <a:r>
+                  <a:rPr lang="en-US" sz="2400" spc="-10" dirty="0">
+                    <a:latin typeface="Arial"/>
+                    <a:cs typeface="Arial"/>
+                  </a:rPr>
+                  <a:t> always better?</a:t>
+                </a:r>
+              </a:p>
+            </p:txBody>
+          </p:sp>
+        </mc:Choice>
+        <mc:Fallback>
+          <p:sp>
+            <p:nvSpPr>
+              <p:cNvPr id="5" name="Rounded Rectangle 4">
+                <a:extLst>
+                  <a:ext uri="{FF2B5EF4-FFF2-40B4-BE49-F238E27FC236}">
+                    <a16:creationId xmlns:a16="http://schemas.microsoft.com/office/drawing/2014/main" id="{D2BC0DD6-758C-31FB-0884-4890B1490C7D}"/>
+                  </a:ext>
+                </a:extLst>
+              </p:cNvPr>
+              <p:cNvSpPr>
+                <a:spLocks noRot="1" noChangeAspect="1" noMove="1" noResize="1" noEditPoints="1" noAdjustHandles="1" noChangeArrowheads="1" noChangeShapeType="1" noTextEdit="1"/>
+              </p:cNvSpPr>
+              <p:nvPr/>
+            </p:nvSpPr>
+            <p:spPr>
+              <a:xfrm>
+                <a:off x="3763617" y="5832326"/>
+                <a:ext cx="4625010" cy="893384"/>
+              </a:xfrm>
+              <a:prstGeom prst="roundRect">
+                <a:avLst/>
+              </a:prstGeom>
+              <a:blipFill>
+                <a:blip r:embed="rId6"/>
+                <a:stretch>
+                  <a:fillRect/>
+                </a:stretch>
+              </a:blipFill>
+            </p:spPr>
+            <p:txBody>
+              <a:bodyPr/>
+              <a:lstStyle/>
+              <a:p>
+                <a:r>
+                  <a:rPr lang="en-US">
+                    <a:noFill/>
+                  </a:rPr>
+                  <a:t> </a:t>
+                </a:r>
+              </a:p>
+            </p:txBody>
+          </p:sp>
+        </mc:Fallback>
+      </mc:AlternateContent>
+    </p:spTree>
+    <p:extLst>
+      <p:ext uri="{BB962C8B-B14F-4D97-AF65-F5344CB8AC3E}">
+        <p14:creationId xmlns:p14="http://schemas.microsoft.com/office/powerpoint/2010/main" val="507298910"/>
       </p:ext>
     </p:extLst>
   </p:cSld>
